--- a/docs/figures/ModelCatalogInsertion.pptx
+++ b/docs/figures/ModelCatalogInsertion.pptx
@@ -4,6 +4,9 @@
   <p:sldMasterIdLst>
     <p:sldMasterId id="2147483648" r:id="rId1"/>
   </p:sldMasterIdLst>
+  <p:notesMasterIdLst>
+    <p:notesMasterId r:id="rId3"/>
+  </p:notesMasterIdLst>
   <p:sldIdLst>
     <p:sldId id="256" r:id="rId2"/>
   </p:sldIdLst>
@@ -112,6 +115,440 @@
 </p:presentation>
 </file>
 
+<file path=ppt/notesMasters/notesMaster1.xml><?xml version="1.0" encoding="utf-8"?>
+<p:notesMaster xmlns:a="http://schemas.openxmlformats.org/drawingml/2006/main" xmlns:r="http://schemas.openxmlformats.org/officeDocument/2006/relationships" xmlns:p="http://schemas.openxmlformats.org/presentationml/2006/main">
+  <p:cSld>
+    <p:bg>
+      <p:bgRef idx="1001">
+        <a:schemeClr val="bg1"/>
+      </p:bgRef>
+    </p:bg>
+    <p:spTree>
+      <p:nvGrpSpPr>
+        <p:cNvPr id="1" name=""/>
+        <p:cNvGrpSpPr/>
+        <p:nvPr/>
+      </p:nvGrpSpPr>
+      <p:grpSpPr>
+        <a:xfrm>
+          <a:off x="0" y="0"/>
+          <a:ext cx="0" cy="0"/>
+          <a:chOff x="0" y="0"/>
+          <a:chExt cx="0" cy="0"/>
+        </a:xfrm>
+      </p:grpSpPr>
+      <p:sp>
+        <p:nvSpPr>
+          <p:cNvPr id="2" name="Header Placeholder 1"/>
+          <p:cNvSpPr>
+            <a:spLocks noGrp="1"/>
+          </p:cNvSpPr>
+          <p:nvPr>
+            <p:ph type="hdr" sz="quarter"/>
+          </p:nvPr>
+        </p:nvSpPr>
+        <p:spPr>
+          <a:xfrm>
+            <a:off x="0" y="0"/>
+            <a:ext cx="2971800" cy="458788"/>
+          </a:xfrm>
+          <a:prstGeom prst="rect">
+            <a:avLst/>
+          </a:prstGeom>
+        </p:spPr>
+        <p:txBody>
+          <a:bodyPr vert="horz" lIns="91440" tIns="45720" rIns="91440" bIns="45720" rtlCol="0"/>
+          <a:lstStyle>
+            <a:lvl1pPr algn="l">
+              <a:defRPr sz="1200"/>
+            </a:lvl1pPr>
+          </a:lstStyle>
+          <a:p>
+            <a:endParaRPr lang="en-US"/>
+          </a:p>
+        </p:txBody>
+      </p:sp>
+      <p:sp>
+        <p:nvSpPr>
+          <p:cNvPr id="3" name="Date Placeholder 2"/>
+          <p:cNvSpPr>
+            <a:spLocks noGrp="1"/>
+          </p:cNvSpPr>
+          <p:nvPr>
+            <p:ph type="dt" idx="1"/>
+          </p:nvPr>
+        </p:nvSpPr>
+        <p:spPr>
+          <a:xfrm>
+            <a:off x="3884613" y="0"/>
+            <a:ext cx="2971800" cy="458788"/>
+          </a:xfrm>
+          <a:prstGeom prst="rect">
+            <a:avLst/>
+          </a:prstGeom>
+        </p:spPr>
+        <p:txBody>
+          <a:bodyPr vert="horz" lIns="91440" tIns="45720" rIns="91440" bIns="45720" rtlCol="0"/>
+          <a:lstStyle>
+            <a:lvl1pPr algn="r">
+              <a:defRPr sz="1200"/>
+            </a:lvl1pPr>
+          </a:lstStyle>
+          <a:p>
+            <a:fld id="{4A4A7E92-9CC0-487B-8E65-33EE28512534}" type="datetimeFigureOut">
+              <a:rPr lang="en-US" smtClean="0"/>
+              <a:t>3/18/2020</a:t>
+            </a:fld>
+            <a:endParaRPr lang="en-US"/>
+          </a:p>
+        </p:txBody>
+      </p:sp>
+      <p:sp>
+        <p:nvSpPr>
+          <p:cNvPr id="4" name="Slide Image Placeholder 3"/>
+          <p:cNvSpPr>
+            <a:spLocks noGrp="1" noRot="1" noChangeAspect="1"/>
+          </p:cNvSpPr>
+          <p:nvPr>
+            <p:ph type="sldImg" idx="2"/>
+          </p:nvPr>
+        </p:nvSpPr>
+        <p:spPr>
+          <a:xfrm>
+            <a:off x="685800" y="1143000"/>
+            <a:ext cx="5486400" cy="3086100"/>
+          </a:xfrm>
+          <a:prstGeom prst="rect">
+            <a:avLst/>
+          </a:prstGeom>
+          <a:noFill/>
+          <a:ln w="12700">
+            <a:solidFill>
+              <a:prstClr val="black"/>
+            </a:solidFill>
+          </a:ln>
+        </p:spPr>
+        <p:txBody>
+          <a:bodyPr vert="horz" lIns="91440" tIns="45720" rIns="91440" bIns="45720" rtlCol="0" anchor="ctr"/>
+          <a:lstStyle/>
+          <a:p>
+            <a:endParaRPr lang="en-US"/>
+          </a:p>
+        </p:txBody>
+      </p:sp>
+      <p:sp>
+        <p:nvSpPr>
+          <p:cNvPr id="5" name="Notes Placeholder 4"/>
+          <p:cNvSpPr>
+            <a:spLocks noGrp="1"/>
+          </p:cNvSpPr>
+          <p:nvPr>
+            <p:ph type="body" sz="quarter" idx="3"/>
+          </p:nvPr>
+        </p:nvSpPr>
+        <p:spPr>
+          <a:xfrm>
+            <a:off x="685800" y="4400550"/>
+            <a:ext cx="5486400" cy="3600450"/>
+          </a:xfrm>
+          <a:prstGeom prst="rect">
+            <a:avLst/>
+          </a:prstGeom>
+        </p:spPr>
+        <p:txBody>
+          <a:bodyPr vert="horz" lIns="91440" tIns="45720" rIns="91440" bIns="45720" rtlCol="0"/>
+          <a:lstStyle/>
+          <a:p>
+            <a:pPr lvl="0"/>
+            <a:r>
+              <a:rPr lang="en-US" smtClean="0"/>
+              <a:t>Edit Master text styles</a:t>
+            </a:r>
+          </a:p>
+          <a:p>
+            <a:pPr lvl="1"/>
+            <a:r>
+              <a:rPr lang="en-US" smtClean="0"/>
+              <a:t>Second level</a:t>
+            </a:r>
+          </a:p>
+          <a:p>
+            <a:pPr lvl="2"/>
+            <a:r>
+              <a:rPr lang="en-US" smtClean="0"/>
+              <a:t>Third level</a:t>
+            </a:r>
+          </a:p>
+          <a:p>
+            <a:pPr lvl="3"/>
+            <a:r>
+              <a:rPr lang="en-US" smtClean="0"/>
+              <a:t>Fourth level</a:t>
+            </a:r>
+          </a:p>
+          <a:p>
+            <a:pPr lvl="4"/>
+            <a:r>
+              <a:rPr lang="en-US" smtClean="0"/>
+              <a:t>Fifth level</a:t>
+            </a:r>
+            <a:endParaRPr lang="en-US"/>
+          </a:p>
+        </p:txBody>
+      </p:sp>
+      <p:sp>
+        <p:nvSpPr>
+          <p:cNvPr id="6" name="Footer Placeholder 5"/>
+          <p:cNvSpPr>
+            <a:spLocks noGrp="1"/>
+          </p:cNvSpPr>
+          <p:nvPr>
+            <p:ph type="ftr" sz="quarter" idx="4"/>
+          </p:nvPr>
+        </p:nvSpPr>
+        <p:spPr>
+          <a:xfrm>
+            <a:off x="0" y="8685213"/>
+            <a:ext cx="2971800" cy="458787"/>
+          </a:xfrm>
+          <a:prstGeom prst="rect">
+            <a:avLst/>
+          </a:prstGeom>
+        </p:spPr>
+        <p:txBody>
+          <a:bodyPr vert="horz" lIns="91440" tIns="45720" rIns="91440" bIns="45720" rtlCol="0" anchor="b"/>
+          <a:lstStyle>
+            <a:lvl1pPr algn="l">
+              <a:defRPr sz="1200"/>
+            </a:lvl1pPr>
+          </a:lstStyle>
+          <a:p>
+            <a:endParaRPr lang="en-US"/>
+          </a:p>
+        </p:txBody>
+      </p:sp>
+      <p:sp>
+        <p:nvSpPr>
+          <p:cNvPr id="7" name="Slide Number Placeholder 6"/>
+          <p:cNvSpPr>
+            <a:spLocks noGrp="1"/>
+          </p:cNvSpPr>
+          <p:nvPr>
+            <p:ph type="sldNum" sz="quarter" idx="5"/>
+          </p:nvPr>
+        </p:nvSpPr>
+        <p:spPr>
+          <a:xfrm>
+            <a:off x="3884613" y="8685213"/>
+            <a:ext cx="2971800" cy="458787"/>
+          </a:xfrm>
+          <a:prstGeom prst="rect">
+            <a:avLst/>
+          </a:prstGeom>
+        </p:spPr>
+        <p:txBody>
+          <a:bodyPr vert="horz" lIns="91440" tIns="45720" rIns="91440" bIns="45720" rtlCol="0" anchor="b"/>
+          <a:lstStyle>
+            <a:lvl1pPr algn="r">
+              <a:defRPr sz="1200"/>
+            </a:lvl1pPr>
+          </a:lstStyle>
+          <a:p>
+            <a:fld id="{4CDA1CF7-A308-4486-98ED-8FB6739EC5D9}" type="slidenum">
+              <a:rPr lang="en-US" smtClean="0"/>
+              <a:t>‹#›</a:t>
+            </a:fld>
+            <a:endParaRPr lang="en-US"/>
+          </a:p>
+        </p:txBody>
+      </p:sp>
+    </p:spTree>
+    <p:extLst>
+      <p:ext uri="{BB962C8B-B14F-4D97-AF65-F5344CB8AC3E}">
+        <p14:creationId xmlns:p14="http://schemas.microsoft.com/office/powerpoint/2010/main" val="574567451"/>
+      </p:ext>
+    </p:extLst>
+  </p:cSld>
+  <p:clrMap bg1="lt1" tx1="dk1" bg2="lt2" tx2="dk2" accent1="accent1" accent2="accent2" accent3="accent3" accent4="accent4" accent5="accent5" accent6="accent6" hlink="hlink" folHlink="folHlink"/>
+  <p:notesStyle>
+    <a:lvl1pPr marL="0" algn="l" defTabSz="914400" rtl="0" eaLnBrk="1" latinLnBrk="0" hangingPunct="1">
+      <a:defRPr sz="1200" kern="1200">
+        <a:solidFill>
+          <a:schemeClr val="tx1"/>
+        </a:solidFill>
+        <a:latin typeface="+mn-lt"/>
+        <a:ea typeface="+mn-ea"/>
+        <a:cs typeface="+mn-cs"/>
+      </a:defRPr>
+    </a:lvl1pPr>
+    <a:lvl2pPr marL="457200" algn="l" defTabSz="914400" rtl="0" eaLnBrk="1" latinLnBrk="0" hangingPunct="1">
+      <a:defRPr sz="1200" kern="1200">
+        <a:solidFill>
+          <a:schemeClr val="tx1"/>
+        </a:solidFill>
+        <a:latin typeface="+mn-lt"/>
+        <a:ea typeface="+mn-ea"/>
+        <a:cs typeface="+mn-cs"/>
+      </a:defRPr>
+    </a:lvl2pPr>
+    <a:lvl3pPr marL="914400" algn="l" defTabSz="914400" rtl="0" eaLnBrk="1" latinLnBrk="0" hangingPunct="1">
+      <a:defRPr sz="1200" kern="1200">
+        <a:solidFill>
+          <a:schemeClr val="tx1"/>
+        </a:solidFill>
+        <a:latin typeface="+mn-lt"/>
+        <a:ea typeface="+mn-ea"/>
+        <a:cs typeface="+mn-cs"/>
+      </a:defRPr>
+    </a:lvl3pPr>
+    <a:lvl4pPr marL="1371600" algn="l" defTabSz="914400" rtl="0" eaLnBrk="1" latinLnBrk="0" hangingPunct="1">
+      <a:defRPr sz="1200" kern="1200">
+        <a:solidFill>
+          <a:schemeClr val="tx1"/>
+        </a:solidFill>
+        <a:latin typeface="+mn-lt"/>
+        <a:ea typeface="+mn-ea"/>
+        <a:cs typeface="+mn-cs"/>
+      </a:defRPr>
+    </a:lvl4pPr>
+    <a:lvl5pPr marL="1828800" algn="l" defTabSz="914400" rtl="0" eaLnBrk="1" latinLnBrk="0" hangingPunct="1">
+      <a:defRPr sz="1200" kern="1200">
+        <a:solidFill>
+          <a:schemeClr val="tx1"/>
+        </a:solidFill>
+        <a:latin typeface="+mn-lt"/>
+        <a:ea typeface="+mn-ea"/>
+        <a:cs typeface="+mn-cs"/>
+      </a:defRPr>
+    </a:lvl5pPr>
+    <a:lvl6pPr marL="2286000" algn="l" defTabSz="914400" rtl="0" eaLnBrk="1" latinLnBrk="0" hangingPunct="1">
+      <a:defRPr sz="1200" kern="1200">
+        <a:solidFill>
+          <a:schemeClr val="tx1"/>
+        </a:solidFill>
+        <a:latin typeface="+mn-lt"/>
+        <a:ea typeface="+mn-ea"/>
+        <a:cs typeface="+mn-cs"/>
+      </a:defRPr>
+    </a:lvl6pPr>
+    <a:lvl7pPr marL="2743200" algn="l" defTabSz="914400" rtl="0" eaLnBrk="1" latinLnBrk="0" hangingPunct="1">
+      <a:defRPr sz="1200" kern="1200">
+        <a:solidFill>
+          <a:schemeClr val="tx1"/>
+        </a:solidFill>
+        <a:latin typeface="+mn-lt"/>
+        <a:ea typeface="+mn-ea"/>
+        <a:cs typeface="+mn-cs"/>
+      </a:defRPr>
+    </a:lvl7pPr>
+    <a:lvl8pPr marL="3200400" algn="l" defTabSz="914400" rtl="0" eaLnBrk="1" latinLnBrk="0" hangingPunct="1">
+      <a:defRPr sz="1200" kern="1200">
+        <a:solidFill>
+          <a:schemeClr val="tx1"/>
+        </a:solidFill>
+        <a:latin typeface="+mn-lt"/>
+        <a:ea typeface="+mn-ea"/>
+        <a:cs typeface="+mn-cs"/>
+      </a:defRPr>
+    </a:lvl8pPr>
+    <a:lvl9pPr marL="3657600" algn="l" defTabSz="914400" rtl="0" eaLnBrk="1" latinLnBrk="0" hangingPunct="1">
+      <a:defRPr sz="1200" kern="1200">
+        <a:solidFill>
+          <a:schemeClr val="tx1"/>
+        </a:solidFill>
+        <a:latin typeface="+mn-lt"/>
+        <a:ea typeface="+mn-ea"/>
+        <a:cs typeface="+mn-cs"/>
+      </a:defRPr>
+    </a:lvl9pPr>
+  </p:notesStyle>
+</p:notesMaster>
+</file>
+
+<file path=ppt/notesSlides/notesSlide1.xml><?xml version="1.0" encoding="utf-8"?>
+<p:notes xmlns:a="http://schemas.openxmlformats.org/drawingml/2006/main" xmlns:r="http://schemas.openxmlformats.org/officeDocument/2006/relationships" xmlns:p="http://schemas.openxmlformats.org/presentationml/2006/main">
+  <p:cSld>
+    <p:spTree>
+      <p:nvGrpSpPr>
+        <p:cNvPr id="1" name=""/>
+        <p:cNvGrpSpPr/>
+        <p:nvPr/>
+      </p:nvGrpSpPr>
+      <p:grpSpPr>
+        <a:xfrm>
+          <a:off x="0" y="0"/>
+          <a:ext cx="0" cy="0"/>
+          <a:chOff x="0" y="0"/>
+          <a:chExt cx="0" cy="0"/>
+        </a:xfrm>
+      </p:grpSpPr>
+      <p:sp>
+        <p:nvSpPr>
+          <p:cNvPr id="2" name="Slide Image Placeholder 1"/>
+          <p:cNvSpPr>
+            <a:spLocks noGrp="1" noRot="1" noChangeAspect="1"/>
+          </p:cNvSpPr>
+          <p:nvPr>
+            <p:ph type="sldImg"/>
+          </p:nvPr>
+        </p:nvSpPr>
+        <p:spPr/>
+      </p:sp>
+      <p:sp>
+        <p:nvSpPr>
+          <p:cNvPr id="3" name="Notes Placeholder 2"/>
+          <p:cNvSpPr>
+            <a:spLocks noGrp="1"/>
+          </p:cNvSpPr>
+          <p:nvPr>
+            <p:ph type="body" idx="1"/>
+          </p:nvPr>
+        </p:nvSpPr>
+        <p:spPr/>
+        <p:txBody>
+          <a:bodyPr/>
+          <a:lstStyle/>
+          <a:p>
+            <a:endParaRPr lang="en-US" dirty="0"/>
+          </a:p>
+        </p:txBody>
+      </p:sp>
+      <p:sp>
+        <p:nvSpPr>
+          <p:cNvPr id="4" name="Slide Number Placeholder 3"/>
+          <p:cNvSpPr>
+            <a:spLocks noGrp="1"/>
+          </p:cNvSpPr>
+          <p:nvPr>
+            <p:ph type="sldNum" sz="quarter" idx="10"/>
+          </p:nvPr>
+        </p:nvSpPr>
+        <p:spPr/>
+        <p:txBody>
+          <a:bodyPr/>
+          <a:lstStyle/>
+          <a:p>
+            <a:fld id="{4CDA1CF7-A308-4486-98ED-8FB6739EC5D9}" type="slidenum">
+              <a:rPr lang="en-US" smtClean="0"/>
+              <a:t>1</a:t>
+            </a:fld>
+            <a:endParaRPr lang="en-US"/>
+          </a:p>
+        </p:txBody>
+      </p:sp>
+    </p:spTree>
+    <p:extLst>
+      <p:ext uri="{BB962C8B-B14F-4D97-AF65-F5344CB8AC3E}">
+        <p14:creationId xmlns:p14="http://schemas.microsoft.com/office/powerpoint/2010/main" val="35982812"/>
+      </p:ext>
+    </p:extLst>
+  </p:cSld>
+  <p:clrMapOvr>
+    <a:masterClrMapping/>
+  </p:clrMapOvr>
+</p:notes>
+</file>
+
 <file path=ppt/slideLayouts/slideLayout1.xml><?xml version="1.0" encoding="utf-8"?>
 <p:sldLayout xmlns:a="http://schemas.openxmlformats.org/drawingml/2006/main" xmlns:r="http://schemas.openxmlformats.org/officeDocument/2006/relationships" xmlns:p="http://schemas.openxmlformats.org/presentationml/2006/main" type="title" preserve="1">
   <p:cSld name="Title Slide">
@@ -243,7 +680,7 @@
           <a:p>
             <a:fld id="{23CFBB76-9FFC-4901-A987-836C07D9CD4F}" type="datetimeFigureOut">
               <a:rPr lang="en-US" smtClean="0"/>
-              <a:t>3/10/2020</a:t>
+              <a:t>3/18/2020</a:t>
             </a:fld>
             <a:endParaRPr lang="en-US"/>
           </a:p>
@@ -413,7 +850,7 @@
           <a:p>
             <a:fld id="{23CFBB76-9FFC-4901-A987-836C07D9CD4F}" type="datetimeFigureOut">
               <a:rPr lang="en-US" smtClean="0"/>
-              <a:t>3/10/2020</a:t>
+              <a:t>3/18/2020</a:t>
             </a:fld>
             <a:endParaRPr lang="en-US"/>
           </a:p>
@@ -593,7 +1030,7 @@
           <a:p>
             <a:fld id="{23CFBB76-9FFC-4901-A987-836C07D9CD4F}" type="datetimeFigureOut">
               <a:rPr lang="en-US" smtClean="0"/>
-              <a:t>3/10/2020</a:t>
+              <a:t>3/18/2020</a:t>
             </a:fld>
             <a:endParaRPr lang="en-US"/>
           </a:p>
@@ -763,7 +1200,7 @@
           <a:p>
             <a:fld id="{23CFBB76-9FFC-4901-A987-836C07D9CD4F}" type="datetimeFigureOut">
               <a:rPr lang="en-US" smtClean="0"/>
-              <a:t>3/10/2020</a:t>
+              <a:t>3/18/2020</a:t>
             </a:fld>
             <a:endParaRPr lang="en-US"/>
           </a:p>
@@ -1009,7 +1446,7 @@
           <a:p>
             <a:fld id="{23CFBB76-9FFC-4901-A987-836C07D9CD4F}" type="datetimeFigureOut">
               <a:rPr lang="en-US" smtClean="0"/>
-              <a:t>3/10/2020</a:t>
+              <a:t>3/18/2020</a:t>
             </a:fld>
             <a:endParaRPr lang="en-US"/>
           </a:p>
@@ -1241,7 +1678,7 @@
           <a:p>
             <a:fld id="{23CFBB76-9FFC-4901-A987-836C07D9CD4F}" type="datetimeFigureOut">
               <a:rPr lang="en-US" smtClean="0"/>
-              <a:t>3/10/2020</a:t>
+              <a:t>3/18/2020</a:t>
             </a:fld>
             <a:endParaRPr lang="en-US"/>
           </a:p>
@@ -1608,7 +2045,7 @@
           <a:p>
             <a:fld id="{23CFBB76-9FFC-4901-A987-836C07D9CD4F}" type="datetimeFigureOut">
               <a:rPr lang="en-US" smtClean="0"/>
-              <a:t>3/10/2020</a:t>
+              <a:t>3/18/2020</a:t>
             </a:fld>
             <a:endParaRPr lang="en-US"/>
           </a:p>
@@ -1726,7 +2163,7 @@
           <a:p>
             <a:fld id="{23CFBB76-9FFC-4901-A987-836C07D9CD4F}" type="datetimeFigureOut">
               <a:rPr lang="en-US" smtClean="0"/>
-              <a:t>3/10/2020</a:t>
+              <a:t>3/18/2020</a:t>
             </a:fld>
             <a:endParaRPr lang="en-US"/>
           </a:p>
@@ -1821,7 +2258,7 @@
           <a:p>
             <a:fld id="{23CFBB76-9FFC-4901-A987-836C07D9CD4F}" type="datetimeFigureOut">
               <a:rPr lang="en-US" smtClean="0"/>
-              <a:t>3/10/2020</a:t>
+              <a:t>3/18/2020</a:t>
             </a:fld>
             <a:endParaRPr lang="en-US"/>
           </a:p>
@@ -2098,7 +2535,7 @@
           <a:p>
             <a:fld id="{23CFBB76-9FFC-4901-A987-836C07D9CD4F}" type="datetimeFigureOut">
               <a:rPr lang="en-US" smtClean="0"/>
-              <a:t>3/10/2020</a:t>
+              <a:t>3/18/2020</a:t>
             </a:fld>
             <a:endParaRPr lang="en-US"/>
           </a:p>
@@ -2351,7 +2788,7 @@
           <a:p>
             <a:fld id="{23CFBB76-9FFC-4901-A987-836C07D9CD4F}" type="datetimeFigureOut">
               <a:rPr lang="en-US" smtClean="0"/>
-              <a:t>3/10/2020</a:t>
+              <a:t>3/18/2020</a:t>
             </a:fld>
             <a:endParaRPr lang="en-US"/>
           </a:p>
@@ -2564,7 +3001,7 @@
           <a:p>
             <a:fld id="{23CFBB76-9FFC-4901-A987-836C07D9CD4F}" type="datetimeFigureOut">
               <a:rPr lang="en-US" smtClean="0"/>
-              <a:t>3/10/2020</a:t>
+              <a:t>3/18/2020</a:t>
             </a:fld>
             <a:endParaRPr lang="en-US"/>
           </a:p>
@@ -2999,2371 +3436,2894 @@
           </a:p>
         </p:txBody>
       </p:sp>
-      <p:grpSp>
-        <p:nvGrpSpPr>
-          <p:cNvPr id="2" name="Group 1"/>
-          <p:cNvGrpSpPr/>
+      <p:sp>
+        <p:nvSpPr>
+          <p:cNvPr id="160" name="Rectangle 159"/>
+          <p:cNvSpPr/>
           <p:nvPr/>
-        </p:nvGrpSpPr>
-        <p:grpSpPr>
-          <a:xfrm>
-            <a:off x="355600" y="312609"/>
-            <a:ext cx="11034436" cy="6545391"/>
-            <a:chOff x="355600" y="312609"/>
-            <a:chExt cx="11034436" cy="6545391"/>
-          </a:xfrm>
-        </p:grpSpPr>
-        <p:sp>
-          <p:nvSpPr>
-            <p:cNvPr id="160" name="Rectangle 159"/>
-            <p:cNvSpPr/>
-            <p:nvPr/>
-          </p:nvSpPr>
-          <p:spPr>
-            <a:xfrm>
-              <a:off x="7730836" y="312609"/>
-              <a:ext cx="3659200" cy="1611767"/>
-            </a:xfrm>
-            <a:prstGeom prst="rect">
-              <a:avLst/>
-            </a:prstGeom>
+        </p:nvSpPr>
+        <p:spPr>
+          <a:xfrm>
+            <a:off x="7740073" y="312609"/>
+            <a:ext cx="3605448" cy="1611767"/>
+          </a:xfrm>
+          <a:prstGeom prst="rect">
+            <a:avLst/>
+          </a:prstGeom>
+          <a:solidFill>
+            <a:schemeClr val="bg1">
+              <a:lumMod val="95000"/>
+            </a:schemeClr>
+          </a:solidFill>
+          <a:ln>
             <a:solidFill>
-              <a:schemeClr val="bg1">
-                <a:lumMod val="95000"/>
-              </a:schemeClr>
+              <a:srgbClr val="C00000"/>
             </a:solidFill>
-            <a:ln>
+          </a:ln>
+        </p:spPr>
+        <p:style>
+          <a:lnRef idx="2">
+            <a:schemeClr val="accent1">
+              <a:shade val="50000"/>
+            </a:schemeClr>
+          </a:lnRef>
+          <a:fillRef idx="1">
+            <a:schemeClr val="accent1"/>
+          </a:fillRef>
+          <a:effectRef idx="0">
+            <a:schemeClr val="accent1"/>
+          </a:effectRef>
+          <a:fontRef idx="minor">
+            <a:schemeClr val="lt1"/>
+          </a:fontRef>
+        </p:style>
+        <p:txBody>
+          <a:bodyPr rtlCol="0" anchor="ctr"/>
+          <a:lstStyle/>
+          <a:p>
+            <a:pPr algn="ctr"/>
+            <a:endParaRPr lang="en-US"/>
+          </a:p>
+        </p:txBody>
+      </p:sp>
+      <p:sp>
+        <p:nvSpPr>
+          <p:cNvPr id="6" name="Rounded Rectangle 5"/>
+          <p:cNvSpPr/>
+          <p:nvPr/>
+        </p:nvSpPr>
+        <p:spPr>
+          <a:xfrm>
+            <a:off x="9040831" y="2968550"/>
+            <a:ext cx="1524000" cy="1183580"/>
+          </a:xfrm>
+          <a:prstGeom prst="roundRect">
+            <a:avLst/>
+          </a:prstGeom>
+          <a:solidFill>
+            <a:schemeClr val="accent6">
+              <a:lumMod val="20000"/>
+              <a:lumOff val="80000"/>
+            </a:schemeClr>
+          </a:solidFill>
+          <a:ln>
+            <a:solidFill>
+              <a:srgbClr val="C00000"/>
+            </a:solidFill>
+          </a:ln>
+        </p:spPr>
+        <p:style>
+          <a:lnRef idx="2">
+            <a:schemeClr val="accent1">
+              <a:shade val="50000"/>
+            </a:schemeClr>
+          </a:lnRef>
+          <a:fillRef idx="1">
+            <a:schemeClr val="accent1"/>
+          </a:fillRef>
+          <a:effectRef idx="0">
+            <a:schemeClr val="accent1"/>
+          </a:effectRef>
+          <a:fontRef idx="minor">
+            <a:schemeClr val="lt1"/>
+          </a:fontRef>
+        </p:style>
+        <p:txBody>
+          <a:bodyPr rtlCol="0" anchor="t"/>
+          <a:lstStyle/>
+          <a:p>
+            <a:pPr algn="ctr"/>
+            <a:r>
+              <a:rPr lang="en-US" dirty="0">
+                <a:solidFill>
+                  <a:srgbClr val="C00000"/>
+                </a:solidFill>
+              </a:rPr>
+              <a:t>Knowledge Graph</a:t>
+            </a:r>
+          </a:p>
+        </p:txBody>
+      </p:sp>
+      <p:sp>
+        <p:nvSpPr>
+          <p:cNvPr id="7" name="Rectangle 6"/>
+          <p:cNvSpPr/>
+          <p:nvPr/>
+        </p:nvSpPr>
+        <p:spPr>
+          <a:xfrm>
+            <a:off x="9210322" y="3718022"/>
+            <a:ext cx="1219200" cy="323272"/>
+          </a:xfrm>
+          <a:prstGeom prst="rect">
+            <a:avLst/>
+          </a:prstGeom>
+          <a:solidFill>
+            <a:schemeClr val="accent6">
+              <a:lumMod val="20000"/>
+              <a:lumOff val="80000"/>
+            </a:schemeClr>
+          </a:solidFill>
+          <a:ln>
+            <a:solidFill>
+              <a:srgbClr val="C00000"/>
+            </a:solidFill>
+          </a:ln>
+        </p:spPr>
+        <p:style>
+          <a:lnRef idx="2">
+            <a:schemeClr val="accent1">
+              <a:shade val="50000"/>
+            </a:schemeClr>
+          </a:lnRef>
+          <a:fillRef idx="1">
+            <a:schemeClr val="accent1"/>
+          </a:fillRef>
+          <a:effectRef idx="0">
+            <a:schemeClr val="accent1"/>
+          </a:effectRef>
+          <a:fontRef idx="minor">
+            <a:schemeClr val="lt1"/>
+          </a:fontRef>
+        </p:style>
+        <p:txBody>
+          <a:bodyPr rtlCol="0" anchor="t"/>
+          <a:lstStyle/>
+          <a:p>
+            <a:pPr algn="ctr"/>
+            <a:r>
+              <a:rPr lang="en-US" dirty="0">
+                <a:solidFill>
+                  <a:srgbClr val="C00000"/>
+                </a:solidFill>
+              </a:rPr>
+              <a:t>Endpoint</a:t>
+            </a:r>
+          </a:p>
+        </p:txBody>
+      </p:sp>
+      <p:sp>
+        <p:nvSpPr>
+          <p:cNvPr id="8" name="Rectangle 7"/>
+          <p:cNvSpPr/>
+          <p:nvPr/>
+        </p:nvSpPr>
+        <p:spPr>
+          <a:xfrm>
+            <a:off x="9219558" y="4406129"/>
+            <a:ext cx="1219200" cy="323272"/>
+          </a:xfrm>
+          <a:prstGeom prst="rect">
+            <a:avLst/>
+          </a:prstGeom>
+          <a:solidFill>
+            <a:schemeClr val="accent6">
+              <a:lumMod val="20000"/>
+              <a:lumOff val="80000"/>
+            </a:schemeClr>
+          </a:solidFill>
+          <a:ln>
+            <a:solidFill>
+              <a:srgbClr val="C00000"/>
+            </a:solidFill>
+          </a:ln>
+        </p:spPr>
+        <p:style>
+          <a:lnRef idx="2">
+            <a:schemeClr val="accent1">
+              <a:shade val="50000"/>
+            </a:schemeClr>
+          </a:lnRef>
+          <a:fillRef idx="1">
+            <a:schemeClr val="accent1"/>
+          </a:fillRef>
+          <a:effectRef idx="0">
+            <a:schemeClr val="accent1"/>
+          </a:effectRef>
+          <a:fontRef idx="minor">
+            <a:schemeClr val="lt1"/>
+          </a:fontRef>
+        </p:style>
+        <p:txBody>
+          <a:bodyPr rtlCol="0" anchor="t"/>
+          <a:lstStyle/>
+          <a:p>
+            <a:pPr algn="ctr"/>
+            <a:r>
+              <a:rPr lang="en-US" dirty="0">
+                <a:solidFill>
+                  <a:srgbClr val="C00000"/>
+                </a:solidFill>
+              </a:rPr>
+              <a:t>REST API</a:t>
+            </a:r>
+          </a:p>
+        </p:txBody>
+      </p:sp>
+      <p:cxnSp>
+        <p:nvCxnSpPr>
+          <p:cNvPr id="10" name="Straight Arrow Connector 9"/>
+          <p:cNvCxnSpPr/>
+          <p:nvPr/>
+        </p:nvCxnSpPr>
+        <p:spPr>
+          <a:xfrm>
+            <a:off x="9487413" y="4065539"/>
+            <a:ext cx="0" cy="327891"/>
+          </a:xfrm>
+          <a:prstGeom prst="straightConnector1">
+            <a:avLst/>
+          </a:prstGeom>
+          <a:ln>
+            <a:solidFill>
+              <a:schemeClr val="tx1"/>
+            </a:solidFill>
+            <a:tailEnd type="triangle"/>
+          </a:ln>
+        </p:spPr>
+        <p:style>
+          <a:lnRef idx="1">
+            <a:schemeClr val="accent1"/>
+          </a:lnRef>
+          <a:fillRef idx="0">
+            <a:schemeClr val="accent1"/>
+          </a:fillRef>
+          <a:effectRef idx="0">
+            <a:schemeClr val="accent1"/>
+          </a:effectRef>
+          <a:fontRef idx="minor">
+            <a:schemeClr val="tx1"/>
+          </a:fontRef>
+        </p:style>
+      </p:cxnSp>
+      <p:cxnSp>
+        <p:nvCxnSpPr>
+          <p:cNvPr id="11" name="Straight Arrow Connector 10"/>
+          <p:cNvCxnSpPr/>
+          <p:nvPr/>
+        </p:nvCxnSpPr>
+        <p:spPr>
+          <a:xfrm flipV="1">
+            <a:off x="10229558" y="4021090"/>
+            <a:ext cx="0" cy="372341"/>
+          </a:xfrm>
+          <a:prstGeom prst="straightConnector1">
+            <a:avLst/>
+          </a:prstGeom>
+          <a:ln>
+            <a:solidFill>
+              <a:schemeClr val="tx1"/>
+            </a:solidFill>
+            <a:tailEnd type="triangle"/>
+          </a:ln>
+        </p:spPr>
+        <p:style>
+          <a:lnRef idx="1">
+            <a:schemeClr val="accent1"/>
+          </a:lnRef>
+          <a:fillRef idx="0">
+            <a:schemeClr val="accent1"/>
+          </a:fillRef>
+          <a:effectRef idx="0">
+            <a:schemeClr val="accent1"/>
+          </a:effectRef>
+          <a:fontRef idx="minor">
+            <a:schemeClr val="tx1"/>
+          </a:fontRef>
+        </p:style>
+      </p:cxnSp>
+      <p:sp>
+        <p:nvSpPr>
+          <p:cNvPr id="17" name="Folded Corner 16"/>
+          <p:cNvSpPr/>
+          <p:nvPr/>
+        </p:nvSpPr>
+        <p:spPr>
+          <a:xfrm>
+            <a:off x="10097230" y="5034004"/>
+            <a:ext cx="1248291" cy="688067"/>
+          </a:xfrm>
+          <a:prstGeom prst="foldedCorner">
+            <a:avLst/>
+          </a:prstGeom>
+          <a:solidFill>
+            <a:schemeClr val="accent6">
+              <a:lumMod val="20000"/>
+              <a:lumOff val="80000"/>
+            </a:schemeClr>
+          </a:solidFill>
+          <a:ln>
+            <a:solidFill>
+              <a:srgbClr val="C00000"/>
+            </a:solidFill>
+          </a:ln>
+        </p:spPr>
+        <p:style>
+          <a:lnRef idx="2">
+            <a:schemeClr val="accent1">
+              <a:shade val="50000"/>
+            </a:schemeClr>
+          </a:lnRef>
+          <a:fillRef idx="1">
+            <a:schemeClr val="accent1"/>
+          </a:fillRef>
+          <a:effectRef idx="0">
+            <a:schemeClr val="accent1"/>
+          </a:effectRef>
+          <a:fontRef idx="minor">
+            <a:schemeClr val="lt1"/>
+          </a:fontRef>
+        </p:style>
+        <p:txBody>
+          <a:bodyPr rtlCol="0" anchor="t"/>
+          <a:lstStyle/>
+          <a:p>
+            <a:pPr algn="ctr"/>
+            <a:r>
+              <a:rPr lang="en-US" dirty="0">
+                <a:solidFill>
+                  <a:srgbClr val="C00000"/>
+                </a:solidFill>
+              </a:rPr>
+              <a:t>Notebooks</a:t>
+            </a:r>
+          </a:p>
+        </p:txBody>
+      </p:sp>
+      <p:sp>
+        <p:nvSpPr>
+          <p:cNvPr id="21" name="Rectangle 20"/>
+          <p:cNvSpPr/>
+          <p:nvPr/>
+        </p:nvSpPr>
+        <p:spPr>
+          <a:xfrm>
+            <a:off x="8743994" y="5035626"/>
+            <a:ext cx="1219200" cy="688068"/>
+          </a:xfrm>
+          <a:prstGeom prst="rect">
+            <a:avLst/>
+          </a:prstGeom>
+          <a:solidFill>
+            <a:schemeClr val="accent6">
+              <a:lumMod val="20000"/>
+              <a:lumOff val="80000"/>
+            </a:schemeClr>
+          </a:solidFill>
+          <a:ln>
+            <a:solidFill>
+              <a:srgbClr val="C00000"/>
+            </a:solidFill>
+          </a:ln>
+        </p:spPr>
+        <p:style>
+          <a:lnRef idx="2">
+            <a:schemeClr val="accent1">
+              <a:shade val="50000"/>
+            </a:schemeClr>
+          </a:lnRef>
+          <a:fillRef idx="1">
+            <a:schemeClr val="accent1"/>
+          </a:fillRef>
+          <a:effectRef idx="0">
+            <a:schemeClr val="accent1"/>
+          </a:effectRef>
+          <a:fontRef idx="minor">
+            <a:schemeClr val="lt1"/>
+          </a:fontRef>
+        </p:style>
+        <p:txBody>
+          <a:bodyPr rtlCol="0" anchor="t"/>
+          <a:lstStyle/>
+          <a:p>
+            <a:pPr algn="ctr"/>
+            <a:r>
+              <a:rPr lang="en-US" dirty="0" smtClean="0">
+                <a:solidFill>
+                  <a:srgbClr val="C00000"/>
+                </a:solidFill>
+              </a:rPr>
+              <a:t>Python/JS </a:t>
+            </a:r>
+            <a:r>
+              <a:rPr lang="en-US" dirty="0">
+                <a:solidFill>
+                  <a:srgbClr val="C00000"/>
+                </a:solidFill>
+              </a:rPr>
+              <a:t>Client</a:t>
+            </a:r>
+          </a:p>
+        </p:txBody>
+      </p:sp>
+      <p:cxnSp>
+        <p:nvCxnSpPr>
+          <p:cNvPr id="22" name="Straight Arrow Connector 21"/>
+          <p:cNvCxnSpPr>
+            <a:stCxn id="21" idx="0"/>
+            <a:endCxn id="8" idx="2"/>
+          </p:cNvCxnSpPr>
+          <p:nvPr/>
+        </p:nvCxnSpPr>
+        <p:spPr>
+          <a:xfrm flipV="1">
+            <a:off x="9353594" y="4729401"/>
+            <a:ext cx="475564" cy="306225"/>
+          </a:xfrm>
+          <a:prstGeom prst="straightConnector1">
+            <a:avLst/>
+          </a:prstGeom>
+          <a:ln>
+            <a:solidFill>
+              <a:schemeClr val="tx1"/>
+            </a:solidFill>
+            <a:tailEnd type="triangle"/>
+          </a:ln>
+        </p:spPr>
+        <p:style>
+          <a:lnRef idx="1">
+            <a:schemeClr val="accent1"/>
+          </a:lnRef>
+          <a:fillRef idx="0">
+            <a:schemeClr val="accent1"/>
+          </a:fillRef>
+          <a:effectRef idx="0">
+            <a:schemeClr val="accent1"/>
+          </a:effectRef>
+          <a:fontRef idx="minor">
+            <a:schemeClr val="tx1"/>
+          </a:fontRef>
+        </p:style>
+      </p:cxnSp>
+      <p:cxnSp>
+        <p:nvCxnSpPr>
+          <p:cNvPr id="25" name="Straight Arrow Connector 24"/>
+          <p:cNvCxnSpPr>
+            <a:stCxn id="17" idx="0"/>
+            <a:endCxn id="8" idx="2"/>
+          </p:cNvCxnSpPr>
+          <p:nvPr/>
+        </p:nvCxnSpPr>
+        <p:spPr>
+          <a:xfrm flipH="1" flipV="1">
+            <a:off x="9829158" y="4729401"/>
+            <a:ext cx="892218" cy="304603"/>
+          </a:xfrm>
+          <a:prstGeom prst="straightConnector1">
+            <a:avLst/>
+          </a:prstGeom>
+          <a:ln>
+            <a:solidFill>
+              <a:schemeClr val="tx1"/>
+            </a:solidFill>
+            <a:tailEnd type="triangle"/>
+          </a:ln>
+        </p:spPr>
+        <p:style>
+          <a:lnRef idx="1">
+            <a:schemeClr val="accent1"/>
+          </a:lnRef>
+          <a:fillRef idx="0">
+            <a:schemeClr val="accent1"/>
+          </a:fillRef>
+          <a:effectRef idx="0">
+            <a:schemeClr val="accent1"/>
+          </a:effectRef>
+          <a:fontRef idx="minor">
+            <a:schemeClr val="tx1"/>
+          </a:fontRef>
+        </p:style>
+      </p:cxnSp>
+      <p:sp>
+        <p:nvSpPr>
+          <p:cNvPr id="28" name="Rounded Rectangle 27"/>
+          <p:cNvSpPr/>
+          <p:nvPr/>
+        </p:nvSpPr>
+        <p:spPr>
+          <a:xfrm>
+            <a:off x="262984" y="1561793"/>
+            <a:ext cx="1524000" cy="438427"/>
+          </a:xfrm>
+          <a:prstGeom prst="roundRect">
+            <a:avLst/>
+          </a:prstGeom>
+          <a:solidFill>
+            <a:schemeClr val="bg1">
+              <a:lumMod val="95000"/>
+            </a:schemeClr>
+          </a:solidFill>
+          <a:ln>
+            <a:solidFill>
+              <a:srgbClr val="C00000"/>
+            </a:solidFill>
+          </a:ln>
+        </p:spPr>
+        <p:style>
+          <a:lnRef idx="2">
+            <a:schemeClr val="accent1">
+              <a:shade val="50000"/>
+            </a:schemeClr>
+          </a:lnRef>
+          <a:fillRef idx="1">
+            <a:schemeClr val="accent1"/>
+          </a:fillRef>
+          <a:effectRef idx="0">
+            <a:schemeClr val="accent1"/>
+          </a:effectRef>
+          <a:fontRef idx="minor">
+            <a:schemeClr val="lt1"/>
+          </a:fontRef>
+        </p:style>
+        <p:txBody>
+          <a:bodyPr rtlCol="0" anchor="t"/>
+          <a:lstStyle/>
+          <a:p>
+            <a:pPr algn="ctr"/>
+            <a:r>
+              <a:rPr lang="en-US" dirty="0" smtClean="0">
+                <a:solidFill>
+                  <a:srgbClr val="C00000"/>
+                </a:solidFill>
+              </a:rPr>
+              <a:t>GitHub</a:t>
+            </a:r>
+            <a:endParaRPr lang="en-US" dirty="0">
               <a:solidFill>
                 <a:srgbClr val="C00000"/>
               </a:solidFill>
-            </a:ln>
-          </p:spPr>
-          <p:style>
-            <a:lnRef idx="2">
-              <a:schemeClr val="accent1">
-                <a:shade val="50000"/>
-              </a:schemeClr>
-            </a:lnRef>
-            <a:fillRef idx="1">
-              <a:schemeClr val="accent1"/>
-            </a:fillRef>
-            <a:effectRef idx="0">
-              <a:schemeClr val="accent1"/>
-            </a:effectRef>
-            <a:fontRef idx="minor">
-              <a:schemeClr val="lt1"/>
-            </a:fontRef>
-          </p:style>
-          <p:txBody>
-            <a:bodyPr rtlCol="0" anchor="ctr"/>
-            <a:lstStyle/>
-            <a:p>
-              <a:pPr algn="ctr"/>
-              <a:endParaRPr lang="en-US"/>
-            </a:p>
-          </p:txBody>
-        </p:sp>
-        <p:sp>
-          <p:nvSpPr>
-            <p:cNvPr id="102" name="Rectangle 101"/>
-            <p:cNvSpPr/>
-            <p:nvPr/>
-          </p:nvSpPr>
-          <p:spPr>
-            <a:xfrm>
-              <a:off x="4465891" y="4130392"/>
-              <a:ext cx="2193527" cy="2727608"/>
-            </a:xfrm>
-            <a:prstGeom prst="rect">
-              <a:avLst/>
-            </a:prstGeom>
+            </a:endParaRPr>
+          </a:p>
+        </p:txBody>
+      </p:sp>
+      <p:sp>
+        <p:nvSpPr>
+          <p:cNvPr id="29" name="Rectangle 28"/>
+          <p:cNvSpPr/>
+          <p:nvPr/>
+        </p:nvSpPr>
+        <p:spPr>
+          <a:xfrm>
+            <a:off x="4685257" y="2767981"/>
+            <a:ext cx="1739363" cy="891008"/>
+          </a:xfrm>
+          <a:prstGeom prst="rect">
+            <a:avLst/>
+          </a:prstGeom>
+          <a:solidFill>
+            <a:schemeClr val="accent4">
+              <a:lumMod val="20000"/>
+              <a:lumOff val="80000"/>
+            </a:schemeClr>
+          </a:solidFill>
+          <a:ln>
             <a:solidFill>
-              <a:schemeClr val="accent6">
-                <a:lumMod val="20000"/>
-                <a:lumOff val="80000"/>
-              </a:schemeClr>
+              <a:srgbClr val="C00000"/>
             </a:solidFill>
-            <a:ln>
+          </a:ln>
+        </p:spPr>
+        <p:style>
+          <a:lnRef idx="2">
+            <a:schemeClr val="accent1">
+              <a:shade val="50000"/>
+            </a:schemeClr>
+          </a:lnRef>
+          <a:fillRef idx="1">
+            <a:schemeClr val="accent1"/>
+          </a:fillRef>
+          <a:effectRef idx="0">
+            <a:schemeClr val="accent1"/>
+          </a:effectRef>
+          <a:fontRef idx="minor">
+            <a:schemeClr val="lt1"/>
+          </a:fontRef>
+        </p:style>
+        <p:txBody>
+          <a:bodyPr rtlCol="0" anchor="t"/>
+          <a:lstStyle/>
+          <a:p>
+            <a:pPr algn="ctr"/>
+            <a:r>
+              <a:rPr lang="en-US" dirty="0" smtClean="0">
+                <a:solidFill>
+                  <a:srgbClr val="C00000"/>
+                </a:solidFill>
+              </a:rPr>
+              <a:t>Model Configuration Container</a:t>
+            </a:r>
+            <a:endParaRPr lang="en-US" dirty="0">
               <a:solidFill>
                 <a:srgbClr val="C00000"/>
               </a:solidFill>
-            </a:ln>
-          </p:spPr>
-          <p:style>
-            <a:lnRef idx="2">
-              <a:schemeClr val="accent1">
-                <a:shade val="50000"/>
-              </a:schemeClr>
-            </a:lnRef>
-            <a:fillRef idx="1">
-              <a:schemeClr val="accent1"/>
-            </a:fillRef>
-            <a:effectRef idx="0">
-              <a:schemeClr val="accent1"/>
-            </a:effectRef>
-            <a:fontRef idx="minor">
-              <a:schemeClr val="lt1"/>
-            </a:fontRef>
-          </p:style>
-          <p:txBody>
-            <a:bodyPr rtlCol="0" anchor="t"/>
-            <a:lstStyle/>
-            <a:p>
-              <a:pPr algn="ctr"/>
-              <a:r>
-                <a:rPr lang="en-US" dirty="0">
-                  <a:solidFill>
-                    <a:srgbClr val="C00000"/>
-                  </a:solidFill>
-                </a:rPr>
-                <a:t>Model Catalog Web GUI</a:t>
-              </a:r>
-            </a:p>
-          </p:txBody>
-        </p:sp>
-        <p:sp>
-          <p:nvSpPr>
-            <p:cNvPr id="6" name="Rounded Rectangle 5"/>
-            <p:cNvSpPr/>
-            <p:nvPr/>
-          </p:nvSpPr>
-          <p:spPr>
-            <a:xfrm>
-              <a:off x="9040831" y="2968550"/>
-              <a:ext cx="1524000" cy="1183580"/>
-            </a:xfrm>
-            <a:prstGeom prst="roundRect">
-              <a:avLst/>
-            </a:prstGeom>
+            </a:endParaRPr>
+          </a:p>
+        </p:txBody>
+      </p:sp>
+      <p:sp>
+        <p:nvSpPr>
+          <p:cNvPr id="31" name="Rectangle 30"/>
+          <p:cNvSpPr/>
+          <p:nvPr/>
+        </p:nvSpPr>
+        <p:spPr>
+          <a:xfrm>
+            <a:off x="2553602" y="1516308"/>
+            <a:ext cx="1598395" cy="1430153"/>
+          </a:xfrm>
+          <a:prstGeom prst="rect">
+            <a:avLst/>
+          </a:prstGeom>
+          <a:solidFill>
+            <a:schemeClr val="accent4">
+              <a:lumMod val="20000"/>
+              <a:lumOff val="80000"/>
+            </a:schemeClr>
+          </a:solidFill>
+          <a:ln>
             <a:solidFill>
-              <a:schemeClr val="accent6">
-                <a:lumMod val="20000"/>
-                <a:lumOff val="80000"/>
-              </a:schemeClr>
+              <a:srgbClr val="C00000"/>
             </a:solidFill>
-            <a:ln>
+          </a:ln>
+        </p:spPr>
+        <p:style>
+          <a:lnRef idx="2">
+            <a:schemeClr val="accent1">
+              <a:shade val="50000"/>
+            </a:schemeClr>
+          </a:lnRef>
+          <a:fillRef idx="1">
+            <a:schemeClr val="accent1"/>
+          </a:fillRef>
+          <a:effectRef idx="0">
+            <a:schemeClr val="accent1"/>
+          </a:effectRef>
+          <a:fontRef idx="minor">
+            <a:schemeClr val="lt1"/>
+          </a:fontRef>
+        </p:style>
+        <p:txBody>
+          <a:bodyPr rtlCol="0" anchor="t"/>
+          <a:lstStyle/>
+          <a:p>
+            <a:pPr algn="ctr"/>
+            <a:r>
+              <a:rPr lang="en-US" dirty="0">
+                <a:solidFill>
+                  <a:srgbClr val="C00000"/>
+                </a:solidFill>
+              </a:rPr>
+              <a:t>Guidebook for creating model </a:t>
+            </a:r>
+            <a:r>
+              <a:rPr lang="en-US" dirty="0" smtClean="0">
+                <a:solidFill>
+                  <a:srgbClr val="C00000"/>
+                </a:solidFill>
+              </a:rPr>
+              <a:t>configurations and setups and metadata </a:t>
+            </a:r>
+            <a:endParaRPr lang="en-US" dirty="0">
               <a:solidFill>
                 <a:srgbClr val="C00000"/>
               </a:solidFill>
-            </a:ln>
-          </p:spPr>
-          <p:style>
-            <a:lnRef idx="2">
-              <a:schemeClr val="accent1">
-                <a:shade val="50000"/>
-              </a:schemeClr>
-            </a:lnRef>
-            <a:fillRef idx="1">
-              <a:schemeClr val="accent1"/>
-            </a:fillRef>
-            <a:effectRef idx="0">
-              <a:schemeClr val="accent1"/>
-            </a:effectRef>
-            <a:fontRef idx="minor">
-              <a:schemeClr val="lt1"/>
-            </a:fontRef>
-          </p:style>
-          <p:txBody>
-            <a:bodyPr rtlCol="0" anchor="t"/>
-            <a:lstStyle/>
-            <a:p>
-              <a:pPr algn="ctr"/>
-              <a:r>
-                <a:rPr lang="en-US" dirty="0">
-                  <a:solidFill>
-                    <a:srgbClr val="C00000"/>
-                  </a:solidFill>
-                </a:rPr>
-                <a:t>Knowledge Graph</a:t>
-              </a:r>
-            </a:p>
-          </p:txBody>
-        </p:sp>
-        <p:sp>
-          <p:nvSpPr>
-            <p:cNvPr id="7" name="Rectangle 6"/>
-            <p:cNvSpPr/>
-            <p:nvPr/>
-          </p:nvSpPr>
-          <p:spPr>
-            <a:xfrm>
-              <a:off x="9210322" y="3718022"/>
-              <a:ext cx="1219200" cy="323272"/>
-            </a:xfrm>
-            <a:prstGeom prst="rect">
-              <a:avLst/>
-            </a:prstGeom>
+            </a:endParaRPr>
+          </a:p>
+        </p:txBody>
+      </p:sp>
+      <p:sp>
+        <p:nvSpPr>
+          <p:cNvPr id="32" name="Rectangle 31"/>
+          <p:cNvSpPr/>
+          <p:nvPr/>
+        </p:nvSpPr>
+        <p:spPr>
+          <a:xfrm>
+            <a:off x="4683275" y="4207260"/>
+            <a:ext cx="1739362" cy="715966"/>
+          </a:xfrm>
+          <a:prstGeom prst="rect">
+            <a:avLst/>
+          </a:prstGeom>
+          <a:solidFill>
+            <a:schemeClr val="accent6">
+              <a:lumMod val="20000"/>
+              <a:lumOff val="80000"/>
+            </a:schemeClr>
+          </a:solidFill>
+          <a:ln>
             <a:solidFill>
-              <a:schemeClr val="accent6">
-                <a:lumMod val="20000"/>
-                <a:lumOff val="80000"/>
-              </a:schemeClr>
+              <a:srgbClr val="C00000"/>
             </a:solidFill>
-            <a:ln>
+          </a:ln>
+        </p:spPr>
+        <p:style>
+          <a:lnRef idx="2">
+            <a:schemeClr val="accent1">
+              <a:shade val="50000"/>
+            </a:schemeClr>
+          </a:lnRef>
+          <a:fillRef idx="1">
+            <a:schemeClr val="accent1"/>
+          </a:fillRef>
+          <a:effectRef idx="0">
+            <a:schemeClr val="accent1"/>
+          </a:effectRef>
+          <a:fontRef idx="minor">
+            <a:schemeClr val="lt1"/>
+          </a:fontRef>
+        </p:style>
+        <p:txBody>
+          <a:bodyPr rtlCol="0" anchor="t"/>
+          <a:lstStyle/>
+          <a:p>
+            <a:pPr algn="ctr"/>
+            <a:r>
+              <a:rPr lang="en-US" dirty="0" smtClean="0">
+                <a:solidFill>
+                  <a:srgbClr val="C00000"/>
+                </a:solidFill>
+              </a:rPr>
+              <a:t>Browse and edit model metadata</a:t>
+            </a:r>
+            <a:endParaRPr lang="en-US" dirty="0">
               <a:solidFill>
                 <a:srgbClr val="C00000"/>
               </a:solidFill>
-            </a:ln>
-          </p:spPr>
-          <p:style>
-            <a:lnRef idx="2">
-              <a:schemeClr val="accent1">
-                <a:shade val="50000"/>
-              </a:schemeClr>
-            </a:lnRef>
-            <a:fillRef idx="1">
-              <a:schemeClr val="accent1"/>
-            </a:fillRef>
-            <a:effectRef idx="0">
-              <a:schemeClr val="accent1"/>
-            </a:effectRef>
-            <a:fontRef idx="minor">
-              <a:schemeClr val="lt1"/>
-            </a:fontRef>
-          </p:style>
-          <p:txBody>
-            <a:bodyPr rtlCol="0" anchor="t"/>
-            <a:lstStyle/>
-            <a:p>
-              <a:pPr algn="ctr"/>
-              <a:r>
-                <a:rPr lang="en-US" dirty="0">
-                  <a:solidFill>
-                    <a:srgbClr val="C00000"/>
-                  </a:solidFill>
-                </a:rPr>
-                <a:t>Endpoint</a:t>
-              </a:r>
-            </a:p>
-          </p:txBody>
-        </p:sp>
-        <p:sp>
-          <p:nvSpPr>
-            <p:cNvPr id="8" name="Rectangle 7"/>
-            <p:cNvSpPr/>
-            <p:nvPr/>
-          </p:nvSpPr>
-          <p:spPr>
-            <a:xfrm>
-              <a:off x="9219558" y="4406129"/>
-              <a:ext cx="1219200" cy="323272"/>
-            </a:xfrm>
-            <a:prstGeom prst="rect">
-              <a:avLst/>
-            </a:prstGeom>
+            </a:endParaRPr>
+          </a:p>
+        </p:txBody>
+      </p:sp>
+      <p:sp>
+        <p:nvSpPr>
+          <p:cNvPr id="36" name="Rectangle 35"/>
+          <p:cNvSpPr/>
+          <p:nvPr/>
+        </p:nvSpPr>
+        <p:spPr>
+          <a:xfrm>
+            <a:off x="8501786" y="6152541"/>
+            <a:ext cx="1703617" cy="646834"/>
+          </a:xfrm>
+          <a:prstGeom prst="rect">
+            <a:avLst/>
+          </a:prstGeom>
+          <a:solidFill>
+            <a:schemeClr val="accent6">
+              <a:lumMod val="20000"/>
+              <a:lumOff val="80000"/>
+            </a:schemeClr>
+          </a:solidFill>
+          <a:ln>
             <a:solidFill>
-              <a:schemeClr val="accent6">
-                <a:lumMod val="20000"/>
-                <a:lumOff val="80000"/>
-              </a:schemeClr>
+              <a:srgbClr val="C00000"/>
             </a:solidFill>
-            <a:ln>
+          </a:ln>
+        </p:spPr>
+        <p:style>
+          <a:lnRef idx="2">
+            <a:schemeClr val="accent1">
+              <a:shade val="50000"/>
+            </a:schemeClr>
+          </a:lnRef>
+          <a:fillRef idx="1">
+            <a:schemeClr val="accent1"/>
+          </a:fillRef>
+          <a:effectRef idx="0">
+            <a:schemeClr val="accent1"/>
+          </a:effectRef>
+          <a:fontRef idx="minor">
+            <a:schemeClr val="lt1"/>
+          </a:fontRef>
+        </p:style>
+        <p:txBody>
+          <a:bodyPr rtlCol="0" anchor="t"/>
+          <a:lstStyle/>
+          <a:p>
+            <a:pPr algn="ctr"/>
+            <a:r>
+              <a:rPr lang="en-US" dirty="0" smtClean="0">
+                <a:solidFill>
+                  <a:srgbClr val="C00000"/>
+                </a:solidFill>
+              </a:rPr>
+              <a:t>Run model on server</a:t>
+            </a:r>
+            <a:endParaRPr lang="en-US" dirty="0">
               <a:solidFill>
                 <a:srgbClr val="C00000"/>
               </a:solidFill>
-            </a:ln>
-          </p:spPr>
-          <p:style>
-            <a:lnRef idx="2">
-              <a:schemeClr val="accent1">
-                <a:shade val="50000"/>
-              </a:schemeClr>
-            </a:lnRef>
-            <a:fillRef idx="1">
-              <a:schemeClr val="accent1"/>
-            </a:fillRef>
-            <a:effectRef idx="0">
-              <a:schemeClr val="accent1"/>
-            </a:effectRef>
-            <a:fontRef idx="minor">
-              <a:schemeClr val="lt1"/>
-            </a:fontRef>
-          </p:style>
-          <p:txBody>
-            <a:bodyPr rtlCol="0" anchor="t"/>
-            <a:lstStyle/>
-            <a:p>
-              <a:pPr algn="ctr"/>
-              <a:r>
-                <a:rPr lang="en-US" dirty="0">
-                  <a:solidFill>
-                    <a:srgbClr val="C00000"/>
-                  </a:solidFill>
-                </a:rPr>
-                <a:t>REST API</a:t>
-              </a:r>
-            </a:p>
-          </p:txBody>
-        </p:sp>
-        <p:cxnSp>
-          <p:nvCxnSpPr>
-            <p:cNvPr id="10" name="Straight Arrow Connector 9"/>
-            <p:cNvCxnSpPr/>
-            <p:nvPr/>
-          </p:nvCxnSpPr>
-          <p:spPr>
-            <a:xfrm>
-              <a:off x="9487413" y="4065539"/>
-              <a:ext cx="0" cy="327891"/>
-            </a:xfrm>
-            <a:prstGeom prst="straightConnector1">
-              <a:avLst/>
-            </a:prstGeom>
-            <a:ln>
-              <a:solidFill>
-                <a:schemeClr val="tx1"/>
-              </a:solidFill>
-              <a:tailEnd type="triangle"/>
-            </a:ln>
-          </p:spPr>
-          <p:style>
-            <a:lnRef idx="1">
-              <a:schemeClr val="accent1"/>
-            </a:lnRef>
-            <a:fillRef idx="0">
-              <a:schemeClr val="accent1"/>
-            </a:fillRef>
-            <a:effectRef idx="0">
-              <a:schemeClr val="accent1"/>
-            </a:effectRef>
-            <a:fontRef idx="minor">
+            </a:endParaRPr>
+          </a:p>
+        </p:txBody>
+      </p:sp>
+      <p:cxnSp>
+        <p:nvCxnSpPr>
+          <p:cNvPr id="39" name="Straight Arrow Connector 38"/>
+          <p:cNvCxnSpPr>
+            <a:stCxn id="32" idx="3"/>
+            <a:endCxn id="8" idx="1"/>
+          </p:cNvCxnSpPr>
+          <p:nvPr/>
+        </p:nvCxnSpPr>
+        <p:spPr>
+          <a:xfrm>
+            <a:off x="6422637" y="4565243"/>
+            <a:ext cx="2796921" cy="2522"/>
+          </a:xfrm>
+          <a:prstGeom prst="straightConnector1">
+            <a:avLst/>
+          </a:prstGeom>
+          <a:ln>
+            <a:solidFill>
               <a:schemeClr val="tx1"/>
-            </a:fontRef>
-          </p:style>
-        </p:cxnSp>
-        <p:cxnSp>
-          <p:nvCxnSpPr>
-            <p:cNvPr id="11" name="Straight Arrow Connector 10"/>
-            <p:cNvCxnSpPr/>
-            <p:nvPr/>
-          </p:nvCxnSpPr>
-          <p:spPr>
-            <a:xfrm flipV="1">
-              <a:off x="10229558" y="4021090"/>
-              <a:ext cx="0" cy="372341"/>
-            </a:xfrm>
-            <a:prstGeom prst="straightConnector1">
-              <a:avLst/>
-            </a:prstGeom>
-            <a:ln>
-              <a:solidFill>
-                <a:schemeClr val="tx1"/>
-              </a:solidFill>
-              <a:tailEnd type="triangle"/>
-            </a:ln>
-          </p:spPr>
-          <p:style>
-            <a:lnRef idx="1">
-              <a:schemeClr val="accent1"/>
-            </a:lnRef>
-            <a:fillRef idx="0">
-              <a:schemeClr val="accent1"/>
-            </a:fillRef>
-            <a:effectRef idx="0">
-              <a:schemeClr val="accent1"/>
-            </a:effectRef>
-            <a:fontRef idx="minor">
-              <a:schemeClr val="tx1"/>
-            </a:fontRef>
-          </p:style>
-        </p:cxnSp>
-        <p:sp>
-          <p:nvSpPr>
-            <p:cNvPr id="17" name="Folded Corner 16"/>
-            <p:cNvSpPr/>
-            <p:nvPr/>
-          </p:nvSpPr>
-          <p:spPr>
-            <a:xfrm>
-              <a:off x="10097230" y="5034004"/>
-              <a:ext cx="1248291" cy="688067"/>
-            </a:xfrm>
-            <a:prstGeom prst="foldedCorner">
-              <a:avLst/>
-            </a:prstGeom>
+            </a:solidFill>
+            <a:tailEnd type="triangle"/>
+          </a:ln>
+        </p:spPr>
+        <p:style>
+          <a:lnRef idx="1">
+            <a:schemeClr val="accent1"/>
+          </a:lnRef>
+          <a:fillRef idx="0">
+            <a:schemeClr val="accent1"/>
+          </a:fillRef>
+          <a:effectRef idx="0">
+            <a:schemeClr val="accent1"/>
+          </a:effectRef>
+          <a:fontRef idx="minor">
+            <a:schemeClr val="tx1"/>
+          </a:fontRef>
+        </p:style>
+      </p:cxnSp>
+      <p:sp>
+        <p:nvSpPr>
+          <p:cNvPr id="53" name="Rectangle 52"/>
+          <p:cNvSpPr/>
+          <p:nvPr/>
+        </p:nvSpPr>
+        <p:spPr>
+          <a:xfrm>
+            <a:off x="7152361" y="2579154"/>
+            <a:ext cx="1573544" cy="883496"/>
+          </a:xfrm>
+          <a:prstGeom prst="rect">
+            <a:avLst/>
+          </a:prstGeom>
+          <a:solidFill>
+            <a:schemeClr val="accent6">
+              <a:lumMod val="20000"/>
+              <a:lumOff val="80000"/>
+            </a:schemeClr>
+          </a:solidFill>
+          <a:ln>
             <a:solidFill>
-              <a:schemeClr val="accent6">
-                <a:lumMod val="20000"/>
-                <a:lumOff val="80000"/>
-              </a:schemeClr>
+              <a:srgbClr val="C00000"/>
             </a:solidFill>
-            <a:ln>
+          </a:ln>
+        </p:spPr>
+        <p:style>
+          <a:lnRef idx="2">
+            <a:schemeClr val="accent1">
+              <a:shade val="50000"/>
+            </a:schemeClr>
+          </a:lnRef>
+          <a:fillRef idx="1">
+            <a:schemeClr val="accent1"/>
+          </a:fillRef>
+          <a:effectRef idx="0">
+            <a:schemeClr val="accent1"/>
+          </a:effectRef>
+          <a:fontRef idx="minor">
+            <a:schemeClr val="lt1"/>
+          </a:fontRef>
+        </p:style>
+        <p:txBody>
+          <a:bodyPr rtlCol="0" anchor="t"/>
+          <a:lstStyle/>
+          <a:p>
+            <a:pPr algn="ctr"/>
+            <a:r>
+              <a:rPr lang="en-US" dirty="0" smtClean="0">
+                <a:solidFill>
+                  <a:srgbClr val="C00000"/>
+                </a:solidFill>
+              </a:rPr>
+              <a:t>Metadata validation and upload</a:t>
+            </a:r>
+            <a:endParaRPr lang="en-US" dirty="0">
               <a:solidFill>
                 <a:srgbClr val="C00000"/>
               </a:solidFill>
-            </a:ln>
-          </p:spPr>
-          <p:style>
-            <a:lnRef idx="2">
-              <a:schemeClr val="accent1">
-                <a:shade val="50000"/>
-              </a:schemeClr>
-            </a:lnRef>
-            <a:fillRef idx="1">
-              <a:schemeClr val="accent1"/>
-            </a:fillRef>
-            <a:effectRef idx="0">
-              <a:schemeClr val="accent1"/>
-            </a:effectRef>
-            <a:fontRef idx="minor">
-              <a:schemeClr val="lt1"/>
-            </a:fontRef>
-          </p:style>
-          <p:txBody>
-            <a:bodyPr rtlCol="0" anchor="t"/>
-            <a:lstStyle/>
-            <a:p>
-              <a:pPr algn="ctr"/>
-              <a:r>
-                <a:rPr lang="en-US" dirty="0">
-                  <a:solidFill>
-                    <a:srgbClr val="C00000"/>
-                  </a:solidFill>
-                </a:rPr>
-                <a:t>Notebooks</a:t>
-              </a:r>
-            </a:p>
-          </p:txBody>
-        </p:sp>
-        <p:sp>
-          <p:nvSpPr>
-            <p:cNvPr id="21" name="Rectangle 20"/>
-            <p:cNvSpPr/>
-            <p:nvPr/>
-          </p:nvSpPr>
-          <p:spPr>
-            <a:xfrm>
-              <a:off x="8743994" y="5035626"/>
-              <a:ext cx="1219200" cy="688068"/>
-            </a:xfrm>
-            <a:prstGeom prst="rect">
-              <a:avLst/>
-            </a:prstGeom>
+            </a:endParaRPr>
+          </a:p>
+        </p:txBody>
+      </p:sp>
+      <p:cxnSp>
+        <p:nvCxnSpPr>
+          <p:cNvPr id="54" name="Straight Arrow Connector 53"/>
+          <p:cNvCxnSpPr>
+            <a:stCxn id="53" idx="2"/>
+            <a:endCxn id="8" idx="1"/>
+          </p:cNvCxnSpPr>
+          <p:nvPr/>
+        </p:nvCxnSpPr>
+        <p:spPr>
+          <a:xfrm>
+            <a:off x="7939133" y="3462650"/>
+            <a:ext cx="1280425" cy="1105115"/>
+          </a:xfrm>
+          <a:prstGeom prst="straightConnector1">
+            <a:avLst/>
+          </a:prstGeom>
+          <a:ln>
             <a:solidFill>
-              <a:schemeClr val="accent6">
-                <a:lumMod val="20000"/>
-                <a:lumOff val="80000"/>
-              </a:schemeClr>
+              <a:schemeClr val="tx1"/>
             </a:solidFill>
-            <a:ln>
+            <a:tailEnd type="triangle"/>
+          </a:ln>
+        </p:spPr>
+        <p:style>
+          <a:lnRef idx="1">
+            <a:schemeClr val="accent1"/>
+          </a:lnRef>
+          <a:fillRef idx="0">
+            <a:schemeClr val="accent1"/>
+          </a:fillRef>
+          <a:effectRef idx="0">
+            <a:schemeClr val="accent1"/>
+          </a:effectRef>
+          <a:fontRef idx="minor">
+            <a:schemeClr val="tx1"/>
+          </a:fontRef>
+        </p:style>
+      </p:cxnSp>
+      <p:cxnSp>
+        <p:nvCxnSpPr>
+          <p:cNvPr id="58" name="Straight Arrow Connector 57"/>
+          <p:cNvCxnSpPr>
+            <a:stCxn id="28" idx="3"/>
+          </p:cNvCxnSpPr>
+          <p:nvPr/>
+        </p:nvCxnSpPr>
+        <p:spPr>
+          <a:xfrm flipV="1">
+            <a:off x="1786984" y="1778804"/>
+            <a:ext cx="766618" cy="2203"/>
+          </a:xfrm>
+          <a:prstGeom prst="straightConnector1">
+            <a:avLst/>
+          </a:prstGeom>
+          <a:ln>
+            <a:solidFill>
+              <a:schemeClr val="tx1"/>
+            </a:solidFill>
+            <a:tailEnd type="triangle"/>
+          </a:ln>
+        </p:spPr>
+        <p:style>
+          <a:lnRef idx="1">
+            <a:schemeClr val="accent1"/>
+          </a:lnRef>
+          <a:fillRef idx="0">
+            <a:schemeClr val="accent1"/>
+          </a:fillRef>
+          <a:effectRef idx="0">
+            <a:schemeClr val="accent1"/>
+          </a:effectRef>
+          <a:fontRef idx="minor">
+            <a:schemeClr val="tx1"/>
+          </a:fontRef>
+        </p:style>
+      </p:cxnSp>
+      <p:cxnSp>
+        <p:nvCxnSpPr>
+          <p:cNvPr id="59" name="Straight Arrow Connector 58"/>
+          <p:cNvCxnSpPr>
+            <a:stCxn id="31" idx="3"/>
+            <a:endCxn id="182" idx="1"/>
+          </p:cNvCxnSpPr>
+          <p:nvPr/>
+        </p:nvCxnSpPr>
+        <p:spPr>
+          <a:xfrm flipV="1">
+            <a:off x="4151997" y="2018584"/>
+            <a:ext cx="523256" cy="212801"/>
+          </a:xfrm>
+          <a:prstGeom prst="straightConnector1">
+            <a:avLst/>
+          </a:prstGeom>
+          <a:ln>
+            <a:solidFill>
+              <a:schemeClr val="tx1"/>
+            </a:solidFill>
+            <a:tailEnd type="triangle"/>
+          </a:ln>
+        </p:spPr>
+        <p:style>
+          <a:lnRef idx="1">
+            <a:schemeClr val="accent1"/>
+          </a:lnRef>
+          <a:fillRef idx="0">
+            <a:schemeClr val="accent1"/>
+          </a:fillRef>
+          <a:effectRef idx="0">
+            <a:schemeClr val="accent1"/>
+          </a:effectRef>
+          <a:fontRef idx="minor">
+            <a:schemeClr val="tx1"/>
+          </a:fontRef>
+        </p:style>
+      </p:cxnSp>
+      <p:cxnSp>
+        <p:nvCxnSpPr>
+          <p:cNvPr id="62" name="Straight Arrow Connector 61"/>
+          <p:cNvCxnSpPr>
+            <a:stCxn id="31" idx="3"/>
+          </p:cNvCxnSpPr>
+          <p:nvPr/>
+        </p:nvCxnSpPr>
+        <p:spPr>
+          <a:xfrm>
+            <a:off x="4151997" y="2231385"/>
+            <a:ext cx="531278" cy="789517"/>
+          </a:xfrm>
+          <a:prstGeom prst="straightConnector1">
+            <a:avLst/>
+          </a:prstGeom>
+          <a:ln>
+            <a:solidFill>
+              <a:schemeClr val="tx1"/>
+            </a:solidFill>
+            <a:tailEnd type="triangle"/>
+          </a:ln>
+        </p:spPr>
+        <p:style>
+          <a:lnRef idx="1">
+            <a:schemeClr val="accent1"/>
+          </a:lnRef>
+          <a:fillRef idx="0">
+            <a:schemeClr val="accent1"/>
+          </a:fillRef>
+          <a:effectRef idx="0">
+            <a:schemeClr val="accent1"/>
+          </a:effectRef>
+          <a:fontRef idx="minor">
+            <a:schemeClr val="tx1"/>
+          </a:fontRef>
+        </p:style>
+      </p:cxnSp>
+      <p:cxnSp>
+        <p:nvCxnSpPr>
+          <p:cNvPr id="65" name="Straight Arrow Connector 64"/>
+          <p:cNvCxnSpPr>
+            <a:stCxn id="182" idx="3"/>
+            <a:endCxn id="53" idx="1"/>
+          </p:cNvCxnSpPr>
+          <p:nvPr/>
+        </p:nvCxnSpPr>
+        <p:spPr>
+          <a:xfrm>
+            <a:off x="6421950" y="2018584"/>
+            <a:ext cx="730411" cy="1002318"/>
+          </a:xfrm>
+          <a:prstGeom prst="straightConnector1">
+            <a:avLst/>
+          </a:prstGeom>
+          <a:ln>
+            <a:solidFill>
+              <a:schemeClr val="tx1"/>
+            </a:solidFill>
+            <a:tailEnd type="triangle"/>
+          </a:ln>
+        </p:spPr>
+        <p:style>
+          <a:lnRef idx="1">
+            <a:schemeClr val="accent1"/>
+          </a:lnRef>
+          <a:fillRef idx="0">
+            <a:schemeClr val="accent1"/>
+          </a:fillRef>
+          <a:effectRef idx="0">
+            <a:schemeClr val="accent1"/>
+          </a:effectRef>
+          <a:fontRef idx="minor">
+            <a:schemeClr val="tx1"/>
+          </a:fontRef>
+        </p:style>
+      </p:cxnSp>
+      <p:cxnSp>
+        <p:nvCxnSpPr>
+          <p:cNvPr id="68" name="Straight Arrow Connector 67"/>
+          <p:cNvCxnSpPr>
+            <a:stCxn id="119" idx="2"/>
+            <a:endCxn id="31" idx="0"/>
+          </p:cNvCxnSpPr>
+          <p:nvPr/>
+        </p:nvCxnSpPr>
+        <p:spPr>
+          <a:xfrm>
+            <a:off x="3352799" y="1328425"/>
+            <a:ext cx="1" cy="187883"/>
+          </a:xfrm>
+          <a:prstGeom prst="straightConnector1">
+            <a:avLst/>
+          </a:prstGeom>
+          <a:ln>
+            <a:solidFill>
+              <a:schemeClr val="tx1"/>
+            </a:solidFill>
+            <a:tailEnd type="triangle"/>
+          </a:ln>
+        </p:spPr>
+        <p:style>
+          <a:lnRef idx="1">
+            <a:schemeClr val="accent1"/>
+          </a:lnRef>
+          <a:fillRef idx="0">
+            <a:schemeClr val="accent1"/>
+          </a:fillRef>
+          <a:effectRef idx="0">
+            <a:schemeClr val="accent1"/>
+          </a:effectRef>
+          <a:fontRef idx="minor">
+            <a:schemeClr val="tx1"/>
+          </a:fontRef>
+        </p:style>
+      </p:cxnSp>
+      <p:cxnSp>
+        <p:nvCxnSpPr>
+          <p:cNvPr id="78" name="Straight Arrow Connector 77"/>
+          <p:cNvCxnSpPr>
+            <a:stCxn id="36" idx="0"/>
+            <a:endCxn id="21" idx="2"/>
+          </p:cNvCxnSpPr>
+          <p:nvPr/>
+        </p:nvCxnSpPr>
+        <p:spPr>
+          <a:xfrm flipH="1" flipV="1">
+            <a:off x="9353594" y="5723694"/>
+            <a:ext cx="1" cy="428847"/>
+          </a:xfrm>
+          <a:prstGeom prst="straightConnector1">
+            <a:avLst/>
+          </a:prstGeom>
+          <a:ln>
+            <a:solidFill>
+              <a:schemeClr val="tx1"/>
+            </a:solidFill>
+            <a:tailEnd type="triangle"/>
+          </a:ln>
+        </p:spPr>
+        <p:style>
+          <a:lnRef idx="1">
+            <a:schemeClr val="accent1"/>
+          </a:lnRef>
+          <a:fillRef idx="0">
+            <a:schemeClr val="accent1"/>
+          </a:fillRef>
+          <a:effectRef idx="0">
+            <a:schemeClr val="accent1"/>
+          </a:effectRef>
+          <a:fontRef idx="minor">
+            <a:schemeClr val="tx1"/>
+          </a:fontRef>
+        </p:style>
+      </p:cxnSp>
+      <p:sp>
+        <p:nvSpPr>
+          <p:cNvPr id="82" name="Rectangle 81"/>
+          <p:cNvSpPr/>
+          <p:nvPr/>
+        </p:nvSpPr>
+        <p:spPr>
+          <a:xfrm>
+            <a:off x="2363481" y="3249474"/>
+            <a:ext cx="1980714" cy="646834"/>
+          </a:xfrm>
+          <a:prstGeom prst="rect">
+            <a:avLst/>
+          </a:prstGeom>
+          <a:solidFill>
+            <a:schemeClr val="accent4">
+              <a:lumMod val="20000"/>
+              <a:lumOff val="80000"/>
+            </a:schemeClr>
+          </a:solidFill>
+          <a:ln>
+            <a:solidFill>
+              <a:srgbClr val="C00000"/>
+            </a:solidFill>
+          </a:ln>
+        </p:spPr>
+        <p:style>
+          <a:lnRef idx="2">
+            <a:schemeClr val="accent1">
+              <a:shade val="50000"/>
+            </a:schemeClr>
+          </a:lnRef>
+          <a:fillRef idx="1">
+            <a:schemeClr val="accent1"/>
+          </a:fillRef>
+          <a:effectRef idx="0">
+            <a:schemeClr val="accent1"/>
+          </a:effectRef>
+          <a:fontRef idx="minor">
+            <a:schemeClr val="lt1"/>
+          </a:fontRef>
+        </p:style>
+        <p:txBody>
+          <a:bodyPr rtlCol="0" anchor="t"/>
+          <a:lstStyle/>
+          <a:p>
+            <a:pPr algn="ctr"/>
+            <a:r>
+              <a:rPr lang="en-US" dirty="0" smtClean="0">
+                <a:solidFill>
+                  <a:srgbClr val="C00000"/>
+                </a:solidFill>
+              </a:rPr>
+              <a:t>Run model locally with test data</a:t>
+            </a:r>
+            <a:endParaRPr lang="en-US" dirty="0">
               <a:solidFill>
                 <a:srgbClr val="C00000"/>
               </a:solidFill>
-            </a:ln>
-          </p:spPr>
-          <p:style>
-            <a:lnRef idx="2">
-              <a:schemeClr val="accent1">
-                <a:shade val="50000"/>
-              </a:schemeClr>
-            </a:lnRef>
-            <a:fillRef idx="1">
-              <a:schemeClr val="accent1"/>
-            </a:fillRef>
-            <a:effectRef idx="0">
-              <a:schemeClr val="accent1"/>
-            </a:effectRef>
-            <a:fontRef idx="minor">
-              <a:schemeClr val="lt1"/>
-            </a:fontRef>
-          </p:style>
-          <p:txBody>
-            <a:bodyPr rtlCol="0" anchor="t"/>
-            <a:lstStyle/>
-            <a:p>
-              <a:pPr algn="ctr"/>
-              <a:r>
-                <a:rPr lang="en-US" dirty="0" err="1">
-                  <a:solidFill>
-                    <a:srgbClr val="C00000"/>
-                  </a:solidFill>
-                </a:rPr>
-                <a:t>Pyhton</a:t>
-              </a:r>
-              <a:r>
-                <a:rPr lang="en-US" dirty="0">
-                  <a:solidFill>
-                    <a:srgbClr val="C00000"/>
-                  </a:solidFill>
-                </a:rPr>
-                <a:t>/JS Client</a:t>
-              </a:r>
-            </a:p>
-          </p:txBody>
-        </p:sp>
-        <p:cxnSp>
-          <p:nvCxnSpPr>
-            <p:cNvPr id="22" name="Straight Arrow Connector 21"/>
-            <p:cNvCxnSpPr>
-              <a:stCxn id="21" idx="0"/>
-              <a:endCxn id="8" idx="2"/>
-            </p:cNvCxnSpPr>
-            <p:nvPr/>
-          </p:nvCxnSpPr>
-          <p:spPr>
-            <a:xfrm flipV="1">
-              <a:off x="9353594" y="4729401"/>
-              <a:ext cx="475564" cy="306225"/>
-            </a:xfrm>
-            <a:prstGeom prst="straightConnector1">
-              <a:avLst/>
-            </a:prstGeom>
-            <a:ln>
-              <a:solidFill>
-                <a:schemeClr val="tx1"/>
-              </a:solidFill>
-              <a:tailEnd type="triangle"/>
-            </a:ln>
-          </p:spPr>
-          <p:style>
-            <a:lnRef idx="1">
-              <a:schemeClr val="accent1"/>
-            </a:lnRef>
-            <a:fillRef idx="0">
-              <a:schemeClr val="accent1"/>
-            </a:fillRef>
-            <a:effectRef idx="0">
-              <a:schemeClr val="accent1"/>
-            </a:effectRef>
-            <a:fontRef idx="minor">
+            </a:endParaRPr>
+          </a:p>
+        </p:txBody>
+      </p:sp>
+      <p:cxnSp>
+        <p:nvCxnSpPr>
+          <p:cNvPr id="83" name="Straight Arrow Connector 82"/>
+          <p:cNvCxnSpPr/>
+          <p:nvPr/>
+        </p:nvCxnSpPr>
+        <p:spPr>
+          <a:xfrm flipH="1">
+            <a:off x="3030192" y="2946363"/>
+            <a:ext cx="142" cy="303111"/>
+          </a:xfrm>
+          <a:prstGeom prst="straightConnector1">
+            <a:avLst/>
+          </a:prstGeom>
+          <a:ln>
+            <a:solidFill>
               <a:schemeClr val="tx1"/>
-            </a:fontRef>
-          </p:style>
-        </p:cxnSp>
-        <p:cxnSp>
-          <p:nvCxnSpPr>
-            <p:cNvPr id="25" name="Straight Arrow Connector 24"/>
-            <p:cNvCxnSpPr>
-              <a:stCxn id="17" idx="0"/>
-              <a:endCxn id="8" idx="2"/>
-            </p:cNvCxnSpPr>
-            <p:nvPr/>
-          </p:nvCxnSpPr>
-          <p:spPr>
-            <a:xfrm flipH="1" flipV="1">
-              <a:off x="9829158" y="4729401"/>
-              <a:ext cx="892218" cy="304603"/>
-            </a:xfrm>
-            <a:prstGeom prst="straightConnector1">
-              <a:avLst/>
-            </a:prstGeom>
-            <a:ln>
-              <a:solidFill>
-                <a:schemeClr val="tx1"/>
-              </a:solidFill>
-              <a:tailEnd type="triangle"/>
-            </a:ln>
-          </p:spPr>
-          <p:style>
-            <a:lnRef idx="1">
-              <a:schemeClr val="accent1"/>
-            </a:lnRef>
-            <a:fillRef idx="0">
-              <a:schemeClr val="accent1"/>
-            </a:fillRef>
-            <a:effectRef idx="0">
-              <a:schemeClr val="accent1"/>
-            </a:effectRef>
-            <a:fontRef idx="minor">
+            </a:solidFill>
+            <a:tailEnd type="triangle"/>
+          </a:ln>
+        </p:spPr>
+        <p:style>
+          <a:lnRef idx="1">
+            <a:schemeClr val="accent1"/>
+          </a:lnRef>
+          <a:fillRef idx="0">
+            <a:schemeClr val="accent1"/>
+          </a:fillRef>
+          <a:effectRef idx="0">
+            <a:schemeClr val="accent1"/>
+          </a:effectRef>
+          <a:fontRef idx="minor">
+            <a:schemeClr val="tx1"/>
+          </a:fontRef>
+        </p:style>
+      </p:cxnSp>
+      <p:cxnSp>
+        <p:nvCxnSpPr>
+          <p:cNvPr id="87" name="Straight Arrow Connector 86"/>
+          <p:cNvCxnSpPr/>
+          <p:nvPr/>
+        </p:nvCxnSpPr>
+        <p:spPr>
+          <a:xfrm flipH="1" flipV="1">
+            <a:off x="3618439" y="2946363"/>
+            <a:ext cx="2138" cy="303111"/>
+          </a:xfrm>
+          <a:prstGeom prst="straightConnector1">
+            <a:avLst/>
+          </a:prstGeom>
+          <a:ln>
+            <a:solidFill>
               <a:schemeClr val="tx1"/>
-            </a:fontRef>
-          </p:style>
-        </p:cxnSp>
-        <p:sp>
-          <p:nvSpPr>
-            <p:cNvPr id="28" name="Rounded Rectangle 27"/>
-            <p:cNvSpPr/>
-            <p:nvPr/>
-          </p:nvSpPr>
-          <p:spPr>
-            <a:xfrm>
-              <a:off x="355600" y="1924376"/>
-              <a:ext cx="1524000" cy="438427"/>
-            </a:xfrm>
-            <a:prstGeom prst="roundRect">
-              <a:avLst/>
-            </a:prstGeom>
+            </a:solidFill>
+            <a:tailEnd type="triangle"/>
+          </a:ln>
+        </p:spPr>
+        <p:style>
+          <a:lnRef idx="1">
+            <a:schemeClr val="accent1"/>
+          </a:lnRef>
+          <a:fillRef idx="0">
+            <a:schemeClr val="accent1"/>
+          </a:fillRef>
+          <a:effectRef idx="0">
+            <a:schemeClr val="accent1"/>
+          </a:effectRef>
+          <a:fontRef idx="minor">
+            <a:schemeClr val="tx1"/>
+          </a:fontRef>
+        </p:style>
+      </p:cxnSp>
+      <p:sp>
+        <p:nvSpPr>
+          <p:cNvPr id="119" name="Folded Corner 118"/>
+          <p:cNvSpPr/>
+          <p:nvPr/>
+        </p:nvSpPr>
+        <p:spPr>
+          <a:xfrm>
+            <a:off x="2479450" y="382307"/>
+            <a:ext cx="1746697" cy="946118"/>
+          </a:xfrm>
+          <a:prstGeom prst="foldedCorner">
+            <a:avLst>
+              <a:gd name="adj" fmla="val 13667"/>
+            </a:avLst>
+          </a:prstGeom>
+          <a:solidFill>
+            <a:schemeClr val="accent4">
+              <a:lumMod val="20000"/>
+              <a:lumOff val="80000"/>
+            </a:schemeClr>
+          </a:solidFill>
+          <a:ln>
             <a:solidFill>
-              <a:schemeClr val="bg1">
-                <a:lumMod val="95000"/>
-              </a:schemeClr>
+              <a:srgbClr val="C00000"/>
             </a:solidFill>
-            <a:ln>
+          </a:ln>
+        </p:spPr>
+        <p:style>
+          <a:lnRef idx="2">
+            <a:schemeClr val="accent1">
+              <a:shade val="50000"/>
+            </a:schemeClr>
+          </a:lnRef>
+          <a:fillRef idx="1">
+            <a:schemeClr val="accent1"/>
+          </a:fillRef>
+          <a:effectRef idx="0">
+            <a:schemeClr val="accent1"/>
+          </a:effectRef>
+          <a:fontRef idx="minor">
+            <a:schemeClr val="lt1"/>
+          </a:fontRef>
+        </p:style>
+        <p:txBody>
+          <a:bodyPr rtlCol="0" anchor="t"/>
+          <a:lstStyle/>
+          <a:p>
+            <a:pPr algn="ctr"/>
+            <a:r>
+              <a:rPr lang="en-US" dirty="0">
+                <a:solidFill>
+                  <a:srgbClr val="C00000"/>
+                </a:solidFill>
+              </a:rPr>
+              <a:t>Template-based guidelines for metadata</a:t>
+            </a:r>
+            <a:endParaRPr lang="en-US" dirty="0">
               <a:solidFill>
                 <a:srgbClr val="C00000"/>
               </a:solidFill>
-            </a:ln>
-          </p:spPr>
-          <p:style>
-            <a:lnRef idx="2">
-              <a:schemeClr val="accent1">
-                <a:shade val="50000"/>
+            </a:endParaRPr>
+          </a:p>
+        </p:txBody>
+      </p:sp>
+      <p:pic>
+        <p:nvPicPr>
+          <p:cNvPr id="121" name="Picture 120"/>
+          <p:cNvPicPr>
+            <a:picLocks noChangeAspect="1"/>
+          </p:cNvPicPr>
+          <p:nvPr/>
+        </p:nvPicPr>
+        <p:blipFill>
+          <a:blip r:embed="rId3" cstate="print">
+            <a:duotone>
+              <a:schemeClr val="accent2">
+                <a:shade val="45000"/>
+                <a:satMod val="135000"/>
               </a:schemeClr>
-            </a:lnRef>
-            <a:fillRef idx="1">
-              <a:schemeClr val="accent1"/>
-            </a:fillRef>
-            <a:effectRef idx="0">
-              <a:schemeClr val="accent1"/>
-            </a:effectRef>
-            <a:fontRef idx="minor">
-              <a:schemeClr val="lt1"/>
-            </a:fontRef>
-          </p:style>
-          <p:txBody>
-            <a:bodyPr rtlCol="0" anchor="t"/>
-            <a:lstStyle/>
-            <a:p>
-              <a:pPr algn="ctr"/>
-              <a:r>
-                <a:rPr lang="en-US" dirty="0" smtClean="0">
-                  <a:solidFill>
-                    <a:srgbClr val="C00000"/>
-                  </a:solidFill>
-                </a:rPr>
-                <a:t>GitHub</a:t>
-              </a:r>
-              <a:endParaRPr lang="en-US" dirty="0">
+              <a:prstClr val="white"/>
+            </a:duotone>
+            <a:extLst>
+              <a:ext uri="{28A0092B-C50C-407E-A947-70E740481C1C}">
+                <a14:useLocalDpi xmlns:a14="http://schemas.microsoft.com/office/drawing/2010/main" val="0"/>
+              </a:ext>
+            </a:extLst>
+          </a:blip>
+          <a:stretch>
+            <a:fillRect/>
+          </a:stretch>
+        </p:blipFill>
+        <p:spPr>
+          <a:xfrm>
+            <a:off x="3027063" y="4023831"/>
+            <a:ext cx="621803" cy="621803"/>
+          </a:xfrm>
+          <a:prstGeom prst="rect">
+            <a:avLst/>
+          </a:prstGeom>
+        </p:spPr>
+      </p:pic>
+      <p:sp>
+        <p:nvSpPr>
+          <p:cNvPr id="122" name="TextBox 121"/>
+          <p:cNvSpPr txBox="1"/>
+          <p:nvPr/>
+        </p:nvSpPr>
+        <p:spPr>
+          <a:xfrm>
+            <a:off x="1910535" y="4152130"/>
+            <a:ext cx="1053491" cy="253916"/>
+          </a:xfrm>
+          <a:prstGeom prst="rect">
+            <a:avLst/>
+          </a:prstGeom>
+          <a:noFill/>
+          <a:ln w="19050">
+            <a:solidFill>
+              <a:schemeClr val="tx1"/>
+            </a:solidFill>
+            <a:prstDash val="sysDot"/>
+          </a:ln>
+        </p:spPr>
+        <p:txBody>
+          <a:bodyPr wrap="square" rtlCol="0">
+            <a:spAutoFit/>
+          </a:bodyPr>
+          <a:lstStyle/>
+          <a:p>
+            <a:r>
+              <a:rPr lang="en-US" sz="1050" dirty="0" smtClean="0"/>
+              <a:t>Test and refine</a:t>
+            </a:r>
+            <a:endParaRPr lang="en-US" sz="1050" dirty="0"/>
+          </a:p>
+        </p:txBody>
+      </p:sp>
+      <p:sp>
+        <p:nvSpPr>
+          <p:cNvPr id="129" name="Rectangle 128"/>
+          <p:cNvSpPr/>
+          <p:nvPr/>
+        </p:nvSpPr>
+        <p:spPr>
+          <a:xfrm>
+            <a:off x="756215" y="5370455"/>
+            <a:ext cx="2754770" cy="604754"/>
+          </a:xfrm>
+          <a:prstGeom prst="rect">
+            <a:avLst/>
+          </a:prstGeom>
+          <a:solidFill>
+            <a:schemeClr val="accent1">
+              <a:lumMod val="20000"/>
+              <a:lumOff val="80000"/>
+            </a:schemeClr>
+          </a:solidFill>
+          <a:ln>
+            <a:solidFill>
+              <a:srgbClr val="C00000"/>
+            </a:solidFill>
+          </a:ln>
+        </p:spPr>
+        <p:style>
+          <a:lnRef idx="2">
+            <a:schemeClr val="accent1">
+              <a:shade val="50000"/>
+            </a:schemeClr>
+          </a:lnRef>
+          <a:fillRef idx="1">
+            <a:schemeClr val="accent1"/>
+          </a:fillRef>
+          <a:effectRef idx="0">
+            <a:schemeClr val="accent1"/>
+          </a:effectRef>
+          <a:fontRef idx="minor">
+            <a:schemeClr val="lt1"/>
+          </a:fontRef>
+        </p:style>
+        <p:txBody>
+          <a:bodyPr rtlCol="0" anchor="t"/>
+          <a:lstStyle/>
+          <a:p>
+            <a:pPr algn="ctr"/>
+            <a:r>
+              <a:rPr lang="en-US" dirty="0" smtClean="0">
                 <a:solidFill>
                   <a:srgbClr val="C00000"/>
                 </a:solidFill>
-              </a:endParaRPr>
-            </a:p>
-          </p:txBody>
-        </p:sp>
-        <p:sp>
-          <p:nvSpPr>
-            <p:cNvPr id="29" name="Rectangle 28"/>
-            <p:cNvSpPr/>
-            <p:nvPr/>
-          </p:nvSpPr>
-          <p:spPr>
-            <a:xfrm>
-              <a:off x="4675940" y="1818090"/>
-              <a:ext cx="1739363" cy="634711"/>
-            </a:xfrm>
-            <a:prstGeom prst="rect">
-              <a:avLst/>
-            </a:prstGeom>
-            <a:solidFill>
-              <a:schemeClr val="accent4">
-                <a:lumMod val="20000"/>
-                <a:lumOff val="80000"/>
-              </a:schemeClr>
-            </a:solidFill>
-            <a:ln>
+              </a:rPr>
+              <a:t>Data Catalog transformation services</a:t>
+            </a:r>
+            <a:endParaRPr lang="en-US" dirty="0">
               <a:solidFill>
                 <a:srgbClr val="C00000"/>
               </a:solidFill>
-            </a:ln>
-          </p:spPr>
-          <p:style>
-            <a:lnRef idx="2">
-              <a:schemeClr val="accent1">
-                <a:shade val="50000"/>
-              </a:schemeClr>
-            </a:lnRef>
-            <a:fillRef idx="1">
-              <a:schemeClr val="accent1"/>
-            </a:fillRef>
-            <a:effectRef idx="0">
-              <a:schemeClr val="accent1"/>
-            </a:effectRef>
-            <a:fontRef idx="minor">
-              <a:schemeClr val="lt1"/>
-            </a:fontRef>
-          </p:style>
-          <p:txBody>
-            <a:bodyPr rtlCol="0" anchor="t"/>
-            <a:lstStyle/>
-            <a:p>
-              <a:pPr algn="ctr"/>
-              <a:r>
-                <a:rPr lang="en-US" dirty="0" smtClean="0">
-                  <a:solidFill>
-                    <a:srgbClr val="C00000"/>
-                  </a:solidFill>
-                </a:rPr>
-                <a:t>Wrapped model (</a:t>
-              </a:r>
-              <a:r>
-                <a:rPr lang="en-US" dirty="0" err="1" smtClean="0">
-                  <a:solidFill>
-                    <a:srgbClr val="C00000"/>
-                  </a:solidFill>
-                </a:rPr>
-                <a:t>Dockerized</a:t>
-              </a:r>
-              <a:r>
-                <a:rPr lang="en-US" dirty="0" smtClean="0">
-                  <a:solidFill>
-                    <a:srgbClr val="C00000"/>
-                  </a:solidFill>
-                </a:rPr>
-                <a:t>)</a:t>
-              </a:r>
-              <a:endParaRPr lang="en-US" dirty="0">
+            </a:endParaRPr>
+          </a:p>
+        </p:txBody>
+      </p:sp>
+      <p:sp>
+        <p:nvSpPr>
+          <p:cNvPr id="145" name="TextBox 144"/>
+          <p:cNvSpPr txBox="1"/>
+          <p:nvPr/>
+        </p:nvSpPr>
+        <p:spPr>
+          <a:xfrm>
+            <a:off x="1847183" y="1542002"/>
+            <a:ext cx="572833" cy="253916"/>
+          </a:xfrm>
+          <a:prstGeom prst="rect">
+            <a:avLst/>
+          </a:prstGeom>
+          <a:noFill/>
+          <a:ln w="19050">
+            <a:solidFill>
+              <a:schemeClr val="tx1"/>
+            </a:solidFill>
+            <a:prstDash val="sysDot"/>
+          </a:ln>
+        </p:spPr>
+        <p:txBody>
+          <a:bodyPr wrap="square" rtlCol="0">
+            <a:spAutoFit/>
+          </a:bodyPr>
+          <a:lstStyle/>
+          <a:p>
+            <a:r>
+              <a:rPr lang="en-US" sz="1050" dirty="0" smtClean="0"/>
+              <a:t>Import</a:t>
+            </a:r>
+            <a:endParaRPr lang="en-US" sz="1050" dirty="0"/>
+          </a:p>
+        </p:txBody>
+      </p:sp>
+      <p:sp>
+        <p:nvSpPr>
+          <p:cNvPr id="151" name="Rectangle 150"/>
+          <p:cNvSpPr/>
+          <p:nvPr/>
+        </p:nvSpPr>
+        <p:spPr>
+          <a:xfrm>
+            <a:off x="8000070" y="792448"/>
+            <a:ext cx="438779" cy="217431"/>
+          </a:xfrm>
+          <a:prstGeom prst="rect">
+            <a:avLst/>
+          </a:prstGeom>
+          <a:solidFill>
+            <a:schemeClr val="accent6">
+              <a:lumMod val="20000"/>
+              <a:lumOff val="80000"/>
+            </a:schemeClr>
+          </a:solidFill>
+          <a:ln>
+            <a:solidFill>
+              <a:srgbClr val="C00000"/>
+            </a:solidFill>
+          </a:ln>
+        </p:spPr>
+        <p:style>
+          <a:lnRef idx="2">
+            <a:schemeClr val="accent1">
+              <a:shade val="50000"/>
+            </a:schemeClr>
+          </a:lnRef>
+          <a:fillRef idx="1">
+            <a:schemeClr val="accent1"/>
+          </a:fillRef>
+          <a:effectRef idx="0">
+            <a:schemeClr val="accent1"/>
+          </a:effectRef>
+          <a:fontRef idx="minor">
+            <a:schemeClr val="lt1"/>
+          </a:fontRef>
+        </p:style>
+        <p:txBody>
+          <a:bodyPr rtlCol="0" anchor="t"/>
+          <a:lstStyle/>
+          <a:p>
+            <a:pPr algn="ctr"/>
+            <a:endParaRPr lang="en-US" dirty="0">
+              <a:solidFill>
+                <a:srgbClr val="C00000"/>
+              </a:solidFill>
+            </a:endParaRPr>
+          </a:p>
+        </p:txBody>
+      </p:sp>
+      <p:sp>
+        <p:nvSpPr>
+          <p:cNvPr id="152" name="TextBox 151"/>
+          <p:cNvSpPr txBox="1"/>
+          <p:nvPr/>
+        </p:nvSpPr>
+        <p:spPr>
+          <a:xfrm>
+            <a:off x="7868994" y="312609"/>
+            <a:ext cx="864019" cy="369332"/>
+          </a:xfrm>
+          <a:prstGeom prst="rect">
+            <a:avLst/>
+          </a:prstGeom>
+          <a:noFill/>
+        </p:spPr>
+        <p:txBody>
+          <a:bodyPr wrap="none" rtlCol="0">
+            <a:spAutoFit/>
+          </a:bodyPr>
+          <a:lstStyle/>
+          <a:p>
+            <a:r>
+              <a:rPr lang="en-US" dirty="0" smtClean="0"/>
+              <a:t>Legend</a:t>
+            </a:r>
+            <a:endParaRPr lang="en-US" dirty="0"/>
+          </a:p>
+        </p:txBody>
+      </p:sp>
+      <p:sp>
+        <p:nvSpPr>
+          <p:cNvPr id="153" name="Rectangle 152"/>
+          <p:cNvSpPr/>
+          <p:nvPr/>
+        </p:nvSpPr>
+        <p:spPr>
+          <a:xfrm>
+            <a:off x="8000070" y="1132357"/>
+            <a:ext cx="438779" cy="205609"/>
+          </a:xfrm>
+          <a:prstGeom prst="rect">
+            <a:avLst/>
+          </a:prstGeom>
+          <a:solidFill>
+            <a:schemeClr val="accent4">
+              <a:lumMod val="20000"/>
+              <a:lumOff val="80000"/>
+            </a:schemeClr>
+          </a:solidFill>
+          <a:ln>
+            <a:solidFill>
+              <a:srgbClr val="C00000"/>
+            </a:solidFill>
+          </a:ln>
+        </p:spPr>
+        <p:style>
+          <a:lnRef idx="2">
+            <a:schemeClr val="accent1">
+              <a:shade val="50000"/>
+            </a:schemeClr>
+          </a:lnRef>
+          <a:fillRef idx="1">
+            <a:schemeClr val="accent1"/>
+          </a:fillRef>
+          <a:effectRef idx="0">
+            <a:schemeClr val="accent1"/>
+          </a:effectRef>
+          <a:fontRef idx="minor">
+            <a:schemeClr val="lt1"/>
+          </a:fontRef>
+        </p:style>
+        <p:txBody>
+          <a:bodyPr rtlCol="0" anchor="t"/>
+          <a:lstStyle/>
+          <a:p>
+            <a:pPr algn="ctr"/>
+            <a:endParaRPr lang="en-US" dirty="0">
+              <a:solidFill>
+                <a:srgbClr val="C00000"/>
+              </a:solidFill>
+            </a:endParaRPr>
+          </a:p>
+        </p:txBody>
+      </p:sp>
+      <p:sp>
+        <p:nvSpPr>
+          <p:cNvPr id="154" name="Rectangle 153"/>
+          <p:cNvSpPr/>
+          <p:nvPr/>
+        </p:nvSpPr>
+        <p:spPr>
+          <a:xfrm>
+            <a:off x="8006119" y="1499602"/>
+            <a:ext cx="432730" cy="190654"/>
+          </a:xfrm>
+          <a:prstGeom prst="rect">
+            <a:avLst/>
+          </a:prstGeom>
+          <a:solidFill>
+            <a:schemeClr val="accent1">
+              <a:lumMod val="20000"/>
+              <a:lumOff val="80000"/>
+            </a:schemeClr>
+          </a:solidFill>
+          <a:ln>
+            <a:solidFill>
+              <a:srgbClr val="C00000"/>
+            </a:solidFill>
+          </a:ln>
+        </p:spPr>
+        <p:style>
+          <a:lnRef idx="2">
+            <a:schemeClr val="accent1">
+              <a:shade val="50000"/>
+            </a:schemeClr>
+          </a:lnRef>
+          <a:fillRef idx="1">
+            <a:schemeClr val="accent1"/>
+          </a:fillRef>
+          <a:effectRef idx="0">
+            <a:schemeClr val="accent1"/>
+          </a:effectRef>
+          <a:fontRef idx="minor">
+            <a:schemeClr val="lt1"/>
+          </a:fontRef>
+        </p:style>
+        <p:txBody>
+          <a:bodyPr rtlCol="0" anchor="t"/>
+          <a:lstStyle/>
+          <a:p>
+            <a:pPr algn="ctr"/>
+            <a:endParaRPr lang="en-US" dirty="0">
+              <a:solidFill>
+                <a:srgbClr val="C00000"/>
+              </a:solidFill>
+            </a:endParaRPr>
+          </a:p>
+        </p:txBody>
+      </p:sp>
+      <p:sp>
+        <p:nvSpPr>
+          <p:cNvPr id="156" name="TextBox 155"/>
+          <p:cNvSpPr txBox="1"/>
+          <p:nvPr/>
+        </p:nvSpPr>
+        <p:spPr>
+          <a:xfrm>
+            <a:off x="8428291" y="761983"/>
+            <a:ext cx="986489" cy="307777"/>
+          </a:xfrm>
+          <a:prstGeom prst="rect">
+            <a:avLst/>
+          </a:prstGeom>
+          <a:noFill/>
+        </p:spPr>
+        <p:txBody>
+          <a:bodyPr wrap="none" rtlCol="0">
+            <a:spAutoFit/>
+          </a:bodyPr>
+          <a:lstStyle/>
+          <a:p>
+            <a:r>
+              <a:rPr lang="en-US" sz="1400" dirty="0" smtClean="0"/>
+              <a:t>Completed</a:t>
+            </a:r>
+            <a:endParaRPr lang="en-US" sz="1400" dirty="0"/>
+          </a:p>
+        </p:txBody>
+      </p:sp>
+      <p:sp>
+        <p:nvSpPr>
+          <p:cNvPr id="157" name="TextBox 156"/>
+          <p:cNvSpPr txBox="1"/>
+          <p:nvPr/>
+        </p:nvSpPr>
+        <p:spPr>
+          <a:xfrm>
+            <a:off x="8430254" y="1081317"/>
+            <a:ext cx="1417376" cy="307777"/>
+          </a:xfrm>
+          <a:prstGeom prst="rect">
+            <a:avLst/>
+          </a:prstGeom>
+          <a:noFill/>
+        </p:spPr>
+        <p:txBody>
+          <a:bodyPr wrap="none" rtlCol="0">
+            <a:spAutoFit/>
+          </a:bodyPr>
+          <a:lstStyle/>
+          <a:p>
+            <a:r>
+              <a:rPr lang="en-US" sz="1400" dirty="0" smtClean="0"/>
+              <a:t>Work in progress</a:t>
+            </a:r>
+            <a:endParaRPr lang="en-US" sz="1400" dirty="0"/>
+          </a:p>
+        </p:txBody>
+      </p:sp>
+      <p:sp>
+        <p:nvSpPr>
+          <p:cNvPr id="158" name="TextBox 157"/>
+          <p:cNvSpPr txBox="1"/>
+          <p:nvPr/>
+        </p:nvSpPr>
+        <p:spPr>
+          <a:xfrm>
+            <a:off x="8438057" y="1456193"/>
+            <a:ext cx="2280240" cy="307777"/>
+          </a:xfrm>
+          <a:prstGeom prst="rect">
+            <a:avLst/>
+          </a:prstGeom>
+          <a:noFill/>
+        </p:spPr>
+        <p:txBody>
+          <a:bodyPr wrap="none" rtlCol="0">
+            <a:spAutoFit/>
+          </a:bodyPr>
+          <a:lstStyle/>
+          <a:p>
+            <a:r>
+              <a:rPr lang="en-US" sz="1400" dirty="0" smtClean="0"/>
+              <a:t>Interaction with other teams</a:t>
+            </a:r>
+            <a:endParaRPr lang="en-US" sz="1400" dirty="0"/>
+          </a:p>
+        </p:txBody>
+      </p:sp>
+      <p:sp>
+        <p:nvSpPr>
+          <p:cNvPr id="55" name="Rounded Rectangle 54"/>
+          <p:cNvSpPr/>
+          <p:nvPr/>
+        </p:nvSpPr>
+        <p:spPr>
+          <a:xfrm>
+            <a:off x="3968185" y="5954367"/>
+            <a:ext cx="1524000" cy="438427"/>
+          </a:xfrm>
+          <a:prstGeom prst="roundRect">
+            <a:avLst/>
+          </a:prstGeom>
+          <a:solidFill>
+            <a:schemeClr val="accent1">
+              <a:lumMod val="20000"/>
+              <a:lumOff val="80000"/>
+            </a:schemeClr>
+          </a:solidFill>
+          <a:ln>
+            <a:solidFill>
+              <a:srgbClr val="C00000"/>
+            </a:solidFill>
+          </a:ln>
+        </p:spPr>
+        <p:style>
+          <a:lnRef idx="2">
+            <a:schemeClr val="accent1">
+              <a:shade val="50000"/>
+            </a:schemeClr>
+          </a:lnRef>
+          <a:fillRef idx="1">
+            <a:schemeClr val="accent1"/>
+          </a:fillRef>
+          <a:effectRef idx="0">
+            <a:schemeClr val="accent1"/>
+          </a:effectRef>
+          <a:fontRef idx="minor">
+            <a:schemeClr val="lt1"/>
+          </a:fontRef>
+        </p:style>
+        <p:txBody>
+          <a:bodyPr rtlCol="0" anchor="t"/>
+          <a:lstStyle/>
+          <a:p>
+            <a:pPr algn="ctr"/>
+            <a:r>
+              <a:rPr lang="en-US" dirty="0" err="1" smtClean="0">
                 <a:solidFill>
                   <a:srgbClr val="C00000"/>
                 </a:solidFill>
-              </a:endParaRPr>
-            </a:p>
-          </p:txBody>
-        </p:sp>
-        <p:sp>
-          <p:nvSpPr>
-            <p:cNvPr id="31" name="Rectangle 30"/>
-            <p:cNvSpPr/>
-            <p:nvPr/>
-          </p:nvSpPr>
-          <p:spPr>
-            <a:xfrm>
-              <a:off x="2553602" y="1516308"/>
-              <a:ext cx="1598395" cy="1254565"/>
-            </a:xfrm>
-            <a:prstGeom prst="rect">
-              <a:avLst/>
-            </a:prstGeom>
-            <a:solidFill>
-              <a:schemeClr val="accent4">
-                <a:lumMod val="20000"/>
-                <a:lumOff val="80000"/>
-              </a:schemeClr>
-            </a:solidFill>
-            <a:ln>
+              </a:rPr>
+              <a:t>CauseMOS</a:t>
+            </a:r>
+            <a:endParaRPr lang="en-US" dirty="0">
               <a:solidFill>
                 <a:srgbClr val="C00000"/>
               </a:solidFill>
-            </a:ln>
-          </p:spPr>
-          <p:style>
-            <a:lnRef idx="2">
-              <a:schemeClr val="accent1">
-                <a:shade val="50000"/>
-              </a:schemeClr>
-            </a:lnRef>
-            <a:fillRef idx="1">
-              <a:schemeClr val="accent1"/>
-            </a:fillRef>
-            <a:effectRef idx="0">
-              <a:schemeClr val="accent1"/>
-            </a:effectRef>
-            <a:fontRef idx="minor">
-              <a:schemeClr val="lt1"/>
-            </a:fontRef>
-          </p:style>
-          <p:txBody>
-            <a:bodyPr rtlCol="0" anchor="t"/>
-            <a:lstStyle/>
-            <a:p>
-              <a:pPr algn="ctr"/>
-              <a:r>
-                <a:rPr lang="en-US" dirty="0" smtClean="0">
-                  <a:solidFill>
-                    <a:srgbClr val="C00000"/>
-                  </a:solidFill>
-                </a:rPr>
-                <a:t>GUI to guide users encapsulating models/setups</a:t>
-              </a:r>
-              <a:endParaRPr lang="en-US" dirty="0">
+            </a:endParaRPr>
+          </a:p>
+        </p:txBody>
+      </p:sp>
+      <p:sp>
+        <p:nvSpPr>
+          <p:cNvPr id="56" name="Rounded Rectangle 55"/>
+          <p:cNvSpPr/>
+          <p:nvPr/>
+        </p:nvSpPr>
+        <p:spPr>
+          <a:xfrm>
+            <a:off x="5653384" y="5954368"/>
+            <a:ext cx="1524000" cy="438427"/>
+          </a:xfrm>
+          <a:prstGeom prst="roundRect">
+            <a:avLst/>
+          </a:prstGeom>
+          <a:solidFill>
+            <a:schemeClr val="accent1">
+              <a:lumMod val="20000"/>
+              <a:lumOff val="80000"/>
+            </a:schemeClr>
+          </a:solidFill>
+          <a:ln>
+            <a:solidFill>
+              <a:srgbClr val="C00000"/>
+            </a:solidFill>
+          </a:ln>
+        </p:spPr>
+        <p:style>
+          <a:lnRef idx="2">
+            <a:schemeClr val="accent1">
+              <a:shade val="50000"/>
+            </a:schemeClr>
+          </a:lnRef>
+          <a:fillRef idx="1">
+            <a:schemeClr val="accent1"/>
+          </a:fillRef>
+          <a:effectRef idx="0">
+            <a:schemeClr val="accent1"/>
+          </a:effectRef>
+          <a:fontRef idx="minor">
+            <a:schemeClr val="lt1"/>
+          </a:fontRef>
+        </p:style>
+        <p:txBody>
+          <a:bodyPr rtlCol="0" anchor="t"/>
+          <a:lstStyle/>
+          <a:p>
+            <a:pPr algn="ctr"/>
+            <a:r>
+              <a:rPr lang="en-US" dirty="0" err="1" smtClean="0">
                 <a:solidFill>
                   <a:srgbClr val="C00000"/>
                 </a:solidFill>
-              </a:endParaRPr>
-            </a:p>
-          </p:txBody>
-        </p:sp>
-        <p:sp>
-          <p:nvSpPr>
-            <p:cNvPr id="32" name="Rectangle 31"/>
-            <p:cNvSpPr/>
-            <p:nvPr/>
-          </p:nvSpPr>
-          <p:spPr>
-            <a:xfrm>
-              <a:off x="4729458" y="4791098"/>
-              <a:ext cx="1739362" cy="918014"/>
-            </a:xfrm>
-            <a:prstGeom prst="rect">
-              <a:avLst/>
-            </a:prstGeom>
-            <a:solidFill>
-              <a:schemeClr val="accent6">
-                <a:lumMod val="20000"/>
-                <a:lumOff val="80000"/>
-              </a:schemeClr>
-            </a:solidFill>
-            <a:ln>
+              </a:rPr>
+              <a:t>SuperMaaS</a:t>
+            </a:r>
+            <a:endParaRPr lang="en-US" dirty="0">
               <a:solidFill>
                 <a:srgbClr val="C00000"/>
               </a:solidFill>
-            </a:ln>
-          </p:spPr>
-          <p:style>
-            <a:lnRef idx="2">
-              <a:schemeClr val="accent1">
-                <a:shade val="50000"/>
+            </a:endParaRPr>
+          </a:p>
+        </p:txBody>
+      </p:sp>
+      <p:cxnSp>
+        <p:nvCxnSpPr>
+          <p:cNvPr id="60" name="Straight Arrow Connector 59"/>
+          <p:cNvCxnSpPr>
+            <a:stCxn id="56" idx="0"/>
+            <a:endCxn id="21" idx="1"/>
+          </p:cNvCxnSpPr>
+          <p:nvPr/>
+        </p:nvCxnSpPr>
+        <p:spPr>
+          <a:xfrm flipV="1">
+            <a:off x="6415384" y="5379660"/>
+            <a:ext cx="2328610" cy="574708"/>
+          </a:xfrm>
+          <a:prstGeom prst="straightConnector1">
+            <a:avLst/>
+          </a:prstGeom>
+          <a:ln>
+            <a:solidFill>
+              <a:schemeClr val="tx1"/>
+            </a:solidFill>
+            <a:tailEnd type="triangle"/>
+          </a:ln>
+        </p:spPr>
+        <p:style>
+          <a:lnRef idx="1">
+            <a:schemeClr val="accent1"/>
+          </a:lnRef>
+          <a:fillRef idx="0">
+            <a:schemeClr val="accent1"/>
+          </a:fillRef>
+          <a:effectRef idx="0">
+            <a:schemeClr val="accent1"/>
+          </a:effectRef>
+          <a:fontRef idx="minor">
+            <a:schemeClr val="tx1"/>
+          </a:fontRef>
+        </p:style>
+      </p:cxnSp>
+      <p:cxnSp>
+        <p:nvCxnSpPr>
+          <p:cNvPr id="63" name="Straight Arrow Connector 62"/>
+          <p:cNvCxnSpPr>
+            <a:stCxn id="55" idx="0"/>
+            <a:endCxn id="21" idx="1"/>
+          </p:cNvCxnSpPr>
+          <p:nvPr/>
+        </p:nvCxnSpPr>
+        <p:spPr>
+          <a:xfrm flipV="1">
+            <a:off x="4730185" y="5379660"/>
+            <a:ext cx="4013809" cy="574707"/>
+          </a:xfrm>
+          <a:prstGeom prst="straightConnector1">
+            <a:avLst/>
+          </a:prstGeom>
+          <a:ln>
+            <a:solidFill>
+              <a:schemeClr val="tx1"/>
+            </a:solidFill>
+            <a:tailEnd type="triangle"/>
+          </a:ln>
+        </p:spPr>
+        <p:style>
+          <a:lnRef idx="1">
+            <a:schemeClr val="accent1"/>
+          </a:lnRef>
+          <a:fillRef idx="0">
+            <a:schemeClr val="accent1"/>
+          </a:fillRef>
+          <a:effectRef idx="0">
+            <a:schemeClr val="accent1"/>
+          </a:effectRef>
+          <a:fontRef idx="minor">
+            <a:schemeClr val="tx1"/>
+          </a:fontRef>
+        </p:style>
+      </p:cxnSp>
+      <p:cxnSp>
+        <p:nvCxnSpPr>
+          <p:cNvPr id="23" name="Straight Arrow Connector 22"/>
+          <p:cNvCxnSpPr>
+            <a:stCxn id="56" idx="0"/>
+            <a:endCxn id="32" idx="2"/>
+          </p:cNvCxnSpPr>
+          <p:nvPr/>
+        </p:nvCxnSpPr>
+        <p:spPr>
+          <a:xfrm flipH="1" flipV="1">
+            <a:off x="5552956" y="4923226"/>
+            <a:ext cx="862428" cy="1031142"/>
+          </a:xfrm>
+          <a:prstGeom prst="straightConnector1">
+            <a:avLst/>
+          </a:prstGeom>
+          <a:ln>
+            <a:solidFill>
+              <a:schemeClr val="tx1"/>
+            </a:solidFill>
+            <a:tailEnd type="triangle"/>
+          </a:ln>
+        </p:spPr>
+        <p:style>
+          <a:lnRef idx="1">
+            <a:schemeClr val="accent1"/>
+          </a:lnRef>
+          <a:fillRef idx="0">
+            <a:schemeClr val="accent1"/>
+          </a:fillRef>
+          <a:effectRef idx="0">
+            <a:schemeClr val="accent1"/>
+          </a:effectRef>
+          <a:fontRef idx="minor">
+            <a:schemeClr val="tx1"/>
+          </a:fontRef>
+        </p:style>
+      </p:cxnSp>
+      <p:cxnSp>
+        <p:nvCxnSpPr>
+          <p:cNvPr id="70" name="Straight Arrow Connector 69"/>
+          <p:cNvCxnSpPr>
+            <a:stCxn id="55" idx="0"/>
+            <a:endCxn id="32" idx="2"/>
+          </p:cNvCxnSpPr>
+          <p:nvPr/>
+        </p:nvCxnSpPr>
+        <p:spPr>
+          <a:xfrm flipV="1">
+            <a:off x="4730185" y="4923226"/>
+            <a:ext cx="822771" cy="1031141"/>
+          </a:xfrm>
+          <a:prstGeom prst="straightConnector1">
+            <a:avLst/>
+          </a:prstGeom>
+          <a:ln>
+            <a:solidFill>
+              <a:schemeClr val="tx1"/>
+            </a:solidFill>
+            <a:tailEnd type="triangle"/>
+          </a:ln>
+        </p:spPr>
+        <p:style>
+          <a:lnRef idx="1">
+            <a:schemeClr val="accent1"/>
+          </a:lnRef>
+          <a:fillRef idx="0">
+            <a:schemeClr val="accent1"/>
+          </a:fillRef>
+          <a:effectRef idx="0">
+            <a:schemeClr val="accent1"/>
+          </a:effectRef>
+          <a:fontRef idx="minor">
+            <a:schemeClr val="tx1"/>
+          </a:fontRef>
+        </p:style>
+      </p:cxnSp>
+      <p:sp>
+        <p:nvSpPr>
+          <p:cNvPr id="73" name="TextBox 72"/>
+          <p:cNvSpPr txBox="1"/>
+          <p:nvPr/>
+        </p:nvSpPr>
+        <p:spPr>
+          <a:xfrm>
+            <a:off x="4856864" y="5267260"/>
+            <a:ext cx="1333665" cy="253916"/>
+          </a:xfrm>
+          <a:prstGeom prst="rect">
+            <a:avLst/>
+          </a:prstGeom>
+          <a:solidFill>
+            <a:schemeClr val="bg1"/>
+          </a:solidFill>
+          <a:ln w="19050">
+            <a:solidFill>
+              <a:schemeClr val="tx1"/>
+            </a:solidFill>
+            <a:prstDash val="sysDot"/>
+          </a:ln>
+        </p:spPr>
+        <p:txBody>
+          <a:bodyPr wrap="square" rtlCol="0">
+            <a:spAutoFit/>
+          </a:bodyPr>
+          <a:lstStyle/>
+          <a:p>
+            <a:r>
+              <a:rPr lang="en-US" sz="1050" dirty="0" smtClean="0"/>
+              <a:t>Documentation URLs</a:t>
+            </a:r>
+            <a:endParaRPr lang="en-US" sz="1050" dirty="0"/>
+          </a:p>
+        </p:txBody>
+      </p:sp>
+      <p:pic>
+        <p:nvPicPr>
+          <p:cNvPr id="100" name="Picture 99"/>
+          <p:cNvPicPr>
+            <a:picLocks noChangeAspect="1"/>
+          </p:cNvPicPr>
+          <p:nvPr/>
+        </p:nvPicPr>
+        <p:blipFill>
+          <a:blip r:embed="rId3" cstate="print">
+            <a:duotone>
+              <a:schemeClr val="accent2">
+                <a:shade val="45000"/>
+                <a:satMod val="135000"/>
               </a:schemeClr>
-            </a:lnRef>
-            <a:fillRef idx="1">
-              <a:schemeClr val="accent1"/>
-            </a:fillRef>
-            <a:effectRef idx="0">
-              <a:schemeClr val="accent1"/>
-            </a:effectRef>
-            <a:fontRef idx="minor">
-              <a:schemeClr val="lt1"/>
-            </a:fontRef>
-          </p:style>
-          <p:txBody>
-            <a:bodyPr rtlCol="0" anchor="t"/>
-            <a:lstStyle/>
-            <a:p>
-              <a:pPr algn="ctr"/>
-              <a:r>
-                <a:rPr lang="en-US" dirty="0">
-                  <a:solidFill>
-                    <a:srgbClr val="C00000"/>
-                  </a:solidFill>
-                </a:rPr>
-                <a:t>GUI to create setups from existing ones</a:t>
-              </a:r>
-            </a:p>
-          </p:txBody>
-        </p:sp>
-        <p:sp>
-          <p:nvSpPr>
-            <p:cNvPr id="36" name="Rectangle 35"/>
-            <p:cNvSpPr/>
-            <p:nvPr/>
-          </p:nvSpPr>
-          <p:spPr>
-            <a:xfrm>
-              <a:off x="8563089" y="6138089"/>
-              <a:ext cx="1598395" cy="646834"/>
-            </a:xfrm>
-            <a:prstGeom prst="rect">
-              <a:avLst/>
-            </a:prstGeom>
+              <a:prstClr val="white"/>
+            </a:duotone>
+            <a:extLst>
+              <a:ext uri="{28A0092B-C50C-407E-A947-70E740481C1C}">
+                <a14:useLocalDpi xmlns:a14="http://schemas.microsoft.com/office/drawing/2010/main" val="0"/>
+              </a:ext>
+            </a:extLst>
+          </a:blip>
+          <a:stretch>
+            <a:fillRect/>
+          </a:stretch>
+        </p:blipFill>
+        <p:spPr>
+          <a:xfrm>
+            <a:off x="7853095" y="5894162"/>
+            <a:ext cx="531784" cy="531784"/>
+          </a:xfrm>
+          <a:prstGeom prst="rect">
+            <a:avLst/>
+          </a:prstGeom>
+        </p:spPr>
+      </p:pic>
+      <p:sp>
+        <p:nvSpPr>
+          <p:cNvPr id="108" name="Rectangle 107"/>
+          <p:cNvSpPr/>
+          <p:nvPr/>
+        </p:nvSpPr>
+        <p:spPr>
+          <a:xfrm>
+            <a:off x="8991287" y="1984294"/>
+            <a:ext cx="1573544" cy="883496"/>
+          </a:xfrm>
+          <a:prstGeom prst="rect">
+            <a:avLst/>
+          </a:prstGeom>
+          <a:solidFill>
+            <a:schemeClr val="accent6">
+              <a:lumMod val="20000"/>
+              <a:lumOff val="80000"/>
+            </a:schemeClr>
+          </a:solidFill>
+          <a:ln>
             <a:solidFill>
-              <a:schemeClr val="accent6">
-                <a:lumMod val="20000"/>
-                <a:lumOff val="80000"/>
-              </a:schemeClr>
+              <a:srgbClr val="C00000"/>
             </a:solidFill>
-            <a:ln>
+          </a:ln>
+        </p:spPr>
+        <p:style>
+          <a:lnRef idx="2">
+            <a:schemeClr val="accent1">
+              <a:shade val="50000"/>
+            </a:schemeClr>
+          </a:lnRef>
+          <a:fillRef idx="1">
+            <a:schemeClr val="accent1"/>
+          </a:fillRef>
+          <a:effectRef idx="0">
+            <a:schemeClr val="accent1"/>
+          </a:effectRef>
+          <a:fontRef idx="minor">
+            <a:schemeClr val="lt1"/>
+          </a:fontRef>
+        </p:style>
+        <p:txBody>
+          <a:bodyPr rtlCol="0" anchor="t"/>
+          <a:lstStyle/>
+          <a:p>
+            <a:pPr algn="ctr"/>
+            <a:r>
+              <a:rPr lang="en-US" dirty="0" smtClean="0">
+                <a:solidFill>
+                  <a:srgbClr val="C00000"/>
+                </a:solidFill>
+              </a:rPr>
+              <a:t>Metadata schema </a:t>
+            </a:r>
+            <a:br>
+              <a:rPr lang="en-US" dirty="0" smtClean="0">
+                <a:solidFill>
+                  <a:srgbClr val="C00000"/>
+                </a:solidFill>
+              </a:rPr>
+            </a:br>
+            <a:r>
+              <a:rPr lang="en-US" dirty="0" smtClean="0">
+                <a:solidFill>
+                  <a:srgbClr val="C00000"/>
+                </a:solidFill>
+              </a:rPr>
+              <a:t>(RDF, JSON)</a:t>
+            </a:r>
+            <a:endParaRPr lang="en-US" dirty="0">
               <a:solidFill>
                 <a:srgbClr val="C00000"/>
               </a:solidFill>
-            </a:ln>
-          </p:spPr>
-          <p:style>
-            <a:lnRef idx="2">
-              <a:schemeClr val="accent1">
-                <a:shade val="50000"/>
-              </a:schemeClr>
-            </a:lnRef>
-            <a:fillRef idx="1">
-              <a:schemeClr val="accent1"/>
-            </a:fillRef>
-            <a:effectRef idx="0">
-              <a:schemeClr val="accent1"/>
-            </a:effectRef>
-            <a:fontRef idx="minor">
-              <a:schemeClr val="lt1"/>
-            </a:fontRef>
-          </p:style>
-          <p:txBody>
-            <a:bodyPr rtlCol="0" anchor="t"/>
-            <a:lstStyle/>
-            <a:p>
-              <a:pPr algn="ctr"/>
-              <a:r>
-                <a:rPr lang="en-US" dirty="0">
-                  <a:solidFill>
-                    <a:srgbClr val="C00000"/>
-                  </a:solidFill>
-                </a:rPr>
-                <a:t>CLI to test online models</a:t>
-              </a:r>
-            </a:p>
-          </p:txBody>
-        </p:sp>
-        <p:sp>
-          <p:nvSpPr>
-            <p:cNvPr id="37" name="Rectangle 36"/>
-            <p:cNvSpPr/>
-            <p:nvPr/>
-          </p:nvSpPr>
-          <p:spPr>
-            <a:xfrm>
-              <a:off x="4729457" y="5811717"/>
-              <a:ext cx="1739363" cy="918014"/>
-            </a:xfrm>
-            <a:prstGeom prst="rect">
-              <a:avLst/>
-            </a:prstGeom>
+            </a:endParaRPr>
+          </a:p>
+        </p:txBody>
+      </p:sp>
+      <p:cxnSp>
+        <p:nvCxnSpPr>
+          <p:cNvPr id="109" name="Straight Arrow Connector 108"/>
+          <p:cNvCxnSpPr>
+            <a:stCxn id="108" idx="1"/>
+            <a:endCxn id="53" idx="0"/>
+          </p:cNvCxnSpPr>
+          <p:nvPr/>
+        </p:nvCxnSpPr>
+        <p:spPr>
+          <a:xfrm flipH="1">
+            <a:off x="7939133" y="2426042"/>
+            <a:ext cx="1052154" cy="153112"/>
+          </a:xfrm>
+          <a:prstGeom prst="straightConnector1">
+            <a:avLst/>
+          </a:prstGeom>
+          <a:ln>
             <a:solidFill>
-              <a:schemeClr val="accent4">
-                <a:lumMod val="20000"/>
-                <a:lumOff val="80000"/>
-              </a:schemeClr>
+              <a:schemeClr val="tx1"/>
             </a:solidFill>
-            <a:ln>
+            <a:tailEnd type="triangle"/>
+          </a:ln>
+        </p:spPr>
+        <p:style>
+          <a:lnRef idx="1">
+            <a:schemeClr val="accent1"/>
+          </a:lnRef>
+          <a:fillRef idx="0">
+            <a:schemeClr val="accent1"/>
+          </a:fillRef>
+          <a:effectRef idx="0">
+            <a:schemeClr val="accent1"/>
+          </a:effectRef>
+          <a:fontRef idx="minor">
+            <a:schemeClr val="tx1"/>
+          </a:fontRef>
+        </p:style>
+      </p:cxnSp>
+      <p:cxnSp>
+        <p:nvCxnSpPr>
+          <p:cNvPr id="88" name="Elbow Connector 87"/>
+          <p:cNvCxnSpPr>
+            <a:stCxn id="108" idx="3"/>
+            <a:endCxn id="8" idx="3"/>
+          </p:cNvCxnSpPr>
+          <p:nvPr/>
+        </p:nvCxnSpPr>
+        <p:spPr>
+          <a:xfrm flipH="1">
+            <a:off x="10438758" y="2426042"/>
+            <a:ext cx="126073" cy="2141723"/>
+          </a:xfrm>
+          <a:prstGeom prst="bentConnector3">
+            <a:avLst>
+              <a:gd name="adj1" fmla="val -181324"/>
+            </a:avLst>
+          </a:prstGeom>
+          <a:ln>
+            <a:solidFill>
+              <a:schemeClr val="tx1"/>
+            </a:solidFill>
+            <a:tailEnd type="triangle"/>
+          </a:ln>
+        </p:spPr>
+        <p:style>
+          <a:lnRef idx="1">
+            <a:schemeClr val="accent1"/>
+          </a:lnRef>
+          <a:fillRef idx="0">
+            <a:schemeClr val="accent1"/>
+          </a:fillRef>
+          <a:effectRef idx="0">
+            <a:schemeClr val="accent1"/>
+          </a:effectRef>
+          <a:fontRef idx="minor">
+            <a:schemeClr val="tx1"/>
+          </a:fontRef>
+        </p:style>
+      </p:cxnSp>
+      <p:cxnSp>
+        <p:nvCxnSpPr>
+          <p:cNvPr id="116" name="Elbow Connector 115"/>
+          <p:cNvCxnSpPr>
+            <a:stCxn id="108" idx="3"/>
+            <a:endCxn id="17" idx="3"/>
+          </p:cNvCxnSpPr>
+          <p:nvPr/>
+        </p:nvCxnSpPr>
+        <p:spPr>
+          <a:xfrm>
+            <a:off x="10564831" y="2426042"/>
+            <a:ext cx="780690" cy="2951996"/>
+          </a:xfrm>
+          <a:prstGeom prst="bentConnector3">
+            <a:avLst>
+              <a:gd name="adj1" fmla="val 129282"/>
+            </a:avLst>
+          </a:prstGeom>
+          <a:ln>
+            <a:solidFill>
+              <a:schemeClr val="tx1"/>
+            </a:solidFill>
+            <a:tailEnd type="triangle"/>
+          </a:ln>
+        </p:spPr>
+        <p:style>
+          <a:lnRef idx="1">
+            <a:schemeClr val="accent1"/>
+          </a:lnRef>
+          <a:fillRef idx="0">
+            <a:schemeClr val="accent1"/>
+          </a:fillRef>
+          <a:effectRef idx="0">
+            <a:schemeClr val="accent1"/>
+          </a:effectRef>
+          <a:fontRef idx="minor">
+            <a:schemeClr val="tx1"/>
+          </a:fontRef>
+        </p:style>
+      </p:cxnSp>
+      <p:sp>
+        <p:nvSpPr>
+          <p:cNvPr id="137" name="TextBox 136"/>
+          <p:cNvSpPr txBox="1"/>
+          <p:nvPr/>
+        </p:nvSpPr>
+        <p:spPr>
+          <a:xfrm>
+            <a:off x="6624804" y="5327008"/>
+            <a:ext cx="1676199" cy="415498"/>
+          </a:xfrm>
+          <a:prstGeom prst="rect">
+            <a:avLst/>
+          </a:prstGeom>
+          <a:solidFill>
+            <a:schemeClr val="bg1"/>
+          </a:solidFill>
+          <a:ln w="19050">
+            <a:solidFill>
+              <a:schemeClr val="tx1"/>
+            </a:solidFill>
+            <a:prstDash val="sysDot"/>
+          </a:ln>
+        </p:spPr>
+        <p:txBody>
+          <a:bodyPr wrap="square" rtlCol="0">
+            <a:spAutoFit/>
+          </a:bodyPr>
+          <a:lstStyle/>
+          <a:p>
+            <a:r>
+              <a:rPr lang="en-US" sz="1050" dirty="0" smtClean="0"/>
+              <a:t>Model metadata, variables,</a:t>
+            </a:r>
+          </a:p>
+          <a:p>
+            <a:r>
+              <a:rPr lang="en-US" sz="1050" dirty="0" smtClean="0"/>
+              <a:t>documentation, etc.</a:t>
+            </a:r>
+            <a:endParaRPr lang="en-US" sz="1050" dirty="0"/>
+          </a:p>
+        </p:txBody>
+      </p:sp>
+      <p:cxnSp>
+        <p:nvCxnSpPr>
+          <p:cNvPr id="127" name="Elbow Connector 126"/>
+          <p:cNvCxnSpPr>
+            <a:stCxn id="129" idx="3"/>
+            <a:endCxn id="36" idx="1"/>
+          </p:cNvCxnSpPr>
+          <p:nvPr/>
+        </p:nvCxnSpPr>
+        <p:spPr>
+          <a:xfrm>
+            <a:off x="3510985" y="5672832"/>
+            <a:ext cx="4990801" cy="803126"/>
+          </a:xfrm>
+          <a:prstGeom prst="bentConnector3">
+            <a:avLst>
+              <a:gd name="adj1" fmla="val 5214"/>
+            </a:avLst>
+          </a:prstGeom>
+          <a:ln>
+            <a:solidFill>
+              <a:schemeClr val="tx1"/>
+            </a:solidFill>
+            <a:tailEnd type="triangle"/>
+          </a:ln>
+        </p:spPr>
+        <p:style>
+          <a:lnRef idx="1">
+            <a:schemeClr val="accent1"/>
+          </a:lnRef>
+          <a:fillRef idx="0">
+            <a:schemeClr val="accent1"/>
+          </a:fillRef>
+          <a:effectRef idx="0">
+            <a:schemeClr val="accent1"/>
+          </a:effectRef>
+          <a:fontRef idx="minor">
+            <a:schemeClr val="tx1"/>
+          </a:fontRef>
+        </p:style>
+      </p:cxnSp>
+      <p:cxnSp>
+        <p:nvCxnSpPr>
+          <p:cNvPr id="169" name="Straight Arrow Connector 168"/>
+          <p:cNvCxnSpPr>
+            <a:stCxn id="29" idx="0"/>
+            <a:endCxn id="182" idx="2"/>
+          </p:cNvCxnSpPr>
+          <p:nvPr/>
+        </p:nvCxnSpPr>
+        <p:spPr>
+          <a:xfrm flipH="1" flipV="1">
+            <a:off x="5548602" y="2491643"/>
+            <a:ext cx="6337" cy="276338"/>
+          </a:xfrm>
+          <a:prstGeom prst="straightConnector1">
+            <a:avLst/>
+          </a:prstGeom>
+          <a:ln>
+            <a:solidFill>
+              <a:schemeClr val="tx1"/>
+            </a:solidFill>
+            <a:tailEnd type="triangle"/>
+          </a:ln>
+        </p:spPr>
+        <p:style>
+          <a:lnRef idx="1">
+            <a:schemeClr val="accent1"/>
+          </a:lnRef>
+          <a:fillRef idx="0">
+            <a:schemeClr val="accent1"/>
+          </a:fillRef>
+          <a:effectRef idx="0">
+            <a:schemeClr val="accent1"/>
+          </a:effectRef>
+          <a:fontRef idx="minor">
+            <a:schemeClr val="tx1"/>
+          </a:fontRef>
+        </p:style>
+      </p:cxnSp>
+      <p:cxnSp>
+        <p:nvCxnSpPr>
+          <p:cNvPr id="178" name="Elbow Connector 177"/>
+          <p:cNvCxnSpPr>
+            <a:stCxn id="129" idx="1"/>
+            <a:endCxn id="31" idx="1"/>
+          </p:cNvCxnSpPr>
+          <p:nvPr/>
+        </p:nvCxnSpPr>
+        <p:spPr>
+          <a:xfrm rot="10800000" flipH="1">
+            <a:off x="756214" y="2231386"/>
+            <a:ext cx="1797387" cy="3441447"/>
+          </a:xfrm>
+          <a:prstGeom prst="bentConnector3">
+            <a:avLst>
+              <a:gd name="adj1" fmla="val -12718"/>
+            </a:avLst>
+          </a:prstGeom>
+          <a:ln>
+            <a:solidFill>
+              <a:schemeClr val="tx1"/>
+            </a:solidFill>
+            <a:tailEnd type="triangle"/>
+          </a:ln>
+        </p:spPr>
+        <p:style>
+          <a:lnRef idx="1">
+            <a:schemeClr val="accent1"/>
+          </a:lnRef>
+          <a:fillRef idx="0">
+            <a:schemeClr val="accent1"/>
+          </a:fillRef>
+          <a:effectRef idx="0">
+            <a:schemeClr val="accent1"/>
+          </a:effectRef>
+          <a:fontRef idx="minor">
+            <a:schemeClr val="tx1"/>
+          </a:fontRef>
+        </p:style>
+      </p:cxnSp>
+      <p:sp>
+        <p:nvSpPr>
+          <p:cNvPr id="182" name="Folded Corner 181"/>
+          <p:cNvSpPr/>
+          <p:nvPr/>
+        </p:nvSpPr>
+        <p:spPr>
+          <a:xfrm>
+            <a:off x="4675253" y="1545525"/>
+            <a:ext cx="1746697" cy="946118"/>
+          </a:xfrm>
+          <a:prstGeom prst="foldedCorner">
+            <a:avLst>
+              <a:gd name="adj" fmla="val 13667"/>
+            </a:avLst>
+          </a:prstGeom>
+          <a:solidFill>
+            <a:schemeClr val="accent4">
+              <a:lumMod val="20000"/>
+              <a:lumOff val="80000"/>
+            </a:schemeClr>
+          </a:solidFill>
+          <a:ln>
+            <a:solidFill>
+              <a:srgbClr val="C00000"/>
+            </a:solidFill>
+          </a:ln>
+        </p:spPr>
+        <p:style>
+          <a:lnRef idx="2">
+            <a:schemeClr val="accent1">
+              <a:shade val="50000"/>
+            </a:schemeClr>
+          </a:lnRef>
+          <a:fillRef idx="1">
+            <a:schemeClr val="accent1"/>
+          </a:fillRef>
+          <a:effectRef idx="0">
+            <a:schemeClr val="accent1"/>
+          </a:effectRef>
+          <a:fontRef idx="minor">
+            <a:schemeClr val="lt1"/>
+          </a:fontRef>
+        </p:style>
+        <p:txBody>
+          <a:bodyPr rtlCol="0" anchor="t"/>
+          <a:lstStyle/>
+          <a:p>
+            <a:pPr algn="ctr"/>
+            <a:r>
+              <a:rPr lang="en-US" dirty="0">
+                <a:solidFill>
+                  <a:srgbClr val="C00000"/>
+                </a:solidFill>
+              </a:rPr>
+              <a:t>Model configuration metadata file </a:t>
+            </a:r>
+            <a:endParaRPr lang="en-US" dirty="0">
               <a:solidFill>
                 <a:srgbClr val="C00000"/>
               </a:solidFill>
-            </a:ln>
-          </p:spPr>
-          <p:style>
-            <a:lnRef idx="2">
-              <a:schemeClr val="accent1">
-                <a:shade val="50000"/>
-              </a:schemeClr>
-            </a:lnRef>
-            <a:fillRef idx="1">
-              <a:schemeClr val="accent1"/>
-            </a:fillRef>
-            <a:effectRef idx="0">
-              <a:schemeClr val="accent1"/>
-            </a:effectRef>
-            <a:fontRef idx="minor">
-              <a:schemeClr val="lt1"/>
-            </a:fontRef>
-          </p:style>
-          <p:txBody>
-            <a:bodyPr rtlCol="0" anchor="t"/>
-            <a:lstStyle/>
-            <a:p>
-              <a:pPr algn="ctr"/>
-              <a:r>
-                <a:rPr lang="en-US" dirty="0" smtClean="0">
-                  <a:solidFill>
-                    <a:srgbClr val="C00000"/>
-                  </a:solidFill>
-                </a:rPr>
-                <a:t>GUI to create model entries (not executable)</a:t>
-              </a:r>
-              <a:endParaRPr lang="en-US" dirty="0">
+            </a:endParaRPr>
+          </a:p>
+        </p:txBody>
+      </p:sp>
+      <p:cxnSp>
+        <p:nvCxnSpPr>
+          <p:cNvPr id="183" name="Elbow Connector 182"/>
+          <p:cNvCxnSpPr>
+            <a:stCxn id="196" idx="1"/>
+            <a:endCxn id="31" idx="1"/>
+          </p:cNvCxnSpPr>
+          <p:nvPr/>
+        </p:nvCxnSpPr>
+        <p:spPr>
+          <a:xfrm rot="10800000" flipH="1">
+            <a:off x="756212" y="2231386"/>
+            <a:ext cx="1797389" cy="4226269"/>
+          </a:xfrm>
+          <a:prstGeom prst="bentConnector3">
+            <a:avLst>
+              <a:gd name="adj1" fmla="val -23509"/>
+            </a:avLst>
+          </a:prstGeom>
+          <a:ln>
+            <a:solidFill>
+              <a:schemeClr val="tx1"/>
+            </a:solidFill>
+            <a:tailEnd type="triangle"/>
+          </a:ln>
+        </p:spPr>
+        <p:style>
+          <a:lnRef idx="1">
+            <a:schemeClr val="accent1"/>
+          </a:lnRef>
+          <a:fillRef idx="0">
+            <a:schemeClr val="accent1"/>
+          </a:fillRef>
+          <a:effectRef idx="0">
+            <a:schemeClr val="accent1"/>
+          </a:effectRef>
+          <a:fontRef idx="minor">
+            <a:schemeClr val="tx1"/>
+          </a:fontRef>
+        </p:style>
+      </p:cxnSp>
+      <p:sp>
+        <p:nvSpPr>
+          <p:cNvPr id="186" name="TextBox 185"/>
+          <p:cNvSpPr txBox="1"/>
+          <p:nvPr/>
+        </p:nvSpPr>
+        <p:spPr>
+          <a:xfrm>
+            <a:off x="438997" y="4750418"/>
+            <a:ext cx="1139148" cy="253916"/>
+          </a:xfrm>
+          <a:prstGeom prst="rect">
+            <a:avLst/>
+          </a:prstGeom>
+          <a:solidFill>
+            <a:schemeClr val="bg1"/>
+          </a:solidFill>
+          <a:ln w="19050">
+            <a:solidFill>
+              <a:schemeClr val="tx1"/>
+            </a:solidFill>
+            <a:prstDash val="sysDot"/>
+          </a:ln>
+        </p:spPr>
+        <p:txBody>
+          <a:bodyPr wrap="square" rtlCol="0">
+            <a:spAutoFit/>
+          </a:bodyPr>
+          <a:lstStyle/>
+          <a:p>
+            <a:r>
+              <a:rPr lang="en-US" sz="1050" dirty="0" smtClean="0"/>
+              <a:t>Transformations</a:t>
+            </a:r>
+            <a:endParaRPr lang="en-US" sz="1050" dirty="0"/>
+          </a:p>
+        </p:txBody>
+      </p:sp>
+      <p:sp>
+        <p:nvSpPr>
+          <p:cNvPr id="196" name="Rounded Rectangle 195"/>
+          <p:cNvSpPr/>
+          <p:nvPr/>
+        </p:nvSpPr>
+        <p:spPr>
+          <a:xfrm>
+            <a:off x="756213" y="6119781"/>
+            <a:ext cx="2754772" cy="675746"/>
+          </a:xfrm>
+          <a:prstGeom prst="roundRect">
+            <a:avLst/>
+          </a:prstGeom>
+          <a:solidFill>
+            <a:schemeClr val="accent1">
+              <a:lumMod val="20000"/>
+              <a:lumOff val="80000"/>
+            </a:schemeClr>
+          </a:solidFill>
+          <a:ln>
+            <a:solidFill>
+              <a:srgbClr val="C00000"/>
+            </a:solidFill>
+          </a:ln>
+        </p:spPr>
+        <p:style>
+          <a:lnRef idx="2">
+            <a:schemeClr val="accent1">
+              <a:shade val="50000"/>
+            </a:schemeClr>
+          </a:lnRef>
+          <a:fillRef idx="1">
+            <a:schemeClr val="accent1"/>
+          </a:fillRef>
+          <a:effectRef idx="0">
+            <a:schemeClr val="accent1"/>
+          </a:effectRef>
+          <a:fontRef idx="minor">
+            <a:schemeClr val="lt1"/>
+          </a:fontRef>
+        </p:style>
+        <p:txBody>
+          <a:bodyPr rtlCol="0" anchor="t"/>
+          <a:lstStyle/>
+          <a:p>
+            <a:pPr algn="ctr"/>
+            <a:r>
+              <a:rPr lang="en-US" dirty="0">
                 <a:solidFill>
                   <a:srgbClr val="C00000"/>
                 </a:solidFill>
-              </a:endParaRPr>
-            </a:p>
-          </p:txBody>
-        </p:sp>
-        <p:cxnSp>
-          <p:nvCxnSpPr>
-            <p:cNvPr id="39" name="Straight Arrow Connector 38"/>
-            <p:cNvCxnSpPr>
-              <a:stCxn id="32" idx="3"/>
-              <a:endCxn id="8" idx="1"/>
-            </p:cNvCxnSpPr>
-            <p:nvPr/>
-          </p:nvCxnSpPr>
-          <p:spPr>
-            <a:xfrm flipV="1">
-              <a:off x="6468820" y="4567765"/>
-              <a:ext cx="2750738" cy="682340"/>
-            </a:xfrm>
-            <a:prstGeom prst="straightConnector1">
-              <a:avLst/>
-            </a:prstGeom>
-            <a:ln>
-              <a:solidFill>
-                <a:schemeClr val="tx1"/>
-              </a:solidFill>
-              <a:tailEnd type="triangle"/>
-            </a:ln>
-          </p:spPr>
-          <p:style>
-            <a:lnRef idx="1">
-              <a:schemeClr val="accent1"/>
-            </a:lnRef>
-            <a:fillRef idx="0">
-              <a:schemeClr val="accent1"/>
-            </a:fillRef>
-            <a:effectRef idx="0">
-              <a:schemeClr val="accent1"/>
-            </a:effectRef>
-            <a:fontRef idx="minor">
-              <a:schemeClr val="tx1"/>
-            </a:fontRef>
-          </p:style>
-        </p:cxnSp>
-        <p:cxnSp>
-          <p:nvCxnSpPr>
-            <p:cNvPr id="40" name="Straight Arrow Connector 39"/>
-            <p:cNvCxnSpPr>
-              <a:stCxn id="37" idx="3"/>
-              <a:endCxn id="8" idx="1"/>
-            </p:cNvCxnSpPr>
-            <p:nvPr/>
-          </p:nvCxnSpPr>
-          <p:spPr>
-            <a:xfrm flipV="1">
-              <a:off x="6468820" y="4567765"/>
-              <a:ext cx="2750738" cy="1702959"/>
-            </a:xfrm>
-            <a:prstGeom prst="straightConnector1">
-              <a:avLst/>
-            </a:prstGeom>
-            <a:ln>
-              <a:solidFill>
-                <a:schemeClr val="tx1"/>
-              </a:solidFill>
-              <a:tailEnd type="triangle"/>
-            </a:ln>
-          </p:spPr>
-          <p:style>
-            <a:lnRef idx="1">
-              <a:schemeClr val="accent1"/>
-            </a:lnRef>
-            <a:fillRef idx="0">
-              <a:schemeClr val="accent1"/>
-            </a:fillRef>
-            <a:effectRef idx="0">
-              <a:schemeClr val="accent1"/>
-            </a:effectRef>
-            <a:fontRef idx="minor">
-              <a:schemeClr val="tx1"/>
-            </a:fontRef>
-          </p:style>
-        </p:cxnSp>
-        <p:sp>
-          <p:nvSpPr>
-            <p:cNvPr id="53" name="Rectangle 52"/>
-            <p:cNvSpPr/>
-            <p:nvPr/>
-          </p:nvSpPr>
-          <p:spPr>
-            <a:xfrm>
-              <a:off x="7152361" y="2579154"/>
-              <a:ext cx="1573544" cy="883496"/>
-            </a:xfrm>
-            <a:prstGeom prst="rect">
-              <a:avLst/>
-            </a:prstGeom>
-            <a:solidFill>
-              <a:schemeClr val="accent6">
-                <a:lumMod val="20000"/>
-                <a:lumOff val="80000"/>
-              </a:schemeClr>
-            </a:solidFill>
-            <a:ln>
+              </a:rPr>
+              <a:t>Automated extraction of </a:t>
+            </a:r>
+            <a:r>
+              <a:rPr lang="en-US" dirty="0" smtClean="0">
+                <a:solidFill>
+                  <a:srgbClr val="C00000"/>
+                </a:solidFill>
+              </a:rPr>
+              <a:t>variables (Automates)</a:t>
+            </a:r>
+            <a:endParaRPr lang="en-US" dirty="0">
               <a:solidFill>
                 <a:srgbClr val="C00000"/>
               </a:solidFill>
-            </a:ln>
-          </p:spPr>
-          <p:style>
-            <a:lnRef idx="2">
-              <a:schemeClr val="accent1">
-                <a:shade val="50000"/>
-              </a:schemeClr>
-            </a:lnRef>
-            <a:fillRef idx="1">
-              <a:schemeClr val="accent1"/>
-            </a:fillRef>
-            <a:effectRef idx="0">
-              <a:schemeClr val="accent1"/>
-            </a:effectRef>
-            <a:fontRef idx="minor">
-              <a:schemeClr val="lt1"/>
-            </a:fontRef>
-          </p:style>
-          <p:txBody>
-            <a:bodyPr rtlCol="0" anchor="t"/>
-            <a:lstStyle/>
-            <a:p>
-              <a:pPr algn="ctr"/>
-              <a:r>
-                <a:rPr lang="en-US" dirty="0" smtClean="0">
-                  <a:solidFill>
-                    <a:srgbClr val="C00000"/>
-                  </a:solidFill>
-                </a:rPr>
-                <a:t>CLI for uploading models</a:t>
-              </a:r>
-              <a:endParaRPr lang="en-US" dirty="0">
+            </a:endParaRPr>
+          </a:p>
+        </p:txBody>
+      </p:sp>
+      <p:sp>
+        <p:nvSpPr>
+          <p:cNvPr id="199" name="Rectangle 198"/>
+          <p:cNvSpPr/>
+          <p:nvPr/>
+        </p:nvSpPr>
+        <p:spPr>
+          <a:xfrm>
+            <a:off x="10429522" y="6035848"/>
+            <a:ext cx="1618182" cy="880219"/>
+          </a:xfrm>
+          <a:prstGeom prst="rect">
+            <a:avLst/>
+          </a:prstGeom>
+          <a:solidFill>
+            <a:schemeClr val="accent4">
+              <a:lumMod val="20000"/>
+              <a:lumOff val="80000"/>
+            </a:schemeClr>
+          </a:solidFill>
+          <a:ln>
+            <a:solidFill>
+              <a:srgbClr val="C00000"/>
+            </a:solidFill>
+          </a:ln>
+        </p:spPr>
+        <p:style>
+          <a:lnRef idx="2">
+            <a:schemeClr val="accent1">
+              <a:shade val="50000"/>
+            </a:schemeClr>
+          </a:lnRef>
+          <a:fillRef idx="1">
+            <a:schemeClr val="accent1"/>
+          </a:fillRef>
+          <a:effectRef idx="0">
+            <a:schemeClr val="accent1"/>
+          </a:effectRef>
+          <a:fontRef idx="minor">
+            <a:schemeClr val="lt1"/>
+          </a:fontRef>
+        </p:style>
+        <p:txBody>
+          <a:bodyPr rtlCol="0" anchor="t"/>
+          <a:lstStyle/>
+          <a:p>
+            <a:pPr algn="ctr"/>
+            <a:r>
+              <a:rPr lang="en-US" dirty="0" smtClean="0">
                 <a:solidFill>
                   <a:srgbClr val="C00000"/>
                 </a:solidFill>
-              </a:endParaRPr>
-            </a:p>
-          </p:txBody>
-        </p:sp>
-        <p:cxnSp>
-          <p:nvCxnSpPr>
-            <p:cNvPr id="54" name="Straight Arrow Connector 53"/>
-            <p:cNvCxnSpPr>
-              <a:stCxn id="53" idx="2"/>
-              <a:endCxn id="8" idx="1"/>
-            </p:cNvCxnSpPr>
-            <p:nvPr/>
-          </p:nvCxnSpPr>
-          <p:spPr>
-            <a:xfrm>
-              <a:off x="7939133" y="3462650"/>
-              <a:ext cx="1280425" cy="1105115"/>
-            </a:xfrm>
-            <a:prstGeom prst="straightConnector1">
-              <a:avLst/>
-            </a:prstGeom>
-            <a:ln>
-              <a:solidFill>
-                <a:schemeClr val="tx1"/>
-              </a:solidFill>
-              <a:tailEnd type="triangle"/>
-            </a:ln>
-          </p:spPr>
-          <p:style>
-            <a:lnRef idx="1">
-              <a:schemeClr val="accent1"/>
-            </a:lnRef>
-            <a:fillRef idx="0">
-              <a:schemeClr val="accent1"/>
-            </a:fillRef>
-            <a:effectRef idx="0">
-              <a:schemeClr val="accent1"/>
-            </a:effectRef>
-            <a:fontRef idx="minor">
-              <a:schemeClr val="tx1"/>
-            </a:fontRef>
-          </p:style>
-        </p:cxnSp>
-        <p:cxnSp>
-          <p:nvCxnSpPr>
-            <p:cNvPr id="58" name="Straight Arrow Connector 57"/>
-            <p:cNvCxnSpPr>
-              <a:stCxn id="28" idx="3"/>
-              <a:endCxn id="31" idx="1"/>
-            </p:cNvCxnSpPr>
-            <p:nvPr/>
-          </p:nvCxnSpPr>
-          <p:spPr>
-            <a:xfrm>
-              <a:off x="1879600" y="2143590"/>
-              <a:ext cx="674002" cy="1"/>
-            </a:xfrm>
-            <a:prstGeom prst="straightConnector1">
-              <a:avLst/>
-            </a:prstGeom>
-            <a:ln>
-              <a:solidFill>
-                <a:schemeClr val="tx1"/>
-              </a:solidFill>
-              <a:tailEnd type="triangle"/>
-            </a:ln>
-          </p:spPr>
-          <p:style>
-            <a:lnRef idx="1">
-              <a:schemeClr val="accent1"/>
-            </a:lnRef>
-            <a:fillRef idx="0">
-              <a:schemeClr val="accent1"/>
-            </a:fillRef>
-            <a:effectRef idx="0">
-              <a:schemeClr val="accent1"/>
-            </a:effectRef>
-            <a:fontRef idx="minor">
-              <a:schemeClr val="tx1"/>
-            </a:fontRef>
-          </p:style>
-        </p:cxnSp>
-        <p:cxnSp>
-          <p:nvCxnSpPr>
-            <p:cNvPr id="59" name="Straight Arrow Connector 58"/>
-            <p:cNvCxnSpPr>
-              <a:stCxn id="31" idx="3"/>
-              <a:endCxn id="29" idx="1"/>
-            </p:cNvCxnSpPr>
-            <p:nvPr/>
-          </p:nvCxnSpPr>
-          <p:spPr>
-            <a:xfrm flipV="1">
-              <a:off x="4151997" y="2135446"/>
-              <a:ext cx="523943" cy="8145"/>
-            </a:xfrm>
-            <a:prstGeom prst="straightConnector1">
-              <a:avLst/>
-            </a:prstGeom>
-            <a:ln>
-              <a:solidFill>
-                <a:schemeClr val="tx1"/>
-              </a:solidFill>
-              <a:tailEnd type="triangle"/>
-            </a:ln>
-          </p:spPr>
-          <p:style>
-            <a:lnRef idx="1">
-              <a:schemeClr val="accent1"/>
-            </a:lnRef>
-            <a:fillRef idx="0">
-              <a:schemeClr val="accent1"/>
-            </a:fillRef>
-            <a:effectRef idx="0">
-              <a:schemeClr val="accent1"/>
-            </a:effectRef>
-            <a:fontRef idx="minor">
-              <a:schemeClr val="tx1"/>
-            </a:fontRef>
-          </p:style>
-        </p:cxnSp>
-        <p:cxnSp>
-          <p:nvCxnSpPr>
-            <p:cNvPr id="62" name="Straight Arrow Connector 61"/>
-            <p:cNvCxnSpPr>
-              <a:stCxn id="31" idx="3"/>
-            </p:cNvCxnSpPr>
-            <p:nvPr/>
-          </p:nvCxnSpPr>
-          <p:spPr>
-            <a:xfrm>
-              <a:off x="4151997" y="2143591"/>
-              <a:ext cx="531278" cy="877311"/>
-            </a:xfrm>
-            <a:prstGeom prst="straightConnector1">
-              <a:avLst/>
-            </a:prstGeom>
-            <a:ln>
-              <a:solidFill>
-                <a:schemeClr val="tx1"/>
-              </a:solidFill>
-              <a:tailEnd type="triangle"/>
-            </a:ln>
-          </p:spPr>
-          <p:style>
-            <a:lnRef idx="1">
-              <a:schemeClr val="accent1"/>
-            </a:lnRef>
-            <a:fillRef idx="0">
-              <a:schemeClr val="accent1"/>
-            </a:fillRef>
-            <a:effectRef idx="0">
-              <a:schemeClr val="accent1"/>
-            </a:effectRef>
-            <a:fontRef idx="minor">
-              <a:schemeClr val="tx1"/>
-            </a:fontRef>
-          </p:style>
-        </p:cxnSp>
-        <p:cxnSp>
-          <p:nvCxnSpPr>
-            <p:cNvPr id="65" name="Straight Arrow Connector 64"/>
-            <p:cNvCxnSpPr>
-              <a:endCxn id="53" idx="1"/>
-            </p:cNvCxnSpPr>
-            <p:nvPr/>
-          </p:nvCxnSpPr>
-          <p:spPr>
-            <a:xfrm>
-              <a:off x="6422638" y="3020902"/>
-              <a:ext cx="729723" cy="0"/>
-            </a:xfrm>
-            <a:prstGeom prst="straightConnector1">
-              <a:avLst/>
-            </a:prstGeom>
-            <a:ln>
-              <a:solidFill>
-                <a:schemeClr val="tx1"/>
-              </a:solidFill>
-              <a:tailEnd type="triangle"/>
-            </a:ln>
-          </p:spPr>
-          <p:style>
-            <a:lnRef idx="1">
-              <a:schemeClr val="accent1"/>
-            </a:lnRef>
-            <a:fillRef idx="0">
-              <a:schemeClr val="accent1"/>
-            </a:fillRef>
-            <a:effectRef idx="0">
-              <a:schemeClr val="accent1"/>
-            </a:effectRef>
-            <a:fontRef idx="minor">
-              <a:schemeClr val="tx1"/>
-            </a:fontRef>
-          </p:style>
-        </p:cxnSp>
-        <p:cxnSp>
-          <p:nvCxnSpPr>
-            <p:cNvPr id="68" name="Straight Arrow Connector 67"/>
-            <p:cNvCxnSpPr>
-              <a:stCxn id="29" idx="3"/>
-              <a:endCxn id="53" idx="1"/>
-            </p:cNvCxnSpPr>
-            <p:nvPr/>
-          </p:nvCxnSpPr>
-          <p:spPr>
-            <a:xfrm>
-              <a:off x="6415303" y="2135446"/>
-              <a:ext cx="737058" cy="885456"/>
-            </a:xfrm>
-            <a:prstGeom prst="straightConnector1">
-              <a:avLst/>
-            </a:prstGeom>
-            <a:ln>
-              <a:solidFill>
-                <a:schemeClr val="tx1"/>
-              </a:solidFill>
-              <a:tailEnd type="triangle"/>
-            </a:ln>
-          </p:spPr>
-          <p:style>
-            <a:lnRef idx="1">
-              <a:schemeClr val="accent1"/>
-            </a:lnRef>
-            <a:fillRef idx="0">
-              <a:schemeClr val="accent1"/>
-            </a:fillRef>
-            <a:effectRef idx="0">
-              <a:schemeClr val="accent1"/>
-            </a:effectRef>
-            <a:fontRef idx="minor">
-              <a:schemeClr val="tx1"/>
-            </a:fontRef>
-          </p:style>
-        </p:cxnSp>
-        <p:cxnSp>
-          <p:nvCxnSpPr>
-            <p:cNvPr id="78" name="Straight Arrow Connector 77"/>
-            <p:cNvCxnSpPr>
-              <a:stCxn id="36" idx="0"/>
-              <a:endCxn id="21" idx="2"/>
-            </p:cNvCxnSpPr>
-            <p:nvPr/>
-          </p:nvCxnSpPr>
-          <p:spPr>
-            <a:xfrm flipH="1" flipV="1">
-              <a:off x="9353594" y="5723694"/>
-              <a:ext cx="8693" cy="414395"/>
-            </a:xfrm>
-            <a:prstGeom prst="straightConnector1">
-              <a:avLst/>
-            </a:prstGeom>
-            <a:ln>
-              <a:solidFill>
-                <a:schemeClr val="tx1"/>
-              </a:solidFill>
-              <a:tailEnd type="triangle"/>
-            </a:ln>
-          </p:spPr>
-          <p:style>
-            <a:lnRef idx="1">
-              <a:schemeClr val="accent1"/>
-            </a:lnRef>
-            <a:fillRef idx="0">
-              <a:schemeClr val="accent1"/>
-            </a:fillRef>
-            <a:effectRef idx="0">
-              <a:schemeClr val="accent1"/>
-            </a:effectRef>
-            <a:fontRef idx="minor">
-              <a:schemeClr val="tx1"/>
-            </a:fontRef>
-          </p:style>
-        </p:cxnSp>
-        <p:sp>
-          <p:nvSpPr>
-            <p:cNvPr id="82" name="Rectangle 81"/>
-            <p:cNvSpPr/>
-            <p:nvPr/>
-          </p:nvSpPr>
-          <p:spPr>
-            <a:xfrm>
-              <a:off x="2553460" y="3073984"/>
-              <a:ext cx="1598395" cy="646834"/>
-            </a:xfrm>
-            <a:prstGeom prst="rect">
-              <a:avLst/>
-            </a:prstGeom>
-            <a:solidFill>
-              <a:schemeClr val="accent4">
-                <a:lumMod val="20000"/>
-                <a:lumOff val="80000"/>
-              </a:schemeClr>
-            </a:solidFill>
-            <a:ln>
+              </a:rPr>
+              <a:t>Model Calibration (DAKOTA)</a:t>
+            </a:r>
+            <a:endParaRPr lang="en-US" dirty="0">
               <a:solidFill>
                 <a:srgbClr val="C00000"/>
               </a:solidFill>
-            </a:ln>
-          </p:spPr>
-          <p:style>
-            <a:lnRef idx="2">
-              <a:schemeClr val="accent1">
-                <a:shade val="50000"/>
-              </a:schemeClr>
-            </a:lnRef>
-            <a:fillRef idx="1">
-              <a:schemeClr val="accent1"/>
-            </a:fillRef>
-            <a:effectRef idx="0">
-              <a:schemeClr val="accent1"/>
-            </a:effectRef>
-            <a:fontRef idx="minor">
-              <a:schemeClr val="lt1"/>
-            </a:fontRef>
-          </p:style>
-          <p:txBody>
-            <a:bodyPr rtlCol="0" anchor="t"/>
-            <a:lstStyle/>
-            <a:p>
-              <a:pPr algn="ctr"/>
-              <a:r>
-                <a:rPr lang="en-US" dirty="0" smtClean="0">
-                  <a:solidFill>
-                    <a:srgbClr val="C00000"/>
-                  </a:solidFill>
-                </a:rPr>
-                <a:t>CLI to test local models</a:t>
-              </a:r>
-              <a:endParaRPr lang="en-US" dirty="0">
-                <a:solidFill>
-                  <a:srgbClr val="C00000"/>
-                </a:solidFill>
-              </a:endParaRPr>
-            </a:p>
-          </p:txBody>
-        </p:sp>
-        <p:cxnSp>
-          <p:nvCxnSpPr>
-            <p:cNvPr id="83" name="Straight Arrow Connector 82"/>
-            <p:cNvCxnSpPr/>
-            <p:nvPr/>
-          </p:nvCxnSpPr>
-          <p:spPr>
-            <a:xfrm flipH="1">
-              <a:off x="3030192" y="2770873"/>
-              <a:ext cx="142" cy="303111"/>
-            </a:xfrm>
-            <a:prstGeom prst="straightConnector1">
-              <a:avLst/>
-            </a:prstGeom>
-            <a:ln>
-              <a:solidFill>
-                <a:schemeClr val="tx1"/>
-              </a:solidFill>
-              <a:tailEnd type="triangle"/>
-            </a:ln>
-          </p:spPr>
-          <p:style>
-            <a:lnRef idx="1">
-              <a:schemeClr val="accent1"/>
-            </a:lnRef>
-            <a:fillRef idx="0">
-              <a:schemeClr val="accent1"/>
-            </a:fillRef>
-            <a:effectRef idx="0">
-              <a:schemeClr val="accent1"/>
-            </a:effectRef>
-            <a:fontRef idx="minor">
+            </a:endParaRPr>
+          </a:p>
+        </p:txBody>
+      </p:sp>
+      <p:cxnSp>
+        <p:nvCxnSpPr>
+          <p:cNvPr id="200" name="Straight Arrow Connector 199"/>
+          <p:cNvCxnSpPr>
+            <a:stCxn id="199" idx="1"/>
+            <a:endCxn id="36" idx="3"/>
+          </p:cNvCxnSpPr>
+          <p:nvPr/>
+        </p:nvCxnSpPr>
+        <p:spPr>
+          <a:xfrm flipH="1">
+            <a:off x="10205403" y="6475958"/>
+            <a:ext cx="224119" cy="0"/>
+          </a:xfrm>
+          <a:prstGeom prst="straightConnector1">
+            <a:avLst/>
+          </a:prstGeom>
+          <a:ln>
+            <a:solidFill>
               <a:schemeClr val="tx1"/>
-            </a:fontRef>
-          </p:style>
-        </p:cxnSp>
-        <p:cxnSp>
-          <p:nvCxnSpPr>
-            <p:cNvPr id="87" name="Straight Arrow Connector 86"/>
-            <p:cNvCxnSpPr/>
-            <p:nvPr/>
-          </p:nvCxnSpPr>
-          <p:spPr>
-            <a:xfrm flipH="1" flipV="1">
-              <a:off x="3618439" y="2770873"/>
-              <a:ext cx="2138" cy="303111"/>
-            </a:xfrm>
-            <a:prstGeom prst="straightConnector1">
-              <a:avLst/>
-            </a:prstGeom>
-            <a:ln>
-              <a:solidFill>
-                <a:schemeClr val="tx1"/>
-              </a:solidFill>
-              <a:tailEnd type="triangle"/>
-            </a:ln>
-          </p:spPr>
-          <p:style>
-            <a:lnRef idx="1">
-              <a:schemeClr val="accent1"/>
-            </a:lnRef>
-            <a:fillRef idx="0">
-              <a:schemeClr val="accent1"/>
-            </a:fillRef>
-            <a:effectRef idx="0">
-              <a:schemeClr val="accent1"/>
-            </a:effectRef>
-            <a:fontRef idx="minor">
-              <a:schemeClr val="tx1"/>
-            </a:fontRef>
-          </p:style>
-        </p:cxnSp>
-        <p:cxnSp>
-          <p:nvCxnSpPr>
-            <p:cNvPr id="105" name="Straight Arrow Connector 104"/>
-            <p:cNvCxnSpPr>
-              <a:endCxn id="102" idx="0"/>
-            </p:cNvCxnSpPr>
-            <p:nvPr/>
-          </p:nvCxnSpPr>
-          <p:spPr>
-            <a:xfrm>
-              <a:off x="5552957" y="3336596"/>
-              <a:ext cx="9698" cy="793796"/>
-            </a:xfrm>
-            <a:prstGeom prst="straightConnector1">
-              <a:avLst/>
-            </a:prstGeom>
-            <a:ln>
-              <a:solidFill>
-                <a:schemeClr val="tx1"/>
-              </a:solidFill>
-              <a:prstDash val="dash"/>
-              <a:tailEnd type="triangle"/>
-            </a:ln>
-          </p:spPr>
-          <p:style>
-            <a:lnRef idx="1">
-              <a:schemeClr val="accent1"/>
-            </a:lnRef>
-            <a:fillRef idx="0">
-              <a:schemeClr val="accent1"/>
-            </a:fillRef>
-            <a:effectRef idx="0">
-              <a:schemeClr val="accent1"/>
-            </a:effectRef>
-            <a:fontRef idx="minor">
-              <a:schemeClr val="tx1"/>
-            </a:fontRef>
-          </p:style>
-        </p:cxnSp>
-        <p:cxnSp>
-          <p:nvCxnSpPr>
-            <p:cNvPr id="117" name="Curved Connector 116"/>
-            <p:cNvCxnSpPr>
-              <a:stCxn id="28" idx="2"/>
-              <a:endCxn id="37" idx="1"/>
-            </p:cNvCxnSpPr>
-            <p:nvPr/>
-          </p:nvCxnSpPr>
-          <p:spPr>
-            <a:xfrm rot="16200000" flipH="1">
-              <a:off x="969568" y="2510834"/>
-              <a:ext cx="3907921" cy="3611857"/>
-            </a:xfrm>
-            <a:prstGeom prst="curvedConnector2">
-              <a:avLst/>
-            </a:prstGeom>
-            <a:ln>
-              <a:solidFill>
-                <a:schemeClr val="tx1"/>
-              </a:solidFill>
-              <a:tailEnd type="triangle"/>
-            </a:ln>
-          </p:spPr>
-          <p:style>
-            <a:lnRef idx="1">
-              <a:schemeClr val="accent1"/>
-            </a:lnRef>
-            <a:fillRef idx="0">
-              <a:schemeClr val="accent1"/>
-            </a:fillRef>
-            <a:effectRef idx="0">
-              <a:schemeClr val="accent1"/>
-            </a:effectRef>
-            <a:fontRef idx="minor">
-              <a:schemeClr val="tx1"/>
-            </a:fontRef>
-          </p:style>
-        </p:cxnSp>
-        <p:pic>
-          <p:nvPicPr>
-            <p:cNvPr id="118" name="Picture 117"/>
-            <p:cNvPicPr>
-              <a:picLocks noChangeAspect="1"/>
-            </p:cNvPicPr>
-            <p:nvPr/>
-          </p:nvPicPr>
-          <p:blipFill>
-            <a:blip r:embed="rId2" cstate="print">
-              <a:duotone>
-                <a:schemeClr val="accent2">
-                  <a:shade val="45000"/>
-                  <a:satMod val="135000"/>
-                </a:schemeClr>
-                <a:prstClr val="white"/>
-              </a:duotone>
-              <a:extLst>
-                <a:ext uri="{28A0092B-C50C-407E-A947-70E740481C1C}">
-                  <a14:useLocalDpi xmlns:a14="http://schemas.microsoft.com/office/drawing/2010/main" val="0"/>
-                </a:ext>
-              </a:extLst>
-            </a:blip>
-            <a:stretch>
-              <a:fillRect/>
-            </a:stretch>
-          </p:blipFill>
-          <p:spPr>
-            <a:xfrm>
-              <a:off x="3188485" y="6163120"/>
-              <a:ext cx="621803" cy="621803"/>
-            </a:xfrm>
-            <a:prstGeom prst="rect">
-              <a:avLst/>
-            </a:prstGeom>
-          </p:spPr>
-        </p:pic>
-        <p:sp>
-          <p:nvSpPr>
-            <p:cNvPr id="119" name="Folded Corner 118"/>
-            <p:cNvSpPr/>
-            <p:nvPr/>
-          </p:nvSpPr>
-          <p:spPr>
-            <a:xfrm>
-              <a:off x="4726232" y="2675890"/>
-              <a:ext cx="1653448" cy="660294"/>
-            </a:xfrm>
-            <a:prstGeom prst="foldedCorner">
-              <a:avLst/>
-            </a:prstGeom>
-            <a:solidFill>
-              <a:schemeClr val="accent4">
-                <a:lumMod val="20000"/>
-                <a:lumOff val="80000"/>
-              </a:schemeClr>
             </a:solidFill>
-            <a:ln>
-              <a:solidFill>
-                <a:srgbClr val="C00000"/>
-              </a:solidFill>
-            </a:ln>
-          </p:spPr>
-          <p:style>
-            <a:lnRef idx="2">
-              <a:schemeClr val="accent1">
-                <a:shade val="50000"/>
-              </a:schemeClr>
-            </a:lnRef>
-            <a:fillRef idx="1">
-              <a:schemeClr val="accent1"/>
-            </a:fillRef>
-            <a:effectRef idx="0">
-              <a:schemeClr val="accent1"/>
-            </a:effectRef>
-            <a:fontRef idx="minor">
-              <a:schemeClr val="lt1"/>
-            </a:fontRef>
-          </p:style>
-          <p:txBody>
-            <a:bodyPr rtlCol="0" anchor="ctr"/>
-            <a:lstStyle/>
-            <a:p>
-              <a:pPr algn="ctr"/>
-              <a:r>
-                <a:rPr lang="en-US" dirty="0" smtClean="0">
-                  <a:solidFill>
-                    <a:srgbClr val="C00000"/>
-                  </a:solidFill>
-                </a:rPr>
-                <a:t>Human-Friendly YAML</a:t>
-              </a:r>
-              <a:endParaRPr lang="en-US" dirty="0">
-                <a:solidFill>
-                  <a:srgbClr val="C00000"/>
-                </a:solidFill>
-              </a:endParaRPr>
-            </a:p>
-          </p:txBody>
-        </p:sp>
-        <p:pic>
-          <p:nvPicPr>
-            <p:cNvPr id="121" name="Picture 120"/>
-            <p:cNvPicPr>
-              <a:picLocks noChangeAspect="1"/>
-            </p:cNvPicPr>
-            <p:nvPr/>
-          </p:nvPicPr>
-          <p:blipFill>
-            <a:blip r:embed="rId2" cstate="print">
-              <a:duotone>
-                <a:schemeClr val="accent2">
-                  <a:shade val="45000"/>
-                  <a:satMod val="135000"/>
-                </a:schemeClr>
-                <a:prstClr val="white"/>
-              </a:duotone>
-              <a:extLst>
-                <a:ext uri="{28A0092B-C50C-407E-A947-70E740481C1C}">
-                  <a14:useLocalDpi xmlns:a14="http://schemas.microsoft.com/office/drawing/2010/main" val="0"/>
-                </a:ext>
-              </a:extLst>
-            </a:blip>
-            <a:stretch>
-              <a:fillRect/>
-            </a:stretch>
-          </p:blipFill>
-          <p:spPr>
-            <a:xfrm>
-              <a:off x="3027063" y="3848341"/>
-              <a:ext cx="621803" cy="621803"/>
-            </a:xfrm>
-            <a:prstGeom prst="rect">
-              <a:avLst/>
-            </a:prstGeom>
-          </p:spPr>
-        </p:pic>
-        <p:sp>
-          <p:nvSpPr>
-            <p:cNvPr id="122" name="TextBox 121"/>
-            <p:cNvSpPr txBox="1"/>
-            <p:nvPr/>
-          </p:nvSpPr>
-          <p:spPr>
-            <a:xfrm>
-              <a:off x="3579335" y="3800380"/>
-              <a:ext cx="1053491" cy="253916"/>
-            </a:xfrm>
-            <a:prstGeom prst="rect">
-              <a:avLst/>
-            </a:prstGeom>
-            <a:noFill/>
-            <a:ln w="19050">
-              <a:solidFill>
-                <a:schemeClr val="tx1"/>
-              </a:solidFill>
-              <a:prstDash val="sysDot"/>
-            </a:ln>
-          </p:spPr>
-          <p:txBody>
-            <a:bodyPr wrap="square" rtlCol="0">
-              <a:spAutoFit/>
-            </a:bodyPr>
-            <a:lstStyle/>
-            <a:p>
-              <a:r>
-                <a:rPr lang="en-US" sz="1050" dirty="0" smtClean="0"/>
-                <a:t>Test and refine</a:t>
-              </a:r>
-              <a:endParaRPr lang="en-US" sz="1050" dirty="0"/>
-            </a:p>
-          </p:txBody>
-        </p:sp>
-        <p:cxnSp>
-          <p:nvCxnSpPr>
-            <p:cNvPr id="125" name="Straight Arrow Connector 124"/>
-            <p:cNvCxnSpPr>
-              <a:stCxn id="129" idx="2"/>
-              <a:endCxn id="31" idx="0"/>
-            </p:cNvCxnSpPr>
-            <p:nvPr/>
-          </p:nvCxnSpPr>
-          <p:spPr>
-            <a:xfrm>
-              <a:off x="2171141" y="1157552"/>
-              <a:ext cx="1181659" cy="358756"/>
-            </a:xfrm>
-            <a:prstGeom prst="straightConnector1">
-              <a:avLst/>
-            </a:prstGeom>
-            <a:ln>
-              <a:solidFill>
-                <a:schemeClr val="tx1"/>
-              </a:solidFill>
-              <a:tailEnd type="triangle"/>
-            </a:ln>
-          </p:spPr>
-          <p:style>
-            <a:lnRef idx="1">
-              <a:schemeClr val="accent1"/>
-            </a:lnRef>
-            <a:fillRef idx="0">
-              <a:schemeClr val="accent1"/>
-            </a:fillRef>
-            <a:effectRef idx="0">
-              <a:schemeClr val="accent1"/>
-            </a:effectRef>
-            <a:fontRef idx="minor">
-              <a:schemeClr val="tx1"/>
-            </a:fontRef>
-          </p:style>
-        </p:cxnSp>
-        <p:sp>
-          <p:nvSpPr>
-            <p:cNvPr id="129" name="Rectangle 128"/>
-            <p:cNvSpPr/>
-            <p:nvPr/>
-          </p:nvSpPr>
-          <p:spPr>
-            <a:xfrm>
-              <a:off x="730487" y="552798"/>
-              <a:ext cx="2881307" cy="604754"/>
-            </a:xfrm>
-            <a:prstGeom prst="rect">
-              <a:avLst/>
-            </a:prstGeom>
-            <a:solidFill>
-              <a:schemeClr val="accent1">
-                <a:lumMod val="20000"/>
-                <a:lumOff val="80000"/>
-              </a:schemeClr>
-            </a:solidFill>
-            <a:ln>
-              <a:solidFill>
-                <a:srgbClr val="C00000"/>
-              </a:solidFill>
-            </a:ln>
-          </p:spPr>
-          <p:style>
-            <a:lnRef idx="2">
-              <a:schemeClr val="accent1">
-                <a:shade val="50000"/>
-              </a:schemeClr>
-            </a:lnRef>
-            <a:fillRef idx="1">
-              <a:schemeClr val="accent1"/>
-            </a:fillRef>
-            <a:effectRef idx="0">
-              <a:schemeClr val="accent1"/>
-            </a:effectRef>
-            <a:fontRef idx="minor">
-              <a:schemeClr val="lt1"/>
-            </a:fontRef>
-          </p:style>
-          <p:txBody>
-            <a:bodyPr rtlCol="0" anchor="t"/>
-            <a:lstStyle/>
-            <a:p>
-              <a:pPr algn="ctr"/>
-              <a:r>
-                <a:rPr lang="en-US" dirty="0" smtClean="0">
-                  <a:solidFill>
-                    <a:srgbClr val="C00000"/>
-                  </a:solidFill>
-                </a:rPr>
-                <a:t>API call for </a:t>
-              </a:r>
-              <a:r>
-                <a:rPr lang="en-US" dirty="0">
-                  <a:solidFill>
-                    <a:srgbClr val="C00000"/>
-                  </a:solidFill>
-                </a:rPr>
-                <a:t>Description of dataset types (Data Catalog</a:t>
-              </a:r>
-              <a:r>
-                <a:rPr lang="en-US" dirty="0" smtClean="0">
-                  <a:solidFill>
-                    <a:srgbClr val="C00000"/>
-                  </a:solidFill>
-                </a:rPr>
-                <a:t>)</a:t>
-              </a:r>
-              <a:endParaRPr lang="en-US" dirty="0">
-                <a:solidFill>
-                  <a:srgbClr val="C00000"/>
-                </a:solidFill>
-              </a:endParaRPr>
-            </a:p>
-          </p:txBody>
-        </p:sp>
-        <p:sp>
-          <p:nvSpPr>
-            <p:cNvPr id="139" name="Rectangle 138"/>
-            <p:cNvSpPr/>
-            <p:nvPr/>
-          </p:nvSpPr>
-          <p:spPr>
-            <a:xfrm>
-              <a:off x="3810288" y="567066"/>
-              <a:ext cx="2881307" cy="604754"/>
-            </a:xfrm>
-            <a:prstGeom prst="rect">
-              <a:avLst/>
-            </a:prstGeom>
-            <a:solidFill>
-              <a:schemeClr val="accent1">
-                <a:lumMod val="20000"/>
-                <a:lumOff val="80000"/>
-              </a:schemeClr>
-            </a:solidFill>
-            <a:ln>
-              <a:solidFill>
-                <a:srgbClr val="C00000"/>
-              </a:solidFill>
-            </a:ln>
-          </p:spPr>
-          <p:style>
-            <a:lnRef idx="2">
-              <a:schemeClr val="accent1">
-                <a:shade val="50000"/>
-              </a:schemeClr>
-            </a:lnRef>
-            <a:fillRef idx="1">
-              <a:schemeClr val="accent1"/>
-            </a:fillRef>
-            <a:effectRef idx="0">
-              <a:schemeClr val="accent1"/>
-            </a:effectRef>
-            <a:fontRef idx="minor">
-              <a:schemeClr val="lt1"/>
-            </a:fontRef>
-          </p:style>
-          <p:txBody>
-            <a:bodyPr rtlCol="0" anchor="t"/>
-            <a:lstStyle/>
-            <a:p>
-              <a:pPr algn="ctr"/>
-              <a:r>
-                <a:rPr lang="en-US" dirty="0" smtClean="0">
-                  <a:solidFill>
-                    <a:srgbClr val="C00000"/>
-                  </a:solidFill>
-                </a:rPr>
-                <a:t>Automated extraction of variables/metadata</a:t>
-              </a:r>
-              <a:endParaRPr lang="en-US" dirty="0">
-                <a:solidFill>
-                  <a:srgbClr val="C00000"/>
-                </a:solidFill>
-              </a:endParaRPr>
-            </a:p>
-          </p:txBody>
-        </p:sp>
-        <p:cxnSp>
-          <p:nvCxnSpPr>
-            <p:cNvPr id="141" name="Straight Arrow Connector 140"/>
-            <p:cNvCxnSpPr>
-              <a:stCxn id="139" idx="2"/>
-              <a:endCxn id="31" idx="0"/>
-            </p:cNvCxnSpPr>
-            <p:nvPr/>
-          </p:nvCxnSpPr>
-          <p:spPr>
-            <a:xfrm flipH="1">
-              <a:off x="3352800" y="1171820"/>
-              <a:ext cx="1898142" cy="344488"/>
-            </a:xfrm>
-            <a:prstGeom prst="straightConnector1">
-              <a:avLst/>
-            </a:prstGeom>
-            <a:ln>
-              <a:solidFill>
-                <a:schemeClr val="tx1"/>
-              </a:solidFill>
-              <a:tailEnd type="triangle"/>
-            </a:ln>
-          </p:spPr>
-          <p:style>
-            <a:lnRef idx="1">
-              <a:schemeClr val="accent1"/>
-            </a:lnRef>
-            <a:fillRef idx="0">
-              <a:schemeClr val="accent1"/>
-            </a:fillRef>
-            <a:effectRef idx="0">
-              <a:schemeClr val="accent1"/>
-            </a:effectRef>
-            <a:fontRef idx="minor">
-              <a:schemeClr val="tx1"/>
-            </a:fontRef>
-          </p:style>
-        </p:cxnSp>
-        <p:sp>
-          <p:nvSpPr>
-            <p:cNvPr id="144" name="TextBox 143"/>
-            <p:cNvSpPr txBox="1"/>
-            <p:nvPr/>
-          </p:nvSpPr>
-          <p:spPr>
-            <a:xfrm>
-              <a:off x="3084598" y="5413794"/>
-              <a:ext cx="1053491" cy="415498"/>
-            </a:xfrm>
-            <a:prstGeom prst="rect">
-              <a:avLst/>
-            </a:prstGeom>
-            <a:noFill/>
-            <a:ln w="19050">
-              <a:solidFill>
-                <a:schemeClr val="tx1"/>
-              </a:solidFill>
-              <a:prstDash val="sysDot"/>
-            </a:ln>
-          </p:spPr>
-          <p:txBody>
-            <a:bodyPr wrap="square" rtlCol="0">
-              <a:spAutoFit/>
-            </a:bodyPr>
-            <a:lstStyle/>
-            <a:p>
-              <a:r>
-                <a:rPr lang="en-US" sz="1050" dirty="0" smtClean="0"/>
-                <a:t>Import and complete</a:t>
-              </a:r>
-              <a:endParaRPr lang="en-US" sz="1050" dirty="0"/>
-            </a:p>
-          </p:txBody>
-        </p:sp>
-        <p:sp>
-          <p:nvSpPr>
-            <p:cNvPr id="145" name="TextBox 144"/>
-            <p:cNvSpPr txBox="1"/>
-            <p:nvPr/>
-          </p:nvSpPr>
-          <p:spPr>
-            <a:xfrm>
-              <a:off x="1937812" y="2235843"/>
-              <a:ext cx="572833" cy="253916"/>
-            </a:xfrm>
-            <a:prstGeom prst="rect">
-              <a:avLst/>
-            </a:prstGeom>
-            <a:noFill/>
-            <a:ln w="19050">
-              <a:solidFill>
-                <a:schemeClr val="tx1"/>
-              </a:solidFill>
-              <a:prstDash val="sysDot"/>
-            </a:ln>
-          </p:spPr>
-          <p:txBody>
-            <a:bodyPr wrap="square" rtlCol="0">
-              <a:spAutoFit/>
-            </a:bodyPr>
-            <a:lstStyle/>
-            <a:p>
-              <a:r>
-                <a:rPr lang="en-US" sz="1050" dirty="0" smtClean="0"/>
-                <a:t>Import</a:t>
-              </a:r>
-              <a:endParaRPr lang="en-US" sz="1050" dirty="0"/>
-            </a:p>
-          </p:txBody>
-        </p:sp>
-        <p:sp>
-          <p:nvSpPr>
-            <p:cNvPr id="146" name="TextBox 145"/>
-            <p:cNvSpPr txBox="1"/>
-            <p:nvPr/>
-          </p:nvSpPr>
-          <p:spPr>
-            <a:xfrm>
-              <a:off x="7874285" y="4018151"/>
-              <a:ext cx="572833" cy="415498"/>
-            </a:xfrm>
-            <a:prstGeom prst="rect">
-              <a:avLst/>
-            </a:prstGeom>
-            <a:noFill/>
-            <a:ln w="19050">
-              <a:solidFill>
-                <a:schemeClr val="tx1"/>
-              </a:solidFill>
-              <a:prstDash val="sysDot"/>
-            </a:ln>
-          </p:spPr>
-          <p:txBody>
-            <a:bodyPr wrap="square" rtlCol="0">
-              <a:spAutoFit/>
-            </a:bodyPr>
-            <a:lstStyle/>
-            <a:p>
-              <a:r>
-                <a:rPr lang="en-US" sz="1050" dirty="0" smtClean="0"/>
-                <a:t>Upload (JSON)</a:t>
-              </a:r>
-              <a:endParaRPr lang="en-US" sz="1050" dirty="0"/>
-            </a:p>
-          </p:txBody>
-        </p:sp>
-        <p:sp>
-          <p:nvSpPr>
-            <p:cNvPr id="151" name="Rectangle 150"/>
-            <p:cNvSpPr/>
-            <p:nvPr/>
-          </p:nvSpPr>
-          <p:spPr>
-            <a:xfrm>
-              <a:off x="8000070" y="792448"/>
-              <a:ext cx="438779" cy="217431"/>
-            </a:xfrm>
-            <a:prstGeom prst="rect">
-              <a:avLst/>
-            </a:prstGeom>
-            <a:solidFill>
-              <a:schemeClr val="accent6">
-                <a:lumMod val="20000"/>
-                <a:lumOff val="80000"/>
-              </a:schemeClr>
-            </a:solidFill>
-            <a:ln>
-              <a:solidFill>
-                <a:srgbClr val="C00000"/>
-              </a:solidFill>
-            </a:ln>
-          </p:spPr>
-          <p:style>
-            <a:lnRef idx="2">
-              <a:schemeClr val="accent1">
-                <a:shade val="50000"/>
-              </a:schemeClr>
-            </a:lnRef>
-            <a:fillRef idx="1">
-              <a:schemeClr val="accent1"/>
-            </a:fillRef>
-            <a:effectRef idx="0">
-              <a:schemeClr val="accent1"/>
-            </a:effectRef>
-            <a:fontRef idx="minor">
-              <a:schemeClr val="lt1"/>
-            </a:fontRef>
-          </p:style>
-          <p:txBody>
-            <a:bodyPr rtlCol="0" anchor="t"/>
-            <a:lstStyle/>
-            <a:p>
-              <a:pPr algn="ctr"/>
-              <a:endParaRPr lang="en-US" dirty="0">
-                <a:solidFill>
-                  <a:srgbClr val="C00000"/>
-                </a:solidFill>
-              </a:endParaRPr>
-            </a:p>
-          </p:txBody>
-        </p:sp>
-        <p:sp>
-          <p:nvSpPr>
-            <p:cNvPr id="152" name="TextBox 151"/>
-            <p:cNvSpPr txBox="1"/>
-            <p:nvPr/>
-          </p:nvSpPr>
-          <p:spPr>
-            <a:xfrm>
-              <a:off x="7868994" y="312609"/>
-              <a:ext cx="864019" cy="369332"/>
-            </a:xfrm>
-            <a:prstGeom prst="rect">
-              <a:avLst/>
-            </a:prstGeom>
-            <a:noFill/>
-          </p:spPr>
-          <p:txBody>
-            <a:bodyPr wrap="none" rtlCol="0">
-              <a:spAutoFit/>
-            </a:bodyPr>
-            <a:lstStyle/>
-            <a:p>
-              <a:r>
-                <a:rPr lang="en-US" dirty="0" smtClean="0"/>
-                <a:t>Legend</a:t>
-              </a:r>
-              <a:endParaRPr lang="en-US" dirty="0"/>
-            </a:p>
-          </p:txBody>
-        </p:sp>
-        <p:sp>
-          <p:nvSpPr>
-            <p:cNvPr id="153" name="Rectangle 152"/>
-            <p:cNvSpPr/>
-            <p:nvPr/>
-          </p:nvSpPr>
-          <p:spPr>
-            <a:xfrm>
-              <a:off x="8000070" y="1132357"/>
-              <a:ext cx="438779" cy="205609"/>
-            </a:xfrm>
-            <a:prstGeom prst="rect">
-              <a:avLst/>
-            </a:prstGeom>
-            <a:solidFill>
-              <a:schemeClr val="accent4">
-                <a:lumMod val="20000"/>
-                <a:lumOff val="80000"/>
-              </a:schemeClr>
-            </a:solidFill>
-            <a:ln>
-              <a:solidFill>
-                <a:srgbClr val="C00000"/>
-              </a:solidFill>
-            </a:ln>
-          </p:spPr>
-          <p:style>
-            <a:lnRef idx="2">
-              <a:schemeClr val="accent1">
-                <a:shade val="50000"/>
-              </a:schemeClr>
-            </a:lnRef>
-            <a:fillRef idx="1">
-              <a:schemeClr val="accent1"/>
-            </a:fillRef>
-            <a:effectRef idx="0">
-              <a:schemeClr val="accent1"/>
-            </a:effectRef>
-            <a:fontRef idx="minor">
-              <a:schemeClr val="lt1"/>
-            </a:fontRef>
-          </p:style>
-          <p:txBody>
-            <a:bodyPr rtlCol="0" anchor="t"/>
-            <a:lstStyle/>
-            <a:p>
-              <a:pPr algn="ctr"/>
-              <a:endParaRPr lang="en-US" dirty="0">
-                <a:solidFill>
-                  <a:srgbClr val="C00000"/>
-                </a:solidFill>
-              </a:endParaRPr>
-            </a:p>
-          </p:txBody>
-        </p:sp>
-        <p:sp>
-          <p:nvSpPr>
-            <p:cNvPr id="154" name="Rectangle 153"/>
-            <p:cNvSpPr/>
-            <p:nvPr/>
-          </p:nvSpPr>
-          <p:spPr>
-            <a:xfrm>
-              <a:off x="8006119" y="1499602"/>
-              <a:ext cx="432730" cy="190654"/>
-            </a:xfrm>
-            <a:prstGeom prst="rect">
-              <a:avLst/>
-            </a:prstGeom>
-            <a:solidFill>
-              <a:schemeClr val="accent1">
-                <a:lumMod val="20000"/>
-                <a:lumOff val="80000"/>
-              </a:schemeClr>
-            </a:solidFill>
-            <a:ln>
-              <a:solidFill>
-                <a:srgbClr val="C00000"/>
-              </a:solidFill>
-            </a:ln>
-          </p:spPr>
-          <p:style>
-            <a:lnRef idx="2">
-              <a:schemeClr val="accent1">
-                <a:shade val="50000"/>
-              </a:schemeClr>
-            </a:lnRef>
-            <a:fillRef idx="1">
-              <a:schemeClr val="accent1"/>
-            </a:fillRef>
-            <a:effectRef idx="0">
-              <a:schemeClr val="accent1"/>
-            </a:effectRef>
-            <a:fontRef idx="minor">
-              <a:schemeClr val="lt1"/>
-            </a:fontRef>
-          </p:style>
-          <p:txBody>
-            <a:bodyPr rtlCol="0" anchor="t"/>
-            <a:lstStyle/>
-            <a:p>
-              <a:pPr algn="ctr"/>
-              <a:endParaRPr lang="en-US" dirty="0">
-                <a:solidFill>
-                  <a:srgbClr val="C00000"/>
-                </a:solidFill>
-              </a:endParaRPr>
-            </a:p>
-          </p:txBody>
-        </p:sp>
-        <p:sp>
-          <p:nvSpPr>
-            <p:cNvPr id="156" name="TextBox 155"/>
-            <p:cNvSpPr txBox="1"/>
-            <p:nvPr/>
-          </p:nvSpPr>
-          <p:spPr>
-            <a:xfrm>
-              <a:off x="8428291" y="761983"/>
-              <a:ext cx="986489" cy="307777"/>
-            </a:xfrm>
-            <a:prstGeom prst="rect">
-              <a:avLst/>
-            </a:prstGeom>
-            <a:noFill/>
-          </p:spPr>
-          <p:txBody>
-            <a:bodyPr wrap="none" rtlCol="0">
-              <a:spAutoFit/>
-            </a:bodyPr>
-            <a:lstStyle/>
-            <a:p>
-              <a:r>
-                <a:rPr lang="en-US" sz="1400" dirty="0" smtClean="0"/>
-                <a:t>Completed</a:t>
-              </a:r>
-              <a:endParaRPr lang="en-US" sz="1400" dirty="0"/>
-            </a:p>
-          </p:txBody>
-        </p:sp>
-        <p:sp>
-          <p:nvSpPr>
-            <p:cNvPr id="157" name="TextBox 156"/>
-            <p:cNvSpPr txBox="1"/>
-            <p:nvPr/>
-          </p:nvSpPr>
-          <p:spPr>
-            <a:xfrm>
-              <a:off x="8430254" y="1081317"/>
-              <a:ext cx="1417376" cy="307777"/>
-            </a:xfrm>
-            <a:prstGeom prst="rect">
-              <a:avLst/>
-            </a:prstGeom>
-            <a:noFill/>
-          </p:spPr>
-          <p:txBody>
-            <a:bodyPr wrap="none" rtlCol="0">
-              <a:spAutoFit/>
-            </a:bodyPr>
-            <a:lstStyle/>
-            <a:p>
-              <a:r>
-                <a:rPr lang="en-US" sz="1400" dirty="0" smtClean="0"/>
-                <a:t>Work in progress</a:t>
-              </a:r>
-              <a:endParaRPr lang="en-US" sz="1400" dirty="0"/>
-            </a:p>
-          </p:txBody>
-        </p:sp>
-        <p:sp>
-          <p:nvSpPr>
-            <p:cNvPr id="158" name="TextBox 157"/>
-            <p:cNvSpPr txBox="1"/>
-            <p:nvPr/>
-          </p:nvSpPr>
-          <p:spPr>
-            <a:xfrm>
-              <a:off x="8438057" y="1456193"/>
-              <a:ext cx="2280240" cy="307777"/>
-            </a:xfrm>
-            <a:prstGeom prst="rect">
-              <a:avLst/>
-            </a:prstGeom>
-            <a:noFill/>
-          </p:spPr>
-          <p:txBody>
-            <a:bodyPr wrap="none" rtlCol="0">
-              <a:spAutoFit/>
-            </a:bodyPr>
-            <a:lstStyle/>
-            <a:p>
-              <a:r>
-                <a:rPr lang="en-US" sz="1400" dirty="0" smtClean="0"/>
-                <a:t>Interaction with other teams</a:t>
-              </a:r>
-              <a:endParaRPr lang="en-US" sz="1400" dirty="0"/>
-            </a:p>
-          </p:txBody>
-        </p:sp>
-      </p:grpSp>
+            <a:tailEnd type="triangle"/>
+          </a:ln>
+        </p:spPr>
+        <p:style>
+          <a:lnRef idx="1">
+            <a:schemeClr val="accent1"/>
+          </a:lnRef>
+          <a:fillRef idx="0">
+            <a:schemeClr val="accent1"/>
+          </a:fillRef>
+          <a:effectRef idx="0">
+            <a:schemeClr val="accent1"/>
+          </a:effectRef>
+          <a:fontRef idx="minor">
+            <a:schemeClr val="tx1"/>
+          </a:fontRef>
+        </p:style>
+      </p:cxnSp>
     </p:spTree>
     <p:extLst>
       <p:ext uri="{BB962C8B-B14F-4D97-AF65-F5344CB8AC3E}">
@@ -5643,4 +6603,265 @@
     </a:ext>
   </a:extLst>
 </a:theme>
+</file>
+
+<file path=ppt/theme/theme2.xml><?xml version="1.0" encoding="utf-8"?>
+<a:theme xmlns:a="http://schemas.openxmlformats.org/drawingml/2006/main" name="Office Theme">
+  <a:themeElements>
+    <a:clrScheme name="Office">
+      <a:dk1>
+        <a:sysClr val="windowText" lastClr="000000"/>
+      </a:dk1>
+      <a:lt1>
+        <a:sysClr val="window" lastClr="FFFFFF"/>
+      </a:lt1>
+      <a:dk2>
+        <a:srgbClr val="44546A"/>
+      </a:dk2>
+      <a:lt2>
+        <a:srgbClr val="E7E6E6"/>
+      </a:lt2>
+      <a:accent1>
+        <a:srgbClr val="5B9BD5"/>
+      </a:accent1>
+      <a:accent2>
+        <a:srgbClr val="ED7D31"/>
+      </a:accent2>
+      <a:accent3>
+        <a:srgbClr val="A5A5A5"/>
+      </a:accent3>
+      <a:accent4>
+        <a:srgbClr val="FFC000"/>
+      </a:accent4>
+      <a:accent5>
+        <a:srgbClr val="4472C4"/>
+      </a:accent5>
+      <a:accent6>
+        <a:srgbClr val="70AD47"/>
+      </a:accent6>
+      <a:hlink>
+        <a:srgbClr val="0563C1"/>
+      </a:hlink>
+      <a:folHlink>
+        <a:srgbClr val="954F72"/>
+      </a:folHlink>
+    </a:clrScheme>
+    <a:fontScheme name="Office">
+      <a:majorFont>
+        <a:latin typeface="Calibri Light" panose="020F0302020204030204"/>
+        <a:ea typeface=""/>
+        <a:cs typeface=""/>
+        <a:font script="Jpan" typeface="游ゴシック Light"/>
+        <a:font script="Hang" typeface="맑은 고딕"/>
+        <a:font script="Hans" typeface="等线 Light"/>
+        <a:font script="Hant" typeface="新細明體"/>
+        <a:font script="Arab" typeface="Times New Roman"/>
+        <a:font script="Hebr" typeface="Times New Roman"/>
+        <a:font script="Thai" typeface="Angsana New"/>
+        <a:font script="Ethi" typeface="Nyala"/>
+        <a:font script="Beng" typeface="Vrinda"/>
+        <a:font script="Gujr" typeface="Shruti"/>
+        <a:font script="Khmr" typeface="MoolBoran"/>
+        <a:font script="Knda" typeface="Tunga"/>
+        <a:font script="Guru" typeface="Raavi"/>
+        <a:font script="Cans" typeface="Euphemia"/>
+        <a:font script="Cher" typeface="Plantagenet Cherokee"/>
+        <a:font script="Yiii" typeface="Microsoft Yi Baiti"/>
+        <a:font script="Tibt" typeface="Microsoft Himalaya"/>
+        <a:font script="Thaa" typeface="MV Boli"/>
+        <a:font script="Deva" typeface="Mangal"/>
+        <a:font script="Telu" typeface="Gautami"/>
+        <a:font script="Taml" typeface="Latha"/>
+        <a:font script="Syrc" typeface="Estrangelo Edessa"/>
+        <a:font script="Orya" typeface="Kalinga"/>
+        <a:font script="Mlym" typeface="Kartika"/>
+        <a:font script="Laoo" typeface="DokChampa"/>
+        <a:font script="Sinh" typeface="Iskoola Pota"/>
+        <a:font script="Mong" typeface="Mongolian Baiti"/>
+        <a:font script="Viet" typeface="Times New Roman"/>
+        <a:font script="Uigh" typeface="Microsoft Uighur"/>
+        <a:font script="Geor" typeface="Sylfaen"/>
+      </a:majorFont>
+      <a:minorFont>
+        <a:latin typeface="Calibri" panose="020F0502020204030204"/>
+        <a:ea typeface=""/>
+        <a:cs typeface=""/>
+        <a:font script="Jpan" typeface="游ゴシック"/>
+        <a:font script="Hang" typeface="맑은 고딕"/>
+        <a:font script="Hans" typeface="等线"/>
+        <a:font script="Hant" typeface="新細明體"/>
+        <a:font script="Arab" typeface="Arial"/>
+        <a:font script="Hebr" typeface="Arial"/>
+        <a:font script="Thai" typeface="Cordia New"/>
+        <a:font script="Ethi" typeface="Nyala"/>
+        <a:font script="Beng" typeface="Vrinda"/>
+        <a:font script="Gujr" typeface="Shruti"/>
+        <a:font script="Khmr" typeface="DaunPenh"/>
+        <a:font script="Knda" typeface="Tunga"/>
+        <a:font script="Guru" typeface="Raavi"/>
+        <a:font script="Cans" typeface="Euphemia"/>
+        <a:font script="Cher" typeface="Plantagenet Cherokee"/>
+        <a:font script="Yiii" typeface="Microsoft Yi Baiti"/>
+        <a:font script="Tibt" typeface="Microsoft Himalaya"/>
+        <a:font script="Thaa" typeface="MV Boli"/>
+        <a:font script="Deva" typeface="Mangal"/>
+        <a:font script="Telu" typeface="Gautami"/>
+        <a:font script="Taml" typeface="Latha"/>
+        <a:font script="Syrc" typeface="Estrangelo Edessa"/>
+        <a:font script="Orya" typeface="Kalinga"/>
+        <a:font script="Mlym" typeface="Kartika"/>
+        <a:font script="Laoo" typeface="DokChampa"/>
+        <a:font script="Sinh" typeface="Iskoola Pota"/>
+        <a:font script="Mong" typeface="Mongolian Baiti"/>
+        <a:font script="Viet" typeface="Arial"/>
+        <a:font script="Uigh" typeface="Microsoft Uighur"/>
+        <a:font script="Geor" typeface="Sylfaen"/>
+      </a:minorFont>
+    </a:fontScheme>
+    <a:fmtScheme name="Office">
+      <a:fillStyleLst>
+        <a:solidFill>
+          <a:schemeClr val="phClr"/>
+        </a:solidFill>
+        <a:gradFill rotWithShape="1">
+          <a:gsLst>
+            <a:gs pos="0">
+              <a:schemeClr val="phClr">
+                <a:lumMod val="110000"/>
+                <a:satMod val="105000"/>
+                <a:tint val="67000"/>
+              </a:schemeClr>
+            </a:gs>
+            <a:gs pos="50000">
+              <a:schemeClr val="phClr">
+                <a:lumMod val="105000"/>
+                <a:satMod val="103000"/>
+                <a:tint val="73000"/>
+              </a:schemeClr>
+            </a:gs>
+            <a:gs pos="100000">
+              <a:schemeClr val="phClr">
+                <a:lumMod val="105000"/>
+                <a:satMod val="109000"/>
+                <a:tint val="81000"/>
+              </a:schemeClr>
+            </a:gs>
+          </a:gsLst>
+          <a:lin ang="5400000" scaled="0"/>
+        </a:gradFill>
+        <a:gradFill rotWithShape="1">
+          <a:gsLst>
+            <a:gs pos="0">
+              <a:schemeClr val="phClr">
+                <a:satMod val="103000"/>
+                <a:lumMod val="102000"/>
+                <a:tint val="94000"/>
+              </a:schemeClr>
+            </a:gs>
+            <a:gs pos="50000">
+              <a:schemeClr val="phClr">
+                <a:satMod val="110000"/>
+                <a:lumMod val="100000"/>
+                <a:shade val="100000"/>
+              </a:schemeClr>
+            </a:gs>
+            <a:gs pos="100000">
+              <a:schemeClr val="phClr">
+                <a:lumMod val="99000"/>
+                <a:satMod val="120000"/>
+                <a:shade val="78000"/>
+              </a:schemeClr>
+            </a:gs>
+          </a:gsLst>
+          <a:lin ang="5400000" scaled="0"/>
+        </a:gradFill>
+      </a:fillStyleLst>
+      <a:lnStyleLst>
+        <a:ln w="6350" cap="flat" cmpd="sng" algn="ctr">
+          <a:solidFill>
+            <a:schemeClr val="phClr"/>
+          </a:solidFill>
+          <a:prstDash val="solid"/>
+          <a:miter lim="800000"/>
+        </a:ln>
+        <a:ln w="12700" cap="flat" cmpd="sng" algn="ctr">
+          <a:solidFill>
+            <a:schemeClr val="phClr"/>
+          </a:solidFill>
+          <a:prstDash val="solid"/>
+          <a:miter lim="800000"/>
+        </a:ln>
+        <a:ln w="19050" cap="flat" cmpd="sng" algn="ctr">
+          <a:solidFill>
+            <a:schemeClr val="phClr"/>
+          </a:solidFill>
+          <a:prstDash val="solid"/>
+          <a:miter lim="800000"/>
+        </a:ln>
+      </a:lnStyleLst>
+      <a:effectStyleLst>
+        <a:effectStyle>
+          <a:effectLst/>
+        </a:effectStyle>
+        <a:effectStyle>
+          <a:effectLst/>
+        </a:effectStyle>
+        <a:effectStyle>
+          <a:effectLst>
+            <a:outerShdw blurRad="57150" dist="19050" dir="5400000" algn="ctr" rotWithShape="0">
+              <a:srgbClr val="000000">
+                <a:alpha val="63000"/>
+              </a:srgbClr>
+            </a:outerShdw>
+          </a:effectLst>
+        </a:effectStyle>
+      </a:effectStyleLst>
+      <a:bgFillStyleLst>
+        <a:solidFill>
+          <a:schemeClr val="phClr"/>
+        </a:solidFill>
+        <a:solidFill>
+          <a:schemeClr val="phClr">
+            <a:tint val="95000"/>
+            <a:satMod val="170000"/>
+          </a:schemeClr>
+        </a:solidFill>
+        <a:gradFill rotWithShape="1">
+          <a:gsLst>
+            <a:gs pos="0">
+              <a:schemeClr val="phClr">
+                <a:tint val="93000"/>
+                <a:satMod val="150000"/>
+                <a:shade val="98000"/>
+                <a:lumMod val="102000"/>
+              </a:schemeClr>
+            </a:gs>
+            <a:gs pos="50000">
+              <a:schemeClr val="phClr">
+                <a:tint val="98000"/>
+                <a:satMod val="130000"/>
+                <a:shade val="90000"/>
+                <a:lumMod val="103000"/>
+              </a:schemeClr>
+            </a:gs>
+            <a:gs pos="100000">
+              <a:schemeClr val="phClr">
+                <a:shade val="63000"/>
+                <a:satMod val="120000"/>
+              </a:schemeClr>
+            </a:gs>
+          </a:gsLst>
+          <a:lin ang="5400000" scaled="0"/>
+        </a:gradFill>
+      </a:bgFillStyleLst>
+    </a:fmtScheme>
+  </a:themeElements>
+  <a:objectDefaults/>
+  <a:extraClrSchemeLst/>
+  <a:extLst>
+    <a:ext uri="{05A4C25C-085E-4340-85A3-A5531E510DB2}">
+      <thm15:themeFamily xmlns:thm15="http://schemas.microsoft.com/office/thememl/2012/main" name="Office Theme" id="{62F939B6-93AF-4DB8-9C6B-D6C7DFDC589F}" vid="{4A3C46E8-61CC-4603-A589-7422A47A8E4A}"/>
+    </a:ext>
+  </a:extLst>
+</a:theme>
 </file>
--- a/docs/figures/ModelCatalogInsertion.pptx
+++ b/docs/figures/ModelCatalogInsertion.pptx
@@ -3436,2894 +3436,2909 @@
           </a:p>
         </p:txBody>
       </p:sp>
-      <p:sp>
-        <p:nvSpPr>
-          <p:cNvPr id="160" name="Rectangle 159"/>
-          <p:cNvSpPr/>
+      <p:grpSp>
+        <p:nvGrpSpPr>
+          <p:cNvPr id="209" name="Group 208"/>
+          <p:cNvGrpSpPr/>
           <p:nvPr/>
-        </p:nvSpPr>
-        <p:spPr>
+        </p:nvGrpSpPr>
+        <p:grpSpPr>
           <a:xfrm>
-            <a:off x="7740073" y="312609"/>
-            <a:ext cx="3605448" cy="1611767"/>
+            <a:off x="262984" y="312609"/>
+            <a:ext cx="11784720" cy="6603458"/>
+            <a:chOff x="262984" y="312609"/>
+            <a:chExt cx="11784720" cy="6603458"/>
           </a:xfrm>
-          <a:prstGeom prst="rect">
-            <a:avLst/>
-          </a:prstGeom>
-          <a:solidFill>
-            <a:schemeClr val="bg1">
-              <a:lumMod val="95000"/>
-            </a:schemeClr>
-          </a:solidFill>
-          <a:ln>
+        </p:grpSpPr>
+        <p:sp>
+          <p:nvSpPr>
+            <p:cNvPr id="160" name="Rectangle 159"/>
+            <p:cNvSpPr/>
+            <p:nvPr/>
+          </p:nvSpPr>
+          <p:spPr>
+            <a:xfrm>
+              <a:off x="7740073" y="312609"/>
+              <a:ext cx="3605448" cy="1611767"/>
+            </a:xfrm>
+            <a:prstGeom prst="rect">
+              <a:avLst/>
+            </a:prstGeom>
             <a:solidFill>
-              <a:srgbClr val="C00000"/>
+              <a:schemeClr val="bg1">
+                <a:lumMod val="95000"/>
+              </a:schemeClr>
             </a:solidFill>
-          </a:ln>
-        </p:spPr>
-        <p:style>
-          <a:lnRef idx="2">
-            <a:schemeClr val="accent1">
-              <a:shade val="50000"/>
-            </a:schemeClr>
-          </a:lnRef>
-          <a:fillRef idx="1">
-            <a:schemeClr val="accent1"/>
-          </a:fillRef>
-          <a:effectRef idx="0">
-            <a:schemeClr val="accent1"/>
-          </a:effectRef>
-          <a:fontRef idx="minor">
-            <a:schemeClr val="lt1"/>
-          </a:fontRef>
-        </p:style>
-        <p:txBody>
-          <a:bodyPr rtlCol="0" anchor="ctr"/>
-          <a:lstStyle/>
-          <a:p>
-            <a:pPr algn="ctr"/>
-            <a:endParaRPr lang="en-US"/>
-          </a:p>
-        </p:txBody>
-      </p:sp>
-      <p:sp>
-        <p:nvSpPr>
-          <p:cNvPr id="6" name="Rounded Rectangle 5"/>
-          <p:cNvSpPr/>
-          <p:nvPr/>
-        </p:nvSpPr>
-        <p:spPr>
-          <a:xfrm>
-            <a:off x="9040831" y="2968550"/>
-            <a:ext cx="1524000" cy="1183580"/>
-          </a:xfrm>
-          <a:prstGeom prst="roundRect">
-            <a:avLst/>
-          </a:prstGeom>
-          <a:solidFill>
-            <a:schemeClr val="accent6">
-              <a:lumMod val="20000"/>
-              <a:lumOff val="80000"/>
-            </a:schemeClr>
-          </a:solidFill>
-          <a:ln>
+            <a:ln>
+              <a:solidFill>
+                <a:srgbClr val="C00000"/>
+              </a:solidFill>
+            </a:ln>
+          </p:spPr>
+          <p:style>
+            <a:lnRef idx="2">
+              <a:schemeClr val="accent1">
+                <a:shade val="50000"/>
+              </a:schemeClr>
+            </a:lnRef>
+            <a:fillRef idx="1">
+              <a:schemeClr val="accent1"/>
+            </a:fillRef>
+            <a:effectRef idx="0">
+              <a:schemeClr val="accent1"/>
+            </a:effectRef>
+            <a:fontRef idx="minor">
+              <a:schemeClr val="lt1"/>
+            </a:fontRef>
+          </p:style>
+          <p:txBody>
+            <a:bodyPr rtlCol="0" anchor="ctr"/>
+            <a:lstStyle/>
+            <a:p>
+              <a:pPr algn="ctr"/>
+              <a:endParaRPr lang="en-US"/>
+            </a:p>
+          </p:txBody>
+        </p:sp>
+        <p:sp>
+          <p:nvSpPr>
+            <p:cNvPr id="6" name="Rounded Rectangle 5"/>
+            <p:cNvSpPr/>
+            <p:nvPr/>
+          </p:nvSpPr>
+          <p:spPr>
+            <a:xfrm>
+              <a:off x="9040831" y="2968550"/>
+              <a:ext cx="1524000" cy="1183580"/>
+            </a:xfrm>
+            <a:prstGeom prst="roundRect">
+              <a:avLst/>
+            </a:prstGeom>
             <a:solidFill>
-              <a:srgbClr val="C00000"/>
+              <a:schemeClr val="accent6">
+                <a:lumMod val="20000"/>
+                <a:lumOff val="80000"/>
+              </a:schemeClr>
             </a:solidFill>
-          </a:ln>
-        </p:spPr>
-        <p:style>
-          <a:lnRef idx="2">
-            <a:schemeClr val="accent1">
-              <a:shade val="50000"/>
-            </a:schemeClr>
-          </a:lnRef>
-          <a:fillRef idx="1">
-            <a:schemeClr val="accent1"/>
-          </a:fillRef>
-          <a:effectRef idx="0">
-            <a:schemeClr val="accent1"/>
-          </a:effectRef>
-          <a:fontRef idx="minor">
-            <a:schemeClr val="lt1"/>
-          </a:fontRef>
-        </p:style>
-        <p:txBody>
-          <a:bodyPr rtlCol="0" anchor="t"/>
-          <a:lstStyle/>
-          <a:p>
-            <a:pPr algn="ctr"/>
-            <a:r>
-              <a:rPr lang="en-US" dirty="0">
+            <a:ln>
+              <a:solidFill>
+                <a:srgbClr val="C00000"/>
+              </a:solidFill>
+            </a:ln>
+          </p:spPr>
+          <p:style>
+            <a:lnRef idx="2">
+              <a:schemeClr val="accent1">
+                <a:shade val="50000"/>
+              </a:schemeClr>
+            </a:lnRef>
+            <a:fillRef idx="1">
+              <a:schemeClr val="accent1"/>
+            </a:fillRef>
+            <a:effectRef idx="0">
+              <a:schemeClr val="accent1"/>
+            </a:effectRef>
+            <a:fontRef idx="minor">
+              <a:schemeClr val="lt1"/>
+            </a:fontRef>
+          </p:style>
+          <p:txBody>
+            <a:bodyPr rtlCol="0" anchor="t"/>
+            <a:lstStyle/>
+            <a:p>
+              <a:pPr algn="ctr"/>
+              <a:r>
+                <a:rPr lang="en-US" dirty="0">
+                  <a:solidFill>
+                    <a:srgbClr val="C00000"/>
+                  </a:solidFill>
+                </a:rPr>
+                <a:t>Knowledge Graph</a:t>
+              </a:r>
+            </a:p>
+          </p:txBody>
+        </p:sp>
+        <p:sp>
+          <p:nvSpPr>
+            <p:cNvPr id="7" name="Rectangle 6"/>
+            <p:cNvSpPr/>
+            <p:nvPr/>
+          </p:nvSpPr>
+          <p:spPr>
+            <a:xfrm>
+              <a:off x="9210322" y="3718022"/>
+              <a:ext cx="1219200" cy="323272"/>
+            </a:xfrm>
+            <a:prstGeom prst="rect">
+              <a:avLst/>
+            </a:prstGeom>
+            <a:solidFill>
+              <a:schemeClr val="accent6">
+                <a:lumMod val="20000"/>
+                <a:lumOff val="80000"/>
+              </a:schemeClr>
+            </a:solidFill>
+            <a:ln>
+              <a:solidFill>
+                <a:srgbClr val="C00000"/>
+              </a:solidFill>
+            </a:ln>
+          </p:spPr>
+          <p:style>
+            <a:lnRef idx="2">
+              <a:schemeClr val="accent1">
+                <a:shade val="50000"/>
+              </a:schemeClr>
+            </a:lnRef>
+            <a:fillRef idx="1">
+              <a:schemeClr val="accent1"/>
+            </a:fillRef>
+            <a:effectRef idx="0">
+              <a:schemeClr val="accent1"/>
+            </a:effectRef>
+            <a:fontRef idx="minor">
+              <a:schemeClr val="lt1"/>
+            </a:fontRef>
+          </p:style>
+          <p:txBody>
+            <a:bodyPr rtlCol="0" anchor="t"/>
+            <a:lstStyle/>
+            <a:p>
+              <a:pPr algn="ctr"/>
+              <a:r>
+                <a:rPr lang="en-US" dirty="0">
+                  <a:solidFill>
+                    <a:srgbClr val="C00000"/>
+                  </a:solidFill>
+                </a:rPr>
+                <a:t>Endpoint</a:t>
+              </a:r>
+            </a:p>
+          </p:txBody>
+        </p:sp>
+        <p:sp>
+          <p:nvSpPr>
+            <p:cNvPr id="8" name="Rectangle 7"/>
+            <p:cNvSpPr/>
+            <p:nvPr/>
+          </p:nvSpPr>
+          <p:spPr>
+            <a:xfrm>
+              <a:off x="9219558" y="4406129"/>
+              <a:ext cx="1219200" cy="323272"/>
+            </a:xfrm>
+            <a:prstGeom prst="rect">
+              <a:avLst/>
+            </a:prstGeom>
+            <a:solidFill>
+              <a:schemeClr val="accent6">
+                <a:lumMod val="20000"/>
+                <a:lumOff val="80000"/>
+              </a:schemeClr>
+            </a:solidFill>
+            <a:ln>
+              <a:solidFill>
+                <a:srgbClr val="C00000"/>
+              </a:solidFill>
+            </a:ln>
+          </p:spPr>
+          <p:style>
+            <a:lnRef idx="2">
+              <a:schemeClr val="accent1">
+                <a:shade val="50000"/>
+              </a:schemeClr>
+            </a:lnRef>
+            <a:fillRef idx="1">
+              <a:schemeClr val="accent1"/>
+            </a:fillRef>
+            <a:effectRef idx="0">
+              <a:schemeClr val="accent1"/>
+            </a:effectRef>
+            <a:fontRef idx="minor">
+              <a:schemeClr val="lt1"/>
+            </a:fontRef>
+          </p:style>
+          <p:txBody>
+            <a:bodyPr rtlCol="0" anchor="t"/>
+            <a:lstStyle/>
+            <a:p>
+              <a:pPr algn="ctr"/>
+              <a:r>
+                <a:rPr lang="en-US" dirty="0">
+                  <a:solidFill>
+                    <a:srgbClr val="C00000"/>
+                  </a:solidFill>
+                </a:rPr>
+                <a:t>REST API</a:t>
+              </a:r>
+            </a:p>
+          </p:txBody>
+        </p:sp>
+        <p:cxnSp>
+          <p:nvCxnSpPr>
+            <p:cNvPr id="10" name="Straight Arrow Connector 9"/>
+            <p:cNvCxnSpPr/>
+            <p:nvPr/>
+          </p:nvCxnSpPr>
+          <p:spPr>
+            <a:xfrm>
+              <a:off x="9487413" y="4065539"/>
+              <a:ext cx="0" cy="327891"/>
+            </a:xfrm>
+            <a:prstGeom prst="straightConnector1">
+              <a:avLst/>
+            </a:prstGeom>
+            <a:ln>
+              <a:solidFill>
+                <a:schemeClr val="tx1"/>
+              </a:solidFill>
+              <a:tailEnd type="triangle"/>
+            </a:ln>
+          </p:spPr>
+          <p:style>
+            <a:lnRef idx="1">
+              <a:schemeClr val="accent1"/>
+            </a:lnRef>
+            <a:fillRef idx="0">
+              <a:schemeClr val="accent1"/>
+            </a:fillRef>
+            <a:effectRef idx="0">
+              <a:schemeClr val="accent1"/>
+            </a:effectRef>
+            <a:fontRef idx="minor">
+              <a:schemeClr val="tx1"/>
+            </a:fontRef>
+          </p:style>
+        </p:cxnSp>
+        <p:cxnSp>
+          <p:nvCxnSpPr>
+            <p:cNvPr id="11" name="Straight Arrow Connector 10"/>
+            <p:cNvCxnSpPr/>
+            <p:nvPr/>
+          </p:nvCxnSpPr>
+          <p:spPr>
+            <a:xfrm flipV="1">
+              <a:off x="10229558" y="4021090"/>
+              <a:ext cx="0" cy="372341"/>
+            </a:xfrm>
+            <a:prstGeom prst="straightConnector1">
+              <a:avLst/>
+            </a:prstGeom>
+            <a:ln>
+              <a:solidFill>
+                <a:schemeClr val="tx1"/>
+              </a:solidFill>
+              <a:tailEnd type="triangle"/>
+            </a:ln>
+          </p:spPr>
+          <p:style>
+            <a:lnRef idx="1">
+              <a:schemeClr val="accent1"/>
+            </a:lnRef>
+            <a:fillRef idx="0">
+              <a:schemeClr val="accent1"/>
+            </a:fillRef>
+            <a:effectRef idx="0">
+              <a:schemeClr val="accent1"/>
+            </a:effectRef>
+            <a:fontRef idx="minor">
+              <a:schemeClr val="tx1"/>
+            </a:fontRef>
+          </p:style>
+        </p:cxnSp>
+        <p:sp>
+          <p:nvSpPr>
+            <p:cNvPr id="17" name="Folded Corner 16"/>
+            <p:cNvSpPr/>
+            <p:nvPr/>
+          </p:nvSpPr>
+          <p:spPr>
+            <a:xfrm>
+              <a:off x="10097230" y="5034004"/>
+              <a:ext cx="1248291" cy="688067"/>
+            </a:xfrm>
+            <a:prstGeom prst="foldedCorner">
+              <a:avLst/>
+            </a:prstGeom>
+            <a:solidFill>
+              <a:schemeClr val="accent6">
+                <a:lumMod val="20000"/>
+                <a:lumOff val="80000"/>
+              </a:schemeClr>
+            </a:solidFill>
+            <a:ln>
+              <a:solidFill>
+                <a:srgbClr val="C00000"/>
+              </a:solidFill>
+            </a:ln>
+          </p:spPr>
+          <p:style>
+            <a:lnRef idx="2">
+              <a:schemeClr val="accent1">
+                <a:shade val="50000"/>
+              </a:schemeClr>
+            </a:lnRef>
+            <a:fillRef idx="1">
+              <a:schemeClr val="accent1"/>
+            </a:fillRef>
+            <a:effectRef idx="0">
+              <a:schemeClr val="accent1"/>
+            </a:effectRef>
+            <a:fontRef idx="minor">
+              <a:schemeClr val="lt1"/>
+            </a:fontRef>
+          </p:style>
+          <p:txBody>
+            <a:bodyPr rtlCol="0" anchor="t"/>
+            <a:lstStyle/>
+            <a:p>
+              <a:pPr algn="ctr"/>
+              <a:r>
+                <a:rPr lang="en-US" dirty="0">
+                  <a:solidFill>
+                    <a:srgbClr val="C00000"/>
+                  </a:solidFill>
+                </a:rPr>
+                <a:t>Notebooks</a:t>
+              </a:r>
+            </a:p>
+          </p:txBody>
+        </p:sp>
+        <p:sp>
+          <p:nvSpPr>
+            <p:cNvPr id="21" name="Rectangle 20"/>
+            <p:cNvSpPr/>
+            <p:nvPr/>
+          </p:nvSpPr>
+          <p:spPr>
+            <a:xfrm>
+              <a:off x="8743994" y="5035626"/>
+              <a:ext cx="1219200" cy="688068"/>
+            </a:xfrm>
+            <a:prstGeom prst="rect">
+              <a:avLst/>
+            </a:prstGeom>
+            <a:solidFill>
+              <a:schemeClr val="accent6">
+                <a:lumMod val="20000"/>
+                <a:lumOff val="80000"/>
+              </a:schemeClr>
+            </a:solidFill>
+            <a:ln>
+              <a:solidFill>
+                <a:srgbClr val="C00000"/>
+              </a:solidFill>
+            </a:ln>
+          </p:spPr>
+          <p:style>
+            <a:lnRef idx="2">
+              <a:schemeClr val="accent1">
+                <a:shade val="50000"/>
+              </a:schemeClr>
+            </a:lnRef>
+            <a:fillRef idx="1">
+              <a:schemeClr val="accent1"/>
+            </a:fillRef>
+            <a:effectRef idx="0">
+              <a:schemeClr val="accent1"/>
+            </a:effectRef>
+            <a:fontRef idx="minor">
+              <a:schemeClr val="lt1"/>
+            </a:fontRef>
+          </p:style>
+          <p:txBody>
+            <a:bodyPr rtlCol="0" anchor="t"/>
+            <a:lstStyle/>
+            <a:p>
+              <a:pPr algn="ctr"/>
+              <a:r>
+                <a:rPr lang="en-US" dirty="0" smtClean="0">
+                  <a:solidFill>
+                    <a:srgbClr val="C00000"/>
+                  </a:solidFill>
+                </a:rPr>
+                <a:t>Python/JS </a:t>
+              </a:r>
+              <a:r>
+                <a:rPr lang="en-US" dirty="0">
+                  <a:solidFill>
+                    <a:srgbClr val="C00000"/>
+                  </a:solidFill>
+                </a:rPr>
+                <a:t>Client</a:t>
+              </a:r>
+            </a:p>
+          </p:txBody>
+        </p:sp>
+        <p:cxnSp>
+          <p:nvCxnSpPr>
+            <p:cNvPr id="22" name="Straight Arrow Connector 21"/>
+            <p:cNvCxnSpPr>
+              <a:stCxn id="21" idx="0"/>
+              <a:endCxn id="8" idx="2"/>
+            </p:cNvCxnSpPr>
+            <p:nvPr/>
+          </p:nvCxnSpPr>
+          <p:spPr>
+            <a:xfrm flipV="1">
+              <a:off x="9353594" y="4729401"/>
+              <a:ext cx="475564" cy="306225"/>
+            </a:xfrm>
+            <a:prstGeom prst="straightConnector1">
+              <a:avLst/>
+            </a:prstGeom>
+            <a:ln>
+              <a:solidFill>
+                <a:schemeClr val="tx1"/>
+              </a:solidFill>
+              <a:tailEnd type="triangle"/>
+            </a:ln>
+          </p:spPr>
+          <p:style>
+            <a:lnRef idx="1">
+              <a:schemeClr val="accent1"/>
+            </a:lnRef>
+            <a:fillRef idx="0">
+              <a:schemeClr val="accent1"/>
+            </a:fillRef>
+            <a:effectRef idx="0">
+              <a:schemeClr val="accent1"/>
+            </a:effectRef>
+            <a:fontRef idx="minor">
+              <a:schemeClr val="tx1"/>
+            </a:fontRef>
+          </p:style>
+        </p:cxnSp>
+        <p:cxnSp>
+          <p:nvCxnSpPr>
+            <p:cNvPr id="25" name="Straight Arrow Connector 24"/>
+            <p:cNvCxnSpPr>
+              <a:stCxn id="17" idx="0"/>
+              <a:endCxn id="8" idx="2"/>
+            </p:cNvCxnSpPr>
+            <p:nvPr/>
+          </p:nvCxnSpPr>
+          <p:spPr>
+            <a:xfrm flipH="1" flipV="1">
+              <a:off x="9829158" y="4729401"/>
+              <a:ext cx="892218" cy="304603"/>
+            </a:xfrm>
+            <a:prstGeom prst="straightConnector1">
+              <a:avLst/>
+            </a:prstGeom>
+            <a:ln>
+              <a:solidFill>
+                <a:schemeClr val="tx1"/>
+              </a:solidFill>
+              <a:tailEnd type="triangle"/>
+            </a:ln>
+          </p:spPr>
+          <p:style>
+            <a:lnRef idx="1">
+              <a:schemeClr val="accent1"/>
+            </a:lnRef>
+            <a:fillRef idx="0">
+              <a:schemeClr val="accent1"/>
+            </a:fillRef>
+            <a:effectRef idx="0">
+              <a:schemeClr val="accent1"/>
+            </a:effectRef>
+            <a:fontRef idx="minor">
+              <a:schemeClr val="tx1"/>
+            </a:fontRef>
+          </p:style>
+        </p:cxnSp>
+        <p:sp>
+          <p:nvSpPr>
+            <p:cNvPr id="28" name="Rounded Rectangle 27"/>
+            <p:cNvSpPr/>
+            <p:nvPr/>
+          </p:nvSpPr>
+          <p:spPr>
+            <a:xfrm>
+              <a:off x="262984" y="1561793"/>
+              <a:ext cx="1524000" cy="438427"/>
+            </a:xfrm>
+            <a:prstGeom prst="roundRect">
+              <a:avLst/>
+            </a:prstGeom>
+            <a:solidFill>
+              <a:schemeClr val="bg1">
+                <a:lumMod val="95000"/>
+              </a:schemeClr>
+            </a:solidFill>
+            <a:ln>
+              <a:solidFill>
+                <a:srgbClr val="C00000"/>
+              </a:solidFill>
+            </a:ln>
+          </p:spPr>
+          <p:style>
+            <a:lnRef idx="2">
+              <a:schemeClr val="accent1">
+                <a:shade val="50000"/>
+              </a:schemeClr>
+            </a:lnRef>
+            <a:fillRef idx="1">
+              <a:schemeClr val="accent1"/>
+            </a:fillRef>
+            <a:effectRef idx="0">
+              <a:schemeClr val="accent1"/>
+            </a:effectRef>
+            <a:fontRef idx="minor">
+              <a:schemeClr val="lt1"/>
+            </a:fontRef>
+          </p:style>
+          <p:txBody>
+            <a:bodyPr rtlCol="0" anchor="t"/>
+            <a:lstStyle/>
+            <a:p>
+              <a:pPr algn="ctr"/>
+              <a:r>
+                <a:rPr lang="en-US" dirty="0" smtClean="0">
+                  <a:solidFill>
+                    <a:srgbClr val="C00000"/>
+                  </a:solidFill>
+                </a:rPr>
+                <a:t>GitHub</a:t>
+              </a:r>
+              <a:endParaRPr lang="en-US" dirty="0">
                 <a:solidFill>
                   <a:srgbClr val="C00000"/>
                 </a:solidFill>
-              </a:rPr>
-              <a:t>Knowledge Graph</a:t>
-            </a:r>
-          </a:p>
-        </p:txBody>
-      </p:sp>
-      <p:sp>
-        <p:nvSpPr>
-          <p:cNvPr id="7" name="Rectangle 6"/>
-          <p:cNvSpPr/>
-          <p:nvPr/>
-        </p:nvSpPr>
-        <p:spPr>
-          <a:xfrm>
-            <a:off x="9210322" y="3718022"/>
-            <a:ext cx="1219200" cy="323272"/>
-          </a:xfrm>
-          <a:prstGeom prst="rect">
-            <a:avLst/>
-          </a:prstGeom>
-          <a:solidFill>
-            <a:schemeClr val="accent6">
-              <a:lumMod val="20000"/>
-              <a:lumOff val="80000"/>
-            </a:schemeClr>
-          </a:solidFill>
-          <a:ln>
+              </a:endParaRPr>
+            </a:p>
+          </p:txBody>
+        </p:sp>
+        <p:sp>
+          <p:nvSpPr>
+            <p:cNvPr id="29" name="Rectangle 28"/>
+            <p:cNvSpPr/>
+            <p:nvPr/>
+          </p:nvSpPr>
+          <p:spPr>
+            <a:xfrm>
+              <a:off x="4685257" y="2767981"/>
+              <a:ext cx="1739363" cy="891008"/>
+            </a:xfrm>
+            <a:prstGeom prst="rect">
+              <a:avLst/>
+            </a:prstGeom>
             <a:solidFill>
-              <a:srgbClr val="C00000"/>
+              <a:schemeClr val="accent4">
+                <a:lumMod val="20000"/>
+                <a:lumOff val="80000"/>
+              </a:schemeClr>
             </a:solidFill>
-          </a:ln>
-        </p:spPr>
-        <p:style>
-          <a:lnRef idx="2">
-            <a:schemeClr val="accent1">
-              <a:shade val="50000"/>
-            </a:schemeClr>
-          </a:lnRef>
-          <a:fillRef idx="1">
-            <a:schemeClr val="accent1"/>
-          </a:fillRef>
-          <a:effectRef idx="0">
-            <a:schemeClr val="accent1"/>
-          </a:effectRef>
-          <a:fontRef idx="minor">
-            <a:schemeClr val="lt1"/>
-          </a:fontRef>
-        </p:style>
-        <p:txBody>
-          <a:bodyPr rtlCol="0" anchor="t"/>
-          <a:lstStyle/>
-          <a:p>
-            <a:pPr algn="ctr"/>
-            <a:r>
-              <a:rPr lang="en-US" dirty="0">
+            <a:ln>
+              <a:solidFill>
+                <a:srgbClr val="C00000"/>
+              </a:solidFill>
+            </a:ln>
+          </p:spPr>
+          <p:style>
+            <a:lnRef idx="2">
+              <a:schemeClr val="accent1">
+                <a:shade val="50000"/>
+              </a:schemeClr>
+            </a:lnRef>
+            <a:fillRef idx="1">
+              <a:schemeClr val="accent1"/>
+            </a:fillRef>
+            <a:effectRef idx="0">
+              <a:schemeClr val="accent1"/>
+            </a:effectRef>
+            <a:fontRef idx="minor">
+              <a:schemeClr val="lt1"/>
+            </a:fontRef>
+          </p:style>
+          <p:txBody>
+            <a:bodyPr rtlCol="0" anchor="t"/>
+            <a:lstStyle/>
+            <a:p>
+              <a:pPr algn="ctr"/>
+              <a:r>
+                <a:rPr lang="en-US" dirty="0" smtClean="0">
+                  <a:solidFill>
+                    <a:srgbClr val="C00000"/>
+                  </a:solidFill>
+                </a:rPr>
+                <a:t>Model Configuration Container</a:t>
+              </a:r>
+              <a:endParaRPr lang="en-US" dirty="0">
                 <a:solidFill>
                   <a:srgbClr val="C00000"/>
                 </a:solidFill>
-              </a:rPr>
-              <a:t>Endpoint</a:t>
-            </a:r>
-          </a:p>
-        </p:txBody>
-      </p:sp>
-      <p:sp>
-        <p:nvSpPr>
-          <p:cNvPr id="8" name="Rectangle 7"/>
-          <p:cNvSpPr/>
-          <p:nvPr/>
-        </p:nvSpPr>
-        <p:spPr>
-          <a:xfrm>
-            <a:off x="9219558" y="4406129"/>
-            <a:ext cx="1219200" cy="323272"/>
-          </a:xfrm>
-          <a:prstGeom prst="rect">
-            <a:avLst/>
-          </a:prstGeom>
-          <a:solidFill>
-            <a:schemeClr val="accent6">
-              <a:lumMod val="20000"/>
-              <a:lumOff val="80000"/>
-            </a:schemeClr>
-          </a:solidFill>
-          <a:ln>
+              </a:endParaRPr>
+            </a:p>
+          </p:txBody>
+        </p:sp>
+        <p:sp>
+          <p:nvSpPr>
+            <p:cNvPr id="31" name="Rectangle 30"/>
+            <p:cNvSpPr/>
+            <p:nvPr/>
+          </p:nvSpPr>
+          <p:spPr>
+            <a:xfrm>
+              <a:off x="2553602" y="1516308"/>
+              <a:ext cx="1598395" cy="1430153"/>
+            </a:xfrm>
+            <a:prstGeom prst="rect">
+              <a:avLst/>
+            </a:prstGeom>
             <a:solidFill>
-              <a:srgbClr val="C00000"/>
+              <a:schemeClr val="accent4">
+                <a:lumMod val="20000"/>
+                <a:lumOff val="80000"/>
+              </a:schemeClr>
             </a:solidFill>
-          </a:ln>
-        </p:spPr>
-        <p:style>
-          <a:lnRef idx="2">
-            <a:schemeClr val="accent1">
-              <a:shade val="50000"/>
-            </a:schemeClr>
-          </a:lnRef>
-          <a:fillRef idx="1">
-            <a:schemeClr val="accent1"/>
-          </a:fillRef>
-          <a:effectRef idx="0">
-            <a:schemeClr val="accent1"/>
-          </a:effectRef>
-          <a:fontRef idx="minor">
-            <a:schemeClr val="lt1"/>
-          </a:fontRef>
-        </p:style>
-        <p:txBody>
-          <a:bodyPr rtlCol="0" anchor="t"/>
-          <a:lstStyle/>
-          <a:p>
-            <a:pPr algn="ctr"/>
-            <a:r>
-              <a:rPr lang="en-US" dirty="0">
+            <a:ln>
+              <a:solidFill>
+                <a:srgbClr val="C00000"/>
+              </a:solidFill>
+            </a:ln>
+          </p:spPr>
+          <p:style>
+            <a:lnRef idx="2">
+              <a:schemeClr val="accent1">
+                <a:shade val="50000"/>
+              </a:schemeClr>
+            </a:lnRef>
+            <a:fillRef idx="1">
+              <a:schemeClr val="accent1"/>
+            </a:fillRef>
+            <a:effectRef idx="0">
+              <a:schemeClr val="accent1"/>
+            </a:effectRef>
+            <a:fontRef idx="minor">
+              <a:schemeClr val="lt1"/>
+            </a:fontRef>
+          </p:style>
+          <p:txBody>
+            <a:bodyPr rtlCol="0" anchor="t"/>
+            <a:lstStyle/>
+            <a:p>
+              <a:pPr algn="ctr"/>
+              <a:r>
+                <a:rPr lang="en-US" dirty="0">
+                  <a:solidFill>
+                    <a:srgbClr val="C00000"/>
+                  </a:solidFill>
+                </a:rPr>
+                <a:t>Guidebook for creating model </a:t>
+              </a:r>
+              <a:r>
+                <a:rPr lang="en-US" dirty="0" smtClean="0">
+                  <a:solidFill>
+                    <a:srgbClr val="C00000"/>
+                  </a:solidFill>
+                </a:rPr>
+                <a:t>configurations and setups and metadata </a:t>
+              </a:r>
+              <a:endParaRPr lang="en-US" dirty="0">
                 <a:solidFill>
                   <a:srgbClr val="C00000"/>
                 </a:solidFill>
-              </a:rPr>
-              <a:t>REST API</a:t>
-            </a:r>
-          </a:p>
-        </p:txBody>
-      </p:sp>
-      <p:cxnSp>
-        <p:nvCxnSpPr>
-          <p:cNvPr id="10" name="Straight Arrow Connector 9"/>
-          <p:cNvCxnSpPr/>
-          <p:nvPr/>
-        </p:nvCxnSpPr>
-        <p:spPr>
-          <a:xfrm>
-            <a:off x="9487413" y="4065539"/>
-            <a:ext cx="0" cy="327891"/>
-          </a:xfrm>
-          <a:prstGeom prst="straightConnector1">
-            <a:avLst/>
-          </a:prstGeom>
-          <a:ln>
+              </a:endParaRPr>
+            </a:p>
+          </p:txBody>
+        </p:sp>
+        <p:sp>
+          <p:nvSpPr>
+            <p:cNvPr id="32" name="Rectangle 31"/>
+            <p:cNvSpPr/>
+            <p:nvPr/>
+          </p:nvSpPr>
+          <p:spPr>
+            <a:xfrm>
+              <a:off x="4683275" y="4207260"/>
+              <a:ext cx="1739362" cy="715966"/>
+            </a:xfrm>
+            <a:prstGeom prst="rect">
+              <a:avLst/>
+            </a:prstGeom>
             <a:solidFill>
-              <a:schemeClr val="tx1"/>
+              <a:schemeClr val="accent6">
+                <a:lumMod val="20000"/>
+                <a:lumOff val="80000"/>
+              </a:schemeClr>
             </a:solidFill>
-            <a:tailEnd type="triangle"/>
-          </a:ln>
-        </p:spPr>
-        <p:style>
-          <a:lnRef idx="1">
-            <a:schemeClr val="accent1"/>
-          </a:lnRef>
-          <a:fillRef idx="0">
-            <a:schemeClr val="accent1"/>
-          </a:fillRef>
-          <a:effectRef idx="0">
-            <a:schemeClr val="accent1"/>
-          </a:effectRef>
-          <a:fontRef idx="minor">
-            <a:schemeClr val="tx1"/>
-          </a:fontRef>
-        </p:style>
-      </p:cxnSp>
-      <p:cxnSp>
-        <p:nvCxnSpPr>
-          <p:cNvPr id="11" name="Straight Arrow Connector 10"/>
-          <p:cNvCxnSpPr/>
-          <p:nvPr/>
-        </p:nvCxnSpPr>
-        <p:spPr>
-          <a:xfrm flipV="1">
-            <a:off x="10229558" y="4021090"/>
-            <a:ext cx="0" cy="372341"/>
-          </a:xfrm>
-          <a:prstGeom prst="straightConnector1">
-            <a:avLst/>
-          </a:prstGeom>
-          <a:ln>
-            <a:solidFill>
-              <a:schemeClr val="tx1"/>
-            </a:solidFill>
-            <a:tailEnd type="triangle"/>
-          </a:ln>
-        </p:spPr>
-        <p:style>
-          <a:lnRef idx="1">
-            <a:schemeClr val="accent1"/>
-          </a:lnRef>
-          <a:fillRef idx="0">
-            <a:schemeClr val="accent1"/>
-          </a:fillRef>
-          <a:effectRef idx="0">
-            <a:schemeClr val="accent1"/>
-          </a:effectRef>
-          <a:fontRef idx="minor">
-            <a:schemeClr val="tx1"/>
-          </a:fontRef>
-        </p:style>
-      </p:cxnSp>
-      <p:sp>
-        <p:nvSpPr>
-          <p:cNvPr id="17" name="Folded Corner 16"/>
-          <p:cNvSpPr/>
-          <p:nvPr/>
-        </p:nvSpPr>
-        <p:spPr>
-          <a:xfrm>
-            <a:off x="10097230" y="5034004"/>
-            <a:ext cx="1248291" cy="688067"/>
-          </a:xfrm>
-          <a:prstGeom prst="foldedCorner">
-            <a:avLst/>
-          </a:prstGeom>
-          <a:solidFill>
-            <a:schemeClr val="accent6">
-              <a:lumMod val="20000"/>
-              <a:lumOff val="80000"/>
-            </a:schemeClr>
-          </a:solidFill>
-          <a:ln>
-            <a:solidFill>
-              <a:srgbClr val="C00000"/>
-            </a:solidFill>
-          </a:ln>
-        </p:spPr>
-        <p:style>
-          <a:lnRef idx="2">
-            <a:schemeClr val="accent1">
-              <a:shade val="50000"/>
-            </a:schemeClr>
-          </a:lnRef>
-          <a:fillRef idx="1">
-            <a:schemeClr val="accent1"/>
-          </a:fillRef>
-          <a:effectRef idx="0">
-            <a:schemeClr val="accent1"/>
-          </a:effectRef>
-          <a:fontRef idx="minor">
-            <a:schemeClr val="lt1"/>
-          </a:fontRef>
-        </p:style>
-        <p:txBody>
-          <a:bodyPr rtlCol="0" anchor="t"/>
-          <a:lstStyle/>
-          <a:p>
-            <a:pPr algn="ctr"/>
-            <a:r>
-              <a:rPr lang="en-US" dirty="0">
+            <a:ln>
+              <a:solidFill>
+                <a:srgbClr val="C00000"/>
+              </a:solidFill>
+            </a:ln>
+          </p:spPr>
+          <p:style>
+            <a:lnRef idx="2">
+              <a:schemeClr val="accent1">
+                <a:shade val="50000"/>
+              </a:schemeClr>
+            </a:lnRef>
+            <a:fillRef idx="1">
+              <a:schemeClr val="accent1"/>
+            </a:fillRef>
+            <a:effectRef idx="0">
+              <a:schemeClr val="accent1"/>
+            </a:effectRef>
+            <a:fontRef idx="minor">
+              <a:schemeClr val="lt1"/>
+            </a:fontRef>
+          </p:style>
+          <p:txBody>
+            <a:bodyPr rtlCol="0" anchor="t"/>
+            <a:lstStyle/>
+            <a:p>
+              <a:pPr algn="ctr"/>
+              <a:r>
+                <a:rPr lang="en-US" dirty="0" smtClean="0">
+                  <a:solidFill>
+                    <a:srgbClr val="C00000"/>
+                  </a:solidFill>
+                </a:rPr>
+                <a:t>Browse and edit model metadata</a:t>
+              </a:r>
+              <a:endParaRPr lang="en-US" dirty="0">
                 <a:solidFill>
                   <a:srgbClr val="C00000"/>
                 </a:solidFill>
-              </a:rPr>
-              <a:t>Notebooks</a:t>
-            </a:r>
-          </a:p>
-        </p:txBody>
-      </p:sp>
-      <p:sp>
-        <p:nvSpPr>
-          <p:cNvPr id="21" name="Rectangle 20"/>
-          <p:cNvSpPr/>
-          <p:nvPr/>
-        </p:nvSpPr>
-        <p:spPr>
-          <a:xfrm>
-            <a:off x="8743994" y="5035626"/>
-            <a:ext cx="1219200" cy="688068"/>
-          </a:xfrm>
-          <a:prstGeom prst="rect">
-            <a:avLst/>
-          </a:prstGeom>
-          <a:solidFill>
-            <a:schemeClr val="accent6">
-              <a:lumMod val="20000"/>
-              <a:lumOff val="80000"/>
-            </a:schemeClr>
-          </a:solidFill>
-          <a:ln>
+              </a:endParaRPr>
+            </a:p>
+          </p:txBody>
+        </p:sp>
+        <p:sp>
+          <p:nvSpPr>
+            <p:cNvPr id="36" name="Rectangle 35"/>
+            <p:cNvSpPr/>
+            <p:nvPr/>
+          </p:nvSpPr>
+          <p:spPr>
+            <a:xfrm>
+              <a:off x="8501786" y="6152541"/>
+              <a:ext cx="1703617" cy="646834"/>
+            </a:xfrm>
+            <a:prstGeom prst="rect">
+              <a:avLst/>
+            </a:prstGeom>
             <a:solidFill>
-              <a:srgbClr val="C00000"/>
+              <a:schemeClr val="accent6">
+                <a:lumMod val="20000"/>
+                <a:lumOff val="80000"/>
+              </a:schemeClr>
             </a:solidFill>
-          </a:ln>
-        </p:spPr>
-        <p:style>
-          <a:lnRef idx="2">
-            <a:schemeClr val="accent1">
-              <a:shade val="50000"/>
-            </a:schemeClr>
-          </a:lnRef>
-          <a:fillRef idx="1">
-            <a:schemeClr val="accent1"/>
-          </a:fillRef>
-          <a:effectRef idx="0">
-            <a:schemeClr val="accent1"/>
-          </a:effectRef>
-          <a:fontRef idx="minor">
-            <a:schemeClr val="lt1"/>
-          </a:fontRef>
-        </p:style>
-        <p:txBody>
-          <a:bodyPr rtlCol="0" anchor="t"/>
-          <a:lstStyle/>
-          <a:p>
-            <a:pPr algn="ctr"/>
-            <a:r>
-              <a:rPr lang="en-US" dirty="0" smtClean="0">
+            <a:ln>
+              <a:solidFill>
+                <a:srgbClr val="C00000"/>
+              </a:solidFill>
+            </a:ln>
+          </p:spPr>
+          <p:style>
+            <a:lnRef idx="2">
+              <a:schemeClr val="accent1">
+                <a:shade val="50000"/>
+              </a:schemeClr>
+            </a:lnRef>
+            <a:fillRef idx="1">
+              <a:schemeClr val="accent1"/>
+            </a:fillRef>
+            <a:effectRef idx="0">
+              <a:schemeClr val="accent1"/>
+            </a:effectRef>
+            <a:fontRef idx="minor">
+              <a:schemeClr val="lt1"/>
+            </a:fontRef>
+          </p:style>
+          <p:txBody>
+            <a:bodyPr rtlCol="0" anchor="t"/>
+            <a:lstStyle/>
+            <a:p>
+              <a:pPr algn="ctr"/>
+              <a:r>
+                <a:rPr lang="en-US" dirty="0" smtClean="0">
+                  <a:solidFill>
+                    <a:srgbClr val="C00000"/>
+                  </a:solidFill>
+                </a:rPr>
+                <a:t>Run model on server</a:t>
+              </a:r>
+              <a:endParaRPr lang="en-US" dirty="0">
                 <a:solidFill>
                   <a:srgbClr val="C00000"/>
                 </a:solidFill>
-              </a:rPr>
-              <a:t>Python/JS </a:t>
-            </a:r>
-            <a:r>
-              <a:rPr lang="en-US" dirty="0">
+              </a:endParaRPr>
+            </a:p>
+          </p:txBody>
+        </p:sp>
+        <p:cxnSp>
+          <p:nvCxnSpPr>
+            <p:cNvPr id="39" name="Straight Arrow Connector 38"/>
+            <p:cNvCxnSpPr>
+              <a:stCxn id="32" idx="3"/>
+              <a:endCxn id="8" idx="1"/>
+            </p:cNvCxnSpPr>
+            <p:nvPr/>
+          </p:nvCxnSpPr>
+          <p:spPr>
+            <a:xfrm>
+              <a:off x="6422637" y="4565243"/>
+              <a:ext cx="2796921" cy="2522"/>
+            </a:xfrm>
+            <a:prstGeom prst="straightConnector1">
+              <a:avLst/>
+            </a:prstGeom>
+            <a:ln>
+              <a:solidFill>
+                <a:schemeClr val="tx1"/>
+              </a:solidFill>
+              <a:tailEnd type="triangle"/>
+            </a:ln>
+          </p:spPr>
+          <p:style>
+            <a:lnRef idx="1">
+              <a:schemeClr val="accent1"/>
+            </a:lnRef>
+            <a:fillRef idx="0">
+              <a:schemeClr val="accent1"/>
+            </a:fillRef>
+            <a:effectRef idx="0">
+              <a:schemeClr val="accent1"/>
+            </a:effectRef>
+            <a:fontRef idx="minor">
+              <a:schemeClr val="tx1"/>
+            </a:fontRef>
+          </p:style>
+        </p:cxnSp>
+        <p:sp>
+          <p:nvSpPr>
+            <p:cNvPr id="53" name="Rectangle 52"/>
+            <p:cNvSpPr/>
+            <p:nvPr/>
+          </p:nvSpPr>
+          <p:spPr>
+            <a:xfrm>
+              <a:off x="7152361" y="2579154"/>
+              <a:ext cx="1573544" cy="883496"/>
+            </a:xfrm>
+            <a:prstGeom prst="rect">
+              <a:avLst/>
+            </a:prstGeom>
+            <a:solidFill>
+              <a:schemeClr val="accent6">
+                <a:lumMod val="20000"/>
+                <a:lumOff val="80000"/>
+              </a:schemeClr>
+            </a:solidFill>
+            <a:ln>
+              <a:solidFill>
+                <a:srgbClr val="C00000"/>
+              </a:solidFill>
+            </a:ln>
+          </p:spPr>
+          <p:style>
+            <a:lnRef idx="2">
+              <a:schemeClr val="accent1">
+                <a:shade val="50000"/>
+              </a:schemeClr>
+            </a:lnRef>
+            <a:fillRef idx="1">
+              <a:schemeClr val="accent1"/>
+            </a:fillRef>
+            <a:effectRef idx="0">
+              <a:schemeClr val="accent1"/>
+            </a:effectRef>
+            <a:fontRef idx="minor">
+              <a:schemeClr val="lt1"/>
+            </a:fontRef>
+          </p:style>
+          <p:txBody>
+            <a:bodyPr rtlCol="0" anchor="t"/>
+            <a:lstStyle/>
+            <a:p>
+              <a:pPr algn="ctr"/>
+              <a:r>
+                <a:rPr lang="en-US" dirty="0" smtClean="0">
+                  <a:solidFill>
+                    <a:srgbClr val="C00000"/>
+                  </a:solidFill>
+                </a:rPr>
+                <a:t>Metadata validation and upload</a:t>
+              </a:r>
+              <a:endParaRPr lang="en-US" dirty="0">
                 <a:solidFill>
                   <a:srgbClr val="C00000"/>
                 </a:solidFill>
-              </a:rPr>
-              <a:t>Client</a:t>
-            </a:r>
-          </a:p>
-        </p:txBody>
-      </p:sp>
-      <p:cxnSp>
-        <p:nvCxnSpPr>
-          <p:cNvPr id="22" name="Straight Arrow Connector 21"/>
-          <p:cNvCxnSpPr>
-            <a:stCxn id="21" idx="0"/>
-            <a:endCxn id="8" idx="2"/>
-          </p:cNvCxnSpPr>
-          <p:nvPr/>
-        </p:nvCxnSpPr>
-        <p:spPr>
-          <a:xfrm flipV="1">
-            <a:off x="9353594" y="4729401"/>
-            <a:ext cx="475564" cy="306225"/>
-          </a:xfrm>
-          <a:prstGeom prst="straightConnector1">
-            <a:avLst/>
-          </a:prstGeom>
-          <a:ln>
+              </a:endParaRPr>
+            </a:p>
+          </p:txBody>
+        </p:sp>
+        <p:cxnSp>
+          <p:nvCxnSpPr>
+            <p:cNvPr id="54" name="Straight Arrow Connector 53"/>
+            <p:cNvCxnSpPr>
+              <a:stCxn id="53" idx="2"/>
+              <a:endCxn id="8" idx="1"/>
+            </p:cNvCxnSpPr>
+            <p:nvPr/>
+          </p:nvCxnSpPr>
+          <p:spPr>
+            <a:xfrm>
+              <a:off x="7939133" y="3462650"/>
+              <a:ext cx="1280425" cy="1105115"/>
+            </a:xfrm>
+            <a:prstGeom prst="straightConnector1">
+              <a:avLst/>
+            </a:prstGeom>
+            <a:ln>
+              <a:solidFill>
+                <a:schemeClr val="tx1"/>
+              </a:solidFill>
+              <a:tailEnd type="triangle"/>
+            </a:ln>
+          </p:spPr>
+          <p:style>
+            <a:lnRef idx="1">
+              <a:schemeClr val="accent1"/>
+            </a:lnRef>
+            <a:fillRef idx="0">
+              <a:schemeClr val="accent1"/>
+            </a:fillRef>
+            <a:effectRef idx="0">
+              <a:schemeClr val="accent1"/>
+            </a:effectRef>
+            <a:fontRef idx="minor">
+              <a:schemeClr val="tx1"/>
+            </a:fontRef>
+          </p:style>
+        </p:cxnSp>
+        <p:cxnSp>
+          <p:nvCxnSpPr>
+            <p:cNvPr id="58" name="Straight Arrow Connector 57"/>
+            <p:cNvCxnSpPr>
+              <a:stCxn id="28" idx="3"/>
+            </p:cNvCxnSpPr>
+            <p:nvPr/>
+          </p:nvCxnSpPr>
+          <p:spPr>
+            <a:xfrm flipV="1">
+              <a:off x="1786984" y="1778804"/>
+              <a:ext cx="766618" cy="2203"/>
+            </a:xfrm>
+            <a:prstGeom prst="straightConnector1">
+              <a:avLst/>
+            </a:prstGeom>
+            <a:ln>
+              <a:solidFill>
+                <a:schemeClr val="tx1"/>
+              </a:solidFill>
+              <a:tailEnd type="triangle"/>
+            </a:ln>
+          </p:spPr>
+          <p:style>
+            <a:lnRef idx="1">
+              <a:schemeClr val="accent1"/>
+            </a:lnRef>
+            <a:fillRef idx="0">
+              <a:schemeClr val="accent1"/>
+            </a:fillRef>
+            <a:effectRef idx="0">
+              <a:schemeClr val="accent1"/>
+            </a:effectRef>
+            <a:fontRef idx="minor">
+              <a:schemeClr val="tx1"/>
+            </a:fontRef>
+          </p:style>
+        </p:cxnSp>
+        <p:cxnSp>
+          <p:nvCxnSpPr>
+            <p:cNvPr id="59" name="Straight Arrow Connector 58"/>
+            <p:cNvCxnSpPr>
+              <a:stCxn id="31" idx="3"/>
+              <a:endCxn id="182" idx="1"/>
+            </p:cNvCxnSpPr>
+            <p:nvPr/>
+          </p:nvCxnSpPr>
+          <p:spPr>
+            <a:xfrm flipV="1">
+              <a:off x="4151997" y="2018584"/>
+              <a:ext cx="523256" cy="212801"/>
+            </a:xfrm>
+            <a:prstGeom prst="straightConnector1">
+              <a:avLst/>
+            </a:prstGeom>
+            <a:ln>
+              <a:solidFill>
+                <a:schemeClr val="tx1"/>
+              </a:solidFill>
+              <a:tailEnd type="triangle"/>
+            </a:ln>
+          </p:spPr>
+          <p:style>
+            <a:lnRef idx="1">
+              <a:schemeClr val="accent1"/>
+            </a:lnRef>
+            <a:fillRef idx="0">
+              <a:schemeClr val="accent1"/>
+            </a:fillRef>
+            <a:effectRef idx="0">
+              <a:schemeClr val="accent1"/>
+            </a:effectRef>
+            <a:fontRef idx="minor">
+              <a:schemeClr val="tx1"/>
+            </a:fontRef>
+          </p:style>
+        </p:cxnSp>
+        <p:cxnSp>
+          <p:nvCxnSpPr>
+            <p:cNvPr id="62" name="Straight Arrow Connector 61"/>
+            <p:cNvCxnSpPr>
+              <a:stCxn id="31" idx="3"/>
+            </p:cNvCxnSpPr>
+            <p:nvPr/>
+          </p:nvCxnSpPr>
+          <p:spPr>
+            <a:xfrm>
+              <a:off x="4151997" y="2231385"/>
+              <a:ext cx="531278" cy="789517"/>
+            </a:xfrm>
+            <a:prstGeom prst="straightConnector1">
+              <a:avLst/>
+            </a:prstGeom>
+            <a:ln>
+              <a:solidFill>
+                <a:schemeClr val="tx1"/>
+              </a:solidFill>
+              <a:tailEnd type="triangle"/>
+            </a:ln>
+          </p:spPr>
+          <p:style>
+            <a:lnRef idx="1">
+              <a:schemeClr val="accent1"/>
+            </a:lnRef>
+            <a:fillRef idx="0">
+              <a:schemeClr val="accent1"/>
+            </a:fillRef>
+            <a:effectRef idx="0">
+              <a:schemeClr val="accent1"/>
+            </a:effectRef>
+            <a:fontRef idx="minor">
+              <a:schemeClr val="tx1"/>
+            </a:fontRef>
+          </p:style>
+        </p:cxnSp>
+        <p:cxnSp>
+          <p:nvCxnSpPr>
+            <p:cNvPr id="65" name="Straight Arrow Connector 64"/>
+            <p:cNvCxnSpPr>
+              <a:stCxn id="182" idx="3"/>
+              <a:endCxn id="53" idx="1"/>
+            </p:cNvCxnSpPr>
+            <p:nvPr/>
+          </p:nvCxnSpPr>
+          <p:spPr>
+            <a:xfrm>
+              <a:off x="6421950" y="2018584"/>
+              <a:ext cx="730411" cy="1002318"/>
+            </a:xfrm>
+            <a:prstGeom prst="straightConnector1">
+              <a:avLst/>
+            </a:prstGeom>
+            <a:ln>
+              <a:solidFill>
+                <a:schemeClr val="tx1"/>
+              </a:solidFill>
+              <a:tailEnd type="triangle"/>
+            </a:ln>
+          </p:spPr>
+          <p:style>
+            <a:lnRef idx="1">
+              <a:schemeClr val="accent1"/>
+            </a:lnRef>
+            <a:fillRef idx="0">
+              <a:schemeClr val="accent1"/>
+            </a:fillRef>
+            <a:effectRef idx="0">
+              <a:schemeClr val="accent1"/>
+            </a:effectRef>
+            <a:fontRef idx="minor">
+              <a:schemeClr val="tx1"/>
+            </a:fontRef>
+          </p:style>
+        </p:cxnSp>
+        <p:cxnSp>
+          <p:nvCxnSpPr>
+            <p:cNvPr id="68" name="Straight Arrow Connector 67"/>
+            <p:cNvCxnSpPr>
+              <a:stCxn id="119" idx="2"/>
+              <a:endCxn id="31" idx="0"/>
+            </p:cNvCxnSpPr>
+            <p:nvPr/>
+          </p:nvCxnSpPr>
+          <p:spPr>
+            <a:xfrm>
+              <a:off x="3352799" y="1328425"/>
+              <a:ext cx="1" cy="187883"/>
+            </a:xfrm>
+            <a:prstGeom prst="straightConnector1">
+              <a:avLst/>
+            </a:prstGeom>
+            <a:ln>
+              <a:solidFill>
+                <a:schemeClr val="tx1"/>
+              </a:solidFill>
+              <a:tailEnd type="triangle"/>
+            </a:ln>
+          </p:spPr>
+          <p:style>
+            <a:lnRef idx="1">
+              <a:schemeClr val="accent1"/>
+            </a:lnRef>
+            <a:fillRef idx="0">
+              <a:schemeClr val="accent1"/>
+            </a:fillRef>
+            <a:effectRef idx="0">
+              <a:schemeClr val="accent1"/>
+            </a:effectRef>
+            <a:fontRef idx="minor">
+              <a:schemeClr val="tx1"/>
+            </a:fontRef>
+          </p:style>
+        </p:cxnSp>
+        <p:cxnSp>
+          <p:nvCxnSpPr>
+            <p:cNvPr id="78" name="Straight Arrow Connector 77"/>
+            <p:cNvCxnSpPr>
+              <a:stCxn id="36" idx="0"/>
+              <a:endCxn id="21" idx="2"/>
+            </p:cNvCxnSpPr>
+            <p:nvPr/>
+          </p:nvCxnSpPr>
+          <p:spPr>
+            <a:xfrm flipH="1" flipV="1">
+              <a:off x="9353594" y="5723694"/>
+              <a:ext cx="1" cy="428847"/>
+            </a:xfrm>
+            <a:prstGeom prst="straightConnector1">
+              <a:avLst/>
+            </a:prstGeom>
+            <a:ln>
+              <a:solidFill>
+                <a:schemeClr val="tx1"/>
+              </a:solidFill>
+              <a:tailEnd type="triangle"/>
+            </a:ln>
+          </p:spPr>
+          <p:style>
+            <a:lnRef idx="1">
+              <a:schemeClr val="accent1"/>
+            </a:lnRef>
+            <a:fillRef idx="0">
+              <a:schemeClr val="accent1"/>
+            </a:fillRef>
+            <a:effectRef idx="0">
+              <a:schemeClr val="accent1"/>
+            </a:effectRef>
+            <a:fontRef idx="minor">
+              <a:schemeClr val="tx1"/>
+            </a:fontRef>
+          </p:style>
+        </p:cxnSp>
+        <p:sp>
+          <p:nvSpPr>
+            <p:cNvPr id="82" name="Rectangle 81"/>
+            <p:cNvSpPr/>
+            <p:nvPr/>
+          </p:nvSpPr>
+          <p:spPr>
+            <a:xfrm>
+              <a:off x="2363481" y="3249474"/>
+              <a:ext cx="1980714" cy="646834"/>
+            </a:xfrm>
+            <a:prstGeom prst="rect">
+              <a:avLst/>
+            </a:prstGeom>
             <a:solidFill>
-              <a:schemeClr val="tx1"/>
+              <a:schemeClr val="accent4">
+                <a:lumMod val="20000"/>
+                <a:lumOff val="80000"/>
+              </a:schemeClr>
             </a:solidFill>
-            <a:tailEnd type="triangle"/>
-          </a:ln>
-        </p:spPr>
-        <p:style>
-          <a:lnRef idx="1">
-            <a:schemeClr val="accent1"/>
-          </a:lnRef>
-          <a:fillRef idx="0">
-            <a:schemeClr val="accent1"/>
-          </a:fillRef>
-          <a:effectRef idx="0">
-            <a:schemeClr val="accent1"/>
-          </a:effectRef>
-          <a:fontRef idx="minor">
-            <a:schemeClr val="tx1"/>
-          </a:fontRef>
-        </p:style>
-      </p:cxnSp>
-      <p:cxnSp>
-        <p:nvCxnSpPr>
-          <p:cNvPr id="25" name="Straight Arrow Connector 24"/>
-          <p:cNvCxnSpPr>
-            <a:stCxn id="17" idx="0"/>
-            <a:endCxn id="8" idx="2"/>
-          </p:cNvCxnSpPr>
-          <p:nvPr/>
-        </p:nvCxnSpPr>
-        <p:spPr>
-          <a:xfrm flipH="1" flipV="1">
-            <a:off x="9829158" y="4729401"/>
-            <a:ext cx="892218" cy="304603"/>
-          </a:xfrm>
-          <a:prstGeom prst="straightConnector1">
-            <a:avLst/>
-          </a:prstGeom>
-          <a:ln>
-            <a:solidFill>
-              <a:schemeClr val="tx1"/>
-            </a:solidFill>
-            <a:tailEnd type="triangle"/>
-          </a:ln>
-        </p:spPr>
-        <p:style>
-          <a:lnRef idx="1">
-            <a:schemeClr val="accent1"/>
-          </a:lnRef>
-          <a:fillRef idx="0">
-            <a:schemeClr val="accent1"/>
-          </a:fillRef>
-          <a:effectRef idx="0">
-            <a:schemeClr val="accent1"/>
-          </a:effectRef>
-          <a:fontRef idx="minor">
-            <a:schemeClr val="tx1"/>
-          </a:fontRef>
-        </p:style>
-      </p:cxnSp>
-      <p:sp>
-        <p:nvSpPr>
-          <p:cNvPr id="28" name="Rounded Rectangle 27"/>
-          <p:cNvSpPr/>
-          <p:nvPr/>
-        </p:nvSpPr>
-        <p:spPr>
-          <a:xfrm>
-            <a:off x="262984" y="1561793"/>
-            <a:ext cx="1524000" cy="438427"/>
-          </a:xfrm>
-          <a:prstGeom prst="roundRect">
-            <a:avLst/>
-          </a:prstGeom>
-          <a:solidFill>
-            <a:schemeClr val="bg1">
-              <a:lumMod val="95000"/>
-            </a:schemeClr>
-          </a:solidFill>
-          <a:ln>
-            <a:solidFill>
-              <a:srgbClr val="C00000"/>
-            </a:solidFill>
-          </a:ln>
-        </p:spPr>
-        <p:style>
-          <a:lnRef idx="2">
-            <a:schemeClr val="accent1">
-              <a:shade val="50000"/>
-            </a:schemeClr>
-          </a:lnRef>
-          <a:fillRef idx="1">
-            <a:schemeClr val="accent1"/>
-          </a:fillRef>
-          <a:effectRef idx="0">
-            <a:schemeClr val="accent1"/>
-          </a:effectRef>
-          <a:fontRef idx="minor">
-            <a:schemeClr val="lt1"/>
-          </a:fontRef>
-        </p:style>
-        <p:txBody>
-          <a:bodyPr rtlCol="0" anchor="t"/>
-          <a:lstStyle/>
-          <a:p>
-            <a:pPr algn="ctr"/>
-            <a:r>
-              <a:rPr lang="en-US" dirty="0" smtClean="0">
+            <a:ln>
+              <a:solidFill>
+                <a:srgbClr val="C00000"/>
+              </a:solidFill>
+            </a:ln>
+          </p:spPr>
+          <p:style>
+            <a:lnRef idx="2">
+              <a:schemeClr val="accent1">
+                <a:shade val="50000"/>
+              </a:schemeClr>
+            </a:lnRef>
+            <a:fillRef idx="1">
+              <a:schemeClr val="accent1"/>
+            </a:fillRef>
+            <a:effectRef idx="0">
+              <a:schemeClr val="accent1"/>
+            </a:effectRef>
+            <a:fontRef idx="minor">
+              <a:schemeClr val="lt1"/>
+            </a:fontRef>
+          </p:style>
+          <p:txBody>
+            <a:bodyPr rtlCol="0" anchor="t"/>
+            <a:lstStyle/>
+            <a:p>
+              <a:pPr algn="ctr"/>
+              <a:r>
+                <a:rPr lang="en-US" dirty="0" smtClean="0">
+                  <a:solidFill>
+                    <a:srgbClr val="C00000"/>
+                  </a:solidFill>
+                </a:rPr>
+                <a:t>Run model locally with test data</a:t>
+              </a:r>
+              <a:endParaRPr lang="en-US" dirty="0">
                 <a:solidFill>
                   <a:srgbClr val="C00000"/>
                 </a:solidFill>
-              </a:rPr>
-              <a:t>GitHub</a:t>
-            </a:r>
-            <a:endParaRPr lang="en-US" dirty="0">
+              </a:endParaRPr>
+            </a:p>
+          </p:txBody>
+        </p:sp>
+        <p:cxnSp>
+          <p:nvCxnSpPr>
+            <p:cNvPr id="83" name="Straight Arrow Connector 82"/>
+            <p:cNvCxnSpPr/>
+            <p:nvPr/>
+          </p:nvCxnSpPr>
+          <p:spPr>
+            <a:xfrm flipH="1">
+              <a:off x="3030192" y="2946363"/>
+              <a:ext cx="142" cy="303111"/>
+            </a:xfrm>
+            <a:prstGeom prst="straightConnector1">
+              <a:avLst/>
+            </a:prstGeom>
+            <a:ln>
+              <a:solidFill>
+                <a:schemeClr val="tx1"/>
+              </a:solidFill>
+              <a:tailEnd type="triangle"/>
+            </a:ln>
+          </p:spPr>
+          <p:style>
+            <a:lnRef idx="1">
+              <a:schemeClr val="accent1"/>
+            </a:lnRef>
+            <a:fillRef idx="0">
+              <a:schemeClr val="accent1"/>
+            </a:fillRef>
+            <a:effectRef idx="0">
+              <a:schemeClr val="accent1"/>
+            </a:effectRef>
+            <a:fontRef idx="minor">
+              <a:schemeClr val="tx1"/>
+            </a:fontRef>
+          </p:style>
+        </p:cxnSp>
+        <p:cxnSp>
+          <p:nvCxnSpPr>
+            <p:cNvPr id="87" name="Straight Arrow Connector 86"/>
+            <p:cNvCxnSpPr/>
+            <p:nvPr/>
+          </p:nvCxnSpPr>
+          <p:spPr>
+            <a:xfrm flipH="1" flipV="1">
+              <a:off x="3618439" y="2946363"/>
+              <a:ext cx="2138" cy="303111"/>
+            </a:xfrm>
+            <a:prstGeom prst="straightConnector1">
+              <a:avLst/>
+            </a:prstGeom>
+            <a:ln>
+              <a:solidFill>
+                <a:schemeClr val="tx1"/>
+              </a:solidFill>
+              <a:tailEnd type="triangle"/>
+            </a:ln>
+          </p:spPr>
+          <p:style>
+            <a:lnRef idx="1">
+              <a:schemeClr val="accent1"/>
+            </a:lnRef>
+            <a:fillRef idx="0">
+              <a:schemeClr val="accent1"/>
+            </a:fillRef>
+            <a:effectRef idx="0">
+              <a:schemeClr val="accent1"/>
+            </a:effectRef>
+            <a:fontRef idx="minor">
+              <a:schemeClr val="tx1"/>
+            </a:fontRef>
+          </p:style>
+        </p:cxnSp>
+        <p:sp>
+          <p:nvSpPr>
+            <p:cNvPr id="119" name="Folded Corner 118"/>
+            <p:cNvSpPr/>
+            <p:nvPr/>
+          </p:nvSpPr>
+          <p:spPr>
+            <a:xfrm>
+              <a:off x="2479450" y="382307"/>
+              <a:ext cx="1746697" cy="946118"/>
+            </a:xfrm>
+            <a:prstGeom prst="foldedCorner">
+              <a:avLst>
+                <a:gd name="adj" fmla="val 13667"/>
+              </a:avLst>
+            </a:prstGeom>
+            <a:solidFill>
+              <a:schemeClr val="accent4">
+                <a:lumMod val="20000"/>
+                <a:lumOff val="80000"/>
+              </a:schemeClr>
+            </a:solidFill>
+            <a:ln>
               <a:solidFill>
                 <a:srgbClr val="C00000"/>
               </a:solidFill>
-            </a:endParaRPr>
-          </a:p>
-        </p:txBody>
-      </p:sp>
-      <p:sp>
-        <p:nvSpPr>
-          <p:cNvPr id="29" name="Rectangle 28"/>
-          <p:cNvSpPr/>
-          <p:nvPr/>
-        </p:nvSpPr>
-        <p:spPr>
-          <a:xfrm>
-            <a:off x="4685257" y="2767981"/>
-            <a:ext cx="1739363" cy="891008"/>
-          </a:xfrm>
-          <a:prstGeom prst="rect">
-            <a:avLst/>
-          </a:prstGeom>
-          <a:solidFill>
-            <a:schemeClr val="accent4">
-              <a:lumMod val="20000"/>
-              <a:lumOff val="80000"/>
-            </a:schemeClr>
-          </a:solidFill>
-          <a:ln>
-            <a:solidFill>
-              <a:srgbClr val="C00000"/>
-            </a:solidFill>
-          </a:ln>
-        </p:spPr>
-        <p:style>
-          <a:lnRef idx="2">
-            <a:schemeClr val="accent1">
-              <a:shade val="50000"/>
-            </a:schemeClr>
-          </a:lnRef>
-          <a:fillRef idx="1">
-            <a:schemeClr val="accent1"/>
-          </a:fillRef>
-          <a:effectRef idx="0">
-            <a:schemeClr val="accent1"/>
-          </a:effectRef>
-          <a:fontRef idx="minor">
-            <a:schemeClr val="lt1"/>
-          </a:fontRef>
-        </p:style>
-        <p:txBody>
-          <a:bodyPr rtlCol="0" anchor="t"/>
-          <a:lstStyle/>
-          <a:p>
-            <a:pPr algn="ctr"/>
-            <a:r>
-              <a:rPr lang="en-US" dirty="0" smtClean="0">
+            </a:ln>
+          </p:spPr>
+          <p:style>
+            <a:lnRef idx="2">
+              <a:schemeClr val="accent1">
+                <a:shade val="50000"/>
+              </a:schemeClr>
+            </a:lnRef>
+            <a:fillRef idx="1">
+              <a:schemeClr val="accent1"/>
+            </a:fillRef>
+            <a:effectRef idx="0">
+              <a:schemeClr val="accent1"/>
+            </a:effectRef>
+            <a:fontRef idx="minor">
+              <a:schemeClr val="lt1"/>
+            </a:fontRef>
+          </p:style>
+          <p:txBody>
+            <a:bodyPr rtlCol="0" anchor="t"/>
+            <a:lstStyle/>
+            <a:p>
+              <a:pPr algn="ctr"/>
+              <a:r>
+                <a:rPr lang="en-US" dirty="0">
+                  <a:solidFill>
+                    <a:srgbClr val="C00000"/>
+                  </a:solidFill>
+                </a:rPr>
+                <a:t>Template-based guidelines for metadata</a:t>
+              </a:r>
+              <a:endParaRPr lang="en-US" dirty="0">
                 <a:solidFill>
                   <a:srgbClr val="C00000"/>
                 </a:solidFill>
-              </a:rPr>
-              <a:t>Model Configuration Container</a:t>
-            </a:r>
-            <a:endParaRPr lang="en-US" dirty="0">
+              </a:endParaRPr>
+            </a:p>
+          </p:txBody>
+        </p:sp>
+        <p:pic>
+          <p:nvPicPr>
+            <p:cNvPr id="121" name="Picture 120"/>
+            <p:cNvPicPr>
+              <a:picLocks noChangeAspect="1"/>
+            </p:cNvPicPr>
+            <p:nvPr/>
+          </p:nvPicPr>
+          <p:blipFill>
+            <a:blip r:embed="rId3" cstate="print">
+              <a:duotone>
+                <a:schemeClr val="accent2">
+                  <a:shade val="45000"/>
+                  <a:satMod val="135000"/>
+                </a:schemeClr>
+                <a:prstClr val="white"/>
+              </a:duotone>
+              <a:extLst>
+                <a:ext uri="{28A0092B-C50C-407E-A947-70E740481C1C}">
+                  <a14:useLocalDpi xmlns:a14="http://schemas.microsoft.com/office/drawing/2010/main" val="0"/>
+                </a:ext>
+              </a:extLst>
+            </a:blip>
+            <a:stretch>
+              <a:fillRect/>
+            </a:stretch>
+          </p:blipFill>
+          <p:spPr>
+            <a:xfrm>
+              <a:off x="3027063" y="4023831"/>
+              <a:ext cx="621803" cy="621803"/>
+            </a:xfrm>
+            <a:prstGeom prst="rect">
+              <a:avLst/>
+            </a:prstGeom>
+          </p:spPr>
+        </p:pic>
+        <p:sp>
+          <p:nvSpPr>
+            <p:cNvPr id="122" name="TextBox 121"/>
+            <p:cNvSpPr txBox="1"/>
+            <p:nvPr/>
+          </p:nvSpPr>
+          <p:spPr>
+            <a:xfrm>
+              <a:off x="1910535" y="4152130"/>
+              <a:ext cx="1053491" cy="253916"/>
+            </a:xfrm>
+            <a:prstGeom prst="rect">
+              <a:avLst/>
+            </a:prstGeom>
+            <a:noFill/>
+            <a:ln w="19050">
+              <a:solidFill>
+                <a:schemeClr val="tx1"/>
+              </a:solidFill>
+              <a:prstDash val="sysDot"/>
+            </a:ln>
+          </p:spPr>
+          <p:txBody>
+            <a:bodyPr wrap="square" rtlCol="0">
+              <a:spAutoFit/>
+            </a:bodyPr>
+            <a:lstStyle/>
+            <a:p>
+              <a:r>
+                <a:rPr lang="en-US" sz="1050" dirty="0" smtClean="0"/>
+                <a:t>Test and refine</a:t>
+              </a:r>
+              <a:endParaRPr lang="en-US" sz="1050" dirty="0"/>
+            </a:p>
+          </p:txBody>
+        </p:sp>
+        <p:sp>
+          <p:nvSpPr>
+            <p:cNvPr id="129" name="Rectangle 128"/>
+            <p:cNvSpPr/>
+            <p:nvPr/>
+          </p:nvSpPr>
+          <p:spPr>
+            <a:xfrm>
+              <a:off x="756215" y="5370455"/>
+              <a:ext cx="2754770" cy="604754"/>
+            </a:xfrm>
+            <a:prstGeom prst="rect">
+              <a:avLst/>
+            </a:prstGeom>
+            <a:solidFill>
+              <a:schemeClr val="accent1">
+                <a:lumMod val="20000"/>
+                <a:lumOff val="80000"/>
+              </a:schemeClr>
+            </a:solidFill>
+            <a:ln>
               <a:solidFill>
                 <a:srgbClr val="C00000"/>
               </a:solidFill>
-            </a:endParaRPr>
-          </a:p>
-        </p:txBody>
-      </p:sp>
-      <p:sp>
-        <p:nvSpPr>
-          <p:cNvPr id="31" name="Rectangle 30"/>
-          <p:cNvSpPr/>
-          <p:nvPr/>
-        </p:nvSpPr>
-        <p:spPr>
-          <a:xfrm>
-            <a:off x="2553602" y="1516308"/>
-            <a:ext cx="1598395" cy="1430153"/>
-          </a:xfrm>
-          <a:prstGeom prst="rect">
-            <a:avLst/>
-          </a:prstGeom>
-          <a:solidFill>
-            <a:schemeClr val="accent4">
-              <a:lumMod val="20000"/>
-              <a:lumOff val="80000"/>
-            </a:schemeClr>
-          </a:solidFill>
-          <a:ln>
-            <a:solidFill>
-              <a:srgbClr val="C00000"/>
-            </a:solidFill>
-          </a:ln>
-        </p:spPr>
-        <p:style>
-          <a:lnRef idx="2">
-            <a:schemeClr val="accent1">
-              <a:shade val="50000"/>
-            </a:schemeClr>
-          </a:lnRef>
-          <a:fillRef idx="1">
-            <a:schemeClr val="accent1"/>
-          </a:fillRef>
-          <a:effectRef idx="0">
-            <a:schemeClr val="accent1"/>
-          </a:effectRef>
-          <a:fontRef idx="minor">
-            <a:schemeClr val="lt1"/>
-          </a:fontRef>
-        </p:style>
-        <p:txBody>
-          <a:bodyPr rtlCol="0" anchor="t"/>
-          <a:lstStyle/>
-          <a:p>
-            <a:pPr algn="ctr"/>
-            <a:r>
-              <a:rPr lang="en-US" dirty="0">
+            </a:ln>
+          </p:spPr>
+          <p:style>
+            <a:lnRef idx="2">
+              <a:schemeClr val="accent1">
+                <a:shade val="50000"/>
+              </a:schemeClr>
+            </a:lnRef>
+            <a:fillRef idx="1">
+              <a:schemeClr val="accent1"/>
+            </a:fillRef>
+            <a:effectRef idx="0">
+              <a:schemeClr val="accent1"/>
+            </a:effectRef>
+            <a:fontRef idx="minor">
+              <a:schemeClr val="lt1"/>
+            </a:fontRef>
+          </p:style>
+          <p:txBody>
+            <a:bodyPr rtlCol="0" anchor="t"/>
+            <a:lstStyle/>
+            <a:p>
+              <a:pPr algn="ctr"/>
+              <a:r>
+                <a:rPr lang="en-US" dirty="0" smtClean="0">
+                  <a:solidFill>
+                    <a:srgbClr val="C00000"/>
+                  </a:solidFill>
+                </a:rPr>
+                <a:t>Data Catalog transformation services</a:t>
+              </a:r>
+              <a:endParaRPr lang="en-US" dirty="0">
                 <a:solidFill>
                   <a:srgbClr val="C00000"/>
                 </a:solidFill>
-              </a:rPr>
-              <a:t>Guidebook for creating model </a:t>
-            </a:r>
-            <a:r>
-              <a:rPr lang="en-US" dirty="0" smtClean="0">
+              </a:endParaRPr>
+            </a:p>
+          </p:txBody>
+        </p:sp>
+        <p:sp>
+          <p:nvSpPr>
+            <p:cNvPr id="145" name="TextBox 144"/>
+            <p:cNvSpPr txBox="1"/>
+            <p:nvPr/>
+          </p:nvSpPr>
+          <p:spPr>
+            <a:xfrm>
+              <a:off x="1847183" y="1542002"/>
+              <a:ext cx="572833" cy="253916"/>
+            </a:xfrm>
+            <a:prstGeom prst="rect">
+              <a:avLst/>
+            </a:prstGeom>
+            <a:noFill/>
+            <a:ln w="19050">
+              <a:solidFill>
+                <a:schemeClr val="tx1"/>
+              </a:solidFill>
+              <a:prstDash val="sysDot"/>
+            </a:ln>
+          </p:spPr>
+          <p:txBody>
+            <a:bodyPr wrap="square" rtlCol="0">
+              <a:spAutoFit/>
+            </a:bodyPr>
+            <a:lstStyle/>
+            <a:p>
+              <a:r>
+                <a:rPr lang="en-US" sz="1050" dirty="0" smtClean="0"/>
+                <a:t>Import</a:t>
+              </a:r>
+              <a:endParaRPr lang="en-US" sz="1050" dirty="0"/>
+            </a:p>
+          </p:txBody>
+        </p:sp>
+        <p:sp>
+          <p:nvSpPr>
+            <p:cNvPr id="151" name="Rectangle 150"/>
+            <p:cNvSpPr/>
+            <p:nvPr/>
+          </p:nvSpPr>
+          <p:spPr>
+            <a:xfrm>
+              <a:off x="8000070" y="792448"/>
+              <a:ext cx="438779" cy="217431"/>
+            </a:xfrm>
+            <a:prstGeom prst="rect">
+              <a:avLst/>
+            </a:prstGeom>
+            <a:solidFill>
+              <a:schemeClr val="accent6">
+                <a:lumMod val="20000"/>
+                <a:lumOff val="80000"/>
+              </a:schemeClr>
+            </a:solidFill>
+            <a:ln>
+              <a:solidFill>
+                <a:srgbClr val="C00000"/>
+              </a:solidFill>
+            </a:ln>
+          </p:spPr>
+          <p:style>
+            <a:lnRef idx="2">
+              <a:schemeClr val="accent1">
+                <a:shade val="50000"/>
+              </a:schemeClr>
+            </a:lnRef>
+            <a:fillRef idx="1">
+              <a:schemeClr val="accent1"/>
+            </a:fillRef>
+            <a:effectRef idx="0">
+              <a:schemeClr val="accent1"/>
+            </a:effectRef>
+            <a:fontRef idx="minor">
+              <a:schemeClr val="lt1"/>
+            </a:fontRef>
+          </p:style>
+          <p:txBody>
+            <a:bodyPr rtlCol="0" anchor="t"/>
+            <a:lstStyle/>
+            <a:p>
+              <a:pPr algn="ctr"/>
+              <a:endParaRPr lang="en-US" dirty="0">
                 <a:solidFill>
                   <a:srgbClr val="C00000"/>
                 </a:solidFill>
-              </a:rPr>
-              <a:t>configurations and setups and metadata </a:t>
-            </a:r>
-            <a:endParaRPr lang="en-US" dirty="0">
+              </a:endParaRPr>
+            </a:p>
+          </p:txBody>
+        </p:sp>
+        <p:sp>
+          <p:nvSpPr>
+            <p:cNvPr id="152" name="TextBox 151"/>
+            <p:cNvSpPr txBox="1"/>
+            <p:nvPr/>
+          </p:nvSpPr>
+          <p:spPr>
+            <a:xfrm>
+              <a:off x="7868994" y="312609"/>
+              <a:ext cx="864019" cy="369332"/>
+            </a:xfrm>
+            <a:prstGeom prst="rect">
+              <a:avLst/>
+            </a:prstGeom>
+            <a:noFill/>
+          </p:spPr>
+          <p:txBody>
+            <a:bodyPr wrap="none" rtlCol="0">
+              <a:spAutoFit/>
+            </a:bodyPr>
+            <a:lstStyle/>
+            <a:p>
+              <a:r>
+                <a:rPr lang="en-US" dirty="0" smtClean="0"/>
+                <a:t>Legend</a:t>
+              </a:r>
+              <a:endParaRPr lang="en-US" dirty="0"/>
+            </a:p>
+          </p:txBody>
+        </p:sp>
+        <p:sp>
+          <p:nvSpPr>
+            <p:cNvPr id="153" name="Rectangle 152"/>
+            <p:cNvSpPr/>
+            <p:nvPr/>
+          </p:nvSpPr>
+          <p:spPr>
+            <a:xfrm>
+              <a:off x="8000070" y="1132357"/>
+              <a:ext cx="438779" cy="205609"/>
+            </a:xfrm>
+            <a:prstGeom prst="rect">
+              <a:avLst/>
+            </a:prstGeom>
+            <a:solidFill>
+              <a:schemeClr val="accent4">
+                <a:lumMod val="20000"/>
+                <a:lumOff val="80000"/>
+              </a:schemeClr>
+            </a:solidFill>
+            <a:ln>
               <a:solidFill>
                 <a:srgbClr val="C00000"/>
               </a:solidFill>
-            </a:endParaRPr>
-          </a:p>
-        </p:txBody>
-      </p:sp>
-      <p:sp>
-        <p:nvSpPr>
-          <p:cNvPr id="32" name="Rectangle 31"/>
-          <p:cNvSpPr/>
-          <p:nvPr/>
-        </p:nvSpPr>
-        <p:spPr>
-          <a:xfrm>
-            <a:off x="4683275" y="4207260"/>
-            <a:ext cx="1739362" cy="715966"/>
-          </a:xfrm>
-          <a:prstGeom prst="rect">
-            <a:avLst/>
-          </a:prstGeom>
-          <a:solidFill>
-            <a:schemeClr val="accent6">
-              <a:lumMod val="20000"/>
-              <a:lumOff val="80000"/>
-            </a:schemeClr>
-          </a:solidFill>
-          <a:ln>
-            <a:solidFill>
-              <a:srgbClr val="C00000"/>
-            </a:solidFill>
-          </a:ln>
-        </p:spPr>
-        <p:style>
-          <a:lnRef idx="2">
-            <a:schemeClr val="accent1">
-              <a:shade val="50000"/>
-            </a:schemeClr>
-          </a:lnRef>
-          <a:fillRef idx="1">
-            <a:schemeClr val="accent1"/>
-          </a:fillRef>
-          <a:effectRef idx="0">
-            <a:schemeClr val="accent1"/>
-          </a:effectRef>
-          <a:fontRef idx="minor">
-            <a:schemeClr val="lt1"/>
-          </a:fontRef>
-        </p:style>
-        <p:txBody>
-          <a:bodyPr rtlCol="0" anchor="t"/>
-          <a:lstStyle/>
-          <a:p>
-            <a:pPr algn="ctr"/>
-            <a:r>
-              <a:rPr lang="en-US" dirty="0" smtClean="0">
+            </a:ln>
+          </p:spPr>
+          <p:style>
+            <a:lnRef idx="2">
+              <a:schemeClr val="accent1">
+                <a:shade val="50000"/>
+              </a:schemeClr>
+            </a:lnRef>
+            <a:fillRef idx="1">
+              <a:schemeClr val="accent1"/>
+            </a:fillRef>
+            <a:effectRef idx="0">
+              <a:schemeClr val="accent1"/>
+            </a:effectRef>
+            <a:fontRef idx="minor">
+              <a:schemeClr val="lt1"/>
+            </a:fontRef>
+          </p:style>
+          <p:txBody>
+            <a:bodyPr rtlCol="0" anchor="t"/>
+            <a:lstStyle/>
+            <a:p>
+              <a:pPr algn="ctr"/>
+              <a:endParaRPr lang="en-US" dirty="0">
                 <a:solidFill>
                   <a:srgbClr val="C00000"/>
                 </a:solidFill>
-              </a:rPr>
-              <a:t>Browse and edit model metadata</a:t>
-            </a:r>
-            <a:endParaRPr lang="en-US" dirty="0">
+              </a:endParaRPr>
+            </a:p>
+          </p:txBody>
+        </p:sp>
+        <p:sp>
+          <p:nvSpPr>
+            <p:cNvPr id="154" name="Rectangle 153"/>
+            <p:cNvSpPr/>
+            <p:nvPr/>
+          </p:nvSpPr>
+          <p:spPr>
+            <a:xfrm>
+              <a:off x="8006119" y="1499602"/>
+              <a:ext cx="432730" cy="190654"/>
+            </a:xfrm>
+            <a:prstGeom prst="rect">
+              <a:avLst/>
+            </a:prstGeom>
+            <a:solidFill>
+              <a:schemeClr val="accent1">
+                <a:lumMod val="20000"/>
+                <a:lumOff val="80000"/>
+              </a:schemeClr>
+            </a:solidFill>
+            <a:ln>
               <a:solidFill>
                 <a:srgbClr val="C00000"/>
               </a:solidFill>
-            </a:endParaRPr>
-          </a:p>
-        </p:txBody>
-      </p:sp>
-      <p:sp>
-        <p:nvSpPr>
-          <p:cNvPr id="36" name="Rectangle 35"/>
-          <p:cNvSpPr/>
-          <p:nvPr/>
-        </p:nvSpPr>
-        <p:spPr>
-          <a:xfrm>
-            <a:off x="8501786" y="6152541"/>
-            <a:ext cx="1703617" cy="646834"/>
-          </a:xfrm>
-          <a:prstGeom prst="rect">
-            <a:avLst/>
-          </a:prstGeom>
-          <a:solidFill>
-            <a:schemeClr val="accent6">
-              <a:lumMod val="20000"/>
-              <a:lumOff val="80000"/>
-            </a:schemeClr>
-          </a:solidFill>
-          <a:ln>
-            <a:solidFill>
-              <a:srgbClr val="C00000"/>
-            </a:solidFill>
-          </a:ln>
-        </p:spPr>
-        <p:style>
-          <a:lnRef idx="2">
-            <a:schemeClr val="accent1">
-              <a:shade val="50000"/>
-            </a:schemeClr>
-          </a:lnRef>
-          <a:fillRef idx="1">
-            <a:schemeClr val="accent1"/>
-          </a:fillRef>
-          <a:effectRef idx="0">
-            <a:schemeClr val="accent1"/>
-          </a:effectRef>
-          <a:fontRef idx="minor">
-            <a:schemeClr val="lt1"/>
-          </a:fontRef>
-        </p:style>
-        <p:txBody>
-          <a:bodyPr rtlCol="0" anchor="t"/>
-          <a:lstStyle/>
-          <a:p>
-            <a:pPr algn="ctr"/>
-            <a:r>
-              <a:rPr lang="en-US" dirty="0" smtClean="0">
+            </a:ln>
+          </p:spPr>
+          <p:style>
+            <a:lnRef idx="2">
+              <a:schemeClr val="accent1">
+                <a:shade val="50000"/>
+              </a:schemeClr>
+            </a:lnRef>
+            <a:fillRef idx="1">
+              <a:schemeClr val="accent1"/>
+            </a:fillRef>
+            <a:effectRef idx="0">
+              <a:schemeClr val="accent1"/>
+            </a:effectRef>
+            <a:fontRef idx="minor">
+              <a:schemeClr val="lt1"/>
+            </a:fontRef>
+          </p:style>
+          <p:txBody>
+            <a:bodyPr rtlCol="0" anchor="t"/>
+            <a:lstStyle/>
+            <a:p>
+              <a:pPr algn="ctr"/>
+              <a:endParaRPr lang="en-US" dirty="0">
                 <a:solidFill>
                   <a:srgbClr val="C00000"/>
                 </a:solidFill>
-              </a:rPr>
-              <a:t>Run model on server</a:t>
-            </a:r>
-            <a:endParaRPr lang="en-US" dirty="0">
+              </a:endParaRPr>
+            </a:p>
+          </p:txBody>
+        </p:sp>
+        <p:sp>
+          <p:nvSpPr>
+            <p:cNvPr id="156" name="TextBox 155"/>
+            <p:cNvSpPr txBox="1"/>
+            <p:nvPr/>
+          </p:nvSpPr>
+          <p:spPr>
+            <a:xfrm>
+              <a:off x="8428291" y="761983"/>
+              <a:ext cx="986489" cy="307777"/>
+            </a:xfrm>
+            <a:prstGeom prst="rect">
+              <a:avLst/>
+            </a:prstGeom>
+            <a:noFill/>
+          </p:spPr>
+          <p:txBody>
+            <a:bodyPr wrap="none" rtlCol="0">
+              <a:spAutoFit/>
+            </a:bodyPr>
+            <a:lstStyle/>
+            <a:p>
+              <a:r>
+                <a:rPr lang="en-US" sz="1400" dirty="0" smtClean="0"/>
+                <a:t>Completed</a:t>
+              </a:r>
+              <a:endParaRPr lang="en-US" sz="1400" dirty="0"/>
+            </a:p>
+          </p:txBody>
+        </p:sp>
+        <p:sp>
+          <p:nvSpPr>
+            <p:cNvPr id="157" name="TextBox 156"/>
+            <p:cNvSpPr txBox="1"/>
+            <p:nvPr/>
+          </p:nvSpPr>
+          <p:spPr>
+            <a:xfrm>
+              <a:off x="8430254" y="1081317"/>
+              <a:ext cx="1417376" cy="307777"/>
+            </a:xfrm>
+            <a:prstGeom prst="rect">
+              <a:avLst/>
+            </a:prstGeom>
+            <a:noFill/>
+          </p:spPr>
+          <p:txBody>
+            <a:bodyPr wrap="none" rtlCol="0">
+              <a:spAutoFit/>
+            </a:bodyPr>
+            <a:lstStyle/>
+            <a:p>
+              <a:r>
+                <a:rPr lang="en-US" sz="1400" dirty="0" smtClean="0"/>
+                <a:t>Work in progress</a:t>
+              </a:r>
+              <a:endParaRPr lang="en-US" sz="1400" dirty="0"/>
+            </a:p>
+          </p:txBody>
+        </p:sp>
+        <p:sp>
+          <p:nvSpPr>
+            <p:cNvPr id="158" name="TextBox 157"/>
+            <p:cNvSpPr txBox="1"/>
+            <p:nvPr/>
+          </p:nvSpPr>
+          <p:spPr>
+            <a:xfrm>
+              <a:off x="8438057" y="1456193"/>
+              <a:ext cx="2280240" cy="307777"/>
+            </a:xfrm>
+            <a:prstGeom prst="rect">
+              <a:avLst/>
+            </a:prstGeom>
+            <a:noFill/>
+          </p:spPr>
+          <p:txBody>
+            <a:bodyPr wrap="none" rtlCol="0">
+              <a:spAutoFit/>
+            </a:bodyPr>
+            <a:lstStyle/>
+            <a:p>
+              <a:r>
+                <a:rPr lang="en-US" sz="1400" dirty="0" smtClean="0"/>
+                <a:t>Interaction with other teams</a:t>
+              </a:r>
+              <a:endParaRPr lang="en-US" sz="1400" dirty="0"/>
+            </a:p>
+          </p:txBody>
+        </p:sp>
+        <p:sp>
+          <p:nvSpPr>
+            <p:cNvPr id="55" name="Rounded Rectangle 54"/>
+            <p:cNvSpPr/>
+            <p:nvPr/>
+          </p:nvSpPr>
+          <p:spPr>
+            <a:xfrm>
+              <a:off x="3968185" y="5954367"/>
+              <a:ext cx="1524000" cy="438427"/>
+            </a:xfrm>
+            <a:prstGeom prst="roundRect">
+              <a:avLst/>
+            </a:prstGeom>
+            <a:solidFill>
+              <a:schemeClr val="accent1">
+                <a:lumMod val="20000"/>
+                <a:lumOff val="80000"/>
+              </a:schemeClr>
+            </a:solidFill>
+            <a:ln>
               <a:solidFill>
                 <a:srgbClr val="C00000"/>
               </a:solidFill>
-            </a:endParaRPr>
-          </a:p>
-        </p:txBody>
-      </p:sp>
-      <p:cxnSp>
-        <p:nvCxnSpPr>
-          <p:cNvPr id="39" name="Straight Arrow Connector 38"/>
-          <p:cNvCxnSpPr>
-            <a:stCxn id="32" idx="3"/>
-            <a:endCxn id="8" idx="1"/>
-          </p:cNvCxnSpPr>
-          <p:nvPr/>
-        </p:nvCxnSpPr>
-        <p:spPr>
-          <a:xfrm>
-            <a:off x="6422637" y="4565243"/>
-            <a:ext cx="2796921" cy="2522"/>
-          </a:xfrm>
-          <a:prstGeom prst="straightConnector1">
-            <a:avLst/>
-          </a:prstGeom>
-          <a:ln>
-            <a:solidFill>
-              <a:schemeClr val="tx1"/>
-            </a:solidFill>
-            <a:tailEnd type="triangle"/>
-          </a:ln>
-        </p:spPr>
-        <p:style>
-          <a:lnRef idx="1">
-            <a:schemeClr val="accent1"/>
-          </a:lnRef>
-          <a:fillRef idx="0">
-            <a:schemeClr val="accent1"/>
-          </a:fillRef>
-          <a:effectRef idx="0">
-            <a:schemeClr val="accent1"/>
-          </a:effectRef>
-          <a:fontRef idx="minor">
-            <a:schemeClr val="tx1"/>
-          </a:fontRef>
-        </p:style>
-      </p:cxnSp>
-      <p:sp>
-        <p:nvSpPr>
-          <p:cNvPr id="53" name="Rectangle 52"/>
-          <p:cNvSpPr/>
-          <p:nvPr/>
-        </p:nvSpPr>
-        <p:spPr>
-          <a:xfrm>
-            <a:off x="7152361" y="2579154"/>
-            <a:ext cx="1573544" cy="883496"/>
-          </a:xfrm>
-          <a:prstGeom prst="rect">
-            <a:avLst/>
-          </a:prstGeom>
-          <a:solidFill>
-            <a:schemeClr val="accent6">
-              <a:lumMod val="20000"/>
-              <a:lumOff val="80000"/>
-            </a:schemeClr>
-          </a:solidFill>
-          <a:ln>
-            <a:solidFill>
-              <a:srgbClr val="C00000"/>
-            </a:solidFill>
-          </a:ln>
-        </p:spPr>
-        <p:style>
-          <a:lnRef idx="2">
-            <a:schemeClr val="accent1">
-              <a:shade val="50000"/>
-            </a:schemeClr>
-          </a:lnRef>
-          <a:fillRef idx="1">
-            <a:schemeClr val="accent1"/>
-          </a:fillRef>
-          <a:effectRef idx="0">
-            <a:schemeClr val="accent1"/>
-          </a:effectRef>
-          <a:fontRef idx="minor">
-            <a:schemeClr val="lt1"/>
-          </a:fontRef>
-        </p:style>
-        <p:txBody>
-          <a:bodyPr rtlCol="0" anchor="t"/>
-          <a:lstStyle/>
-          <a:p>
-            <a:pPr algn="ctr"/>
-            <a:r>
-              <a:rPr lang="en-US" dirty="0" smtClean="0">
+            </a:ln>
+          </p:spPr>
+          <p:style>
+            <a:lnRef idx="2">
+              <a:schemeClr val="accent1">
+                <a:shade val="50000"/>
+              </a:schemeClr>
+            </a:lnRef>
+            <a:fillRef idx="1">
+              <a:schemeClr val="accent1"/>
+            </a:fillRef>
+            <a:effectRef idx="0">
+              <a:schemeClr val="accent1"/>
+            </a:effectRef>
+            <a:fontRef idx="minor">
+              <a:schemeClr val="lt1"/>
+            </a:fontRef>
+          </p:style>
+          <p:txBody>
+            <a:bodyPr rtlCol="0" anchor="t"/>
+            <a:lstStyle/>
+            <a:p>
+              <a:pPr algn="ctr"/>
+              <a:r>
+                <a:rPr lang="en-US" dirty="0" err="1" smtClean="0">
+                  <a:solidFill>
+                    <a:srgbClr val="C00000"/>
+                  </a:solidFill>
+                </a:rPr>
+                <a:t>CauseMOS</a:t>
+              </a:r>
+              <a:endParaRPr lang="en-US" dirty="0">
                 <a:solidFill>
                   <a:srgbClr val="C00000"/>
                 </a:solidFill>
-              </a:rPr>
-              <a:t>Metadata validation and upload</a:t>
-            </a:r>
-            <a:endParaRPr lang="en-US" dirty="0">
+              </a:endParaRPr>
+            </a:p>
+          </p:txBody>
+        </p:sp>
+        <p:sp>
+          <p:nvSpPr>
+            <p:cNvPr id="56" name="Rounded Rectangle 55"/>
+            <p:cNvSpPr/>
+            <p:nvPr/>
+          </p:nvSpPr>
+          <p:spPr>
+            <a:xfrm>
+              <a:off x="5653384" y="5954368"/>
+              <a:ext cx="1524000" cy="438427"/>
+            </a:xfrm>
+            <a:prstGeom prst="roundRect">
+              <a:avLst/>
+            </a:prstGeom>
+            <a:solidFill>
+              <a:schemeClr val="accent1">
+                <a:lumMod val="20000"/>
+                <a:lumOff val="80000"/>
+              </a:schemeClr>
+            </a:solidFill>
+            <a:ln>
               <a:solidFill>
                 <a:srgbClr val="C00000"/>
               </a:solidFill>
-            </a:endParaRPr>
-          </a:p>
-        </p:txBody>
-      </p:sp>
-      <p:cxnSp>
-        <p:nvCxnSpPr>
-          <p:cNvPr id="54" name="Straight Arrow Connector 53"/>
-          <p:cNvCxnSpPr>
-            <a:stCxn id="53" idx="2"/>
-            <a:endCxn id="8" idx="1"/>
-          </p:cNvCxnSpPr>
-          <p:nvPr/>
-        </p:nvCxnSpPr>
-        <p:spPr>
-          <a:xfrm>
-            <a:off x="7939133" y="3462650"/>
-            <a:ext cx="1280425" cy="1105115"/>
-          </a:xfrm>
-          <a:prstGeom prst="straightConnector1">
-            <a:avLst/>
-          </a:prstGeom>
-          <a:ln>
-            <a:solidFill>
-              <a:schemeClr val="tx1"/>
-            </a:solidFill>
-            <a:tailEnd type="triangle"/>
-          </a:ln>
-        </p:spPr>
-        <p:style>
-          <a:lnRef idx="1">
-            <a:schemeClr val="accent1"/>
-          </a:lnRef>
-          <a:fillRef idx="0">
-            <a:schemeClr val="accent1"/>
-          </a:fillRef>
-          <a:effectRef idx="0">
-            <a:schemeClr val="accent1"/>
-          </a:effectRef>
-          <a:fontRef idx="minor">
-            <a:schemeClr val="tx1"/>
-          </a:fontRef>
-        </p:style>
-      </p:cxnSp>
-      <p:cxnSp>
-        <p:nvCxnSpPr>
-          <p:cNvPr id="58" name="Straight Arrow Connector 57"/>
-          <p:cNvCxnSpPr>
-            <a:stCxn id="28" idx="3"/>
-          </p:cNvCxnSpPr>
-          <p:nvPr/>
-        </p:nvCxnSpPr>
-        <p:spPr>
-          <a:xfrm flipV="1">
-            <a:off x="1786984" y="1778804"/>
-            <a:ext cx="766618" cy="2203"/>
-          </a:xfrm>
-          <a:prstGeom prst="straightConnector1">
-            <a:avLst/>
-          </a:prstGeom>
-          <a:ln>
-            <a:solidFill>
-              <a:schemeClr val="tx1"/>
-            </a:solidFill>
-            <a:tailEnd type="triangle"/>
-          </a:ln>
-        </p:spPr>
-        <p:style>
-          <a:lnRef idx="1">
-            <a:schemeClr val="accent1"/>
-          </a:lnRef>
-          <a:fillRef idx="0">
-            <a:schemeClr val="accent1"/>
-          </a:fillRef>
-          <a:effectRef idx="0">
-            <a:schemeClr val="accent1"/>
-          </a:effectRef>
-          <a:fontRef idx="minor">
-            <a:schemeClr val="tx1"/>
-          </a:fontRef>
-        </p:style>
-      </p:cxnSp>
-      <p:cxnSp>
-        <p:nvCxnSpPr>
-          <p:cNvPr id="59" name="Straight Arrow Connector 58"/>
-          <p:cNvCxnSpPr>
-            <a:stCxn id="31" idx="3"/>
-            <a:endCxn id="182" idx="1"/>
-          </p:cNvCxnSpPr>
-          <p:nvPr/>
-        </p:nvCxnSpPr>
-        <p:spPr>
-          <a:xfrm flipV="1">
-            <a:off x="4151997" y="2018584"/>
-            <a:ext cx="523256" cy="212801"/>
-          </a:xfrm>
-          <a:prstGeom prst="straightConnector1">
-            <a:avLst/>
-          </a:prstGeom>
-          <a:ln>
-            <a:solidFill>
-              <a:schemeClr val="tx1"/>
-            </a:solidFill>
-            <a:tailEnd type="triangle"/>
-          </a:ln>
-        </p:spPr>
-        <p:style>
-          <a:lnRef idx="1">
-            <a:schemeClr val="accent1"/>
-          </a:lnRef>
-          <a:fillRef idx="0">
-            <a:schemeClr val="accent1"/>
-          </a:fillRef>
-          <a:effectRef idx="0">
-            <a:schemeClr val="accent1"/>
-          </a:effectRef>
-          <a:fontRef idx="minor">
-            <a:schemeClr val="tx1"/>
-          </a:fontRef>
-        </p:style>
-      </p:cxnSp>
-      <p:cxnSp>
-        <p:nvCxnSpPr>
-          <p:cNvPr id="62" name="Straight Arrow Connector 61"/>
-          <p:cNvCxnSpPr>
-            <a:stCxn id="31" idx="3"/>
-          </p:cNvCxnSpPr>
-          <p:nvPr/>
-        </p:nvCxnSpPr>
-        <p:spPr>
-          <a:xfrm>
-            <a:off x="4151997" y="2231385"/>
-            <a:ext cx="531278" cy="789517"/>
-          </a:xfrm>
-          <a:prstGeom prst="straightConnector1">
-            <a:avLst/>
-          </a:prstGeom>
-          <a:ln>
-            <a:solidFill>
-              <a:schemeClr val="tx1"/>
-            </a:solidFill>
-            <a:tailEnd type="triangle"/>
-          </a:ln>
-        </p:spPr>
-        <p:style>
-          <a:lnRef idx="1">
-            <a:schemeClr val="accent1"/>
-          </a:lnRef>
-          <a:fillRef idx="0">
-            <a:schemeClr val="accent1"/>
-          </a:fillRef>
-          <a:effectRef idx="0">
-            <a:schemeClr val="accent1"/>
-          </a:effectRef>
-          <a:fontRef idx="minor">
-            <a:schemeClr val="tx1"/>
-          </a:fontRef>
-        </p:style>
-      </p:cxnSp>
-      <p:cxnSp>
-        <p:nvCxnSpPr>
-          <p:cNvPr id="65" name="Straight Arrow Connector 64"/>
-          <p:cNvCxnSpPr>
-            <a:stCxn id="182" idx="3"/>
-            <a:endCxn id="53" idx="1"/>
-          </p:cNvCxnSpPr>
-          <p:nvPr/>
-        </p:nvCxnSpPr>
-        <p:spPr>
-          <a:xfrm>
-            <a:off x="6421950" y="2018584"/>
-            <a:ext cx="730411" cy="1002318"/>
-          </a:xfrm>
-          <a:prstGeom prst="straightConnector1">
-            <a:avLst/>
-          </a:prstGeom>
-          <a:ln>
-            <a:solidFill>
-              <a:schemeClr val="tx1"/>
-            </a:solidFill>
-            <a:tailEnd type="triangle"/>
-          </a:ln>
-        </p:spPr>
-        <p:style>
-          <a:lnRef idx="1">
-            <a:schemeClr val="accent1"/>
-          </a:lnRef>
-          <a:fillRef idx="0">
-            <a:schemeClr val="accent1"/>
-          </a:fillRef>
-          <a:effectRef idx="0">
-            <a:schemeClr val="accent1"/>
-          </a:effectRef>
-          <a:fontRef idx="minor">
-            <a:schemeClr val="tx1"/>
-          </a:fontRef>
-        </p:style>
-      </p:cxnSp>
-      <p:cxnSp>
-        <p:nvCxnSpPr>
-          <p:cNvPr id="68" name="Straight Arrow Connector 67"/>
-          <p:cNvCxnSpPr>
-            <a:stCxn id="119" idx="2"/>
-            <a:endCxn id="31" idx="0"/>
-          </p:cNvCxnSpPr>
-          <p:nvPr/>
-        </p:nvCxnSpPr>
-        <p:spPr>
-          <a:xfrm>
-            <a:off x="3352799" y="1328425"/>
-            <a:ext cx="1" cy="187883"/>
-          </a:xfrm>
-          <a:prstGeom prst="straightConnector1">
-            <a:avLst/>
-          </a:prstGeom>
-          <a:ln>
-            <a:solidFill>
-              <a:schemeClr val="tx1"/>
-            </a:solidFill>
-            <a:tailEnd type="triangle"/>
-          </a:ln>
-        </p:spPr>
-        <p:style>
-          <a:lnRef idx="1">
-            <a:schemeClr val="accent1"/>
-          </a:lnRef>
-          <a:fillRef idx="0">
-            <a:schemeClr val="accent1"/>
-          </a:fillRef>
-          <a:effectRef idx="0">
-            <a:schemeClr val="accent1"/>
-          </a:effectRef>
-          <a:fontRef idx="minor">
-            <a:schemeClr val="tx1"/>
-          </a:fontRef>
-        </p:style>
-      </p:cxnSp>
-      <p:cxnSp>
-        <p:nvCxnSpPr>
-          <p:cNvPr id="78" name="Straight Arrow Connector 77"/>
-          <p:cNvCxnSpPr>
-            <a:stCxn id="36" idx="0"/>
-            <a:endCxn id="21" idx="2"/>
-          </p:cNvCxnSpPr>
-          <p:nvPr/>
-        </p:nvCxnSpPr>
-        <p:spPr>
-          <a:xfrm flipH="1" flipV="1">
-            <a:off x="9353594" y="5723694"/>
-            <a:ext cx="1" cy="428847"/>
-          </a:xfrm>
-          <a:prstGeom prst="straightConnector1">
-            <a:avLst/>
-          </a:prstGeom>
-          <a:ln>
-            <a:solidFill>
-              <a:schemeClr val="tx1"/>
-            </a:solidFill>
-            <a:tailEnd type="triangle"/>
-          </a:ln>
-        </p:spPr>
-        <p:style>
-          <a:lnRef idx="1">
-            <a:schemeClr val="accent1"/>
-          </a:lnRef>
-          <a:fillRef idx="0">
-            <a:schemeClr val="accent1"/>
-          </a:fillRef>
-          <a:effectRef idx="0">
-            <a:schemeClr val="accent1"/>
-          </a:effectRef>
-          <a:fontRef idx="minor">
-            <a:schemeClr val="tx1"/>
-          </a:fontRef>
-        </p:style>
-      </p:cxnSp>
-      <p:sp>
-        <p:nvSpPr>
-          <p:cNvPr id="82" name="Rectangle 81"/>
-          <p:cNvSpPr/>
-          <p:nvPr/>
-        </p:nvSpPr>
-        <p:spPr>
-          <a:xfrm>
-            <a:off x="2363481" y="3249474"/>
-            <a:ext cx="1980714" cy="646834"/>
-          </a:xfrm>
-          <a:prstGeom prst="rect">
-            <a:avLst/>
-          </a:prstGeom>
-          <a:solidFill>
-            <a:schemeClr val="accent4">
-              <a:lumMod val="20000"/>
-              <a:lumOff val="80000"/>
-            </a:schemeClr>
-          </a:solidFill>
-          <a:ln>
-            <a:solidFill>
-              <a:srgbClr val="C00000"/>
-            </a:solidFill>
-          </a:ln>
-        </p:spPr>
-        <p:style>
-          <a:lnRef idx="2">
-            <a:schemeClr val="accent1">
-              <a:shade val="50000"/>
-            </a:schemeClr>
-          </a:lnRef>
-          <a:fillRef idx="1">
-            <a:schemeClr val="accent1"/>
-          </a:fillRef>
-          <a:effectRef idx="0">
-            <a:schemeClr val="accent1"/>
-          </a:effectRef>
-          <a:fontRef idx="minor">
-            <a:schemeClr val="lt1"/>
-          </a:fontRef>
-        </p:style>
-        <p:txBody>
-          <a:bodyPr rtlCol="0" anchor="t"/>
-          <a:lstStyle/>
-          <a:p>
-            <a:pPr algn="ctr"/>
-            <a:r>
-              <a:rPr lang="en-US" dirty="0" smtClean="0">
+            </a:ln>
+          </p:spPr>
+          <p:style>
+            <a:lnRef idx="2">
+              <a:schemeClr val="accent1">
+                <a:shade val="50000"/>
+              </a:schemeClr>
+            </a:lnRef>
+            <a:fillRef idx="1">
+              <a:schemeClr val="accent1"/>
+            </a:fillRef>
+            <a:effectRef idx="0">
+              <a:schemeClr val="accent1"/>
+            </a:effectRef>
+            <a:fontRef idx="minor">
+              <a:schemeClr val="lt1"/>
+            </a:fontRef>
+          </p:style>
+          <p:txBody>
+            <a:bodyPr rtlCol="0" anchor="t"/>
+            <a:lstStyle/>
+            <a:p>
+              <a:pPr algn="ctr"/>
+              <a:r>
+                <a:rPr lang="en-US" dirty="0" err="1" smtClean="0">
+                  <a:solidFill>
+                    <a:srgbClr val="C00000"/>
+                  </a:solidFill>
+                </a:rPr>
+                <a:t>SuperMaaS</a:t>
+              </a:r>
+              <a:endParaRPr lang="en-US" dirty="0">
                 <a:solidFill>
                   <a:srgbClr val="C00000"/>
                 </a:solidFill>
-              </a:rPr>
-              <a:t>Run model locally with test data</a:t>
-            </a:r>
-            <a:endParaRPr lang="en-US" dirty="0">
+              </a:endParaRPr>
+            </a:p>
+          </p:txBody>
+        </p:sp>
+        <p:cxnSp>
+          <p:nvCxnSpPr>
+            <p:cNvPr id="60" name="Straight Arrow Connector 59"/>
+            <p:cNvCxnSpPr>
+              <a:stCxn id="56" idx="0"/>
+              <a:endCxn id="21" idx="1"/>
+            </p:cNvCxnSpPr>
+            <p:nvPr/>
+          </p:nvCxnSpPr>
+          <p:spPr>
+            <a:xfrm flipV="1">
+              <a:off x="6415384" y="5379660"/>
+              <a:ext cx="2328610" cy="574708"/>
+            </a:xfrm>
+            <a:prstGeom prst="straightConnector1">
+              <a:avLst/>
+            </a:prstGeom>
+            <a:ln>
+              <a:solidFill>
+                <a:schemeClr val="tx1"/>
+              </a:solidFill>
+              <a:tailEnd type="triangle"/>
+            </a:ln>
+          </p:spPr>
+          <p:style>
+            <a:lnRef idx="1">
+              <a:schemeClr val="accent1"/>
+            </a:lnRef>
+            <a:fillRef idx="0">
+              <a:schemeClr val="accent1"/>
+            </a:fillRef>
+            <a:effectRef idx="0">
+              <a:schemeClr val="accent1"/>
+            </a:effectRef>
+            <a:fontRef idx="minor">
+              <a:schemeClr val="tx1"/>
+            </a:fontRef>
+          </p:style>
+        </p:cxnSp>
+        <p:cxnSp>
+          <p:nvCxnSpPr>
+            <p:cNvPr id="63" name="Straight Arrow Connector 62"/>
+            <p:cNvCxnSpPr>
+              <a:stCxn id="55" idx="0"/>
+              <a:endCxn id="21" idx="1"/>
+            </p:cNvCxnSpPr>
+            <p:nvPr/>
+          </p:nvCxnSpPr>
+          <p:spPr>
+            <a:xfrm flipV="1">
+              <a:off x="4730185" y="5379660"/>
+              <a:ext cx="4013809" cy="574707"/>
+            </a:xfrm>
+            <a:prstGeom prst="straightConnector1">
+              <a:avLst/>
+            </a:prstGeom>
+            <a:ln>
+              <a:solidFill>
+                <a:schemeClr val="tx1"/>
+              </a:solidFill>
+              <a:tailEnd type="triangle"/>
+            </a:ln>
+          </p:spPr>
+          <p:style>
+            <a:lnRef idx="1">
+              <a:schemeClr val="accent1"/>
+            </a:lnRef>
+            <a:fillRef idx="0">
+              <a:schemeClr val="accent1"/>
+            </a:fillRef>
+            <a:effectRef idx="0">
+              <a:schemeClr val="accent1"/>
+            </a:effectRef>
+            <a:fontRef idx="minor">
+              <a:schemeClr val="tx1"/>
+            </a:fontRef>
+          </p:style>
+        </p:cxnSp>
+        <p:cxnSp>
+          <p:nvCxnSpPr>
+            <p:cNvPr id="23" name="Straight Arrow Connector 22"/>
+            <p:cNvCxnSpPr>
+              <a:stCxn id="56" idx="0"/>
+              <a:endCxn id="32" idx="2"/>
+            </p:cNvCxnSpPr>
+            <p:nvPr/>
+          </p:nvCxnSpPr>
+          <p:spPr>
+            <a:xfrm flipH="1" flipV="1">
+              <a:off x="5552956" y="4923226"/>
+              <a:ext cx="862428" cy="1031142"/>
+            </a:xfrm>
+            <a:prstGeom prst="straightConnector1">
+              <a:avLst/>
+            </a:prstGeom>
+            <a:ln>
+              <a:solidFill>
+                <a:schemeClr val="tx1"/>
+              </a:solidFill>
+              <a:tailEnd type="triangle"/>
+            </a:ln>
+          </p:spPr>
+          <p:style>
+            <a:lnRef idx="1">
+              <a:schemeClr val="accent1"/>
+            </a:lnRef>
+            <a:fillRef idx="0">
+              <a:schemeClr val="accent1"/>
+            </a:fillRef>
+            <a:effectRef idx="0">
+              <a:schemeClr val="accent1"/>
+            </a:effectRef>
+            <a:fontRef idx="minor">
+              <a:schemeClr val="tx1"/>
+            </a:fontRef>
+          </p:style>
+        </p:cxnSp>
+        <p:cxnSp>
+          <p:nvCxnSpPr>
+            <p:cNvPr id="70" name="Straight Arrow Connector 69"/>
+            <p:cNvCxnSpPr>
+              <a:stCxn id="55" idx="0"/>
+              <a:endCxn id="32" idx="2"/>
+            </p:cNvCxnSpPr>
+            <p:nvPr/>
+          </p:nvCxnSpPr>
+          <p:spPr>
+            <a:xfrm flipV="1">
+              <a:off x="4730185" y="4923226"/>
+              <a:ext cx="822771" cy="1031141"/>
+            </a:xfrm>
+            <a:prstGeom prst="straightConnector1">
+              <a:avLst/>
+            </a:prstGeom>
+            <a:ln>
+              <a:solidFill>
+                <a:schemeClr val="tx1"/>
+              </a:solidFill>
+              <a:tailEnd type="triangle"/>
+            </a:ln>
+          </p:spPr>
+          <p:style>
+            <a:lnRef idx="1">
+              <a:schemeClr val="accent1"/>
+            </a:lnRef>
+            <a:fillRef idx="0">
+              <a:schemeClr val="accent1"/>
+            </a:fillRef>
+            <a:effectRef idx="0">
+              <a:schemeClr val="accent1"/>
+            </a:effectRef>
+            <a:fontRef idx="minor">
+              <a:schemeClr val="tx1"/>
+            </a:fontRef>
+          </p:style>
+        </p:cxnSp>
+        <p:sp>
+          <p:nvSpPr>
+            <p:cNvPr id="73" name="TextBox 72"/>
+            <p:cNvSpPr txBox="1"/>
+            <p:nvPr/>
+          </p:nvSpPr>
+          <p:spPr>
+            <a:xfrm>
+              <a:off x="4856864" y="5267260"/>
+              <a:ext cx="1333665" cy="253916"/>
+            </a:xfrm>
+            <a:prstGeom prst="rect">
+              <a:avLst/>
+            </a:prstGeom>
+            <a:solidFill>
+              <a:schemeClr val="bg1"/>
+            </a:solidFill>
+            <a:ln w="19050">
+              <a:solidFill>
+                <a:schemeClr val="tx1"/>
+              </a:solidFill>
+              <a:prstDash val="sysDot"/>
+            </a:ln>
+          </p:spPr>
+          <p:txBody>
+            <a:bodyPr wrap="square" rtlCol="0">
+              <a:spAutoFit/>
+            </a:bodyPr>
+            <a:lstStyle/>
+            <a:p>
+              <a:r>
+                <a:rPr lang="en-US" sz="1050" dirty="0" smtClean="0"/>
+                <a:t>Documentation URLs</a:t>
+              </a:r>
+              <a:endParaRPr lang="en-US" sz="1050" dirty="0"/>
+            </a:p>
+          </p:txBody>
+        </p:sp>
+        <p:pic>
+          <p:nvPicPr>
+            <p:cNvPr id="100" name="Picture 99"/>
+            <p:cNvPicPr>
+              <a:picLocks noChangeAspect="1"/>
+            </p:cNvPicPr>
+            <p:nvPr/>
+          </p:nvPicPr>
+          <p:blipFill>
+            <a:blip r:embed="rId3" cstate="print">
+              <a:duotone>
+                <a:schemeClr val="accent2">
+                  <a:shade val="45000"/>
+                  <a:satMod val="135000"/>
+                </a:schemeClr>
+                <a:prstClr val="white"/>
+              </a:duotone>
+              <a:extLst>
+                <a:ext uri="{28A0092B-C50C-407E-A947-70E740481C1C}">
+                  <a14:useLocalDpi xmlns:a14="http://schemas.microsoft.com/office/drawing/2010/main" val="0"/>
+                </a:ext>
+              </a:extLst>
+            </a:blip>
+            <a:stretch>
+              <a:fillRect/>
+            </a:stretch>
+          </p:blipFill>
+          <p:spPr>
+            <a:xfrm>
+              <a:off x="7853095" y="5894162"/>
+              <a:ext cx="531784" cy="531784"/>
+            </a:xfrm>
+            <a:prstGeom prst="rect">
+              <a:avLst/>
+            </a:prstGeom>
+          </p:spPr>
+        </p:pic>
+        <p:sp>
+          <p:nvSpPr>
+            <p:cNvPr id="108" name="Rectangle 107"/>
+            <p:cNvSpPr/>
+            <p:nvPr/>
+          </p:nvSpPr>
+          <p:spPr>
+            <a:xfrm>
+              <a:off x="8991287" y="1984294"/>
+              <a:ext cx="1573544" cy="883496"/>
+            </a:xfrm>
+            <a:prstGeom prst="rect">
+              <a:avLst/>
+            </a:prstGeom>
+            <a:solidFill>
+              <a:schemeClr val="accent6">
+                <a:lumMod val="20000"/>
+                <a:lumOff val="80000"/>
+              </a:schemeClr>
+            </a:solidFill>
+            <a:ln>
               <a:solidFill>
                 <a:srgbClr val="C00000"/>
               </a:solidFill>
-            </a:endParaRPr>
-          </a:p>
-        </p:txBody>
-      </p:sp>
-      <p:cxnSp>
-        <p:nvCxnSpPr>
-          <p:cNvPr id="83" name="Straight Arrow Connector 82"/>
-          <p:cNvCxnSpPr/>
-          <p:nvPr/>
-        </p:nvCxnSpPr>
-        <p:spPr>
-          <a:xfrm flipH="1">
-            <a:off x="3030192" y="2946363"/>
-            <a:ext cx="142" cy="303111"/>
-          </a:xfrm>
-          <a:prstGeom prst="straightConnector1">
-            <a:avLst/>
-          </a:prstGeom>
-          <a:ln>
-            <a:solidFill>
-              <a:schemeClr val="tx1"/>
-            </a:solidFill>
-            <a:tailEnd type="triangle"/>
-          </a:ln>
-        </p:spPr>
-        <p:style>
-          <a:lnRef idx="1">
-            <a:schemeClr val="accent1"/>
-          </a:lnRef>
-          <a:fillRef idx="0">
-            <a:schemeClr val="accent1"/>
-          </a:fillRef>
-          <a:effectRef idx="0">
-            <a:schemeClr val="accent1"/>
-          </a:effectRef>
-          <a:fontRef idx="minor">
-            <a:schemeClr val="tx1"/>
-          </a:fontRef>
-        </p:style>
-      </p:cxnSp>
-      <p:cxnSp>
-        <p:nvCxnSpPr>
-          <p:cNvPr id="87" name="Straight Arrow Connector 86"/>
-          <p:cNvCxnSpPr/>
-          <p:nvPr/>
-        </p:nvCxnSpPr>
-        <p:spPr>
-          <a:xfrm flipH="1" flipV="1">
-            <a:off x="3618439" y="2946363"/>
-            <a:ext cx="2138" cy="303111"/>
-          </a:xfrm>
-          <a:prstGeom prst="straightConnector1">
-            <a:avLst/>
-          </a:prstGeom>
-          <a:ln>
-            <a:solidFill>
-              <a:schemeClr val="tx1"/>
-            </a:solidFill>
-            <a:tailEnd type="triangle"/>
-          </a:ln>
-        </p:spPr>
-        <p:style>
-          <a:lnRef idx="1">
-            <a:schemeClr val="accent1"/>
-          </a:lnRef>
-          <a:fillRef idx="0">
-            <a:schemeClr val="accent1"/>
-          </a:fillRef>
-          <a:effectRef idx="0">
-            <a:schemeClr val="accent1"/>
-          </a:effectRef>
-          <a:fontRef idx="minor">
-            <a:schemeClr val="tx1"/>
-          </a:fontRef>
-        </p:style>
-      </p:cxnSp>
-      <p:sp>
-        <p:nvSpPr>
-          <p:cNvPr id="119" name="Folded Corner 118"/>
-          <p:cNvSpPr/>
-          <p:nvPr/>
-        </p:nvSpPr>
-        <p:spPr>
-          <a:xfrm>
-            <a:off x="2479450" y="382307"/>
-            <a:ext cx="1746697" cy="946118"/>
-          </a:xfrm>
-          <a:prstGeom prst="foldedCorner">
-            <a:avLst>
-              <a:gd name="adj" fmla="val 13667"/>
-            </a:avLst>
-          </a:prstGeom>
-          <a:solidFill>
-            <a:schemeClr val="accent4">
-              <a:lumMod val="20000"/>
-              <a:lumOff val="80000"/>
-            </a:schemeClr>
-          </a:solidFill>
-          <a:ln>
-            <a:solidFill>
-              <a:srgbClr val="C00000"/>
-            </a:solidFill>
-          </a:ln>
-        </p:spPr>
-        <p:style>
-          <a:lnRef idx="2">
-            <a:schemeClr val="accent1">
-              <a:shade val="50000"/>
-            </a:schemeClr>
-          </a:lnRef>
-          <a:fillRef idx="1">
-            <a:schemeClr val="accent1"/>
-          </a:fillRef>
-          <a:effectRef idx="0">
-            <a:schemeClr val="accent1"/>
-          </a:effectRef>
-          <a:fontRef idx="minor">
-            <a:schemeClr val="lt1"/>
-          </a:fontRef>
-        </p:style>
-        <p:txBody>
-          <a:bodyPr rtlCol="0" anchor="t"/>
-          <a:lstStyle/>
-          <a:p>
-            <a:pPr algn="ctr"/>
-            <a:r>
-              <a:rPr lang="en-US" dirty="0">
+            </a:ln>
+          </p:spPr>
+          <p:style>
+            <a:lnRef idx="2">
+              <a:schemeClr val="accent1">
+                <a:shade val="50000"/>
+              </a:schemeClr>
+            </a:lnRef>
+            <a:fillRef idx="1">
+              <a:schemeClr val="accent1"/>
+            </a:fillRef>
+            <a:effectRef idx="0">
+              <a:schemeClr val="accent1"/>
+            </a:effectRef>
+            <a:fontRef idx="minor">
+              <a:schemeClr val="lt1"/>
+            </a:fontRef>
+          </p:style>
+          <p:txBody>
+            <a:bodyPr rtlCol="0" anchor="t"/>
+            <a:lstStyle/>
+            <a:p>
+              <a:pPr algn="ctr"/>
+              <a:r>
+                <a:rPr lang="en-US" dirty="0" smtClean="0">
+                  <a:solidFill>
+                    <a:srgbClr val="C00000"/>
+                  </a:solidFill>
+                </a:rPr>
+                <a:t>Metadata schema </a:t>
+              </a:r>
+              <a:br>
+                <a:rPr lang="en-US" dirty="0" smtClean="0">
+                  <a:solidFill>
+                    <a:srgbClr val="C00000"/>
+                  </a:solidFill>
+                </a:rPr>
+              </a:br>
+              <a:r>
+                <a:rPr lang="en-US" dirty="0" smtClean="0">
+                  <a:solidFill>
+                    <a:srgbClr val="C00000"/>
+                  </a:solidFill>
+                </a:rPr>
+                <a:t>(RDF, JSON)</a:t>
+              </a:r>
+              <a:endParaRPr lang="en-US" dirty="0">
                 <a:solidFill>
                   <a:srgbClr val="C00000"/>
                 </a:solidFill>
-              </a:rPr>
-              <a:t>Template-based guidelines for metadata</a:t>
-            </a:r>
-            <a:endParaRPr lang="en-US" dirty="0">
+              </a:endParaRPr>
+            </a:p>
+          </p:txBody>
+        </p:sp>
+        <p:cxnSp>
+          <p:nvCxnSpPr>
+            <p:cNvPr id="109" name="Straight Arrow Connector 108"/>
+            <p:cNvCxnSpPr>
+              <a:stCxn id="108" idx="1"/>
+              <a:endCxn id="53" idx="0"/>
+            </p:cNvCxnSpPr>
+            <p:nvPr/>
+          </p:nvCxnSpPr>
+          <p:spPr>
+            <a:xfrm flipH="1">
+              <a:off x="7939133" y="2426042"/>
+              <a:ext cx="1052154" cy="153112"/>
+            </a:xfrm>
+            <a:prstGeom prst="straightConnector1">
+              <a:avLst/>
+            </a:prstGeom>
+            <a:ln>
+              <a:solidFill>
+                <a:schemeClr val="tx1"/>
+              </a:solidFill>
+              <a:tailEnd type="triangle"/>
+            </a:ln>
+          </p:spPr>
+          <p:style>
+            <a:lnRef idx="1">
+              <a:schemeClr val="accent1"/>
+            </a:lnRef>
+            <a:fillRef idx="0">
+              <a:schemeClr val="accent1"/>
+            </a:fillRef>
+            <a:effectRef idx="0">
+              <a:schemeClr val="accent1"/>
+            </a:effectRef>
+            <a:fontRef idx="minor">
+              <a:schemeClr val="tx1"/>
+            </a:fontRef>
+          </p:style>
+        </p:cxnSp>
+        <p:cxnSp>
+          <p:nvCxnSpPr>
+            <p:cNvPr id="88" name="Elbow Connector 87"/>
+            <p:cNvCxnSpPr>
+              <a:stCxn id="108" idx="3"/>
+              <a:endCxn id="8" idx="3"/>
+            </p:cNvCxnSpPr>
+            <p:nvPr/>
+          </p:nvCxnSpPr>
+          <p:spPr>
+            <a:xfrm flipH="1">
+              <a:off x="10438758" y="2426042"/>
+              <a:ext cx="126073" cy="2141723"/>
+            </a:xfrm>
+            <a:prstGeom prst="bentConnector3">
+              <a:avLst>
+                <a:gd name="adj1" fmla="val -181324"/>
+              </a:avLst>
+            </a:prstGeom>
+            <a:ln>
+              <a:solidFill>
+                <a:schemeClr val="tx1"/>
+              </a:solidFill>
+              <a:tailEnd type="triangle"/>
+            </a:ln>
+          </p:spPr>
+          <p:style>
+            <a:lnRef idx="1">
+              <a:schemeClr val="accent1"/>
+            </a:lnRef>
+            <a:fillRef idx="0">
+              <a:schemeClr val="accent1"/>
+            </a:fillRef>
+            <a:effectRef idx="0">
+              <a:schemeClr val="accent1"/>
+            </a:effectRef>
+            <a:fontRef idx="minor">
+              <a:schemeClr val="tx1"/>
+            </a:fontRef>
+          </p:style>
+        </p:cxnSp>
+        <p:cxnSp>
+          <p:nvCxnSpPr>
+            <p:cNvPr id="116" name="Elbow Connector 115"/>
+            <p:cNvCxnSpPr>
+              <a:stCxn id="108" idx="3"/>
+              <a:endCxn id="17" idx="3"/>
+            </p:cNvCxnSpPr>
+            <p:nvPr/>
+          </p:nvCxnSpPr>
+          <p:spPr>
+            <a:xfrm>
+              <a:off x="10564831" y="2426042"/>
+              <a:ext cx="780690" cy="2951996"/>
+            </a:xfrm>
+            <a:prstGeom prst="bentConnector3">
+              <a:avLst>
+                <a:gd name="adj1" fmla="val 129282"/>
+              </a:avLst>
+            </a:prstGeom>
+            <a:ln>
+              <a:solidFill>
+                <a:schemeClr val="tx1"/>
+              </a:solidFill>
+              <a:tailEnd type="triangle"/>
+            </a:ln>
+          </p:spPr>
+          <p:style>
+            <a:lnRef idx="1">
+              <a:schemeClr val="accent1"/>
+            </a:lnRef>
+            <a:fillRef idx="0">
+              <a:schemeClr val="accent1"/>
+            </a:fillRef>
+            <a:effectRef idx="0">
+              <a:schemeClr val="accent1"/>
+            </a:effectRef>
+            <a:fontRef idx="minor">
+              <a:schemeClr val="tx1"/>
+            </a:fontRef>
+          </p:style>
+        </p:cxnSp>
+        <p:sp>
+          <p:nvSpPr>
+            <p:cNvPr id="137" name="TextBox 136"/>
+            <p:cNvSpPr txBox="1"/>
+            <p:nvPr/>
+          </p:nvSpPr>
+          <p:spPr>
+            <a:xfrm>
+              <a:off x="6624804" y="5327008"/>
+              <a:ext cx="1676199" cy="415498"/>
+            </a:xfrm>
+            <a:prstGeom prst="rect">
+              <a:avLst/>
+            </a:prstGeom>
+            <a:solidFill>
+              <a:schemeClr val="bg1"/>
+            </a:solidFill>
+            <a:ln w="19050">
+              <a:solidFill>
+                <a:schemeClr val="tx1"/>
+              </a:solidFill>
+              <a:prstDash val="sysDot"/>
+            </a:ln>
+          </p:spPr>
+          <p:txBody>
+            <a:bodyPr wrap="square" rtlCol="0">
+              <a:spAutoFit/>
+            </a:bodyPr>
+            <a:lstStyle/>
+            <a:p>
+              <a:r>
+                <a:rPr lang="en-US" sz="1050" dirty="0" smtClean="0"/>
+                <a:t>Model metadata, variables,</a:t>
+              </a:r>
+            </a:p>
+            <a:p>
+              <a:r>
+                <a:rPr lang="en-US" sz="1050" dirty="0" smtClean="0"/>
+                <a:t>documentation, etc.</a:t>
+              </a:r>
+              <a:endParaRPr lang="en-US" sz="1050" dirty="0"/>
+            </a:p>
+          </p:txBody>
+        </p:sp>
+        <p:cxnSp>
+          <p:nvCxnSpPr>
+            <p:cNvPr id="127" name="Elbow Connector 126"/>
+            <p:cNvCxnSpPr>
+              <a:stCxn id="129" idx="3"/>
+              <a:endCxn id="36" idx="1"/>
+            </p:cNvCxnSpPr>
+            <p:nvPr/>
+          </p:nvCxnSpPr>
+          <p:spPr>
+            <a:xfrm>
+              <a:off x="3510985" y="5672832"/>
+              <a:ext cx="4990801" cy="803126"/>
+            </a:xfrm>
+            <a:prstGeom prst="bentConnector3">
+              <a:avLst>
+                <a:gd name="adj1" fmla="val 5214"/>
+              </a:avLst>
+            </a:prstGeom>
+            <a:ln>
+              <a:solidFill>
+                <a:schemeClr val="tx1"/>
+              </a:solidFill>
+              <a:tailEnd type="triangle"/>
+            </a:ln>
+          </p:spPr>
+          <p:style>
+            <a:lnRef idx="1">
+              <a:schemeClr val="accent1"/>
+            </a:lnRef>
+            <a:fillRef idx="0">
+              <a:schemeClr val="accent1"/>
+            </a:fillRef>
+            <a:effectRef idx="0">
+              <a:schemeClr val="accent1"/>
+            </a:effectRef>
+            <a:fontRef idx="minor">
+              <a:schemeClr val="tx1"/>
+            </a:fontRef>
+          </p:style>
+        </p:cxnSp>
+        <p:cxnSp>
+          <p:nvCxnSpPr>
+            <p:cNvPr id="169" name="Straight Arrow Connector 168"/>
+            <p:cNvCxnSpPr>
+              <a:stCxn id="29" idx="0"/>
+              <a:endCxn id="182" idx="2"/>
+            </p:cNvCxnSpPr>
+            <p:nvPr/>
+          </p:nvCxnSpPr>
+          <p:spPr>
+            <a:xfrm flipH="1" flipV="1">
+              <a:off x="5548602" y="2491643"/>
+              <a:ext cx="6337" cy="276338"/>
+            </a:xfrm>
+            <a:prstGeom prst="straightConnector1">
+              <a:avLst/>
+            </a:prstGeom>
+            <a:ln>
+              <a:solidFill>
+                <a:schemeClr val="tx1"/>
+              </a:solidFill>
+              <a:tailEnd type="triangle"/>
+            </a:ln>
+          </p:spPr>
+          <p:style>
+            <a:lnRef idx="1">
+              <a:schemeClr val="accent1"/>
+            </a:lnRef>
+            <a:fillRef idx="0">
+              <a:schemeClr val="accent1"/>
+            </a:fillRef>
+            <a:effectRef idx="0">
+              <a:schemeClr val="accent1"/>
+            </a:effectRef>
+            <a:fontRef idx="minor">
+              <a:schemeClr val="tx1"/>
+            </a:fontRef>
+          </p:style>
+        </p:cxnSp>
+        <p:cxnSp>
+          <p:nvCxnSpPr>
+            <p:cNvPr id="178" name="Elbow Connector 177"/>
+            <p:cNvCxnSpPr>
+              <a:stCxn id="129" idx="1"/>
+              <a:endCxn id="31" idx="1"/>
+            </p:cNvCxnSpPr>
+            <p:nvPr/>
+          </p:nvCxnSpPr>
+          <p:spPr>
+            <a:xfrm rot="10800000" flipH="1">
+              <a:off x="756214" y="2231386"/>
+              <a:ext cx="1797387" cy="3441447"/>
+            </a:xfrm>
+            <a:prstGeom prst="bentConnector3">
+              <a:avLst>
+                <a:gd name="adj1" fmla="val -12718"/>
+              </a:avLst>
+            </a:prstGeom>
+            <a:ln>
+              <a:solidFill>
+                <a:schemeClr val="tx1"/>
+              </a:solidFill>
+              <a:tailEnd type="triangle"/>
+            </a:ln>
+          </p:spPr>
+          <p:style>
+            <a:lnRef idx="1">
+              <a:schemeClr val="accent1"/>
+            </a:lnRef>
+            <a:fillRef idx="0">
+              <a:schemeClr val="accent1"/>
+            </a:fillRef>
+            <a:effectRef idx="0">
+              <a:schemeClr val="accent1"/>
+            </a:effectRef>
+            <a:fontRef idx="minor">
+              <a:schemeClr val="tx1"/>
+            </a:fontRef>
+          </p:style>
+        </p:cxnSp>
+        <p:sp>
+          <p:nvSpPr>
+            <p:cNvPr id="182" name="Folded Corner 181"/>
+            <p:cNvSpPr/>
+            <p:nvPr/>
+          </p:nvSpPr>
+          <p:spPr>
+            <a:xfrm>
+              <a:off x="4675253" y="1545525"/>
+              <a:ext cx="1746697" cy="946118"/>
+            </a:xfrm>
+            <a:prstGeom prst="foldedCorner">
+              <a:avLst>
+                <a:gd name="adj" fmla="val 13667"/>
+              </a:avLst>
+            </a:prstGeom>
+            <a:solidFill>
+              <a:schemeClr val="accent4">
+                <a:lumMod val="20000"/>
+                <a:lumOff val="80000"/>
+              </a:schemeClr>
+            </a:solidFill>
+            <a:ln>
               <a:solidFill>
                 <a:srgbClr val="C00000"/>
               </a:solidFill>
-            </a:endParaRPr>
-          </a:p>
-        </p:txBody>
-      </p:sp>
-      <p:pic>
-        <p:nvPicPr>
-          <p:cNvPr id="121" name="Picture 120"/>
-          <p:cNvPicPr>
-            <a:picLocks noChangeAspect="1"/>
-          </p:cNvPicPr>
-          <p:nvPr/>
-        </p:nvPicPr>
-        <p:blipFill>
-          <a:blip r:embed="rId3" cstate="print">
-            <a:duotone>
-              <a:schemeClr val="accent2">
-                <a:shade val="45000"/>
-                <a:satMod val="135000"/>
+            </a:ln>
+          </p:spPr>
+          <p:style>
+            <a:lnRef idx="2">
+              <a:schemeClr val="accent1">
+                <a:shade val="50000"/>
               </a:schemeClr>
-              <a:prstClr val="white"/>
-            </a:duotone>
-            <a:extLst>
-              <a:ext uri="{28A0092B-C50C-407E-A947-70E740481C1C}">
-                <a14:useLocalDpi xmlns:a14="http://schemas.microsoft.com/office/drawing/2010/main" val="0"/>
-              </a:ext>
-            </a:extLst>
-          </a:blip>
-          <a:stretch>
-            <a:fillRect/>
-          </a:stretch>
-        </p:blipFill>
-        <p:spPr>
-          <a:xfrm>
-            <a:off x="3027063" y="4023831"/>
-            <a:ext cx="621803" cy="621803"/>
-          </a:xfrm>
-          <a:prstGeom prst="rect">
-            <a:avLst/>
-          </a:prstGeom>
-        </p:spPr>
-      </p:pic>
-      <p:sp>
-        <p:nvSpPr>
-          <p:cNvPr id="122" name="TextBox 121"/>
-          <p:cNvSpPr txBox="1"/>
-          <p:nvPr/>
-        </p:nvSpPr>
-        <p:spPr>
-          <a:xfrm>
-            <a:off x="1910535" y="4152130"/>
-            <a:ext cx="1053491" cy="253916"/>
-          </a:xfrm>
-          <a:prstGeom prst="rect">
-            <a:avLst/>
-          </a:prstGeom>
-          <a:noFill/>
-          <a:ln w="19050">
-            <a:solidFill>
-              <a:schemeClr val="tx1"/>
-            </a:solidFill>
-            <a:prstDash val="sysDot"/>
-          </a:ln>
-        </p:spPr>
-        <p:txBody>
-          <a:bodyPr wrap="square" rtlCol="0">
-            <a:spAutoFit/>
-          </a:bodyPr>
-          <a:lstStyle/>
-          <a:p>
-            <a:r>
-              <a:rPr lang="en-US" sz="1050" dirty="0" smtClean="0"/>
-              <a:t>Test and refine</a:t>
-            </a:r>
-            <a:endParaRPr lang="en-US" sz="1050" dirty="0"/>
-          </a:p>
-        </p:txBody>
-      </p:sp>
-      <p:sp>
-        <p:nvSpPr>
-          <p:cNvPr id="129" name="Rectangle 128"/>
-          <p:cNvSpPr/>
-          <p:nvPr/>
-        </p:nvSpPr>
-        <p:spPr>
-          <a:xfrm>
-            <a:off x="756215" y="5370455"/>
-            <a:ext cx="2754770" cy="604754"/>
-          </a:xfrm>
-          <a:prstGeom prst="rect">
-            <a:avLst/>
-          </a:prstGeom>
-          <a:solidFill>
-            <a:schemeClr val="accent1">
-              <a:lumMod val="20000"/>
-              <a:lumOff val="80000"/>
-            </a:schemeClr>
-          </a:solidFill>
-          <a:ln>
-            <a:solidFill>
-              <a:srgbClr val="C00000"/>
-            </a:solidFill>
-          </a:ln>
-        </p:spPr>
-        <p:style>
-          <a:lnRef idx="2">
-            <a:schemeClr val="accent1">
-              <a:shade val="50000"/>
-            </a:schemeClr>
-          </a:lnRef>
-          <a:fillRef idx="1">
-            <a:schemeClr val="accent1"/>
-          </a:fillRef>
-          <a:effectRef idx="0">
-            <a:schemeClr val="accent1"/>
-          </a:effectRef>
-          <a:fontRef idx="minor">
-            <a:schemeClr val="lt1"/>
-          </a:fontRef>
-        </p:style>
-        <p:txBody>
-          <a:bodyPr rtlCol="0" anchor="t"/>
-          <a:lstStyle/>
-          <a:p>
-            <a:pPr algn="ctr"/>
-            <a:r>
-              <a:rPr lang="en-US" dirty="0" smtClean="0">
+            </a:lnRef>
+            <a:fillRef idx="1">
+              <a:schemeClr val="accent1"/>
+            </a:fillRef>
+            <a:effectRef idx="0">
+              <a:schemeClr val="accent1"/>
+            </a:effectRef>
+            <a:fontRef idx="minor">
+              <a:schemeClr val="lt1"/>
+            </a:fontRef>
+          </p:style>
+          <p:txBody>
+            <a:bodyPr rtlCol="0" anchor="t"/>
+            <a:lstStyle/>
+            <a:p>
+              <a:pPr algn="ctr"/>
+              <a:r>
+                <a:rPr lang="en-US" dirty="0">
+                  <a:solidFill>
+                    <a:srgbClr val="C00000"/>
+                  </a:solidFill>
+                </a:rPr>
+                <a:t>Model configuration metadata file </a:t>
+              </a:r>
+              <a:endParaRPr lang="en-US" dirty="0">
                 <a:solidFill>
                   <a:srgbClr val="C00000"/>
                 </a:solidFill>
-              </a:rPr>
-              <a:t>Data Catalog transformation services</a:t>
-            </a:r>
-            <a:endParaRPr lang="en-US" dirty="0">
+              </a:endParaRPr>
+            </a:p>
+          </p:txBody>
+        </p:sp>
+        <p:cxnSp>
+          <p:nvCxnSpPr>
+            <p:cNvPr id="183" name="Elbow Connector 182"/>
+            <p:cNvCxnSpPr>
+              <a:stCxn id="196" idx="1"/>
+              <a:endCxn id="31" idx="1"/>
+            </p:cNvCxnSpPr>
+            <p:nvPr/>
+          </p:nvCxnSpPr>
+          <p:spPr>
+            <a:xfrm rot="10800000" flipH="1">
+              <a:off x="756212" y="2231386"/>
+              <a:ext cx="1797389" cy="4226269"/>
+            </a:xfrm>
+            <a:prstGeom prst="bentConnector3">
+              <a:avLst>
+                <a:gd name="adj1" fmla="val -23509"/>
+              </a:avLst>
+            </a:prstGeom>
+            <a:ln>
+              <a:solidFill>
+                <a:schemeClr val="tx1"/>
+              </a:solidFill>
+              <a:tailEnd type="triangle"/>
+            </a:ln>
+          </p:spPr>
+          <p:style>
+            <a:lnRef idx="1">
+              <a:schemeClr val="accent1"/>
+            </a:lnRef>
+            <a:fillRef idx="0">
+              <a:schemeClr val="accent1"/>
+            </a:fillRef>
+            <a:effectRef idx="0">
+              <a:schemeClr val="accent1"/>
+            </a:effectRef>
+            <a:fontRef idx="minor">
+              <a:schemeClr val="tx1"/>
+            </a:fontRef>
+          </p:style>
+        </p:cxnSp>
+        <p:sp>
+          <p:nvSpPr>
+            <p:cNvPr id="186" name="TextBox 185"/>
+            <p:cNvSpPr txBox="1"/>
+            <p:nvPr/>
+          </p:nvSpPr>
+          <p:spPr>
+            <a:xfrm>
+              <a:off x="438997" y="4750418"/>
+              <a:ext cx="1139148" cy="253916"/>
+            </a:xfrm>
+            <a:prstGeom prst="rect">
+              <a:avLst/>
+            </a:prstGeom>
+            <a:solidFill>
+              <a:schemeClr val="bg1"/>
+            </a:solidFill>
+            <a:ln w="19050">
+              <a:solidFill>
+                <a:schemeClr val="tx1"/>
+              </a:solidFill>
+              <a:prstDash val="sysDot"/>
+            </a:ln>
+          </p:spPr>
+          <p:txBody>
+            <a:bodyPr wrap="square" rtlCol="0">
+              <a:spAutoFit/>
+            </a:bodyPr>
+            <a:lstStyle/>
+            <a:p>
+              <a:r>
+                <a:rPr lang="en-US" sz="1050" dirty="0" smtClean="0"/>
+                <a:t>Transformations</a:t>
+              </a:r>
+              <a:endParaRPr lang="en-US" sz="1050" dirty="0"/>
+            </a:p>
+          </p:txBody>
+        </p:sp>
+        <p:sp>
+          <p:nvSpPr>
+            <p:cNvPr id="196" name="Rounded Rectangle 195"/>
+            <p:cNvSpPr/>
+            <p:nvPr/>
+          </p:nvSpPr>
+          <p:spPr>
+            <a:xfrm>
+              <a:off x="756213" y="6119781"/>
+              <a:ext cx="2754772" cy="675746"/>
+            </a:xfrm>
+            <a:prstGeom prst="roundRect">
+              <a:avLst/>
+            </a:prstGeom>
+            <a:solidFill>
+              <a:schemeClr val="accent1">
+                <a:lumMod val="20000"/>
+                <a:lumOff val="80000"/>
+              </a:schemeClr>
+            </a:solidFill>
+            <a:ln>
               <a:solidFill>
                 <a:srgbClr val="C00000"/>
               </a:solidFill>
-            </a:endParaRPr>
-          </a:p>
-        </p:txBody>
-      </p:sp>
-      <p:sp>
-        <p:nvSpPr>
-          <p:cNvPr id="145" name="TextBox 144"/>
-          <p:cNvSpPr txBox="1"/>
-          <p:nvPr/>
-        </p:nvSpPr>
-        <p:spPr>
-          <a:xfrm>
-            <a:off x="1847183" y="1542002"/>
-            <a:ext cx="572833" cy="253916"/>
-          </a:xfrm>
-          <a:prstGeom prst="rect">
-            <a:avLst/>
-          </a:prstGeom>
-          <a:noFill/>
-          <a:ln w="19050">
+            </a:ln>
+          </p:spPr>
+          <p:style>
+            <a:lnRef idx="2">
+              <a:schemeClr val="accent1">
+                <a:shade val="50000"/>
+              </a:schemeClr>
+            </a:lnRef>
+            <a:fillRef idx="1">
+              <a:schemeClr val="accent1"/>
+            </a:fillRef>
+            <a:effectRef idx="0">
+              <a:schemeClr val="accent1"/>
+            </a:effectRef>
+            <a:fontRef idx="minor">
+              <a:schemeClr val="lt1"/>
+            </a:fontRef>
+          </p:style>
+          <p:txBody>
+            <a:bodyPr rtlCol="0" anchor="t"/>
+            <a:lstStyle/>
+            <a:p>
+              <a:pPr algn="ctr"/>
+              <a:r>
+                <a:rPr lang="en-US" dirty="0">
+                  <a:solidFill>
+                    <a:srgbClr val="C00000"/>
+                  </a:solidFill>
+                </a:rPr>
+                <a:t>Automated extraction of </a:t>
+              </a:r>
+              <a:r>
+                <a:rPr lang="en-US" dirty="0" smtClean="0">
+                  <a:solidFill>
+                    <a:srgbClr val="C00000"/>
+                  </a:solidFill>
+                </a:rPr>
+                <a:t>variables (Automates)</a:t>
+              </a:r>
+              <a:endParaRPr lang="en-US" dirty="0">
+                <a:solidFill>
+                  <a:srgbClr val="C00000"/>
+                </a:solidFill>
+              </a:endParaRPr>
+            </a:p>
+          </p:txBody>
+        </p:sp>
+        <p:sp>
+          <p:nvSpPr>
+            <p:cNvPr id="199" name="Rectangle 198"/>
+            <p:cNvSpPr/>
+            <p:nvPr/>
+          </p:nvSpPr>
+          <p:spPr>
+            <a:xfrm>
+              <a:off x="10429522" y="6035848"/>
+              <a:ext cx="1618182" cy="880219"/>
+            </a:xfrm>
+            <a:prstGeom prst="rect">
+              <a:avLst/>
+            </a:prstGeom>
             <a:solidFill>
-              <a:schemeClr val="tx1"/>
+              <a:schemeClr val="accent4">
+                <a:lumMod val="20000"/>
+                <a:lumOff val="80000"/>
+              </a:schemeClr>
             </a:solidFill>
-            <a:prstDash val="sysDot"/>
-          </a:ln>
-        </p:spPr>
-        <p:txBody>
-          <a:bodyPr wrap="square" rtlCol="0">
-            <a:spAutoFit/>
-          </a:bodyPr>
-          <a:lstStyle/>
-          <a:p>
-            <a:r>
-              <a:rPr lang="en-US" sz="1050" dirty="0" smtClean="0"/>
-              <a:t>Import</a:t>
-            </a:r>
-            <a:endParaRPr lang="en-US" sz="1050" dirty="0"/>
-          </a:p>
-        </p:txBody>
-      </p:sp>
-      <p:sp>
-        <p:nvSpPr>
-          <p:cNvPr id="151" name="Rectangle 150"/>
-          <p:cNvSpPr/>
-          <p:nvPr/>
-        </p:nvSpPr>
-        <p:spPr>
-          <a:xfrm>
-            <a:off x="8000070" y="792448"/>
-            <a:ext cx="438779" cy="217431"/>
-          </a:xfrm>
-          <a:prstGeom prst="rect">
-            <a:avLst/>
-          </a:prstGeom>
-          <a:solidFill>
-            <a:schemeClr val="accent6">
-              <a:lumMod val="20000"/>
-              <a:lumOff val="80000"/>
-            </a:schemeClr>
-          </a:solidFill>
-          <a:ln>
-            <a:solidFill>
-              <a:srgbClr val="C00000"/>
-            </a:solidFill>
-          </a:ln>
-        </p:spPr>
-        <p:style>
-          <a:lnRef idx="2">
-            <a:schemeClr val="accent1">
-              <a:shade val="50000"/>
-            </a:schemeClr>
-          </a:lnRef>
-          <a:fillRef idx="1">
-            <a:schemeClr val="accent1"/>
-          </a:fillRef>
-          <a:effectRef idx="0">
-            <a:schemeClr val="accent1"/>
-          </a:effectRef>
-          <a:fontRef idx="minor">
-            <a:schemeClr val="lt1"/>
-          </a:fontRef>
-        </p:style>
-        <p:txBody>
-          <a:bodyPr rtlCol="0" anchor="t"/>
-          <a:lstStyle/>
-          <a:p>
-            <a:pPr algn="ctr"/>
-            <a:endParaRPr lang="en-US" dirty="0">
+            <a:ln>
               <a:solidFill>
                 <a:srgbClr val="C00000"/>
               </a:solidFill>
-            </a:endParaRPr>
-          </a:p>
-        </p:txBody>
-      </p:sp>
-      <p:sp>
-        <p:nvSpPr>
-          <p:cNvPr id="152" name="TextBox 151"/>
-          <p:cNvSpPr txBox="1"/>
-          <p:nvPr/>
-        </p:nvSpPr>
-        <p:spPr>
-          <a:xfrm>
-            <a:off x="7868994" y="312609"/>
-            <a:ext cx="864019" cy="369332"/>
-          </a:xfrm>
-          <a:prstGeom prst="rect">
-            <a:avLst/>
-          </a:prstGeom>
-          <a:noFill/>
-        </p:spPr>
-        <p:txBody>
-          <a:bodyPr wrap="none" rtlCol="0">
-            <a:spAutoFit/>
-          </a:bodyPr>
-          <a:lstStyle/>
-          <a:p>
-            <a:r>
-              <a:rPr lang="en-US" dirty="0" smtClean="0"/>
-              <a:t>Legend</a:t>
-            </a:r>
-            <a:endParaRPr lang="en-US" dirty="0"/>
-          </a:p>
-        </p:txBody>
-      </p:sp>
-      <p:sp>
-        <p:nvSpPr>
-          <p:cNvPr id="153" name="Rectangle 152"/>
-          <p:cNvSpPr/>
-          <p:nvPr/>
-        </p:nvSpPr>
-        <p:spPr>
-          <a:xfrm>
-            <a:off x="8000070" y="1132357"/>
-            <a:ext cx="438779" cy="205609"/>
-          </a:xfrm>
-          <a:prstGeom prst="rect">
-            <a:avLst/>
-          </a:prstGeom>
-          <a:solidFill>
-            <a:schemeClr val="accent4">
-              <a:lumMod val="20000"/>
-              <a:lumOff val="80000"/>
-            </a:schemeClr>
-          </a:solidFill>
-          <a:ln>
-            <a:solidFill>
-              <a:srgbClr val="C00000"/>
-            </a:solidFill>
-          </a:ln>
-        </p:spPr>
-        <p:style>
-          <a:lnRef idx="2">
-            <a:schemeClr val="accent1">
-              <a:shade val="50000"/>
-            </a:schemeClr>
-          </a:lnRef>
-          <a:fillRef idx="1">
-            <a:schemeClr val="accent1"/>
-          </a:fillRef>
-          <a:effectRef idx="0">
-            <a:schemeClr val="accent1"/>
-          </a:effectRef>
-          <a:fontRef idx="minor">
-            <a:schemeClr val="lt1"/>
-          </a:fontRef>
-        </p:style>
-        <p:txBody>
-          <a:bodyPr rtlCol="0" anchor="t"/>
-          <a:lstStyle/>
-          <a:p>
-            <a:pPr algn="ctr"/>
-            <a:endParaRPr lang="en-US" dirty="0">
-              <a:solidFill>
-                <a:srgbClr val="C00000"/>
-              </a:solidFill>
-            </a:endParaRPr>
-          </a:p>
-        </p:txBody>
-      </p:sp>
-      <p:sp>
-        <p:nvSpPr>
-          <p:cNvPr id="154" name="Rectangle 153"/>
-          <p:cNvSpPr/>
-          <p:nvPr/>
-        </p:nvSpPr>
-        <p:spPr>
-          <a:xfrm>
-            <a:off x="8006119" y="1499602"/>
-            <a:ext cx="432730" cy="190654"/>
-          </a:xfrm>
-          <a:prstGeom prst="rect">
-            <a:avLst/>
-          </a:prstGeom>
-          <a:solidFill>
-            <a:schemeClr val="accent1">
-              <a:lumMod val="20000"/>
-              <a:lumOff val="80000"/>
-            </a:schemeClr>
-          </a:solidFill>
-          <a:ln>
-            <a:solidFill>
-              <a:srgbClr val="C00000"/>
-            </a:solidFill>
-          </a:ln>
-        </p:spPr>
-        <p:style>
-          <a:lnRef idx="2">
-            <a:schemeClr val="accent1">
-              <a:shade val="50000"/>
-            </a:schemeClr>
-          </a:lnRef>
-          <a:fillRef idx="1">
-            <a:schemeClr val="accent1"/>
-          </a:fillRef>
-          <a:effectRef idx="0">
-            <a:schemeClr val="accent1"/>
-          </a:effectRef>
-          <a:fontRef idx="minor">
-            <a:schemeClr val="lt1"/>
-          </a:fontRef>
-        </p:style>
-        <p:txBody>
-          <a:bodyPr rtlCol="0" anchor="t"/>
-          <a:lstStyle/>
-          <a:p>
-            <a:pPr algn="ctr"/>
-            <a:endParaRPr lang="en-US" dirty="0">
-              <a:solidFill>
-                <a:srgbClr val="C00000"/>
-              </a:solidFill>
-            </a:endParaRPr>
-          </a:p>
-        </p:txBody>
-      </p:sp>
-      <p:sp>
-        <p:nvSpPr>
-          <p:cNvPr id="156" name="TextBox 155"/>
-          <p:cNvSpPr txBox="1"/>
-          <p:nvPr/>
-        </p:nvSpPr>
-        <p:spPr>
-          <a:xfrm>
-            <a:off x="8428291" y="761983"/>
-            <a:ext cx="986489" cy="307777"/>
-          </a:xfrm>
-          <a:prstGeom prst="rect">
-            <a:avLst/>
-          </a:prstGeom>
-          <a:noFill/>
-        </p:spPr>
-        <p:txBody>
-          <a:bodyPr wrap="none" rtlCol="0">
-            <a:spAutoFit/>
-          </a:bodyPr>
-          <a:lstStyle/>
-          <a:p>
-            <a:r>
-              <a:rPr lang="en-US" sz="1400" dirty="0" smtClean="0"/>
-              <a:t>Completed</a:t>
-            </a:r>
-            <a:endParaRPr lang="en-US" sz="1400" dirty="0"/>
-          </a:p>
-        </p:txBody>
-      </p:sp>
-      <p:sp>
-        <p:nvSpPr>
-          <p:cNvPr id="157" name="TextBox 156"/>
-          <p:cNvSpPr txBox="1"/>
-          <p:nvPr/>
-        </p:nvSpPr>
-        <p:spPr>
-          <a:xfrm>
-            <a:off x="8430254" y="1081317"/>
-            <a:ext cx="1417376" cy="307777"/>
-          </a:xfrm>
-          <a:prstGeom prst="rect">
-            <a:avLst/>
-          </a:prstGeom>
-          <a:noFill/>
-        </p:spPr>
-        <p:txBody>
-          <a:bodyPr wrap="none" rtlCol="0">
-            <a:spAutoFit/>
-          </a:bodyPr>
-          <a:lstStyle/>
-          <a:p>
-            <a:r>
-              <a:rPr lang="en-US" sz="1400" dirty="0" smtClean="0"/>
-              <a:t>Work in progress</a:t>
-            </a:r>
-            <a:endParaRPr lang="en-US" sz="1400" dirty="0"/>
-          </a:p>
-        </p:txBody>
-      </p:sp>
-      <p:sp>
-        <p:nvSpPr>
-          <p:cNvPr id="158" name="TextBox 157"/>
-          <p:cNvSpPr txBox="1"/>
-          <p:nvPr/>
-        </p:nvSpPr>
-        <p:spPr>
-          <a:xfrm>
-            <a:off x="8438057" y="1456193"/>
-            <a:ext cx="2280240" cy="307777"/>
-          </a:xfrm>
-          <a:prstGeom prst="rect">
-            <a:avLst/>
-          </a:prstGeom>
-          <a:noFill/>
-        </p:spPr>
-        <p:txBody>
-          <a:bodyPr wrap="none" rtlCol="0">
-            <a:spAutoFit/>
-          </a:bodyPr>
-          <a:lstStyle/>
-          <a:p>
-            <a:r>
-              <a:rPr lang="en-US" sz="1400" dirty="0" smtClean="0"/>
-              <a:t>Interaction with other teams</a:t>
-            </a:r>
-            <a:endParaRPr lang="en-US" sz="1400" dirty="0"/>
-          </a:p>
-        </p:txBody>
-      </p:sp>
-      <p:sp>
-        <p:nvSpPr>
-          <p:cNvPr id="55" name="Rounded Rectangle 54"/>
-          <p:cNvSpPr/>
-          <p:nvPr/>
-        </p:nvSpPr>
-        <p:spPr>
-          <a:xfrm>
-            <a:off x="3968185" y="5954367"/>
-            <a:ext cx="1524000" cy="438427"/>
-          </a:xfrm>
-          <a:prstGeom prst="roundRect">
-            <a:avLst/>
-          </a:prstGeom>
-          <a:solidFill>
-            <a:schemeClr val="accent1">
-              <a:lumMod val="20000"/>
-              <a:lumOff val="80000"/>
-            </a:schemeClr>
-          </a:solidFill>
-          <a:ln>
-            <a:solidFill>
-              <a:srgbClr val="C00000"/>
-            </a:solidFill>
-          </a:ln>
-        </p:spPr>
-        <p:style>
-          <a:lnRef idx="2">
-            <a:schemeClr val="accent1">
-              <a:shade val="50000"/>
-            </a:schemeClr>
-          </a:lnRef>
-          <a:fillRef idx="1">
-            <a:schemeClr val="accent1"/>
-          </a:fillRef>
-          <a:effectRef idx="0">
-            <a:schemeClr val="accent1"/>
-          </a:effectRef>
-          <a:fontRef idx="minor">
-            <a:schemeClr val="lt1"/>
-          </a:fontRef>
-        </p:style>
-        <p:txBody>
-          <a:bodyPr rtlCol="0" anchor="t"/>
-          <a:lstStyle/>
-          <a:p>
-            <a:pPr algn="ctr"/>
-            <a:r>
-              <a:rPr lang="en-US" dirty="0" err="1" smtClean="0">
+            </a:ln>
+          </p:spPr>
+          <p:style>
+            <a:lnRef idx="2">
+              <a:schemeClr val="accent1">
+                <a:shade val="50000"/>
+              </a:schemeClr>
+            </a:lnRef>
+            <a:fillRef idx="1">
+              <a:schemeClr val="accent1"/>
+            </a:fillRef>
+            <a:effectRef idx="0">
+              <a:schemeClr val="accent1"/>
+            </a:effectRef>
+            <a:fontRef idx="minor">
+              <a:schemeClr val="lt1"/>
+            </a:fontRef>
+          </p:style>
+          <p:txBody>
+            <a:bodyPr rtlCol="0" anchor="t"/>
+            <a:lstStyle/>
+            <a:p>
+              <a:pPr algn="ctr"/>
+              <a:r>
+                <a:rPr lang="en-US" dirty="0" smtClean="0">
+                  <a:solidFill>
+                    <a:srgbClr val="C00000"/>
+                  </a:solidFill>
+                </a:rPr>
+                <a:t>Model Calibration (DAKOTA)</a:t>
+              </a:r>
+              <a:endParaRPr lang="en-US" dirty="0">
                 <a:solidFill>
                   <a:srgbClr val="C00000"/>
                 </a:solidFill>
-              </a:rPr>
-              <a:t>CauseMOS</a:t>
-            </a:r>
-            <a:endParaRPr lang="en-US" dirty="0">
+              </a:endParaRPr>
+            </a:p>
+          </p:txBody>
+        </p:sp>
+        <p:cxnSp>
+          <p:nvCxnSpPr>
+            <p:cNvPr id="200" name="Straight Arrow Connector 199"/>
+            <p:cNvCxnSpPr>
+              <a:stCxn id="199" idx="1"/>
+              <a:endCxn id="36" idx="3"/>
+            </p:cNvCxnSpPr>
+            <p:nvPr/>
+          </p:nvCxnSpPr>
+          <p:spPr>
+            <a:xfrm flipH="1">
+              <a:off x="10205403" y="6475958"/>
+              <a:ext cx="224119" cy="0"/>
+            </a:xfrm>
+            <a:prstGeom prst="straightConnector1">
+              <a:avLst/>
+            </a:prstGeom>
+            <a:ln>
               <a:solidFill>
-                <a:srgbClr val="C00000"/>
+                <a:schemeClr val="tx1"/>
               </a:solidFill>
-            </a:endParaRPr>
-          </a:p>
-        </p:txBody>
-      </p:sp>
-      <p:sp>
-        <p:nvSpPr>
-          <p:cNvPr id="56" name="Rounded Rectangle 55"/>
-          <p:cNvSpPr/>
-          <p:nvPr/>
-        </p:nvSpPr>
-        <p:spPr>
-          <a:xfrm>
-            <a:off x="5653384" y="5954368"/>
-            <a:ext cx="1524000" cy="438427"/>
-          </a:xfrm>
-          <a:prstGeom prst="roundRect">
-            <a:avLst/>
-          </a:prstGeom>
-          <a:solidFill>
-            <a:schemeClr val="accent1">
-              <a:lumMod val="20000"/>
-              <a:lumOff val="80000"/>
-            </a:schemeClr>
-          </a:solidFill>
-          <a:ln>
-            <a:solidFill>
-              <a:srgbClr val="C00000"/>
-            </a:solidFill>
-          </a:ln>
-        </p:spPr>
-        <p:style>
-          <a:lnRef idx="2">
-            <a:schemeClr val="accent1">
-              <a:shade val="50000"/>
-            </a:schemeClr>
-          </a:lnRef>
-          <a:fillRef idx="1">
-            <a:schemeClr val="accent1"/>
-          </a:fillRef>
-          <a:effectRef idx="0">
-            <a:schemeClr val="accent1"/>
-          </a:effectRef>
-          <a:fontRef idx="minor">
-            <a:schemeClr val="lt1"/>
-          </a:fontRef>
-        </p:style>
-        <p:txBody>
-          <a:bodyPr rtlCol="0" anchor="t"/>
-          <a:lstStyle/>
-          <a:p>
-            <a:pPr algn="ctr"/>
-            <a:r>
-              <a:rPr lang="en-US" dirty="0" err="1" smtClean="0">
-                <a:solidFill>
-                  <a:srgbClr val="C00000"/>
-                </a:solidFill>
-              </a:rPr>
-              <a:t>SuperMaaS</a:t>
-            </a:r>
-            <a:endParaRPr lang="en-US" dirty="0">
-              <a:solidFill>
-                <a:srgbClr val="C00000"/>
-              </a:solidFill>
-            </a:endParaRPr>
-          </a:p>
-        </p:txBody>
-      </p:sp>
-      <p:cxnSp>
-        <p:nvCxnSpPr>
-          <p:cNvPr id="60" name="Straight Arrow Connector 59"/>
-          <p:cNvCxnSpPr>
-            <a:stCxn id="56" idx="0"/>
-            <a:endCxn id="21" idx="1"/>
-          </p:cNvCxnSpPr>
-          <p:nvPr/>
-        </p:nvCxnSpPr>
-        <p:spPr>
-          <a:xfrm flipV="1">
-            <a:off x="6415384" y="5379660"/>
-            <a:ext cx="2328610" cy="574708"/>
-          </a:xfrm>
-          <a:prstGeom prst="straightConnector1">
-            <a:avLst/>
-          </a:prstGeom>
-          <a:ln>
-            <a:solidFill>
+              <a:tailEnd type="triangle"/>
+            </a:ln>
+          </p:spPr>
+          <p:style>
+            <a:lnRef idx="1">
+              <a:schemeClr val="accent1"/>
+            </a:lnRef>
+            <a:fillRef idx="0">
+              <a:schemeClr val="accent1"/>
+            </a:fillRef>
+            <a:effectRef idx="0">
+              <a:schemeClr val="accent1"/>
+            </a:effectRef>
+            <a:fontRef idx="minor">
               <a:schemeClr val="tx1"/>
-            </a:solidFill>
-            <a:tailEnd type="triangle"/>
-          </a:ln>
-        </p:spPr>
-        <p:style>
-          <a:lnRef idx="1">
-            <a:schemeClr val="accent1"/>
-          </a:lnRef>
-          <a:fillRef idx="0">
-            <a:schemeClr val="accent1"/>
-          </a:fillRef>
-          <a:effectRef idx="0">
-            <a:schemeClr val="accent1"/>
-          </a:effectRef>
-          <a:fontRef idx="minor">
-            <a:schemeClr val="tx1"/>
-          </a:fontRef>
-        </p:style>
-      </p:cxnSp>
-      <p:cxnSp>
-        <p:nvCxnSpPr>
-          <p:cNvPr id="63" name="Straight Arrow Connector 62"/>
-          <p:cNvCxnSpPr>
-            <a:stCxn id="55" idx="0"/>
-            <a:endCxn id="21" idx="1"/>
-          </p:cNvCxnSpPr>
-          <p:nvPr/>
-        </p:nvCxnSpPr>
-        <p:spPr>
-          <a:xfrm flipV="1">
-            <a:off x="4730185" y="5379660"/>
-            <a:ext cx="4013809" cy="574707"/>
-          </a:xfrm>
-          <a:prstGeom prst="straightConnector1">
-            <a:avLst/>
-          </a:prstGeom>
-          <a:ln>
-            <a:solidFill>
-              <a:schemeClr val="tx1"/>
-            </a:solidFill>
-            <a:tailEnd type="triangle"/>
-          </a:ln>
-        </p:spPr>
-        <p:style>
-          <a:lnRef idx="1">
-            <a:schemeClr val="accent1"/>
-          </a:lnRef>
-          <a:fillRef idx="0">
-            <a:schemeClr val="accent1"/>
-          </a:fillRef>
-          <a:effectRef idx="0">
-            <a:schemeClr val="accent1"/>
-          </a:effectRef>
-          <a:fontRef idx="minor">
-            <a:schemeClr val="tx1"/>
-          </a:fontRef>
-        </p:style>
-      </p:cxnSp>
-      <p:cxnSp>
-        <p:nvCxnSpPr>
-          <p:cNvPr id="23" name="Straight Arrow Connector 22"/>
-          <p:cNvCxnSpPr>
-            <a:stCxn id="56" idx="0"/>
-            <a:endCxn id="32" idx="2"/>
-          </p:cNvCxnSpPr>
-          <p:nvPr/>
-        </p:nvCxnSpPr>
-        <p:spPr>
-          <a:xfrm flipH="1" flipV="1">
-            <a:off x="5552956" y="4923226"/>
-            <a:ext cx="862428" cy="1031142"/>
-          </a:xfrm>
-          <a:prstGeom prst="straightConnector1">
-            <a:avLst/>
-          </a:prstGeom>
-          <a:ln>
-            <a:solidFill>
-              <a:schemeClr val="tx1"/>
-            </a:solidFill>
-            <a:tailEnd type="triangle"/>
-          </a:ln>
-        </p:spPr>
-        <p:style>
-          <a:lnRef idx="1">
-            <a:schemeClr val="accent1"/>
-          </a:lnRef>
-          <a:fillRef idx="0">
-            <a:schemeClr val="accent1"/>
-          </a:fillRef>
-          <a:effectRef idx="0">
-            <a:schemeClr val="accent1"/>
-          </a:effectRef>
-          <a:fontRef idx="minor">
-            <a:schemeClr val="tx1"/>
-          </a:fontRef>
-        </p:style>
-      </p:cxnSp>
-      <p:cxnSp>
-        <p:nvCxnSpPr>
-          <p:cNvPr id="70" name="Straight Arrow Connector 69"/>
-          <p:cNvCxnSpPr>
-            <a:stCxn id="55" idx="0"/>
-            <a:endCxn id="32" idx="2"/>
-          </p:cNvCxnSpPr>
-          <p:nvPr/>
-        </p:nvCxnSpPr>
-        <p:spPr>
-          <a:xfrm flipV="1">
-            <a:off x="4730185" y="4923226"/>
-            <a:ext cx="822771" cy="1031141"/>
-          </a:xfrm>
-          <a:prstGeom prst="straightConnector1">
-            <a:avLst/>
-          </a:prstGeom>
-          <a:ln>
-            <a:solidFill>
-              <a:schemeClr val="tx1"/>
-            </a:solidFill>
-            <a:tailEnd type="triangle"/>
-          </a:ln>
-        </p:spPr>
-        <p:style>
-          <a:lnRef idx="1">
-            <a:schemeClr val="accent1"/>
-          </a:lnRef>
-          <a:fillRef idx="0">
-            <a:schemeClr val="accent1"/>
-          </a:fillRef>
-          <a:effectRef idx="0">
-            <a:schemeClr val="accent1"/>
-          </a:effectRef>
-          <a:fontRef idx="minor">
-            <a:schemeClr val="tx1"/>
-          </a:fontRef>
-        </p:style>
-      </p:cxnSp>
-      <p:sp>
-        <p:nvSpPr>
-          <p:cNvPr id="73" name="TextBox 72"/>
-          <p:cNvSpPr txBox="1"/>
-          <p:nvPr/>
-        </p:nvSpPr>
-        <p:spPr>
-          <a:xfrm>
-            <a:off x="4856864" y="5267260"/>
-            <a:ext cx="1333665" cy="253916"/>
-          </a:xfrm>
-          <a:prstGeom prst="rect">
-            <a:avLst/>
-          </a:prstGeom>
-          <a:solidFill>
-            <a:schemeClr val="bg1"/>
-          </a:solidFill>
-          <a:ln w="19050">
-            <a:solidFill>
-              <a:schemeClr val="tx1"/>
-            </a:solidFill>
-            <a:prstDash val="sysDot"/>
-          </a:ln>
-        </p:spPr>
-        <p:txBody>
-          <a:bodyPr wrap="square" rtlCol="0">
-            <a:spAutoFit/>
-          </a:bodyPr>
-          <a:lstStyle/>
-          <a:p>
-            <a:r>
-              <a:rPr lang="en-US" sz="1050" dirty="0" smtClean="0"/>
-              <a:t>Documentation URLs</a:t>
-            </a:r>
-            <a:endParaRPr lang="en-US" sz="1050" dirty="0"/>
-          </a:p>
-        </p:txBody>
-      </p:sp>
-      <p:pic>
-        <p:nvPicPr>
-          <p:cNvPr id="100" name="Picture 99"/>
-          <p:cNvPicPr>
-            <a:picLocks noChangeAspect="1"/>
-          </p:cNvPicPr>
-          <p:nvPr/>
-        </p:nvPicPr>
-        <p:blipFill>
-          <a:blip r:embed="rId3" cstate="print">
-            <a:duotone>
-              <a:schemeClr val="accent2">
-                <a:shade val="45000"/>
-                <a:satMod val="135000"/>
-              </a:schemeClr>
-              <a:prstClr val="white"/>
-            </a:duotone>
-            <a:extLst>
-              <a:ext uri="{28A0092B-C50C-407E-A947-70E740481C1C}">
-                <a14:useLocalDpi xmlns:a14="http://schemas.microsoft.com/office/drawing/2010/main" val="0"/>
-              </a:ext>
-            </a:extLst>
-          </a:blip>
-          <a:stretch>
-            <a:fillRect/>
-          </a:stretch>
-        </p:blipFill>
-        <p:spPr>
-          <a:xfrm>
-            <a:off x="7853095" y="5894162"/>
-            <a:ext cx="531784" cy="531784"/>
-          </a:xfrm>
-          <a:prstGeom prst="rect">
-            <a:avLst/>
-          </a:prstGeom>
-        </p:spPr>
-      </p:pic>
-      <p:sp>
-        <p:nvSpPr>
-          <p:cNvPr id="108" name="Rectangle 107"/>
-          <p:cNvSpPr/>
-          <p:nvPr/>
-        </p:nvSpPr>
-        <p:spPr>
-          <a:xfrm>
-            <a:off x="8991287" y="1984294"/>
-            <a:ext cx="1573544" cy="883496"/>
-          </a:xfrm>
-          <a:prstGeom prst="rect">
-            <a:avLst/>
-          </a:prstGeom>
-          <a:solidFill>
-            <a:schemeClr val="accent6">
-              <a:lumMod val="20000"/>
-              <a:lumOff val="80000"/>
-            </a:schemeClr>
-          </a:solidFill>
-          <a:ln>
-            <a:solidFill>
-              <a:srgbClr val="C00000"/>
-            </a:solidFill>
-          </a:ln>
-        </p:spPr>
-        <p:style>
-          <a:lnRef idx="2">
-            <a:schemeClr val="accent1">
-              <a:shade val="50000"/>
-            </a:schemeClr>
-          </a:lnRef>
-          <a:fillRef idx="1">
-            <a:schemeClr val="accent1"/>
-          </a:fillRef>
-          <a:effectRef idx="0">
-            <a:schemeClr val="accent1"/>
-          </a:effectRef>
-          <a:fontRef idx="minor">
-            <a:schemeClr val="lt1"/>
-          </a:fontRef>
-        </p:style>
-        <p:txBody>
-          <a:bodyPr rtlCol="0" anchor="t"/>
-          <a:lstStyle/>
-          <a:p>
-            <a:pPr algn="ctr"/>
-            <a:r>
-              <a:rPr lang="en-US" dirty="0" smtClean="0">
-                <a:solidFill>
-                  <a:srgbClr val="C00000"/>
-                </a:solidFill>
-              </a:rPr>
-              <a:t>Metadata schema </a:t>
-            </a:r>
-            <a:br>
-              <a:rPr lang="en-US" dirty="0" smtClean="0">
-                <a:solidFill>
-                  <a:srgbClr val="C00000"/>
-                </a:solidFill>
-              </a:rPr>
-            </a:br>
-            <a:r>
-              <a:rPr lang="en-US" dirty="0" smtClean="0">
-                <a:solidFill>
-                  <a:srgbClr val="C00000"/>
-                </a:solidFill>
-              </a:rPr>
-              <a:t>(RDF, JSON)</a:t>
-            </a:r>
-            <a:endParaRPr lang="en-US" dirty="0">
-              <a:solidFill>
-                <a:srgbClr val="C00000"/>
-              </a:solidFill>
-            </a:endParaRPr>
-          </a:p>
-        </p:txBody>
-      </p:sp>
-      <p:cxnSp>
-        <p:nvCxnSpPr>
-          <p:cNvPr id="109" name="Straight Arrow Connector 108"/>
-          <p:cNvCxnSpPr>
-            <a:stCxn id="108" idx="1"/>
-            <a:endCxn id="53" idx="0"/>
-          </p:cNvCxnSpPr>
-          <p:nvPr/>
-        </p:nvCxnSpPr>
-        <p:spPr>
-          <a:xfrm flipH="1">
-            <a:off x="7939133" y="2426042"/>
-            <a:ext cx="1052154" cy="153112"/>
-          </a:xfrm>
-          <a:prstGeom prst="straightConnector1">
-            <a:avLst/>
-          </a:prstGeom>
-          <a:ln>
-            <a:solidFill>
-              <a:schemeClr val="tx1"/>
-            </a:solidFill>
-            <a:tailEnd type="triangle"/>
-          </a:ln>
-        </p:spPr>
-        <p:style>
-          <a:lnRef idx="1">
-            <a:schemeClr val="accent1"/>
-          </a:lnRef>
-          <a:fillRef idx="0">
-            <a:schemeClr val="accent1"/>
-          </a:fillRef>
-          <a:effectRef idx="0">
-            <a:schemeClr val="accent1"/>
-          </a:effectRef>
-          <a:fontRef idx="minor">
-            <a:schemeClr val="tx1"/>
-          </a:fontRef>
-        </p:style>
-      </p:cxnSp>
-      <p:cxnSp>
-        <p:nvCxnSpPr>
-          <p:cNvPr id="88" name="Elbow Connector 87"/>
-          <p:cNvCxnSpPr>
-            <a:stCxn id="108" idx="3"/>
-            <a:endCxn id="8" idx="3"/>
-          </p:cNvCxnSpPr>
-          <p:nvPr/>
-        </p:nvCxnSpPr>
-        <p:spPr>
-          <a:xfrm flipH="1">
-            <a:off x="10438758" y="2426042"/>
-            <a:ext cx="126073" cy="2141723"/>
-          </a:xfrm>
-          <a:prstGeom prst="bentConnector3">
-            <a:avLst>
-              <a:gd name="adj1" fmla="val -181324"/>
-            </a:avLst>
-          </a:prstGeom>
-          <a:ln>
-            <a:solidFill>
-              <a:schemeClr val="tx1"/>
-            </a:solidFill>
-            <a:tailEnd type="triangle"/>
-          </a:ln>
-        </p:spPr>
-        <p:style>
-          <a:lnRef idx="1">
-            <a:schemeClr val="accent1"/>
-          </a:lnRef>
-          <a:fillRef idx="0">
-            <a:schemeClr val="accent1"/>
-          </a:fillRef>
-          <a:effectRef idx="0">
-            <a:schemeClr val="accent1"/>
-          </a:effectRef>
-          <a:fontRef idx="minor">
-            <a:schemeClr val="tx1"/>
-          </a:fontRef>
-        </p:style>
-      </p:cxnSp>
-      <p:cxnSp>
-        <p:nvCxnSpPr>
-          <p:cNvPr id="116" name="Elbow Connector 115"/>
-          <p:cNvCxnSpPr>
-            <a:stCxn id="108" idx="3"/>
-            <a:endCxn id="17" idx="3"/>
-          </p:cNvCxnSpPr>
-          <p:nvPr/>
-        </p:nvCxnSpPr>
-        <p:spPr>
-          <a:xfrm>
-            <a:off x="10564831" y="2426042"/>
-            <a:ext cx="780690" cy="2951996"/>
-          </a:xfrm>
-          <a:prstGeom prst="bentConnector3">
-            <a:avLst>
-              <a:gd name="adj1" fmla="val 129282"/>
-            </a:avLst>
-          </a:prstGeom>
-          <a:ln>
-            <a:solidFill>
-              <a:schemeClr val="tx1"/>
-            </a:solidFill>
-            <a:tailEnd type="triangle"/>
-          </a:ln>
-        </p:spPr>
-        <p:style>
-          <a:lnRef idx="1">
-            <a:schemeClr val="accent1"/>
-          </a:lnRef>
-          <a:fillRef idx="0">
-            <a:schemeClr val="accent1"/>
-          </a:fillRef>
-          <a:effectRef idx="0">
-            <a:schemeClr val="accent1"/>
-          </a:effectRef>
-          <a:fontRef idx="minor">
-            <a:schemeClr val="tx1"/>
-          </a:fontRef>
-        </p:style>
-      </p:cxnSp>
-      <p:sp>
-        <p:nvSpPr>
-          <p:cNvPr id="137" name="TextBox 136"/>
-          <p:cNvSpPr txBox="1"/>
-          <p:nvPr/>
-        </p:nvSpPr>
-        <p:spPr>
-          <a:xfrm>
-            <a:off x="6624804" y="5327008"/>
-            <a:ext cx="1676199" cy="415498"/>
-          </a:xfrm>
-          <a:prstGeom prst="rect">
-            <a:avLst/>
-          </a:prstGeom>
-          <a:solidFill>
-            <a:schemeClr val="bg1"/>
-          </a:solidFill>
-          <a:ln w="19050">
-            <a:solidFill>
-              <a:schemeClr val="tx1"/>
-            </a:solidFill>
-            <a:prstDash val="sysDot"/>
-          </a:ln>
-        </p:spPr>
-        <p:txBody>
-          <a:bodyPr wrap="square" rtlCol="0">
-            <a:spAutoFit/>
-          </a:bodyPr>
-          <a:lstStyle/>
-          <a:p>
-            <a:r>
-              <a:rPr lang="en-US" sz="1050" dirty="0" smtClean="0"/>
-              <a:t>Model metadata, variables,</a:t>
-            </a:r>
-          </a:p>
-          <a:p>
-            <a:r>
-              <a:rPr lang="en-US" sz="1050" dirty="0" smtClean="0"/>
-              <a:t>documentation, etc.</a:t>
-            </a:r>
-            <a:endParaRPr lang="en-US" sz="1050" dirty="0"/>
-          </a:p>
-        </p:txBody>
-      </p:sp>
-      <p:cxnSp>
-        <p:nvCxnSpPr>
-          <p:cNvPr id="127" name="Elbow Connector 126"/>
-          <p:cNvCxnSpPr>
-            <a:stCxn id="129" idx="3"/>
-            <a:endCxn id="36" idx="1"/>
-          </p:cNvCxnSpPr>
-          <p:nvPr/>
-        </p:nvCxnSpPr>
-        <p:spPr>
-          <a:xfrm>
-            <a:off x="3510985" y="5672832"/>
-            <a:ext cx="4990801" cy="803126"/>
-          </a:xfrm>
-          <a:prstGeom prst="bentConnector3">
-            <a:avLst>
-              <a:gd name="adj1" fmla="val 5214"/>
-            </a:avLst>
-          </a:prstGeom>
-          <a:ln>
-            <a:solidFill>
-              <a:schemeClr val="tx1"/>
-            </a:solidFill>
-            <a:tailEnd type="triangle"/>
-          </a:ln>
-        </p:spPr>
-        <p:style>
-          <a:lnRef idx="1">
-            <a:schemeClr val="accent1"/>
-          </a:lnRef>
-          <a:fillRef idx="0">
-            <a:schemeClr val="accent1"/>
-          </a:fillRef>
-          <a:effectRef idx="0">
-            <a:schemeClr val="accent1"/>
-          </a:effectRef>
-          <a:fontRef idx="minor">
-            <a:schemeClr val="tx1"/>
-          </a:fontRef>
-        </p:style>
-      </p:cxnSp>
-      <p:cxnSp>
-        <p:nvCxnSpPr>
-          <p:cNvPr id="169" name="Straight Arrow Connector 168"/>
-          <p:cNvCxnSpPr>
-            <a:stCxn id="29" idx="0"/>
-            <a:endCxn id="182" idx="2"/>
-          </p:cNvCxnSpPr>
-          <p:nvPr/>
-        </p:nvCxnSpPr>
-        <p:spPr>
-          <a:xfrm flipH="1" flipV="1">
-            <a:off x="5548602" y="2491643"/>
-            <a:ext cx="6337" cy="276338"/>
-          </a:xfrm>
-          <a:prstGeom prst="straightConnector1">
-            <a:avLst/>
-          </a:prstGeom>
-          <a:ln>
-            <a:solidFill>
-              <a:schemeClr val="tx1"/>
-            </a:solidFill>
-            <a:tailEnd type="triangle"/>
-          </a:ln>
-        </p:spPr>
-        <p:style>
-          <a:lnRef idx="1">
-            <a:schemeClr val="accent1"/>
-          </a:lnRef>
-          <a:fillRef idx="0">
-            <a:schemeClr val="accent1"/>
-          </a:fillRef>
-          <a:effectRef idx="0">
-            <a:schemeClr val="accent1"/>
-          </a:effectRef>
-          <a:fontRef idx="minor">
-            <a:schemeClr val="tx1"/>
-          </a:fontRef>
-        </p:style>
-      </p:cxnSp>
-      <p:cxnSp>
-        <p:nvCxnSpPr>
-          <p:cNvPr id="178" name="Elbow Connector 177"/>
-          <p:cNvCxnSpPr>
-            <a:stCxn id="129" idx="1"/>
-            <a:endCxn id="31" idx="1"/>
-          </p:cNvCxnSpPr>
-          <p:nvPr/>
-        </p:nvCxnSpPr>
-        <p:spPr>
-          <a:xfrm rot="10800000" flipH="1">
-            <a:off x="756214" y="2231386"/>
-            <a:ext cx="1797387" cy="3441447"/>
-          </a:xfrm>
-          <a:prstGeom prst="bentConnector3">
-            <a:avLst>
-              <a:gd name="adj1" fmla="val -12718"/>
-            </a:avLst>
-          </a:prstGeom>
-          <a:ln>
-            <a:solidFill>
-              <a:schemeClr val="tx1"/>
-            </a:solidFill>
-            <a:tailEnd type="triangle"/>
-          </a:ln>
-        </p:spPr>
-        <p:style>
-          <a:lnRef idx="1">
-            <a:schemeClr val="accent1"/>
-          </a:lnRef>
-          <a:fillRef idx="0">
-            <a:schemeClr val="accent1"/>
-          </a:fillRef>
-          <a:effectRef idx="0">
-            <a:schemeClr val="accent1"/>
-          </a:effectRef>
-          <a:fontRef idx="minor">
-            <a:schemeClr val="tx1"/>
-          </a:fontRef>
-        </p:style>
-      </p:cxnSp>
-      <p:sp>
-        <p:nvSpPr>
-          <p:cNvPr id="182" name="Folded Corner 181"/>
-          <p:cNvSpPr/>
-          <p:nvPr/>
-        </p:nvSpPr>
-        <p:spPr>
-          <a:xfrm>
-            <a:off x="4675253" y="1545525"/>
-            <a:ext cx="1746697" cy="946118"/>
-          </a:xfrm>
-          <a:prstGeom prst="foldedCorner">
-            <a:avLst>
-              <a:gd name="adj" fmla="val 13667"/>
-            </a:avLst>
-          </a:prstGeom>
-          <a:solidFill>
-            <a:schemeClr val="accent4">
-              <a:lumMod val="20000"/>
-              <a:lumOff val="80000"/>
-            </a:schemeClr>
-          </a:solidFill>
-          <a:ln>
-            <a:solidFill>
-              <a:srgbClr val="C00000"/>
-            </a:solidFill>
-          </a:ln>
-        </p:spPr>
-        <p:style>
-          <a:lnRef idx="2">
-            <a:schemeClr val="accent1">
-              <a:shade val="50000"/>
-            </a:schemeClr>
-          </a:lnRef>
-          <a:fillRef idx="1">
-            <a:schemeClr val="accent1"/>
-          </a:fillRef>
-          <a:effectRef idx="0">
-            <a:schemeClr val="accent1"/>
-          </a:effectRef>
-          <a:fontRef idx="minor">
-            <a:schemeClr val="lt1"/>
-          </a:fontRef>
-        </p:style>
-        <p:txBody>
-          <a:bodyPr rtlCol="0" anchor="t"/>
-          <a:lstStyle/>
-          <a:p>
-            <a:pPr algn="ctr"/>
-            <a:r>
-              <a:rPr lang="en-US" dirty="0">
-                <a:solidFill>
-                  <a:srgbClr val="C00000"/>
-                </a:solidFill>
-              </a:rPr>
-              <a:t>Model configuration metadata file </a:t>
-            </a:r>
-            <a:endParaRPr lang="en-US" dirty="0">
-              <a:solidFill>
-                <a:srgbClr val="C00000"/>
-              </a:solidFill>
-            </a:endParaRPr>
-          </a:p>
-        </p:txBody>
-      </p:sp>
-      <p:cxnSp>
-        <p:nvCxnSpPr>
-          <p:cNvPr id="183" name="Elbow Connector 182"/>
-          <p:cNvCxnSpPr>
-            <a:stCxn id="196" idx="1"/>
-            <a:endCxn id="31" idx="1"/>
-          </p:cNvCxnSpPr>
-          <p:nvPr/>
-        </p:nvCxnSpPr>
-        <p:spPr>
-          <a:xfrm rot="10800000" flipH="1">
-            <a:off x="756212" y="2231386"/>
-            <a:ext cx="1797389" cy="4226269"/>
-          </a:xfrm>
-          <a:prstGeom prst="bentConnector3">
-            <a:avLst>
-              <a:gd name="adj1" fmla="val -23509"/>
-            </a:avLst>
-          </a:prstGeom>
-          <a:ln>
-            <a:solidFill>
-              <a:schemeClr val="tx1"/>
-            </a:solidFill>
-            <a:tailEnd type="triangle"/>
-          </a:ln>
-        </p:spPr>
-        <p:style>
-          <a:lnRef idx="1">
-            <a:schemeClr val="accent1"/>
-          </a:lnRef>
-          <a:fillRef idx="0">
-            <a:schemeClr val="accent1"/>
-          </a:fillRef>
-          <a:effectRef idx="0">
-            <a:schemeClr val="accent1"/>
-          </a:effectRef>
-          <a:fontRef idx="minor">
-            <a:schemeClr val="tx1"/>
-          </a:fontRef>
-        </p:style>
-      </p:cxnSp>
-      <p:sp>
-        <p:nvSpPr>
-          <p:cNvPr id="186" name="TextBox 185"/>
-          <p:cNvSpPr txBox="1"/>
-          <p:nvPr/>
-        </p:nvSpPr>
-        <p:spPr>
-          <a:xfrm>
-            <a:off x="438997" y="4750418"/>
-            <a:ext cx="1139148" cy="253916"/>
-          </a:xfrm>
-          <a:prstGeom prst="rect">
-            <a:avLst/>
-          </a:prstGeom>
-          <a:solidFill>
-            <a:schemeClr val="bg1"/>
-          </a:solidFill>
-          <a:ln w="19050">
-            <a:solidFill>
-              <a:schemeClr val="tx1"/>
-            </a:solidFill>
-            <a:prstDash val="sysDot"/>
-          </a:ln>
-        </p:spPr>
-        <p:txBody>
-          <a:bodyPr wrap="square" rtlCol="0">
-            <a:spAutoFit/>
-          </a:bodyPr>
-          <a:lstStyle/>
-          <a:p>
-            <a:r>
-              <a:rPr lang="en-US" sz="1050" dirty="0" smtClean="0"/>
-              <a:t>Transformations</a:t>
-            </a:r>
-            <a:endParaRPr lang="en-US" sz="1050" dirty="0"/>
-          </a:p>
-        </p:txBody>
-      </p:sp>
-      <p:sp>
-        <p:nvSpPr>
-          <p:cNvPr id="196" name="Rounded Rectangle 195"/>
-          <p:cNvSpPr/>
-          <p:nvPr/>
-        </p:nvSpPr>
-        <p:spPr>
-          <a:xfrm>
-            <a:off x="756213" y="6119781"/>
-            <a:ext cx="2754772" cy="675746"/>
-          </a:xfrm>
-          <a:prstGeom prst="roundRect">
-            <a:avLst/>
-          </a:prstGeom>
-          <a:solidFill>
-            <a:schemeClr val="accent1">
-              <a:lumMod val="20000"/>
-              <a:lumOff val="80000"/>
-            </a:schemeClr>
-          </a:solidFill>
-          <a:ln>
-            <a:solidFill>
-              <a:srgbClr val="C00000"/>
-            </a:solidFill>
-          </a:ln>
-        </p:spPr>
-        <p:style>
-          <a:lnRef idx="2">
-            <a:schemeClr val="accent1">
-              <a:shade val="50000"/>
-            </a:schemeClr>
-          </a:lnRef>
-          <a:fillRef idx="1">
-            <a:schemeClr val="accent1"/>
-          </a:fillRef>
-          <a:effectRef idx="0">
-            <a:schemeClr val="accent1"/>
-          </a:effectRef>
-          <a:fontRef idx="minor">
-            <a:schemeClr val="lt1"/>
-          </a:fontRef>
-        </p:style>
-        <p:txBody>
-          <a:bodyPr rtlCol="0" anchor="t"/>
-          <a:lstStyle/>
-          <a:p>
-            <a:pPr algn="ctr"/>
-            <a:r>
-              <a:rPr lang="en-US" dirty="0">
-                <a:solidFill>
-                  <a:srgbClr val="C00000"/>
-                </a:solidFill>
-              </a:rPr>
-              <a:t>Automated extraction of </a:t>
-            </a:r>
-            <a:r>
-              <a:rPr lang="en-US" dirty="0" smtClean="0">
-                <a:solidFill>
-                  <a:srgbClr val="C00000"/>
-                </a:solidFill>
-              </a:rPr>
-              <a:t>variables (Automates)</a:t>
-            </a:r>
-            <a:endParaRPr lang="en-US" dirty="0">
-              <a:solidFill>
-                <a:srgbClr val="C00000"/>
-              </a:solidFill>
-            </a:endParaRPr>
-          </a:p>
-        </p:txBody>
-      </p:sp>
-      <p:sp>
-        <p:nvSpPr>
-          <p:cNvPr id="199" name="Rectangle 198"/>
-          <p:cNvSpPr/>
-          <p:nvPr/>
-        </p:nvSpPr>
-        <p:spPr>
-          <a:xfrm>
-            <a:off x="10429522" y="6035848"/>
-            <a:ext cx="1618182" cy="880219"/>
-          </a:xfrm>
-          <a:prstGeom prst="rect">
-            <a:avLst/>
-          </a:prstGeom>
-          <a:solidFill>
-            <a:schemeClr val="accent4">
-              <a:lumMod val="20000"/>
-              <a:lumOff val="80000"/>
-            </a:schemeClr>
-          </a:solidFill>
-          <a:ln>
-            <a:solidFill>
-              <a:srgbClr val="C00000"/>
-            </a:solidFill>
-          </a:ln>
-        </p:spPr>
-        <p:style>
-          <a:lnRef idx="2">
-            <a:schemeClr val="accent1">
-              <a:shade val="50000"/>
-            </a:schemeClr>
-          </a:lnRef>
-          <a:fillRef idx="1">
-            <a:schemeClr val="accent1"/>
-          </a:fillRef>
-          <a:effectRef idx="0">
-            <a:schemeClr val="accent1"/>
-          </a:effectRef>
-          <a:fontRef idx="minor">
-            <a:schemeClr val="lt1"/>
-          </a:fontRef>
-        </p:style>
-        <p:txBody>
-          <a:bodyPr rtlCol="0" anchor="t"/>
-          <a:lstStyle/>
-          <a:p>
-            <a:pPr algn="ctr"/>
-            <a:r>
-              <a:rPr lang="en-US" dirty="0" smtClean="0">
-                <a:solidFill>
-                  <a:srgbClr val="C00000"/>
-                </a:solidFill>
-              </a:rPr>
-              <a:t>Model Calibration (DAKOTA)</a:t>
-            </a:r>
-            <a:endParaRPr lang="en-US" dirty="0">
-              <a:solidFill>
-                <a:srgbClr val="C00000"/>
-              </a:solidFill>
-            </a:endParaRPr>
-          </a:p>
-        </p:txBody>
-      </p:sp>
-      <p:cxnSp>
-        <p:nvCxnSpPr>
-          <p:cNvPr id="200" name="Straight Arrow Connector 199"/>
-          <p:cNvCxnSpPr>
-            <a:stCxn id="199" idx="1"/>
-            <a:endCxn id="36" idx="3"/>
-          </p:cNvCxnSpPr>
-          <p:nvPr/>
-        </p:nvCxnSpPr>
-        <p:spPr>
-          <a:xfrm flipH="1">
-            <a:off x="10205403" y="6475958"/>
-            <a:ext cx="224119" cy="0"/>
-          </a:xfrm>
-          <a:prstGeom prst="straightConnector1">
-            <a:avLst/>
-          </a:prstGeom>
-          <a:ln>
-            <a:solidFill>
-              <a:schemeClr val="tx1"/>
-            </a:solidFill>
-            <a:tailEnd type="triangle"/>
-          </a:ln>
-        </p:spPr>
-        <p:style>
-          <a:lnRef idx="1">
-            <a:schemeClr val="accent1"/>
-          </a:lnRef>
-          <a:fillRef idx="0">
-            <a:schemeClr val="accent1"/>
-          </a:fillRef>
-          <a:effectRef idx="0">
-            <a:schemeClr val="accent1"/>
-          </a:effectRef>
-          <a:fontRef idx="minor">
-            <a:schemeClr val="tx1"/>
-          </a:fontRef>
-        </p:style>
-      </p:cxnSp>
+            </a:fontRef>
+          </p:style>
+        </p:cxnSp>
+      </p:grpSp>
     </p:spTree>
     <p:extLst>
       <p:ext uri="{BB962C8B-B14F-4D97-AF65-F5344CB8AC3E}">

--- a/docs/figures/ModelCatalogInsertion.pptx
+++ b/docs/figures/ModelCatalogInsertion.pptx
@@ -197,7 +197,7 @@
           <a:p>
             <a:fld id="{4A4A7E92-9CC0-487B-8E65-33EE28512534}" type="datetimeFigureOut">
               <a:rPr lang="en-US" smtClean="0"/>
-              <a:t>3/18/2020</a:t>
+              <a:t>3/19/2020</a:t>
             </a:fld>
             <a:endParaRPr lang="en-US"/>
           </a:p>
@@ -680,7 +680,7 @@
           <a:p>
             <a:fld id="{23CFBB76-9FFC-4901-A987-836C07D9CD4F}" type="datetimeFigureOut">
               <a:rPr lang="en-US" smtClean="0"/>
-              <a:t>3/18/2020</a:t>
+              <a:t>3/19/2020</a:t>
             </a:fld>
             <a:endParaRPr lang="en-US"/>
           </a:p>
@@ -850,7 +850,7 @@
           <a:p>
             <a:fld id="{23CFBB76-9FFC-4901-A987-836C07D9CD4F}" type="datetimeFigureOut">
               <a:rPr lang="en-US" smtClean="0"/>
-              <a:t>3/18/2020</a:t>
+              <a:t>3/19/2020</a:t>
             </a:fld>
             <a:endParaRPr lang="en-US"/>
           </a:p>
@@ -1030,7 +1030,7 @@
           <a:p>
             <a:fld id="{23CFBB76-9FFC-4901-A987-836C07D9CD4F}" type="datetimeFigureOut">
               <a:rPr lang="en-US" smtClean="0"/>
-              <a:t>3/18/2020</a:t>
+              <a:t>3/19/2020</a:t>
             </a:fld>
             <a:endParaRPr lang="en-US"/>
           </a:p>
@@ -1200,7 +1200,7 @@
           <a:p>
             <a:fld id="{23CFBB76-9FFC-4901-A987-836C07D9CD4F}" type="datetimeFigureOut">
               <a:rPr lang="en-US" smtClean="0"/>
-              <a:t>3/18/2020</a:t>
+              <a:t>3/19/2020</a:t>
             </a:fld>
             <a:endParaRPr lang="en-US"/>
           </a:p>
@@ -1446,7 +1446,7 @@
           <a:p>
             <a:fld id="{23CFBB76-9FFC-4901-A987-836C07D9CD4F}" type="datetimeFigureOut">
               <a:rPr lang="en-US" smtClean="0"/>
-              <a:t>3/18/2020</a:t>
+              <a:t>3/19/2020</a:t>
             </a:fld>
             <a:endParaRPr lang="en-US"/>
           </a:p>
@@ -1678,7 +1678,7 @@
           <a:p>
             <a:fld id="{23CFBB76-9FFC-4901-A987-836C07D9CD4F}" type="datetimeFigureOut">
               <a:rPr lang="en-US" smtClean="0"/>
-              <a:t>3/18/2020</a:t>
+              <a:t>3/19/2020</a:t>
             </a:fld>
             <a:endParaRPr lang="en-US"/>
           </a:p>
@@ -2045,7 +2045,7 @@
           <a:p>
             <a:fld id="{23CFBB76-9FFC-4901-A987-836C07D9CD4F}" type="datetimeFigureOut">
               <a:rPr lang="en-US" smtClean="0"/>
-              <a:t>3/18/2020</a:t>
+              <a:t>3/19/2020</a:t>
             </a:fld>
             <a:endParaRPr lang="en-US"/>
           </a:p>
@@ -2163,7 +2163,7 @@
           <a:p>
             <a:fld id="{23CFBB76-9FFC-4901-A987-836C07D9CD4F}" type="datetimeFigureOut">
               <a:rPr lang="en-US" smtClean="0"/>
-              <a:t>3/18/2020</a:t>
+              <a:t>3/19/2020</a:t>
             </a:fld>
             <a:endParaRPr lang="en-US"/>
           </a:p>
@@ -2258,7 +2258,7 @@
           <a:p>
             <a:fld id="{23CFBB76-9FFC-4901-A987-836C07D9CD4F}" type="datetimeFigureOut">
               <a:rPr lang="en-US" smtClean="0"/>
-              <a:t>3/18/2020</a:t>
+              <a:t>3/19/2020</a:t>
             </a:fld>
             <a:endParaRPr lang="en-US"/>
           </a:p>
@@ -2535,7 +2535,7 @@
           <a:p>
             <a:fld id="{23CFBB76-9FFC-4901-A987-836C07D9CD4F}" type="datetimeFigureOut">
               <a:rPr lang="en-US" smtClean="0"/>
-              <a:t>3/18/2020</a:t>
+              <a:t>3/19/2020</a:t>
             </a:fld>
             <a:endParaRPr lang="en-US"/>
           </a:p>
@@ -2788,7 +2788,7 @@
           <a:p>
             <a:fld id="{23CFBB76-9FFC-4901-A987-836C07D9CD4F}" type="datetimeFigureOut">
               <a:rPr lang="en-US" smtClean="0"/>
-              <a:t>3/18/2020</a:t>
+              <a:t>3/19/2020</a:t>
             </a:fld>
             <a:endParaRPr lang="en-US"/>
           </a:p>
@@ -3001,7 +3001,7 @@
           <a:p>
             <a:fld id="{23CFBB76-9FFC-4901-A987-836C07D9CD4F}" type="datetimeFigureOut">
               <a:rPr lang="en-US" smtClean="0"/>
-              <a:t>3/18/2020</a:t>
+              <a:t>3/19/2020</a:t>
             </a:fld>
             <a:endParaRPr lang="en-US"/>
           </a:p>
@@ -3445,9 +3445,9 @@
         <p:grpSpPr>
           <a:xfrm>
             <a:off x="262984" y="312609"/>
-            <a:ext cx="11784720" cy="6603458"/>
+            <a:ext cx="11784720" cy="6603457"/>
             <a:chOff x="262984" y="312609"/>
-            <a:chExt cx="11784720" cy="6603458"/>
+            <a:chExt cx="11784720" cy="6603457"/>
           </a:xfrm>
         </p:grpSpPr>
         <p:sp>
@@ -4215,8 +4215,8 @@
           </p:nvSpPr>
           <p:spPr>
             <a:xfrm>
-              <a:off x="8501786" y="6152541"/>
-              <a:ext cx="1703617" cy="646834"/>
+              <a:off x="8501785" y="6013741"/>
+              <a:ext cx="1703617" cy="902325"/>
             </a:xfrm>
             <a:prstGeom prst="rect">
               <a:avLst/>
@@ -4260,7 +4260,15 @@
                     <a:srgbClr val="C00000"/>
                   </a:solidFill>
                 </a:rPr>
-                <a:t>Run model on server</a:t>
+                <a:t>Run model on </a:t>
+              </a:r>
+              <a:r>
+                <a:rPr lang="en-US" dirty="0" smtClean="0">
+                  <a:solidFill>
+                    <a:srgbClr val="C00000"/>
+                  </a:solidFill>
+                </a:rPr>
+                <a:t>server (MINT Desktop App)</a:t>
               </a:r>
               <a:endParaRPr lang="en-US" dirty="0">
                 <a:solidFill>
@@ -4614,9 +4622,9 @@
             <p:nvPr/>
           </p:nvCxnSpPr>
           <p:spPr>
-            <a:xfrm flipH="1" flipV="1">
+            <a:xfrm flipV="1">
               <a:off x="9353594" y="5723694"/>
-              <a:ext cx="1" cy="428847"/>
+              <a:ext cx="0" cy="290047"/>
             </a:xfrm>
             <a:prstGeom prst="straightConnector1">
               <a:avLst/>
@@ -4835,11 +4843,6 @@
                 </a:rPr>
                 <a:t>Template-based guidelines for metadata</a:t>
               </a:r>
-              <a:endParaRPr lang="en-US" dirty="0">
-                <a:solidFill>
-                  <a:srgbClr val="C00000"/>
-                </a:solidFill>
-              </a:endParaRPr>
             </a:p>
           </p:txBody>
         </p:sp>
@@ -4969,7 +4972,31 @@
                     <a:srgbClr val="C00000"/>
                   </a:solidFill>
                 </a:rPr>
-                <a:t>Data Catalog transformation services</a:t>
+                <a:t>Data </a:t>
+              </a:r>
+              <a:r>
+                <a:rPr lang="en-US" dirty="0">
+                  <a:solidFill>
+                    <a:srgbClr val="C00000"/>
+                  </a:solidFill>
+                </a:rPr>
+                <a:t>t</a:t>
+              </a:r>
+              <a:r>
+                <a:rPr lang="en-US" dirty="0" smtClean="0">
+                  <a:solidFill>
+                    <a:srgbClr val="C00000"/>
+                  </a:solidFill>
+                </a:rPr>
+                <a:t>ransformation </a:t>
+              </a:r>
+              <a:r>
+                <a:rPr lang="en-US" dirty="0" smtClean="0">
+                  <a:solidFill>
+                    <a:srgbClr val="C00000"/>
+                  </a:solidFill>
+                </a:rPr>
+                <a:t>services</a:t>
               </a:r>
               <a:endParaRPr lang="en-US" dirty="0">
                 <a:solidFill>
@@ -4987,7 +5014,7 @@
           </p:nvSpPr>
           <p:spPr>
             <a:xfrm>
-              <a:off x="1847183" y="1542002"/>
+              <a:off x="1865773" y="1507274"/>
               <a:ext cx="572833" cy="253916"/>
             </a:xfrm>
             <a:prstGeom prst="rect">
@@ -5912,7 +5939,7 @@
           <p:spPr>
             <a:xfrm>
               <a:off x="3510985" y="5672832"/>
-              <a:ext cx="4990801" cy="803126"/>
+              <a:ext cx="4990800" cy="792072"/>
             </a:xfrm>
             <a:prstGeom prst="bentConnector3">
               <a:avLst>
@@ -6078,11 +6105,6 @@
                 </a:rPr>
                 <a:t>Model configuration metadata file </a:t>
               </a:r>
-              <a:endParaRPr lang="en-US" dirty="0">
-                <a:solidFill>
-                  <a:srgbClr val="C00000"/>
-                </a:solidFill>
-              </a:endParaRPr>
             </a:p>
           </p:txBody>
         </p:sp>
@@ -6127,44 +6149,6 @@
             </a:fontRef>
           </p:style>
         </p:cxnSp>
-        <p:sp>
-          <p:nvSpPr>
-            <p:cNvPr id="186" name="TextBox 185"/>
-            <p:cNvSpPr txBox="1"/>
-            <p:nvPr/>
-          </p:nvSpPr>
-          <p:spPr>
-            <a:xfrm>
-              <a:off x="438997" y="4750418"/>
-              <a:ext cx="1139148" cy="253916"/>
-            </a:xfrm>
-            <a:prstGeom prst="rect">
-              <a:avLst/>
-            </a:prstGeom>
-            <a:solidFill>
-              <a:schemeClr val="bg1"/>
-            </a:solidFill>
-            <a:ln w="19050">
-              <a:solidFill>
-                <a:schemeClr val="tx1"/>
-              </a:solidFill>
-              <a:prstDash val="sysDot"/>
-            </a:ln>
-          </p:spPr>
-          <p:txBody>
-            <a:bodyPr wrap="square" rtlCol="0">
-              <a:spAutoFit/>
-            </a:bodyPr>
-            <a:lstStyle/>
-            <a:p>
-              <a:r>
-                <a:rPr lang="en-US" sz="1050" dirty="0" smtClean="0"/>
-                <a:t>Transformations</a:t>
-              </a:r>
-              <a:endParaRPr lang="en-US" sz="1050" dirty="0"/>
-            </a:p>
-          </p:txBody>
-        </p:sp>
         <p:sp>
           <p:nvSpPr>
             <p:cNvPr id="196" name="Rounded Rectangle 195"/>
@@ -6244,7 +6228,7 @@
           </p:nvSpPr>
           <p:spPr>
             <a:xfrm>
-              <a:off x="10429522" y="6035848"/>
+              <a:off x="10429522" y="6026674"/>
               <a:ext cx="1618182" cy="880219"/>
             </a:xfrm>
             <a:prstGeom prst="rect">
@@ -6309,9 +6293,9 @@
             <p:nvPr/>
           </p:nvCxnSpPr>
           <p:spPr>
-            <a:xfrm flipH="1">
-              <a:off x="10205403" y="6475958"/>
-              <a:ext cx="224119" cy="0"/>
+            <a:xfrm flipH="1" flipV="1">
+              <a:off x="10205402" y="6464904"/>
+              <a:ext cx="224120" cy="1880"/>
             </a:xfrm>
             <a:prstGeom prst="straightConnector1">
               <a:avLst/>

--- a/docs/figures/ModelCatalogInsertion.pptx
+++ b/docs/figures/ModelCatalogInsertion.pptx
@@ -5,10 +5,11 @@
     <p:sldMasterId id="2147483648" r:id="rId1"/>
   </p:sldMasterIdLst>
   <p:notesMasterIdLst>
-    <p:notesMasterId r:id="rId3"/>
+    <p:notesMasterId r:id="rId4"/>
   </p:notesMasterIdLst>
   <p:sldIdLst>
     <p:sldId id="256" r:id="rId2"/>
+    <p:sldId id="257" r:id="rId3"/>
   </p:sldIdLst>
   <p:sldSz cx="12192000" cy="6858000"/>
   <p:notesSz cx="6858000" cy="9144000"/>
@@ -197,7 +198,7 @@
           <a:p>
             <a:fld id="{4A4A7E92-9CC0-487B-8E65-33EE28512534}" type="datetimeFigureOut">
               <a:rPr lang="en-US" smtClean="0"/>
-              <a:t>3/19/2020</a:t>
+              <a:t>6/5/2020</a:t>
             </a:fld>
             <a:endParaRPr lang="en-US"/>
           </a:p>
@@ -549,6 +550,90 @@
 </p:notes>
 </file>
 
+<file path=ppt/notesSlides/notesSlide2.xml><?xml version="1.0" encoding="utf-8"?>
+<p:notes xmlns:a="http://schemas.openxmlformats.org/drawingml/2006/main" xmlns:r="http://schemas.openxmlformats.org/officeDocument/2006/relationships" xmlns:p="http://schemas.openxmlformats.org/presentationml/2006/main">
+  <p:cSld>
+    <p:spTree>
+      <p:nvGrpSpPr>
+        <p:cNvPr id="1" name=""/>
+        <p:cNvGrpSpPr/>
+        <p:nvPr/>
+      </p:nvGrpSpPr>
+      <p:grpSpPr>
+        <a:xfrm>
+          <a:off x="0" y="0"/>
+          <a:ext cx="0" cy="0"/>
+          <a:chOff x="0" y="0"/>
+          <a:chExt cx="0" cy="0"/>
+        </a:xfrm>
+      </p:grpSpPr>
+      <p:sp>
+        <p:nvSpPr>
+          <p:cNvPr id="2" name="Slide Image Placeholder 1"/>
+          <p:cNvSpPr>
+            <a:spLocks noGrp="1" noRot="1" noChangeAspect="1"/>
+          </p:cNvSpPr>
+          <p:nvPr>
+            <p:ph type="sldImg"/>
+          </p:nvPr>
+        </p:nvSpPr>
+        <p:spPr/>
+      </p:sp>
+      <p:sp>
+        <p:nvSpPr>
+          <p:cNvPr id="3" name="Notes Placeholder 2"/>
+          <p:cNvSpPr>
+            <a:spLocks noGrp="1"/>
+          </p:cNvSpPr>
+          <p:nvPr>
+            <p:ph type="body" idx="1"/>
+          </p:nvPr>
+        </p:nvSpPr>
+        <p:spPr/>
+        <p:txBody>
+          <a:bodyPr/>
+          <a:lstStyle/>
+          <a:p>
+            <a:endParaRPr lang="en-US" dirty="0"/>
+          </a:p>
+        </p:txBody>
+      </p:sp>
+      <p:sp>
+        <p:nvSpPr>
+          <p:cNvPr id="4" name="Slide Number Placeholder 3"/>
+          <p:cNvSpPr>
+            <a:spLocks noGrp="1"/>
+          </p:cNvSpPr>
+          <p:nvPr>
+            <p:ph type="sldNum" sz="quarter" idx="10"/>
+          </p:nvPr>
+        </p:nvSpPr>
+        <p:spPr/>
+        <p:txBody>
+          <a:bodyPr/>
+          <a:lstStyle/>
+          <a:p>
+            <a:fld id="{4CDA1CF7-A308-4486-98ED-8FB6739EC5D9}" type="slidenum">
+              <a:rPr lang="en-US" smtClean="0"/>
+              <a:t>2</a:t>
+            </a:fld>
+            <a:endParaRPr lang="en-US"/>
+          </a:p>
+        </p:txBody>
+      </p:sp>
+    </p:spTree>
+    <p:extLst>
+      <p:ext uri="{BB962C8B-B14F-4D97-AF65-F5344CB8AC3E}">
+        <p14:creationId xmlns:p14="http://schemas.microsoft.com/office/powerpoint/2010/main" val="1930826171"/>
+      </p:ext>
+    </p:extLst>
+  </p:cSld>
+  <p:clrMapOvr>
+    <a:masterClrMapping/>
+  </p:clrMapOvr>
+</p:notes>
+</file>
+
 <file path=ppt/slideLayouts/slideLayout1.xml><?xml version="1.0" encoding="utf-8"?>
 <p:sldLayout xmlns:a="http://schemas.openxmlformats.org/drawingml/2006/main" xmlns:r="http://schemas.openxmlformats.org/officeDocument/2006/relationships" xmlns:p="http://schemas.openxmlformats.org/presentationml/2006/main" type="title" preserve="1">
   <p:cSld name="Title Slide">
@@ -680,7 +765,7 @@
           <a:p>
             <a:fld id="{23CFBB76-9FFC-4901-A987-836C07D9CD4F}" type="datetimeFigureOut">
               <a:rPr lang="en-US" smtClean="0"/>
-              <a:t>3/19/2020</a:t>
+              <a:t>6/5/2020</a:t>
             </a:fld>
             <a:endParaRPr lang="en-US"/>
           </a:p>
@@ -850,7 +935,7 @@
           <a:p>
             <a:fld id="{23CFBB76-9FFC-4901-A987-836C07D9CD4F}" type="datetimeFigureOut">
               <a:rPr lang="en-US" smtClean="0"/>
-              <a:t>3/19/2020</a:t>
+              <a:t>6/5/2020</a:t>
             </a:fld>
             <a:endParaRPr lang="en-US"/>
           </a:p>
@@ -1030,7 +1115,7 @@
           <a:p>
             <a:fld id="{23CFBB76-9FFC-4901-A987-836C07D9CD4F}" type="datetimeFigureOut">
               <a:rPr lang="en-US" smtClean="0"/>
-              <a:t>3/19/2020</a:t>
+              <a:t>6/5/2020</a:t>
             </a:fld>
             <a:endParaRPr lang="en-US"/>
           </a:p>
@@ -1200,7 +1285,7 @@
           <a:p>
             <a:fld id="{23CFBB76-9FFC-4901-A987-836C07D9CD4F}" type="datetimeFigureOut">
               <a:rPr lang="en-US" smtClean="0"/>
-              <a:t>3/19/2020</a:t>
+              <a:t>6/5/2020</a:t>
             </a:fld>
             <a:endParaRPr lang="en-US"/>
           </a:p>
@@ -1446,7 +1531,7 @@
           <a:p>
             <a:fld id="{23CFBB76-9FFC-4901-A987-836C07D9CD4F}" type="datetimeFigureOut">
               <a:rPr lang="en-US" smtClean="0"/>
-              <a:t>3/19/2020</a:t>
+              <a:t>6/5/2020</a:t>
             </a:fld>
             <a:endParaRPr lang="en-US"/>
           </a:p>
@@ -1678,7 +1763,7 @@
           <a:p>
             <a:fld id="{23CFBB76-9FFC-4901-A987-836C07D9CD4F}" type="datetimeFigureOut">
               <a:rPr lang="en-US" smtClean="0"/>
-              <a:t>3/19/2020</a:t>
+              <a:t>6/5/2020</a:t>
             </a:fld>
             <a:endParaRPr lang="en-US"/>
           </a:p>
@@ -2045,7 +2130,7 @@
           <a:p>
             <a:fld id="{23CFBB76-9FFC-4901-A987-836C07D9CD4F}" type="datetimeFigureOut">
               <a:rPr lang="en-US" smtClean="0"/>
-              <a:t>3/19/2020</a:t>
+              <a:t>6/5/2020</a:t>
             </a:fld>
             <a:endParaRPr lang="en-US"/>
           </a:p>
@@ -2163,7 +2248,7 @@
           <a:p>
             <a:fld id="{23CFBB76-9FFC-4901-A987-836C07D9CD4F}" type="datetimeFigureOut">
               <a:rPr lang="en-US" smtClean="0"/>
-              <a:t>3/19/2020</a:t>
+              <a:t>6/5/2020</a:t>
             </a:fld>
             <a:endParaRPr lang="en-US"/>
           </a:p>
@@ -2258,7 +2343,7 @@
           <a:p>
             <a:fld id="{23CFBB76-9FFC-4901-A987-836C07D9CD4F}" type="datetimeFigureOut">
               <a:rPr lang="en-US" smtClean="0"/>
-              <a:t>3/19/2020</a:t>
+              <a:t>6/5/2020</a:t>
             </a:fld>
             <a:endParaRPr lang="en-US"/>
           </a:p>
@@ -2535,7 +2620,7 @@
           <a:p>
             <a:fld id="{23CFBB76-9FFC-4901-A987-836C07D9CD4F}" type="datetimeFigureOut">
               <a:rPr lang="en-US" smtClean="0"/>
-              <a:t>3/19/2020</a:t>
+              <a:t>6/5/2020</a:t>
             </a:fld>
             <a:endParaRPr lang="en-US"/>
           </a:p>
@@ -2788,7 +2873,7 @@
           <a:p>
             <a:fld id="{23CFBB76-9FFC-4901-A987-836C07D9CD4F}" type="datetimeFigureOut">
               <a:rPr lang="en-US" smtClean="0"/>
-              <a:t>3/19/2020</a:t>
+              <a:t>6/5/2020</a:t>
             </a:fld>
             <a:endParaRPr lang="en-US"/>
           </a:p>
@@ -3001,7 +3086,7 @@
           <a:p>
             <a:fld id="{23CFBB76-9FFC-4901-A987-836C07D9CD4F}" type="datetimeFigureOut">
               <a:rPr lang="en-US" smtClean="0"/>
-              <a:t>3/19/2020</a:t>
+              <a:t>6/5/2020</a:t>
             </a:fld>
             <a:endParaRPr lang="en-US"/>
           </a:p>
@@ -4260,15 +4345,7 @@
                     <a:srgbClr val="C00000"/>
                   </a:solidFill>
                 </a:rPr>
-                <a:t>Run model on </a:t>
-              </a:r>
-              <a:r>
-                <a:rPr lang="en-US" dirty="0" smtClean="0">
-                  <a:solidFill>
-                    <a:srgbClr val="C00000"/>
-                  </a:solidFill>
-                </a:rPr>
-                <a:t>server (MINT Desktop App)</a:t>
+                <a:t>Run model on server (MINT Desktop App)</a:t>
               </a:r>
               <a:endParaRPr lang="en-US" dirty="0">
                 <a:solidFill>
@@ -4988,15 +5065,7 @@
                     <a:srgbClr val="C00000"/>
                   </a:solidFill>
                 </a:rPr>
-                <a:t>ransformation </a:t>
-              </a:r>
-              <a:r>
-                <a:rPr lang="en-US" dirty="0" smtClean="0">
-                  <a:solidFill>
-                    <a:srgbClr val="C00000"/>
-                  </a:solidFill>
-                </a:rPr>
-                <a:t>services</a:t>
+                <a:t>ransformation services</a:t>
               </a:r>
               <a:endParaRPr lang="en-US" dirty="0">
                 <a:solidFill>
@@ -6327,6 +6396,2921 @@
     <p:extLst>
       <p:ext uri="{BB962C8B-B14F-4D97-AF65-F5344CB8AC3E}">
         <p14:creationId xmlns:p14="http://schemas.microsoft.com/office/powerpoint/2010/main" val="816822384"/>
+      </p:ext>
+    </p:extLst>
+  </p:cSld>
+  <p:clrMapOvr>
+    <a:masterClrMapping/>
+  </p:clrMapOvr>
+  <p:timing>
+    <p:tnLst>
+      <p:par>
+        <p:cTn id="1" dur="indefinite" restart="never" nodeType="tmRoot"/>
+      </p:par>
+    </p:tnLst>
+  </p:timing>
+</p:sld>
+</file>
+
+<file path=ppt/slides/slide2.xml><?xml version="1.0" encoding="utf-8"?>
+<p:sld xmlns:a="http://schemas.openxmlformats.org/drawingml/2006/main" xmlns:r="http://schemas.openxmlformats.org/officeDocument/2006/relationships" xmlns:p="http://schemas.openxmlformats.org/presentationml/2006/main">
+  <p:cSld>
+    <p:spTree>
+      <p:nvGrpSpPr>
+        <p:cNvPr id="1" name=""/>
+        <p:cNvGrpSpPr/>
+        <p:nvPr/>
+      </p:nvGrpSpPr>
+      <p:grpSpPr>
+        <a:xfrm>
+          <a:off x="0" y="0"/>
+          <a:ext cx="0" cy="0"/>
+          <a:chOff x="0" y="0"/>
+          <a:chExt cx="0" cy="0"/>
+        </a:xfrm>
+      </p:grpSpPr>
+      <p:sp>
+        <p:nvSpPr>
+          <p:cNvPr id="5" name="TextBox 4"/>
+          <p:cNvSpPr txBox="1"/>
+          <p:nvPr/>
+        </p:nvSpPr>
+        <p:spPr>
+          <a:xfrm>
+            <a:off x="51524" y="0"/>
+            <a:ext cx="2872005" cy="369332"/>
+          </a:xfrm>
+          <a:prstGeom prst="rect">
+            <a:avLst/>
+          </a:prstGeom>
+          <a:noFill/>
+        </p:spPr>
+        <p:txBody>
+          <a:bodyPr wrap="none" rtlCol="0">
+            <a:spAutoFit/>
+          </a:bodyPr>
+          <a:lstStyle/>
+          <a:p>
+            <a:r>
+              <a:rPr lang="en-US" dirty="0" smtClean="0"/>
+              <a:t>Model insertion architecture</a:t>
+            </a:r>
+            <a:endParaRPr lang="en-US" dirty="0"/>
+          </a:p>
+        </p:txBody>
+      </p:sp>
+      <p:sp>
+        <p:nvSpPr>
+          <p:cNvPr id="160" name="Rectangle 159"/>
+          <p:cNvSpPr/>
+          <p:nvPr/>
+        </p:nvSpPr>
+        <p:spPr>
+          <a:xfrm>
+            <a:off x="8652043" y="219414"/>
+            <a:ext cx="2978224" cy="1611767"/>
+          </a:xfrm>
+          <a:prstGeom prst="rect">
+            <a:avLst/>
+          </a:prstGeom>
+          <a:solidFill>
+            <a:schemeClr val="bg1">
+              <a:lumMod val="95000"/>
+            </a:schemeClr>
+          </a:solidFill>
+          <a:ln>
+            <a:solidFill>
+              <a:srgbClr val="C00000"/>
+            </a:solidFill>
+          </a:ln>
+        </p:spPr>
+        <p:style>
+          <a:lnRef idx="2">
+            <a:schemeClr val="accent1">
+              <a:shade val="50000"/>
+            </a:schemeClr>
+          </a:lnRef>
+          <a:fillRef idx="1">
+            <a:schemeClr val="accent1"/>
+          </a:fillRef>
+          <a:effectRef idx="0">
+            <a:schemeClr val="accent1"/>
+          </a:effectRef>
+          <a:fontRef idx="minor">
+            <a:schemeClr val="lt1"/>
+          </a:fontRef>
+        </p:style>
+        <p:txBody>
+          <a:bodyPr rtlCol="0" anchor="ctr"/>
+          <a:lstStyle/>
+          <a:p>
+            <a:pPr algn="ctr"/>
+            <a:endParaRPr lang="en-US"/>
+          </a:p>
+        </p:txBody>
+      </p:sp>
+      <p:sp>
+        <p:nvSpPr>
+          <p:cNvPr id="6" name="Rounded Rectangle 5"/>
+          <p:cNvSpPr/>
+          <p:nvPr/>
+        </p:nvSpPr>
+        <p:spPr>
+          <a:xfrm>
+            <a:off x="9040831" y="2968550"/>
+            <a:ext cx="1524000" cy="1183580"/>
+          </a:xfrm>
+          <a:prstGeom prst="roundRect">
+            <a:avLst/>
+          </a:prstGeom>
+          <a:solidFill>
+            <a:schemeClr val="accent6">
+              <a:lumMod val="20000"/>
+              <a:lumOff val="80000"/>
+            </a:schemeClr>
+          </a:solidFill>
+          <a:ln>
+            <a:solidFill>
+              <a:srgbClr val="C00000"/>
+            </a:solidFill>
+          </a:ln>
+        </p:spPr>
+        <p:style>
+          <a:lnRef idx="2">
+            <a:schemeClr val="accent1">
+              <a:shade val="50000"/>
+            </a:schemeClr>
+          </a:lnRef>
+          <a:fillRef idx="1">
+            <a:schemeClr val="accent1"/>
+          </a:fillRef>
+          <a:effectRef idx="0">
+            <a:schemeClr val="accent1"/>
+          </a:effectRef>
+          <a:fontRef idx="minor">
+            <a:schemeClr val="lt1"/>
+          </a:fontRef>
+        </p:style>
+        <p:txBody>
+          <a:bodyPr rtlCol="0" anchor="t"/>
+          <a:lstStyle/>
+          <a:p>
+            <a:pPr algn="ctr"/>
+            <a:r>
+              <a:rPr lang="en-US" dirty="0">
+                <a:solidFill>
+                  <a:srgbClr val="C00000"/>
+                </a:solidFill>
+              </a:rPr>
+              <a:t>Knowledge Graph</a:t>
+            </a:r>
+          </a:p>
+        </p:txBody>
+      </p:sp>
+      <p:sp>
+        <p:nvSpPr>
+          <p:cNvPr id="7" name="Rectangle 6"/>
+          <p:cNvSpPr/>
+          <p:nvPr/>
+        </p:nvSpPr>
+        <p:spPr>
+          <a:xfrm>
+            <a:off x="9210322" y="3718022"/>
+            <a:ext cx="1219200" cy="323272"/>
+          </a:xfrm>
+          <a:prstGeom prst="rect">
+            <a:avLst/>
+          </a:prstGeom>
+          <a:solidFill>
+            <a:schemeClr val="accent6">
+              <a:lumMod val="20000"/>
+              <a:lumOff val="80000"/>
+            </a:schemeClr>
+          </a:solidFill>
+          <a:ln>
+            <a:solidFill>
+              <a:srgbClr val="C00000"/>
+            </a:solidFill>
+          </a:ln>
+        </p:spPr>
+        <p:style>
+          <a:lnRef idx="2">
+            <a:schemeClr val="accent1">
+              <a:shade val="50000"/>
+            </a:schemeClr>
+          </a:lnRef>
+          <a:fillRef idx="1">
+            <a:schemeClr val="accent1"/>
+          </a:fillRef>
+          <a:effectRef idx="0">
+            <a:schemeClr val="accent1"/>
+          </a:effectRef>
+          <a:fontRef idx="minor">
+            <a:schemeClr val="lt1"/>
+          </a:fontRef>
+        </p:style>
+        <p:txBody>
+          <a:bodyPr rtlCol="0" anchor="t"/>
+          <a:lstStyle/>
+          <a:p>
+            <a:pPr algn="ctr"/>
+            <a:r>
+              <a:rPr lang="en-US" dirty="0">
+                <a:solidFill>
+                  <a:srgbClr val="C00000"/>
+                </a:solidFill>
+              </a:rPr>
+              <a:t>Endpoint</a:t>
+            </a:r>
+          </a:p>
+        </p:txBody>
+      </p:sp>
+      <p:sp>
+        <p:nvSpPr>
+          <p:cNvPr id="8" name="Rectangle 7"/>
+          <p:cNvSpPr/>
+          <p:nvPr/>
+        </p:nvSpPr>
+        <p:spPr>
+          <a:xfrm>
+            <a:off x="9219558" y="4406129"/>
+            <a:ext cx="1219200" cy="323272"/>
+          </a:xfrm>
+          <a:prstGeom prst="rect">
+            <a:avLst/>
+          </a:prstGeom>
+          <a:solidFill>
+            <a:schemeClr val="accent6">
+              <a:lumMod val="20000"/>
+              <a:lumOff val="80000"/>
+            </a:schemeClr>
+          </a:solidFill>
+          <a:ln>
+            <a:solidFill>
+              <a:srgbClr val="C00000"/>
+            </a:solidFill>
+          </a:ln>
+        </p:spPr>
+        <p:style>
+          <a:lnRef idx="2">
+            <a:schemeClr val="accent1">
+              <a:shade val="50000"/>
+            </a:schemeClr>
+          </a:lnRef>
+          <a:fillRef idx="1">
+            <a:schemeClr val="accent1"/>
+          </a:fillRef>
+          <a:effectRef idx="0">
+            <a:schemeClr val="accent1"/>
+          </a:effectRef>
+          <a:fontRef idx="minor">
+            <a:schemeClr val="lt1"/>
+          </a:fontRef>
+        </p:style>
+        <p:txBody>
+          <a:bodyPr rtlCol="0" anchor="t"/>
+          <a:lstStyle/>
+          <a:p>
+            <a:pPr algn="ctr"/>
+            <a:r>
+              <a:rPr lang="en-US" dirty="0">
+                <a:solidFill>
+                  <a:srgbClr val="C00000"/>
+                </a:solidFill>
+              </a:rPr>
+              <a:t>REST API</a:t>
+            </a:r>
+          </a:p>
+        </p:txBody>
+      </p:sp>
+      <p:cxnSp>
+        <p:nvCxnSpPr>
+          <p:cNvPr id="10" name="Straight Arrow Connector 9"/>
+          <p:cNvCxnSpPr/>
+          <p:nvPr/>
+        </p:nvCxnSpPr>
+        <p:spPr>
+          <a:xfrm>
+            <a:off x="9487413" y="4065539"/>
+            <a:ext cx="0" cy="327891"/>
+          </a:xfrm>
+          <a:prstGeom prst="straightConnector1">
+            <a:avLst/>
+          </a:prstGeom>
+          <a:ln>
+            <a:solidFill>
+              <a:schemeClr val="tx1"/>
+            </a:solidFill>
+            <a:tailEnd type="triangle"/>
+          </a:ln>
+        </p:spPr>
+        <p:style>
+          <a:lnRef idx="1">
+            <a:schemeClr val="accent1"/>
+          </a:lnRef>
+          <a:fillRef idx="0">
+            <a:schemeClr val="accent1"/>
+          </a:fillRef>
+          <a:effectRef idx="0">
+            <a:schemeClr val="accent1"/>
+          </a:effectRef>
+          <a:fontRef idx="minor">
+            <a:schemeClr val="tx1"/>
+          </a:fontRef>
+        </p:style>
+      </p:cxnSp>
+      <p:cxnSp>
+        <p:nvCxnSpPr>
+          <p:cNvPr id="11" name="Straight Arrow Connector 10"/>
+          <p:cNvCxnSpPr/>
+          <p:nvPr/>
+        </p:nvCxnSpPr>
+        <p:spPr>
+          <a:xfrm flipV="1">
+            <a:off x="10229558" y="4021090"/>
+            <a:ext cx="0" cy="372341"/>
+          </a:xfrm>
+          <a:prstGeom prst="straightConnector1">
+            <a:avLst/>
+          </a:prstGeom>
+          <a:ln>
+            <a:solidFill>
+              <a:schemeClr val="tx1"/>
+            </a:solidFill>
+            <a:tailEnd type="triangle"/>
+          </a:ln>
+        </p:spPr>
+        <p:style>
+          <a:lnRef idx="1">
+            <a:schemeClr val="accent1"/>
+          </a:lnRef>
+          <a:fillRef idx="0">
+            <a:schemeClr val="accent1"/>
+          </a:fillRef>
+          <a:effectRef idx="0">
+            <a:schemeClr val="accent1"/>
+          </a:effectRef>
+          <a:fontRef idx="minor">
+            <a:schemeClr val="tx1"/>
+          </a:fontRef>
+        </p:style>
+      </p:cxnSp>
+      <p:sp>
+        <p:nvSpPr>
+          <p:cNvPr id="17" name="Folded Corner 16"/>
+          <p:cNvSpPr/>
+          <p:nvPr/>
+        </p:nvSpPr>
+        <p:spPr>
+          <a:xfrm>
+            <a:off x="10097230" y="5034004"/>
+            <a:ext cx="1248291" cy="688067"/>
+          </a:xfrm>
+          <a:prstGeom prst="foldedCorner">
+            <a:avLst/>
+          </a:prstGeom>
+          <a:solidFill>
+            <a:schemeClr val="accent6">
+              <a:lumMod val="20000"/>
+              <a:lumOff val="80000"/>
+            </a:schemeClr>
+          </a:solidFill>
+          <a:ln>
+            <a:solidFill>
+              <a:srgbClr val="C00000"/>
+            </a:solidFill>
+          </a:ln>
+        </p:spPr>
+        <p:style>
+          <a:lnRef idx="2">
+            <a:schemeClr val="accent1">
+              <a:shade val="50000"/>
+            </a:schemeClr>
+          </a:lnRef>
+          <a:fillRef idx="1">
+            <a:schemeClr val="accent1"/>
+          </a:fillRef>
+          <a:effectRef idx="0">
+            <a:schemeClr val="accent1"/>
+          </a:effectRef>
+          <a:fontRef idx="minor">
+            <a:schemeClr val="lt1"/>
+          </a:fontRef>
+        </p:style>
+        <p:txBody>
+          <a:bodyPr rtlCol="0" anchor="t"/>
+          <a:lstStyle/>
+          <a:p>
+            <a:pPr algn="ctr"/>
+            <a:r>
+              <a:rPr lang="en-US" dirty="0">
+                <a:solidFill>
+                  <a:srgbClr val="C00000"/>
+                </a:solidFill>
+              </a:rPr>
+              <a:t>Notebooks</a:t>
+            </a:r>
+          </a:p>
+        </p:txBody>
+      </p:sp>
+      <p:sp>
+        <p:nvSpPr>
+          <p:cNvPr id="21" name="Rectangle 20"/>
+          <p:cNvSpPr/>
+          <p:nvPr/>
+        </p:nvSpPr>
+        <p:spPr>
+          <a:xfrm>
+            <a:off x="8743994" y="5035626"/>
+            <a:ext cx="1219200" cy="688068"/>
+          </a:xfrm>
+          <a:prstGeom prst="rect">
+            <a:avLst/>
+          </a:prstGeom>
+          <a:solidFill>
+            <a:schemeClr val="accent6">
+              <a:lumMod val="20000"/>
+              <a:lumOff val="80000"/>
+            </a:schemeClr>
+          </a:solidFill>
+          <a:ln>
+            <a:solidFill>
+              <a:srgbClr val="C00000"/>
+            </a:solidFill>
+          </a:ln>
+        </p:spPr>
+        <p:style>
+          <a:lnRef idx="2">
+            <a:schemeClr val="accent1">
+              <a:shade val="50000"/>
+            </a:schemeClr>
+          </a:lnRef>
+          <a:fillRef idx="1">
+            <a:schemeClr val="accent1"/>
+          </a:fillRef>
+          <a:effectRef idx="0">
+            <a:schemeClr val="accent1"/>
+          </a:effectRef>
+          <a:fontRef idx="minor">
+            <a:schemeClr val="lt1"/>
+          </a:fontRef>
+        </p:style>
+        <p:txBody>
+          <a:bodyPr rtlCol="0" anchor="t"/>
+          <a:lstStyle/>
+          <a:p>
+            <a:pPr algn="ctr"/>
+            <a:r>
+              <a:rPr lang="en-US" dirty="0" smtClean="0">
+                <a:solidFill>
+                  <a:srgbClr val="C00000"/>
+                </a:solidFill>
+              </a:rPr>
+              <a:t>Python/JS </a:t>
+            </a:r>
+            <a:r>
+              <a:rPr lang="en-US" dirty="0">
+                <a:solidFill>
+                  <a:srgbClr val="C00000"/>
+                </a:solidFill>
+              </a:rPr>
+              <a:t>Client</a:t>
+            </a:r>
+          </a:p>
+        </p:txBody>
+      </p:sp>
+      <p:cxnSp>
+        <p:nvCxnSpPr>
+          <p:cNvPr id="22" name="Straight Arrow Connector 21"/>
+          <p:cNvCxnSpPr>
+            <a:stCxn id="21" idx="0"/>
+            <a:endCxn id="8" idx="2"/>
+          </p:cNvCxnSpPr>
+          <p:nvPr/>
+        </p:nvCxnSpPr>
+        <p:spPr>
+          <a:xfrm flipV="1">
+            <a:off x="9353594" y="4729401"/>
+            <a:ext cx="475564" cy="306225"/>
+          </a:xfrm>
+          <a:prstGeom prst="straightConnector1">
+            <a:avLst/>
+          </a:prstGeom>
+          <a:ln>
+            <a:solidFill>
+              <a:schemeClr val="tx1"/>
+            </a:solidFill>
+            <a:tailEnd type="triangle"/>
+          </a:ln>
+        </p:spPr>
+        <p:style>
+          <a:lnRef idx="1">
+            <a:schemeClr val="accent1"/>
+          </a:lnRef>
+          <a:fillRef idx="0">
+            <a:schemeClr val="accent1"/>
+          </a:fillRef>
+          <a:effectRef idx="0">
+            <a:schemeClr val="accent1"/>
+          </a:effectRef>
+          <a:fontRef idx="minor">
+            <a:schemeClr val="tx1"/>
+          </a:fontRef>
+        </p:style>
+      </p:cxnSp>
+      <p:cxnSp>
+        <p:nvCxnSpPr>
+          <p:cNvPr id="25" name="Straight Arrow Connector 24"/>
+          <p:cNvCxnSpPr>
+            <a:stCxn id="17" idx="0"/>
+            <a:endCxn id="8" idx="2"/>
+          </p:cNvCxnSpPr>
+          <p:nvPr/>
+        </p:nvCxnSpPr>
+        <p:spPr>
+          <a:xfrm flipH="1" flipV="1">
+            <a:off x="9829158" y="4729401"/>
+            <a:ext cx="892218" cy="304603"/>
+          </a:xfrm>
+          <a:prstGeom prst="straightConnector1">
+            <a:avLst/>
+          </a:prstGeom>
+          <a:ln>
+            <a:solidFill>
+              <a:schemeClr val="tx1"/>
+            </a:solidFill>
+            <a:tailEnd type="triangle"/>
+          </a:ln>
+        </p:spPr>
+        <p:style>
+          <a:lnRef idx="1">
+            <a:schemeClr val="accent1"/>
+          </a:lnRef>
+          <a:fillRef idx="0">
+            <a:schemeClr val="accent1"/>
+          </a:fillRef>
+          <a:effectRef idx="0">
+            <a:schemeClr val="accent1"/>
+          </a:effectRef>
+          <a:fontRef idx="minor">
+            <a:schemeClr val="tx1"/>
+          </a:fontRef>
+        </p:style>
+      </p:cxnSp>
+      <p:sp>
+        <p:nvSpPr>
+          <p:cNvPr id="28" name="Rounded Rectangle 27"/>
+          <p:cNvSpPr/>
+          <p:nvPr/>
+        </p:nvSpPr>
+        <p:spPr>
+          <a:xfrm>
+            <a:off x="262984" y="1561793"/>
+            <a:ext cx="1524000" cy="438427"/>
+          </a:xfrm>
+          <a:prstGeom prst="roundRect">
+            <a:avLst/>
+          </a:prstGeom>
+          <a:solidFill>
+            <a:schemeClr val="bg1">
+              <a:lumMod val="95000"/>
+            </a:schemeClr>
+          </a:solidFill>
+          <a:ln>
+            <a:solidFill>
+              <a:srgbClr val="C00000"/>
+            </a:solidFill>
+          </a:ln>
+        </p:spPr>
+        <p:style>
+          <a:lnRef idx="2">
+            <a:schemeClr val="accent1">
+              <a:shade val="50000"/>
+            </a:schemeClr>
+          </a:lnRef>
+          <a:fillRef idx="1">
+            <a:schemeClr val="accent1"/>
+          </a:fillRef>
+          <a:effectRef idx="0">
+            <a:schemeClr val="accent1"/>
+          </a:effectRef>
+          <a:fontRef idx="minor">
+            <a:schemeClr val="lt1"/>
+          </a:fontRef>
+        </p:style>
+        <p:txBody>
+          <a:bodyPr rtlCol="0" anchor="t"/>
+          <a:lstStyle/>
+          <a:p>
+            <a:pPr algn="ctr"/>
+            <a:r>
+              <a:rPr lang="en-US" dirty="0" smtClean="0">
+                <a:solidFill>
+                  <a:srgbClr val="C00000"/>
+                </a:solidFill>
+              </a:rPr>
+              <a:t>GitHub</a:t>
+            </a:r>
+            <a:endParaRPr lang="en-US" dirty="0">
+              <a:solidFill>
+                <a:srgbClr val="C00000"/>
+              </a:solidFill>
+            </a:endParaRPr>
+          </a:p>
+        </p:txBody>
+      </p:sp>
+      <p:sp>
+        <p:nvSpPr>
+          <p:cNvPr id="29" name="Rectangle 28"/>
+          <p:cNvSpPr/>
+          <p:nvPr/>
+        </p:nvSpPr>
+        <p:spPr>
+          <a:xfrm>
+            <a:off x="4685257" y="2767981"/>
+            <a:ext cx="1739363" cy="891008"/>
+          </a:xfrm>
+          <a:prstGeom prst="rect">
+            <a:avLst/>
+          </a:prstGeom>
+          <a:solidFill>
+            <a:schemeClr val="accent6">
+              <a:lumMod val="20000"/>
+              <a:lumOff val="80000"/>
+            </a:schemeClr>
+          </a:solidFill>
+          <a:ln>
+            <a:solidFill>
+              <a:srgbClr val="C00000"/>
+            </a:solidFill>
+          </a:ln>
+        </p:spPr>
+        <p:style>
+          <a:lnRef idx="2">
+            <a:schemeClr val="accent1">
+              <a:shade val="50000"/>
+            </a:schemeClr>
+          </a:lnRef>
+          <a:fillRef idx="1">
+            <a:schemeClr val="accent1"/>
+          </a:fillRef>
+          <a:effectRef idx="0">
+            <a:schemeClr val="accent1"/>
+          </a:effectRef>
+          <a:fontRef idx="minor">
+            <a:schemeClr val="lt1"/>
+          </a:fontRef>
+        </p:style>
+        <p:txBody>
+          <a:bodyPr rtlCol="0" anchor="t"/>
+          <a:lstStyle/>
+          <a:p>
+            <a:pPr algn="ctr"/>
+            <a:r>
+              <a:rPr lang="en-US" dirty="0">
+                <a:solidFill>
+                  <a:srgbClr val="C00000"/>
+                </a:solidFill>
+              </a:rPr>
+              <a:t>Model Configuration Container</a:t>
+            </a:r>
+            <a:endParaRPr lang="en-US" dirty="0">
+              <a:solidFill>
+                <a:srgbClr val="C00000"/>
+              </a:solidFill>
+            </a:endParaRPr>
+          </a:p>
+        </p:txBody>
+      </p:sp>
+      <p:sp>
+        <p:nvSpPr>
+          <p:cNvPr id="31" name="Rectangle 30"/>
+          <p:cNvSpPr/>
+          <p:nvPr/>
+        </p:nvSpPr>
+        <p:spPr>
+          <a:xfrm>
+            <a:off x="2553602" y="1516308"/>
+            <a:ext cx="1598395" cy="1430153"/>
+          </a:xfrm>
+          <a:prstGeom prst="rect">
+            <a:avLst/>
+          </a:prstGeom>
+          <a:solidFill>
+            <a:schemeClr val="accent4">
+              <a:lumMod val="20000"/>
+              <a:lumOff val="80000"/>
+            </a:schemeClr>
+          </a:solidFill>
+          <a:ln>
+            <a:solidFill>
+              <a:srgbClr val="C00000"/>
+            </a:solidFill>
+          </a:ln>
+        </p:spPr>
+        <p:style>
+          <a:lnRef idx="2">
+            <a:schemeClr val="accent1">
+              <a:shade val="50000"/>
+            </a:schemeClr>
+          </a:lnRef>
+          <a:fillRef idx="1">
+            <a:schemeClr val="accent1"/>
+          </a:fillRef>
+          <a:effectRef idx="0">
+            <a:schemeClr val="accent1"/>
+          </a:effectRef>
+          <a:fontRef idx="minor">
+            <a:schemeClr val="lt1"/>
+          </a:fontRef>
+        </p:style>
+        <p:txBody>
+          <a:bodyPr rtlCol="0" anchor="t"/>
+          <a:lstStyle/>
+          <a:p>
+            <a:pPr algn="ctr"/>
+            <a:r>
+              <a:rPr lang="en-US" dirty="0">
+                <a:solidFill>
+                  <a:srgbClr val="C00000"/>
+                </a:solidFill>
+              </a:rPr>
+              <a:t>Guidebook for creating model </a:t>
+            </a:r>
+            <a:r>
+              <a:rPr lang="en-US" dirty="0" smtClean="0">
+                <a:solidFill>
+                  <a:srgbClr val="C00000"/>
+                </a:solidFill>
+              </a:rPr>
+              <a:t>configurations and setups and metadata </a:t>
+            </a:r>
+            <a:endParaRPr lang="en-US" dirty="0">
+              <a:solidFill>
+                <a:srgbClr val="C00000"/>
+              </a:solidFill>
+            </a:endParaRPr>
+          </a:p>
+        </p:txBody>
+      </p:sp>
+      <p:sp>
+        <p:nvSpPr>
+          <p:cNvPr id="32" name="Rectangle 31"/>
+          <p:cNvSpPr/>
+          <p:nvPr/>
+        </p:nvSpPr>
+        <p:spPr>
+          <a:xfrm>
+            <a:off x="4683275" y="4207260"/>
+            <a:ext cx="1739362" cy="715966"/>
+          </a:xfrm>
+          <a:prstGeom prst="rect">
+            <a:avLst/>
+          </a:prstGeom>
+          <a:solidFill>
+            <a:schemeClr val="accent6">
+              <a:lumMod val="20000"/>
+              <a:lumOff val="80000"/>
+            </a:schemeClr>
+          </a:solidFill>
+          <a:ln>
+            <a:solidFill>
+              <a:srgbClr val="C00000"/>
+            </a:solidFill>
+          </a:ln>
+        </p:spPr>
+        <p:style>
+          <a:lnRef idx="2">
+            <a:schemeClr val="accent1">
+              <a:shade val="50000"/>
+            </a:schemeClr>
+          </a:lnRef>
+          <a:fillRef idx="1">
+            <a:schemeClr val="accent1"/>
+          </a:fillRef>
+          <a:effectRef idx="0">
+            <a:schemeClr val="accent1"/>
+          </a:effectRef>
+          <a:fontRef idx="minor">
+            <a:schemeClr val="lt1"/>
+          </a:fontRef>
+        </p:style>
+        <p:txBody>
+          <a:bodyPr rtlCol="0" anchor="t"/>
+          <a:lstStyle/>
+          <a:p>
+            <a:pPr algn="ctr"/>
+            <a:r>
+              <a:rPr lang="en-US" dirty="0" smtClean="0">
+                <a:solidFill>
+                  <a:srgbClr val="C00000"/>
+                </a:solidFill>
+              </a:rPr>
+              <a:t>Browse and edit model metadata</a:t>
+            </a:r>
+            <a:endParaRPr lang="en-US" dirty="0">
+              <a:solidFill>
+                <a:srgbClr val="C00000"/>
+              </a:solidFill>
+            </a:endParaRPr>
+          </a:p>
+        </p:txBody>
+      </p:sp>
+      <p:sp>
+        <p:nvSpPr>
+          <p:cNvPr id="36" name="Rectangle 35"/>
+          <p:cNvSpPr/>
+          <p:nvPr/>
+        </p:nvSpPr>
+        <p:spPr>
+          <a:xfrm>
+            <a:off x="8501785" y="6013741"/>
+            <a:ext cx="1703617" cy="902325"/>
+          </a:xfrm>
+          <a:prstGeom prst="rect">
+            <a:avLst/>
+          </a:prstGeom>
+          <a:solidFill>
+            <a:schemeClr val="accent6">
+              <a:lumMod val="20000"/>
+              <a:lumOff val="80000"/>
+            </a:schemeClr>
+          </a:solidFill>
+          <a:ln>
+            <a:solidFill>
+              <a:srgbClr val="C00000"/>
+            </a:solidFill>
+          </a:ln>
+        </p:spPr>
+        <p:style>
+          <a:lnRef idx="2">
+            <a:schemeClr val="accent1">
+              <a:shade val="50000"/>
+            </a:schemeClr>
+          </a:lnRef>
+          <a:fillRef idx="1">
+            <a:schemeClr val="accent1"/>
+          </a:fillRef>
+          <a:effectRef idx="0">
+            <a:schemeClr val="accent1"/>
+          </a:effectRef>
+          <a:fontRef idx="minor">
+            <a:schemeClr val="lt1"/>
+          </a:fontRef>
+        </p:style>
+        <p:txBody>
+          <a:bodyPr rtlCol="0" anchor="t"/>
+          <a:lstStyle/>
+          <a:p>
+            <a:pPr algn="ctr"/>
+            <a:r>
+              <a:rPr lang="en-US" dirty="0" smtClean="0">
+                <a:solidFill>
+                  <a:srgbClr val="C00000"/>
+                </a:solidFill>
+              </a:rPr>
+              <a:t>Run model on server (MINT Desktop App)</a:t>
+            </a:r>
+            <a:endParaRPr lang="en-US" dirty="0">
+              <a:solidFill>
+                <a:srgbClr val="C00000"/>
+              </a:solidFill>
+            </a:endParaRPr>
+          </a:p>
+        </p:txBody>
+      </p:sp>
+      <p:cxnSp>
+        <p:nvCxnSpPr>
+          <p:cNvPr id="39" name="Straight Arrow Connector 38"/>
+          <p:cNvCxnSpPr>
+            <a:stCxn id="32" idx="3"/>
+            <a:endCxn id="8" idx="1"/>
+          </p:cNvCxnSpPr>
+          <p:nvPr/>
+        </p:nvCxnSpPr>
+        <p:spPr>
+          <a:xfrm>
+            <a:off x="6422637" y="4565243"/>
+            <a:ext cx="2796921" cy="2522"/>
+          </a:xfrm>
+          <a:prstGeom prst="straightConnector1">
+            <a:avLst/>
+          </a:prstGeom>
+          <a:ln>
+            <a:solidFill>
+              <a:schemeClr val="tx1"/>
+            </a:solidFill>
+            <a:tailEnd type="triangle"/>
+          </a:ln>
+        </p:spPr>
+        <p:style>
+          <a:lnRef idx="1">
+            <a:schemeClr val="accent1"/>
+          </a:lnRef>
+          <a:fillRef idx="0">
+            <a:schemeClr val="accent1"/>
+          </a:fillRef>
+          <a:effectRef idx="0">
+            <a:schemeClr val="accent1"/>
+          </a:effectRef>
+          <a:fontRef idx="minor">
+            <a:schemeClr val="tx1"/>
+          </a:fontRef>
+        </p:style>
+      </p:cxnSp>
+      <p:sp>
+        <p:nvSpPr>
+          <p:cNvPr id="53" name="Rectangle 52"/>
+          <p:cNvSpPr/>
+          <p:nvPr/>
+        </p:nvSpPr>
+        <p:spPr>
+          <a:xfrm>
+            <a:off x="6755836" y="1987973"/>
+            <a:ext cx="1573544" cy="883496"/>
+          </a:xfrm>
+          <a:prstGeom prst="rect">
+            <a:avLst/>
+          </a:prstGeom>
+          <a:solidFill>
+            <a:schemeClr val="accent6">
+              <a:lumMod val="20000"/>
+              <a:lumOff val="80000"/>
+            </a:schemeClr>
+          </a:solidFill>
+          <a:ln>
+            <a:solidFill>
+              <a:srgbClr val="C00000"/>
+            </a:solidFill>
+          </a:ln>
+        </p:spPr>
+        <p:style>
+          <a:lnRef idx="2">
+            <a:schemeClr val="accent1">
+              <a:shade val="50000"/>
+            </a:schemeClr>
+          </a:lnRef>
+          <a:fillRef idx="1">
+            <a:schemeClr val="accent1"/>
+          </a:fillRef>
+          <a:effectRef idx="0">
+            <a:schemeClr val="accent1"/>
+          </a:effectRef>
+          <a:fontRef idx="minor">
+            <a:schemeClr val="lt1"/>
+          </a:fontRef>
+        </p:style>
+        <p:txBody>
+          <a:bodyPr rtlCol="0" anchor="t"/>
+          <a:lstStyle/>
+          <a:p>
+            <a:pPr algn="ctr"/>
+            <a:r>
+              <a:rPr lang="en-US" dirty="0" smtClean="0">
+                <a:solidFill>
+                  <a:srgbClr val="C00000"/>
+                </a:solidFill>
+              </a:rPr>
+              <a:t>Metadata validation and upload</a:t>
+            </a:r>
+            <a:endParaRPr lang="en-US" dirty="0">
+              <a:solidFill>
+                <a:srgbClr val="C00000"/>
+              </a:solidFill>
+            </a:endParaRPr>
+          </a:p>
+        </p:txBody>
+      </p:sp>
+      <p:cxnSp>
+        <p:nvCxnSpPr>
+          <p:cNvPr id="54" name="Straight Arrow Connector 53"/>
+          <p:cNvCxnSpPr>
+            <a:stCxn id="53" idx="2"/>
+            <a:endCxn id="8" idx="1"/>
+          </p:cNvCxnSpPr>
+          <p:nvPr/>
+        </p:nvCxnSpPr>
+        <p:spPr>
+          <a:xfrm>
+            <a:off x="7542608" y="2871469"/>
+            <a:ext cx="1676950" cy="1696296"/>
+          </a:xfrm>
+          <a:prstGeom prst="straightConnector1">
+            <a:avLst/>
+          </a:prstGeom>
+          <a:ln>
+            <a:solidFill>
+              <a:schemeClr val="tx1"/>
+            </a:solidFill>
+            <a:tailEnd type="triangle"/>
+          </a:ln>
+        </p:spPr>
+        <p:style>
+          <a:lnRef idx="1">
+            <a:schemeClr val="accent1"/>
+          </a:lnRef>
+          <a:fillRef idx="0">
+            <a:schemeClr val="accent1"/>
+          </a:fillRef>
+          <a:effectRef idx="0">
+            <a:schemeClr val="accent1"/>
+          </a:effectRef>
+          <a:fontRef idx="minor">
+            <a:schemeClr val="tx1"/>
+          </a:fontRef>
+        </p:style>
+      </p:cxnSp>
+      <p:cxnSp>
+        <p:nvCxnSpPr>
+          <p:cNvPr id="58" name="Straight Arrow Connector 57"/>
+          <p:cNvCxnSpPr>
+            <a:stCxn id="28" idx="3"/>
+          </p:cNvCxnSpPr>
+          <p:nvPr/>
+        </p:nvCxnSpPr>
+        <p:spPr>
+          <a:xfrm flipV="1">
+            <a:off x="1786984" y="1778804"/>
+            <a:ext cx="766618" cy="2203"/>
+          </a:xfrm>
+          <a:prstGeom prst="straightConnector1">
+            <a:avLst/>
+          </a:prstGeom>
+          <a:ln>
+            <a:solidFill>
+              <a:schemeClr val="tx1"/>
+            </a:solidFill>
+            <a:tailEnd type="triangle"/>
+          </a:ln>
+        </p:spPr>
+        <p:style>
+          <a:lnRef idx="1">
+            <a:schemeClr val="accent1"/>
+          </a:lnRef>
+          <a:fillRef idx="0">
+            <a:schemeClr val="accent1"/>
+          </a:fillRef>
+          <a:effectRef idx="0">
+            <a:schemeClr val="accent1"/>
+          </a:effectRef>
+          <a:fontRef idx="minor">
+            <a:schemeClr val="tx1"/>
+          </a:fontRef>
+        </p:style>
+      </p:cxnSp>
+      <p:cxnSp>
+        <p:nvCxnSpPr>
+          <p:cNvPr id="59" name="Straight Arrow Connector 58"/>
+          <p:cNvCxnSpPr>
+            <a:stCxn id="31" idx="3"/>
+            <a:endCxn id="182" idx="1"/>
+          </p:cNvCxnSpPr>
+          <p:nvPr/>
+        </p:nvCxnSpPr>
+        <p:spPr>
+          <a:xfrm flipV="1">
+            <a:off x="4151997" y="2018584"/>
+            <a:ext cx="523256" cy="212801"/>
+          </a:xfrm>
+          <a:prstGeom prst="straightConnector1">
+            <a:avLst/>
+          </a:prstGeom>
+          <a:ln>
+            <a:solidFill>
+              <a:schemeClr val="tx1"/>
+            </a:solidFill>
+            <a:tailEnd type="triangle"/>
+          </a:ln>
+        </p:spPr>
+        <p:style>
+          <a:lnRef idx="1">
+            <a:schemeClr val="accent1"/>
+          </a:lnRef>
+          <a:fillRef idx="0">
+            <a:schemeClr val="accent1"/>
+          </a:fillRef>
+          <a:effectRef idx="0">
+            <a:schemeClr val="accent1"/>
+          </a:effectRef>
+          <a:fontRef idx="minor">
+            <a:schemeClr val="tx1"/>
+          </a:fontRef>
+        </p:style>
+      </p:cxnSp>
+      <p:cxnSp>
+        <p:nvCxnSpPr>
+          <p:cNvPr id="62" name="Straight Arrow Connector 61"/>
+          <p:cNvCxnSpPr>
+            <a:stCxn id="31" idx="3"/>
+          </p:cNvCxnSpPr>
+          <p:nvPr/>
+        </p:nvCxnSpPr>
+        <p:spPr>
+          <a:xfrm>
+            <a:off x="4151997" y="2231385"/>
+            <a:ext cx="531278" cy="789517"/>
+          </a:xfrm>
+          <a:prstGeom prst="straightConnector1">
+            <a:avLst/>
+          </a:prstGeom>
+          <a:ln>
+            <a:solidFill>
+              <a:schemeClr val="tx1"/>
+            </a:solidFill>
+            <a:tailEnd type="triangle"/>
+          </a:ln>
+        </p:spPr>
+        <p:style>
+          <a:lnRef idx="1">
+            <a:schemeClr val="accent1"/>
+          </a:lnRef>
+          <a:fillRef idx="0">
+            <a:schemeClr val="accent1"/>
+          </a:fillRef>
+          <a:effectRef idx="0">
+            <a:schemeClr val="accent1"/>
+          </a:effectRef>
+          <a:fontRef idx="minor">
+            <a:schemeClr val="tx1"/>
+          </a:fontRef>
+        </p:style>
+      </p:cxnSp>
+      <p:cxnSp>
+        <p:nvCxnSpPr>
+          <p:cNvPr id="65" name="Straight Arrow Connector 64"/>
+          <p:cNvCxnSpPr>
+            <a:stCxn id="182" idx="3"/>
+            <a:endCxn id="53" idx="1"/>
+          </p:cNvCxnSpPr>
+          <p:nvPr/>
+        </p:nvCxnSpPr>
+        <p:spPr>
+          <a:xfrm>
+            <a:off x="6421950" y="2018584"/>
+            <a:ext cx="333886" cy="411137"/>
+          </a:xfrm>
+          <a:prstGeom prst="straightConnector1">
+            <a:avLst/>
+          </a:prstGeom>
+          <a:ln>
+            <a:solidFill>
+              <a:schemeClr val="tx1"/>
+            </a:solidFill>
+            <a:tailEnd type="triangle"/>
+          </a:ln>
+        </p:spPr>
+        <p:style>
+          <a:lnRef idx="1">
+            <a:schemeClr val="accent1"/>
+          </a:lnRef>
+          <a:fillRef idx="0">
+            <a:schemeClr val="accent1"/>
+          </a:fillRef>
+          <a:effectRef idx="0">
+            <a:schemeClr val="accent1"/>
+          </a:effectRef>
+          <a:fontRef idx="minor">
+            <a:schemeClr val="tx1"/>
+          </a:fontRef>
+        </p:style>
+      </p:cxnSp>
+      <p:cxnSp>
+        <p:nvCxnSpPr>
+          <p:cNvPr id="68" name="Straight Arrow Connector 67"/>
+          <p:cNvCxnSpPr>
+            <a:stCxn id="119" idx="2"/>
+            <a:endCxn id="31" idx="0"/>
+          </p:cNvCxnSpPr>
+          <p:nvPr/>
+        </p:nvCxnSpPr>
+        <p:spPr>
+          <a:xfrm>
+            <a:off x="3352799" y="1328425"/>
+            <a:ext cx="1" cy="187883"/>
+          </a:xfrm>
+          <a:prstGeom prst="straightConnector1">
+            <a:avLst/>
+          </a:prstGeom>
+          <a:ln>
+            <a:solidFill>
+              <a:schemeClr val="tx1"/>
+            </a:solidFill>
+            <a:tailEnd type="triangle"/>
+          </a:ln>
+        </p:spPr>
+        <p:style>
+          <a:lnRef idx="1">
+            <a:schemeClr val="accent1"/>
+          </a:lnRef>
+          <a:fillRef idx="0">
+            <a:schemeClr val="accent1"/>
+          </a:fillRef>
+          <a:effectRef idx="0">
+            <a:schemeClr val="accent1"/>
+          </a:effectRef>
+          <a:fontRef idx="minor">
+            <a:schemeClr val="tx1"/>
+          </a:fontRef>
+        </p:style>
+      </p:cxnSp>
+      <p:cxnSp>
+        <p:nvCxnSpPr>
+          <p:cNvPr id="78" name="Straight Arrow Connector 77"/>
+          <p:cNvCxnSpPr>
+            <a:stCxn id="36" idx="0"/>
+            <a:endCxn id="21" idx="2"/>
+          </p:cNvCxnSpPr>
+          <p:nvPr/>
+        </p:nvCxnSpPr>
+        <p:spPr>
+          <a:xfrm flipV="1">
+            <a:off x="9353594" y="5723694"/>
+            <a:ext cx="0" cy="290047"/>
+          </a:xfrm>
+          <a:prstGeom prst="straightConnector1">
+            <a:avLst/>
+          </a:prstGeom>
+          <a:ln>
+            <a:solidFill>
+              <a:schemeClr val="tx1"/>
+            </a:solidFill>
+            <a:tailEnd type="triangle"/>
+          </a:ln>
+        </p:spPr>
+        <p:style>
+          <a:lnRef idx="1">
+            <a:schemeClr val="accent1"/>
+          </a:lnRef>
+          <a:fillRef idx="0">
+            <a:schemeClr val="accent1"/>
+          </a:fillRef>
+          <a:effectRef idx="0">
+            <a:schemeClr val="accent1"/>
+          </a:effectRef>
+          <a:fontRef idx="minor">
+            <a:schemeClr val="tx1"/>
+          </a:fontRef>
+        </p:style>
+      </p:cxnSp>
+      <p:sp>
+        <p:nvSpPr>
+          <p:cNvPr id="82" name="Rectangle 81"/>
+          <p:cNvSpPr/>
+          <p:nvPr/>
+        </p:nvSpPr>
+        <p:spPr>
+          <a:xfrm>
+            <a:off x="2363481" y="3249474"/>
+            <a:ext cx="1980714" cy="646834"/>
+          </a:xfrm>
+          <a:prstGeom prst="rect">
+            <a:avLst/>
+          </a:prstGeom>
+          <a:solidFill>
+            <a:schemeClr val="accent6">
+              <a:lumMod val="20000"/>
+              <a:lumOff val="80000"/>
+            </a:schemeClr>
+          </a:solidFill>
+          <a:ln>
+            <a:solidFill>
+              <a:srgbClr val="C00000"/>
+            </a:solidFill>
+          </a:ln>
+        </p:spPr>
+        <p:style>
+          <a:lnRef idx="2">
+            <a:schemeClr val="accent1">
+              <a:shade val="50000"/>
+            </a:schemeClr>
+          </a:lnRef>
+          <a:fillRef idx="1">
+            <a:schemeClr val="accent1"/>
+          </a:fillRef>
+          <a:effectRef idx="0">
+            <a:schemeClr val="accent1"/>
+          </a:effectRef>
+          <a:fontRef idx="minor">
+            <a:schemeClr val="lt1"/>
+          </a:fontRef>
+        </p:style>
+        <p:txBody>
+          <a:bodyPr rtlCol="0" anchor="t"/>
+          <a:lstStyle/>
+          <a:p>
+            <a:pPr algn="ctr"/>
+            <a:r>
+              <a:rPr lang="en-US" dirty="0">
+                <a:solidFill>
+                  <a:srgbClr val="C00000"/>
+                </a:solidFill>
+              </a:rPr>
+              <a:t>Run model locally with test data</a:t>
+            </a:r>
+            <a:endParaRPr lang="en-US" dirty="0">
+              <a:solidFill>
+                <a:srgbClr val="C00000"/>
+              </a:solidFill>
+            </a:endParaRPr>
+          </a:p>
+        </p:txBody>
+      </p:sp>
+      <p:cxnSp>
+        <p:nvCxnSpPr>
+          <p:cNvPr id="83" name="Straight Arrow Connector 82"/>
+          <p:cNvCxnSpPr/>
+          <p:nvPr/>
+        </p:nvCxnSpPr>
+        <p:spPr>
+          <a:xfrm flipH="1">
+            <a:off x="3030192" y="2946363"/>
+            <a:ext cx="142" cy="303111"/>
+          </a:xfrm>
+          <a:prstGeom prst="straightConnector1">
+            <a:avLst/>
+          </a:prstGeom>
+          <a:ln>
+            <a:solidFill>
+              <a:schemeClr val="tx1"/>
+            </a:solidFill>
+            <a:tailEnd type="triangle"/>
+          </a:ln>
+        </p:spPr>
+        <p:style>
+          <a:lnRef idx="1">
+            <a:schemeClr val="accent1"/>
+          </a:lnRef>
+          <a:fillRef idx="0">
+            <a:schemeClr val="accent1"/>
+          </a:fillRef>
+          <a:effectRef idx="0">
+            <a:schemeClr val="accent1"/>
+          </a:effectRef>
+          <a:fontRef idx="minor">
+            <a:schemeClr val="tx1"/>
+          </a:fontRef>
+        </p:style>
+      </p:cxnSp>
+      <p:cxnSp>
+        <p:nvCxnSpPr>
+          <p:cNvPr id="87" name="Straight Arrow Connector 86"/>
+          <p:cNvCxnSpPr/>
+          <p:nvPr/>
+        </p:nvCxnSpPr>
+        <p:spPr>
+          <a:xfrm flipH="1" flipV="1">
+            <a:off x="3618439" y="2946363"/>
+            <a:ext cx="2138" cy="303111"/>
+          </a:xfrm>
+          <a:prstGeom prst="straightConnector1">
+            <a:avLst/>
+          </a:prstGeom>
+          <a:ln>
+            <a:solidFill>
+              <a:schemeClr val="tx1"/>
+            </a:solidFill>
+            <a:tailEnd type="triangle"/>
+          </a:ln>
+        </p:spPr>
+        <p:style>
+          <a:lnRef idx="1">
+            <a:schemeClr val="accent1"/>
+          </a:lnRef>
+          <a:fillRef idx="0">
+            <a:schemeClr val="accent1"/>
+          </a:fillRef>
+          <a:effectRef idx="0">
+            <a:schemeClr val="accent1"/>
+          </a:effectRef>
+          <a:fontRef idx="minor">
+            <a:schemeClr val="tx1"/>
+          </a:fontRef>
+        </p:style>
+      </p:cxnSp>
+      <p:sp>
+        <p:nvSpPr>
+          <p:cNvPr id="119" name="Folded Corner 118"/>
+          <p:cNvSpPr/>
+          <p:nvPr/>
+        </p:nvSpPr>
+        <p:spPr>
+          <a:xfrm>
+            <a:off x="2479450" y="382307"/>
+            <a:ext cx="1746697" cy="946118"/>
+          </a:xfrm>
+          <a:prstGeom prst="foldedCorner">
+            <a:avLst>
+              <a:gd name="adj" fmla="val 13667"/>
+            </a:avLst>
+          </a:prstGeom>
+          <a:solidFill>
+            <a:schemeClr val="accent4">
+              <a:lumMod val="20000"/>
+              <a:lumOff val="80000"/>
+            </a:schemeClr>
+          </a:solidFill>
+          <a:ln>
+            <a:solidFill>
+              <a:srgbClr val="C00000"/>
+            </a:solidFill>
+          </a:ln>
+        </p:spPr>
+        <p:style>
+          <a:lnRef idx="2">
+            <a:schemeClr val="accent1">
+              <a:shade val="50000"/>
+            </a:schemeClr>
+          </a:lnRef>
+          <a:fillRef idx="1">
+            <a:schemeClr val="accent1"/>
+          </a:fillRef>
+          <a:effectRef idx="0">
+            <a:schemeClr val="accent1"/>
+          </a:effectRef>
+          <a:fontRef idx="minor">
+            <a:schemeClr val="lt1"/>
+          </a:fontRef>
+        </p:style>
+        <p:txBody>
+          <a:bodyPr rtlCol="0" anchor="t"/>
+          <a:lstStyle/>
+          <a:p>
+            <a:pPr algn="ctr"/>
+            <a:r>
+              <a:rPr lang="en-US" dirty="0">
+                <a:solidFill>
+                  <a:srgbClr val="C00000"/>
+                </a:solidFill>
+              </a:rPr>
+              <a:t>Template-based guidelines for metadata</a:t>
+            </a:r>
+          </a:p>
+        </p:txBody>
+      </p:sp>
+      <p:pic>
+        <p:nvPicPr>
+          <p:cNvPr id="121" name="Picture 120"/>
+          <p:cNvPicPr>
+            <a:picLocks noChangeAspect="1"/>
+          </p:cNvPicPr>
+          <p:nvPr/>
+        </p:nvPicPr>
+        <p:blipFill>
+          <a:blip r:embed="rId3" cstate="print">
+            <a:duotone>
+              <a:schemeClr val="accent2">
+                <a:shade val="45000"/>
+                <a:satMod val="135000"/>
+              </a:schemeClr>
+              <a:prstClr val="white"/>
+            </a:duotone>
+            <a:extLst>
+              <a:ext uri="{28A0092B-C50C-407E-A947-70E740481C1C}">
+                <a14:useLocalDpi xmlns:a14="http://schemas.microsoft.com/office/drawing/2010/main" val="0"/>
+              </a:ext>
+            </a:extLst>
+          </a:blip>
+          <a:stretch>
+            <a:fillRect/>
+          </a:stretch>
+        </p:blipFill>
+        <p:spPr>
+          <a:xfrm>
+            <a:off x="3027063" y="4023831"/>
+            <a:ext cx="621803" cy="621803"/>
+          </a:xfrm>
+          <a:prstGeom prst="rect">
+            <a:avLst/>
+          </a:prstGeom>
+        </p:spPr>
+      </p:pic>
+      <p:sp>
+        <p:nvSpPr>
+          <p:cNvPr id="122" name="TextBox 121"/>
+          <p:cNvSpPr txBox="1"/>
+          <p:nvPr/>
+        </p:nvSpPr>
+        <p:spPr>
+          <a:xfrm>
+            <a:off x="1910535" y="4152130"/>
+            <a:ext cx="1053491" cy="253916"/>
+          </a:xfrm>
+          <a:prstGeom prst="rect">
+            <a:avLst/>
+          </a:prstGeom>
+          <a:noFill/>
+          <a:ln w="19050">
+            <a:solidFill>
+              <a:schemeClr val="tx1"/>
+            </a:solidFill>
+            <a:prstDash val="sysDot"/>
+          </a:ln>
+        </p:spPr>
+        <p:txBody>
+          <a:bodyPr wrap="square" rtlCol="0">
+            <a:spAutoFit/>
+          </a:bodyPr>
+          <a:lstStyle/>
+          <a:p>
+            <a:r>
+              <a:rPr lang="en-US" sz="1050" dirty="0" smtClean="0"/>
+              <a:t>Test and refine</a:t>
+            </a:r>
+            <a:endParaRPr lang="en-US" sz="1050" dirty="0"/>
+          </a:p>
+        </p:txBody>
+      </p:sp>
+      <p:sp>
+        <p:nvSpPr>
+          <p:cNvPr id="129" name="Rectangle 128"/>
+          <p:cNvSpPr/>
+          <p:nvPr/>
+        </p:nvSpPr>
+        <p:spPr>
+          <a:xfrm>
+            <a:off x="756215" y="5370455"/>
+            <a:ext cx="2754770" cy="604754"/>
+          </a:xfrm>
+          <a:prstGeom prst="rect">
+            <a:avLst/>
+          </a:prstGeom>
+          <a:solidFill>
+            <a:schemeClr val="accent1">
+              <a:lumMod val="20000"/>
+              <a:lumOff val="80000"/>
+            </a:schemeClr>
+          </a:solidFill>
+          <a:ln>
+            <a:solidFill>
+              <a:srgbClr val="C00000"/>
+            </a:solidFill>
+          </a:ln>
+        </p:spPr>
+        <p:style>
+          <a:lnRef idx="2">
+            <a:schemeClr val="accent1">
+              <a:shade val="50000"/>
+            </a:schemeClr>
+          </a:lnRef>
+          <a:fillRef idx="1">
+            <a:schemeClr val="accent1"/>
+          </a:fillRef>
+          <a:effectRef idx="0">
+            <a:schemeClr val="accent1"/>
+          </a:effectRef>
+          <a:fontRef idx="minor">
+            <a:schemeClr val="lt1"/>
+          </a:fontRef>
+        </p:style>
+        <p:txBody>
+          <a:bodyPr rtlCol="0" anchor="t"/>
+          <a:lstStyle/>
+          <a:p>
+            <a:pPr algn="ctr"/>
+            <a:r>
+              <a:rPr lang="en-US" dirty="0" smtClean="0">
+                <a:solidFill>
+                  <a:srgbClr val="C00000"/>
+                </a:solidFill>
+              </a:rPr>
+              <a:t>Data </a:t>
+            </a:r>
+            <a:r>
+              <a:rPr lang="en-US" dirty="0">
+                <a:solidFill>
+                  <a:srgbClr val="C00000"/>
+                </a:solidFill>
+              </a:rPr>
+              <a:t>t</a:t>
+            </a:r>
+            <a:r>
+              <a:rPr lang="en-US" dirty="0" smtClean="0">
+                <a:solidFill>
+                  <a:srgbClr val="C00000"/>
+                </a:solidFill>
+              </a:rPr>
+              <a:t>ransformation services</a:t>
+            </a:r>
+            <a:endParaRPr lang="en-US" dirty="0">
+              <a:solidFill>
+                <a:srgbClr val="C00000"/>
+              </a:solidFill>
+            </a:endParaRPr>
+          </a:p>
+        </p:txBody>
+      </p:sp>
+      <p:sp>
+        <p:nvSpPr>
+          <p:cNvPr id="145" name="TextBox 144"/>
+          <p:cNvSpPr txBox="1"/>
+          <p:nvPr/>
+        </p:nvSpPr>
+        <p:spPr>
+          <a:xfrm>
+            <a:off x="1749486" y="1518435"/>
+            <a:ext cx="572833" cy="253916"/>
+          </a:xfrm>
+          <a:prstGeom prst="rect">
+            <a:avLst/>
+          </a:prstGeom>
+          <a:noFill/>
+          <a:ln w="19050">
+            <a:noFill/>
+            <a:prstDash val="sysDot"/>
+          </a:ln>
+        </p:spPr>
+        <p:txBody>
+          <a:bodyPr wrap="square" rtlCol="0">
+            <a:spAutoFit/>
+          </a:bodyPr>
+          <a:lstStyle/>
+          <a:p>
+            <a:r>
+              <a:rPr lang="en-US" sz="1050" dirty="0" smtClean="0"/>
+              <a:t>Import</a:t>
+            </a:r>
+            <a:endParaRPr lang="en-US" sz="1050" dirty="0"/>
+          </a:p>
+        </p:txBody>
+      </p:sp>
+      <p:sp>
+        <p:nvSpPr>
+          <p:cNvPr id="151" name="Rectangle 150"/>
+          <p:cNvSpPr/>
+          <p:nvPr/>
+        </p:nvSpPr>
+        <p:spPr>
+          <a:xfrm>
+            <a:off x="8912040" y="699253"/>
+            <a:ext cx="438779" cy="217431"/>
+          </a:xfrm>
+          <a:prstGeom prst="rect">
+            <a:avLst/>
+          </a:prstGeom>
+          <a:solidFill>
+            <a:schemeClr val="accent6">
+              <a:lumMod val="20000"/>
+              <a:lumOff val="80000"/>
+            </a:schemeClr>
+          </a:solidFill>
+          <a:ln>
+            <a:solidFill>
+              <a:srgbClr val="C00000"/>
+            </a:solidFill>
+          </a:ln>
+        </p:spPr>
+        <p:style>
+          <a:lnRef idx="2">
+            <a:schemeClr val="accent1">
+              <a:shade val="50000"/>
+            </a:schemeClr>
+          </a:lnRef>
+          <a:fillRef idx="1">
+            <a:schemeClr val="accent1"/>
+          </a:fillRef>
+          <a:effectRef idx="0">
+            <a:schemeClr val="accent1"/>
+          </a:effectRef>
+          <a:fontRef idx="minor">
+            <a:schemeClr val="lt1"/>
+          </a:fontRef>
+        </p:style>
+        <p:txBody>
+          <a:bodyPr rtlCol="0" anchor="t"/>
+          <a:lstStyle/>
+          <a:p>
+            <a:pPr algn="ctr"/>
+            <a:endParaRPr lang="en-US" dirty="0">
+              <a:solidFill>
+                <a:srgbClr val="C00000"/>
+              </a:solidFill>
+            </a:endParaRPr>
+          </a:p>
+        </p:txBody>
+      </p:sp>
+      <p:sp>
+        <p:nvSpPr>
+          <p:cNvPr id="152" name="TextBox 151"/>
+          <p:cNvSpPr txBox="1"/>
+          <p:nvPr/>
+        </p:nvSpPr>
+        <p:spPr>
+          <a:xfrm>
+            <a:off x="8780964" y="219414"/>
+            <a:ext cx="864019" cy="369332"/>
+          </a:xfrm>
+          <a:prstGeom prst="rect">
+            <a:avLst/>
+          </a:prstGeom>
+          <a:noFill/>
+        </p:spPr>
+        <p:txBody>
+          <a:bodyPr wrap="none" rtlCol="0">
+            <a:spAutoFit/>
+          </a:bodyPr>
+          <a:lstStyle/>
+          <a:p>
+            <a:r>
+              <a:rPr lang="en-US" dirty="0" smtClean="0"/>
+              <a:t>Legend</a:t>
+            </a:r>
+            <a:endParaRPr lang="en-US" dirty="0"/>
+          </a:p>
+        </p:txBody>
+      </p:sp>
+      <p:sp>
+        <p:nvSpPr>
+          <p:cNvPr id="153" name="Rectangle 152"/>
+          <p:cNvSpPr/>
+          <p:nvPr/>
+        </p:nvSpPr>
+        <p:spPr>
+          <a:xfrm>
+            <a:off x="8912040" y="1039162"/>
+            <a:ext cx="438779" cy="205609"/>
+          </a:xfrm>
+          <a:prstGeom prst="rect">
+            <a:avLst/>
+          </a:prstGeom>
+          <a:solidFill>
+            <a:schemeClr val="accent4">
+              <a:lumMod val="20000"/>
+              <a:lumOff val="80000"/>
+            </a:schemeClr>
+          </a:solidFill>
+          <a:ln>
+            <a:solidFill>
+              <a:srgbClr val="C00000"/>
+            </a:solidFill>
+          </a:ln>
+        </p:spPr>
+        <p:style>
+          <a:lnRef idx="2">
+            <a:schemeClr val="accent1">
+              <a:shade val="50000"/>
+            </a:schemeClr>
+          </a:lnRef>
+          <a:fillRef idx="1">
+            <a:schemeClr val="accent1"/>
+          </a:fillRef>
+          <a:effectRef idx="0">
+            <a:schemeClr val="accent1"/>
+          </a:effectRef>
+          <a:fontRef idx="minor">
+            <a:schemeClr val="lt1"/>
+          </a:fontRef>
+        </p:style>
+        <p:txBody>
+          <a:bodyPr rtlCol="0" anchor="t"/>
+          <a:lstStyle/>
+          <a:p>
+            <a:pPr algn="ctr"/>
+            <a:endParaRPr lang="en-US" dirty="0">
+              <a:solidFill>
+                <a:srgbClr val="C00000"/>
+              </a:solidFill>
+            </a:endParaRPr>
+          </a:p>
+        </p:txBody>
+      </p:sp>
+      <p:sp>
+        <p:nvSpPr>
+          <p:cNvPr id="154" name="Rectangle 153"/>
+          <p:cNvSpPr/>
+          <p:nvPr/>
+        </p:nvSpPr>
+        <p:spPr>
+          <a:xfrm>
+            <a:off x="8918089" y="1406407"/>
+            <a:ext cx="432730" cy="190654"/>
+          </a:xfrm>
+          <a:prstGeom prst="rect">
+            <a:avLst/>
+          </a:prstGeom>
+          <a:solidFill>
+            <a:schemeClr val="accent1">
+              <a:lumMod val="20000"/>
+              <a:lumOff val="80000"/>
+            </a:schemeClr>
+          </a:solidFill>
+          <a:ln>
+            <a:solidFill>
+              <a:srgbClr val="C00000"/>
+            </a:solidFill>
+          </a:ln>
+        </p:spPr>
+        <p:style>
+          <a:lnRef idx="2">
+            <a:schemeClr val="accent1">
+              <a:shade val="50000"/>
+            </a:schemeClr>
+          </a:lnRef>
+          <a:fillRef idx="1">
+            <a:schemeClr val="accent1"/>
+          </a:fillRef>
+          <a:effectRef idx="0">
+            <a:schemeClr val="accent1"/>
+          </a:effectRef>
+          <a:fontRef idx="minor">
+            <a:schemeClr val="lt1"/>
+          </a:fontRef>
+        </p:style>
+        <p:txBody>
+          <a:bodyPr rtlCol="0" anchor="t"/>
+          <a:lstStyle/>
+          <a:p>
+            <a:pPr algn="ctr"/>
+            <a:endParaRPr lang="en-US" dirty="0">
+              <a:solidFill>
+                <a:srgbClr val="C00000"/>
+              </a:solidFill>
+            </a:endParaRPr>
+          </a:p>
+        </p:txBody>
+      </p:sp>
+      <p:sp>
+        <p:nvSpPr>
+          <p:cNvPr id="156" name="TextBox 155"/>
+          <p:cNvSpPr txBox="1"/>
+          <p:nvPr/>
+        </p:nvSpPr>
+        <p:spPr>
+          <a:xfrm>
+            <a:off x="9340261" y="668788"/>
+            <a:ext cx="986489" cy="307777"/>
+          </a:xfrm>
+          <a:prstGeom prst="rect">
+            <a:avLst/>
+          </a:prstGeom>
+          <a:noFill/>
+        </p:spPr>
+        <p:txBody>
+          <a:bodyPr wrap="none" rtlCol="0">
+            <a:spAutoFit/>
+          </a:bodyPr>
+          <a:lstStyle/>
+          <a:p>
+            <a:r>
+              <a:rPr lang="en-US" sz="1400" dirty="0" smtClean="0"/>
+              <a:t>Completed</a:t>
+            </a:r>
+            <a:endParaRPr lang="en-US" sz="1400" dirty="0"/>
+          </a:p>
+        </p:txBody>
+      </p:sp>
+      <p:sp>
+        <p:nvSpPr>
+          <p:cNvPr id="157" name="TextBox 156"/>
+          <p:cNvSpPr txBox="1"/>
+          <p:nvPr/>
+        </p:nvSpPr>
+        <p:spPr>
+          <a:xfrm>
+            <a:off x="9342224" y="988122"/>
+            <a:ext cx="1417376" cy="307777"/>
+          </a:xfrm>
+          <a:prstGeom prst="rect">
+            <a:avLst/>
+          </a:prstGeom>
+          <a:noFill/>
+        </p:spPr>
+        <p:txBody>
+          <a:bodyPr wrap="none" rtlCol="0">
+            <a:spAutoFit/>
+          </a:bodyPr>
+          <a:lstStyle/>
+          <a:p>
+            <a:r>
+              <a:rPr lang="en-US" sz="1400" dirty="0" smtClean="0"/>
+              <a:t>Work in progress</a:t>
+            </a:r>
+            <a:endParaRPr lang="en-US" sz="1400" dirty="0"/>
+          </a:p>
+        </p:txBody>
+      </p:sp>
+      <p:sp>
+        <p:nvSpPr>
+          <p:cNvPr id="158" name="TextBox 157"/>
+          <p:cNvSpPr txBox="1"/>
+          <p:nvPr/>
+        </p:nvSpPr>
+        <p:spPr>
+          <a:xfrm>
+            <a:off x="9350027" y="1362998"/>
+            <a:ext cx="2280240" cy="307777"/>
+          </a:xfrm>
+          <a:prstGeom prst="rect">
+            <a:avLst/>
+          </a:prstGeom>
+          <a:noFill/>
+        </p:spPr>
+        <p:txBody>
+          <a:bodyPr wrap="none" rtlCol="0">
+            <a:spAutoFit/>
+          </a:bodyPr>
+          <a:lstStyle/>
+          <a:p>
+            <a:r>
+              <a:rPr lang="en-US" sz="1400" dirty="0" smtClean="0"/>
+              <a:t>Interaction with other teams</a:t>
+            </a:r>
+            <a:endParaRPr lang="en-US" sz="1400" dirty="0"/>
+          </a:p>
+        </p:txBody>
+      </p:sp>
+      <p:sp>
+        <p:nvSpPr>
+          <p:cNvPr id="56" name="Rounded Rectangle 55"/>
+          <p:cNvSpPr/>
+          <p:nvPr/>
+        </p:nvSpPr>
+        <p:spPr>
+          <a:xfrm>
+            <a:off x="4786601" y="5645996"/>
+            <a:ext cx="1524000" cy="438427"/>
+          </a:xfrm>
+          <a:prstGeom prst="roundRect">
+            <a:avLst/>
+          </a:prstGeom>
+          <a:solidFill>
+            <a:schemeClr val="accent1">
+              <a:lumMod val="20000"/>
+              <a:lumOff val="80000"/>
+            </a:schemeClr>
+          </a:solidFill>
+          <a:ln>
+            <a:solidFill>
+              <a:srgbClr val="C00000"/>
+            </a:solidFill>
+          </a:ln>
+        </p:spPr>
+        <p:style>
+          <a:lnRef idx="2">
+            <a:schemeClr val="accent1">
+              <a:shade val="50000"/>
+            </a:schemeClr>
+          </a:lnRef>
+          <a:fillRef idx="1">
+            <a:schemeClr val="accent1"/>
+          </a:fillRef>
+          <a:effectRef idx="0">
+            <a:schemeClr val="accent1"/>
+          </a:effectRef>
+          <a:fontRef idx="minor">
+            <a:schemeClr val="lt1"/>
+          </a:fontRef>
+        </p:style>
+        <p:txBody>
+          <a:bodyPr rtlCol="0" anchor="t"/>
+          <a:lstStyle/>
+          <a:p>
+            <a:pPr algn="ctr"/>
+            <a:r>
+              <a:rPr lang="en-US" dirty="0" err="1" smtClean="0">
+                <a:solidFill>
+                  <a:srgbClr val="C00000"/>
+                </a:solidFill>
+              </a:rPr>
+              <a:t>SuperMaaS</a:t>
+            </a:r>
+            <a:endParaRPr lang="en-US" dirty="0">
+              <a:solidFill>
+                <a:srgbClr val="C00000"/>
+              </a:solidFill>
+            </a:endParaRPr>
+          </a:p>
+        </p:txBody>
+      </p:sp>
+      <p:cxnSp>
+        <p:nvCxnSpPr>
+          <p:cNvPr id="60" name="Straight Arrow Connector 59"/>
+          <p:cNvCxnSpPr>
+            <a:stCxn id="56" idx="3"/>
+            <a:endCxn id="21" idx="1"/>
+          </p:cNvCxnSpPr>
+          <p:nvPr/>
+        </p:nvCxnSpPr>
+        <p:spPr>
+          <a:xfrm flipV="1">
+            <a:off x="6310601" y="5379660"/>
+            <a:ext cx="2433393" cy="485550"/>
+          </a:xfrm>
+          <a:prstGeom prst="straightConnector1">
+            <a:avLst/>
+          </a:prstGeom>
+          <a:ln>
+            <a:solidFill>
+              <a:schemeClr val="tx1"/>
+            </a:solidFill>
+            <a:tailEnd type="triangle"/>
+          </a:ln>
+        </p:spPr>
+        <p:style>
+          <a:lnRef idx="1">
+            <a:schemeClr val="accent1"/>
+          </a:lnRef>
+          <a:fillRef idx="0">
+            <a:schemeClr val="accent1"/>
+          </a:fillRef>
+          <a:effectRef idx="0">
+            <a:schemeClr val="accent1"/>
+          </a:effectRef>
+          <a:fontRef idx="minor">
+            <a:schemeClr val="tx1"/>
+          </a:fontRef>
+        </p:style>
+      </p:cxnSp>
+      <p:cxnSp>
+        <p:nvCxnSpPr>
+          <p:cNvPr id="23" name="Straight Arrow Connector 22"/>
+          <p:cNvCxnSpPr>
+            <a:stCxn id="56" idx="0"/>
+            <a:endCxn id="32" idx="2"/>
+          </p:cNvCxnSpPr>
+          <p:nvPr/>
+        </p:nvCxnSpPr>
+        <p:spPr>
+          <a:xfrm flipV="1">
+            <a:off x="5548601" y="4923226"/>
+            <a:ext cx="4355" cy="722770"/>
+          </a:xfrm>
+          <a:prstGeom prst="straightConnector1">
+            <a:avLst/>
+          </a:prstGeom>
+          <a:ln>
+            <a:solidFill>
+              <a:schemeClr val="tx1"/>
+            </a:solidFill>
+            <a:tailEnd type="triangle"/>
+          </a:ln>
+        </p:spPr>
+        <p:style>
+          <a:lnRef idx="1">
+            <a:schemeClr val="accent1"/>
+          </a:lnRef>
+          <a:fillRef idx="0">
+            <a:schemeClr val="accent1"/>
+          </a:fillRef>
+          <a:effectRef idx="0">
+            <a:schemeClr val="accent1"/>
+          </a:effectRef>
+          <a:fontRef idx="minor">
+            <a:schemeClr val="tx1"/>
+          </a:fontRef>
+        </p:style>
+      </p:cxnSp>
+      <p:sp>
+        <p:nvSpPr>
+          <p:cNvPr id="73" name="TextBox 72"/>
+          <p:cNvSpPr txBox="1"/>
+          <p:nvPr/>
+        </p:nvSpPr>
+        <p:spPr>
+          <a:xfrm>
+            <a:off x="4856864" y="5267260"/>
+            <a:ext cx="1333665" cy="253916"/>
+          </a:xfrm>
+          <a:prstGeom prst="rect">
+            <a:avLst/>
+          </a:prstGeom>
+          <a:solidFill>
+            <a:schemeClr val="bg1"/>
+          </a:solidFill>
+          <a:ln w="19050">
+            <a:solidFill>
+              <a:schemeClr val="tx1"/>
+            </a:solidFill>
+            <a:prstDash val="sysDot"/>
+          </a:ln>
+        </p:spPr>
+        <p:txBody>
+          <a:bodyPr wrap="square" rtlCol="0">
+            <a:spAutoFit/>
+          </a:bodyPr>
+          <a:lstStyle/>
+          <a:p>
+            <a:r>
+              <a:rPr lang="en-US" sz="1050" dirty="0" smtClean="0"/>
+              <a:t>Documentation URLs</a:t>
+            </a:r>
+            <a:endParaRPr lang="en-US" sz="1050" dirty="0"/>
+          </a:p>
+        </p:txBody>
+      </p:sp>
+      <p:pic>
+        <p:nvPicPr>
+          <p:cNvPr id="100" name="Picture 99"/>
+          <p:cNvPicPr>
+            <a:picLocks noChangeAspect="1"/>
+          </p:cNvPicPr>
+          <p:nvPr/>
+        </p:nvPicPr>
+        <p:blipFill>
+          <a:blip r:embed="rId3" cstate="print">
+            <a:duotone>
+              <a:schemeClr val="accent2">
+                <a:shade val="45000"/>
+                <a:satMod val="135000"/>
+              </a:schemeClr>
+              <a:prstClr val="white"/>
+            </a:duotone>
+            <a:extLst>
+              <a:ext uri="{28A0092B-C50C-407E-A947-70E740481C1C}">
+                <a14:useLocalDpi xmlns:a14="http://schemas.microsoft.com/office/drawing/2010/main" val="0"/>
+              </a:ext>
+            </a:extLst>
+          </a:blip>
+          <a:stretch>
+            <a:fillRect/>
+          </a:stretch>
+        </p:blipFill>
+        <p:spPr>
+          <a:xfrm>
+            <a:off x="7853095" y="5894162"/>
+            <a:ext cx="531784" cy="531784"/>
+          </a:xfrm>
+          <a:prstGeom prst="rect">
+            <a:avLst/>
+          </a:prstGeom>
+        </p:spPr>
+      </p:pic>
+      <p:sp>
+        <p:nvSpPr>
+          <p:cNvPr id="108" name="Rectangle 107"/>
+          <p:cNvSpPr/>
+          <p:nvPr/>
+        </p:nvSpPr>
+        <p:spPr>
+          <a:xfrm>
+            <a:off x="8991287" y="1984294"/>
+            <a:ext cx="1573544" cy="883496"/>
+          </a:xfrm>
+          <a:prstGeom prst="rect">
+            <a:avLst/>
+          </a:prstGeom>
+          <a:solidFill>
+            <a:schemeClr val="accent6">
+              <a:lumMod val="20000"/>
+              <a:lumOff val="80000"/>
+            </a:schemeClr>
+          </a:solidFill>
+          <a:ln>
+            <a:solidFill>
+              <a:srgbClr val="C00000"/>
+            </a:solidFill>
+          </a:ln>
+        </p:spPr>
+        <p:style>
+          <a:lnRef idx="2">
+            <a:schemeClr val="accent1">
+              <a:shade val="50000"/>
+            </a:schemeClr>
+          </a:lnRef>
+          <a:fillRef idx="1">
+            <a:schemeClr val="accent1"/>
+          </a:fillRef>
+          <a:effectRef idx="0">
+            <a:schemeClr val="accent1"/>
+          </a:effectRef>
+          <a:fontRef idx="minor">
+            <a:schemeClr val="lt1"/>
+          </a:fontRef>
+        </p:style>
+        <p:txBody>
+          <a:bodyPr rtlCol="0" anchor="t"/>
+          <a:lstStyle/>
+          <a:p>
+            <a:pPr algn="ctr"/>
+            <a:r>
+              <a:rPr lang="en-US" dirty="0" smtClean="0">
+                <a:solidFill>
+                  <a:srgbClr val="C00000"/>
+                </a:solidFill>
+              </a:rPr>
+              <a:t>Metadata schema </a:t>
+            </a:r>
+            <a:br>
+              <a:rPr lang="en-US" dirty="0" smtClean="0">
+                <a:solidFill>
+                  <a:srgbClr val="C00000"/>
+                </a:solidFill>
+              </a:rPr>
+            </a:br>
+            <a:r>
+              <a:rPr lang="en-US" dirty="0" smtClean="0">
+                <a:solidFill>
+                  <a:srgbClr val="C00000"/>
+                </a:solidFill>
+              </a:rPr>
+              <a:t>(RDF, JSON)</a:t>
+            </a:r>
+            <a:endParaRPr lang="en-US" dirty="0">
+              <a:solidFill>
+                <a:srgbClr val="C00000"/>
+              </a:solidFill>
+            </a:endParaRPr>
+          </a:p>
+        </p:txBody>
+      </p:sp>
+      <p:cxnSp>
+        <p:nvCxnSpPr>
+          <p:cNvPr id="109" name="Straight Arrow Connector 108"/>
+          <p:cNvCxnSpPr>
+            <a:stCxn id="108" idx="1"/>
+            <a:endCxn id="53" idx="3"/>
+          </p:cNvCxnSpPr>
+          <p:nvPr/>
+        </p:nvCxnSpPr>
+        <p:spPr>
+          <a:xfrm flipH="1">
+            <a:off x="8329380" y="2426042"/>
+            <a:ext cx="661907" cy="3679"/>
+          </a:xfrm>
+          <a:prstGeom prst="straightConnector1">
+            <a:avLst/>
+          </a:prstGeom>
+          <a:ln>
+            <a:solidFill>
+              <a:schemeClr val="tx1"/>
+            </a:solidFill>
+            <a:tailEnd type="triangle"/>
+          </a:ln>
+        </p:spPr>
+        <p:style>
+          <a:lnRef idx="1">
+            <a:schemeClr val="accent1"/>
+          </a:lnRef>
+          <a:fillRef idx="0">
+            <a:schemeClr val="accent1"/>
+          </a:fillRef>
+          <a:effectRef idx="0">
+            <a:schemeClr val="accent1"/>
+          </a:effectRef>
+          <a:fontRef idx="minor">
+            <a:schemeClr val="tx1"/>
+          </a:fontRef>
+        </p:style>
+      </p:cxnSp>
+      <p:cxnSp>
+        <p:nvCxnSpPr>
+          <p:cNvPr id="88" name="Elbow Connector 87"/>
+          <p:cNvCxnSpPr>
+            <a:stCxn id="108" idx="3"/>
+            <a:endCxn id="8" idx="3"/>
+          </p:cNvCxnSpPr>
+          <p:nvPr/>
+        </p:nvCxnSpPr>
+        <p:spPr>
+          <a:xfrm flipH="1">
+            <a:off x="10438758" y="2426042"/>
+            <a:ext cx="126073" cy="2141723"/>
+          </a:xfrm>
+          <a:prstGeom prst="bentConnector3">
+            <a:avLst>
+              <a:gd name="adj1" fmla="val -181324"/>
+            </a:avLst>
+          </a:prstGeom>
+          <a:ln>
+            <a:solidFill>
+              <a:schemeClr val="tx1"/>
+            </a:solidFill>
+            <a:tailEnd type="triangle"/>
+          </a:ln>
+        </p:spPr>
+        <p:style>
+          <a:lnRef idx="1">
+            <a:schemeClr val="accent1"/>
+          </a:lnRef>
+          <a:fillRef idx="0">
+            <a:schemeClr val="accent1"/>
+          </a:fillRef>
+          <a:effectRef idx="0">
+            <a:schemeClr val="accent1"/>
+          </a:effectRef>
+          <a:fontRef idx="minor">
+            <a:schemeClr val="tx1"/>
+          </a:fontRef>
+        </p:style>
+      </p:cxnSp>
+      <p:cxnSp>
+        <p:nvCxnSpPr>
+          <p:cNvPr id="116" name="Elbow Connector 115"/>
+          <p:cNvCxnSpPr>
+            <a:stCxn id="108" idx="3"/>
+            <a:endCxn id="17" idx="3"/>
+          </p:cNvCxnSpPr>
+          <p:nvPr/>
+        </p:nvCxnSpPr>
+        <p:spPr>
+          <a:xfrm>
+            <a:off x="10564831" y="2426042"/>
+            <a:ext cx="780690" cy="2951996"/>
+          </a:xfrm>
+          <a:prstGeom prst="bentConnector3">
+            <a:avLst>
+              <a:gd name="adj1" fmla="val 129282"/>
+            </a:avLst>
+          </a:prstGeom>
+          <a:ln>
+            <a:solidFill>
+              <a:schemeClr val="tx1"/>
+            </a:solidFill>
+            <a:tailEnd type="triangle"/>
+          </a:ln>
+        </p:spPr>
+        <p:style>
+          <a:lnRef idx="1">
+            <a:schemeClr val="accent1"/>
+          </a:lnRef>
+          <a:fillRef idx="0">
+            <a:schemeClr val="accent1"/>
+          </a:fillRef>
+          <a:effectRef idx="0">
+            <a:schemeClr val="accent1"/>
+          </a:effectRef>
+          <a:fontRef idx="minor">
+            <a:schemeClr val="tx1"/>
+          </a:fontRef>
+        </p:style>
+      </p:cxnSp>
+      <p:sp>
+        <p:nvSpPr>
+          <p:cNvPr id="137" name="TextBox 136"/>
+          <p:cNvSpPr txBox="1"/>
+          <p:nvPr/>
+        </p:nvSpPr>
+        <p:spPr>
+          <a:xfrm>
+            <a:off x="6624804" y="5327008"/>
+            <a:ext cx="1676199" cy="415498"/>
+          </a:xfrm>
+          <a:prstGeom prst="rect">
+            <a:avLst/>
+          </a:prstGeom>
+          <a:solidFill>
+            <a:schemeClr val="bg1"/>
+          </a:solidFill>
+          <a:ln w="19050">
+            <a:solidFill>
+              <a:schemeClr val="tx1"/>
+            </a:solidFill>
+            <a:prstDash val="sysDot"/>
+          </a:ln>
+        </p:spPr>
+        <p:txBody>
+          <a:bodyPr wrap="square" rtlCol="0">
+            <a:spAutoFit/>
+          </a:bodyPr>
+          <a:lstStyle/>
+          <a:p>
+            <a:r>
+              <a:rPr lang="en-US" sz="1050" dirty="0" smtClean="0"/>
+              <a:t>Model metadata, variables,</a:t>
+            </a:r>
+          </a:p>
+          <a:p>
+            <a:r>
+              <a:rPr lang="en-US" sz="1050" dirty="0" smtClean="0"/>
+              <a:t>documentation, etc.</a:t>
+            </a:r>
+            <a:endParaRPr lang="en-US" sz="1050" dirty="0"/>
+          </a:p>
+        </p:txBody>
+      </p:sp>
+      <p:cxnSp>
+        <p:nvCxnSpPr>
+          <p:cNvPr id="127" name="Elbow Connector 126"/>
+          <p:cNvCxnSpPr>
+            <a:stCxn id="129" idx="3"/>
+            <a:endCxn id="36" idx="1"/>
+          </p:cNvCxnSpPr>
+          <p:nvPr/>
+        </p:nvCxnSpPr>
+        <p:spPr>
+          <a:xfrm>
+            <a:off x="3510985" y="5672832"/>
+            <a:ext cx="4990800" cy="792072"/>
+          </a:xfrm>
+          <a:prstGeom prst="bentConnector3">
+            <a:avLst>
+              <a:gd name="adj1" fmla="val 5214"/>
+            </a:avLst>
+          </a:prstGeom>
+          <a:ln>
+            <a:solidFill>
+              <a:schemeClr val="tx1"/>
+            </a:solidFill>
+            <a:tailEnd type="triangle"/>
+          </a:ln>
+        </p:spPr>
+        <p:style>
+          <a:lnRef idx="1">
+            <a:schemeClr val="accent1"/>
+          </a:lnRef>
+          <a:fillRef idx="0">
+            <a:schemeClr val="accent1"/>
+          </a:fillRef>
+          <a:effectRef idx="0">
+            <a:schemeClr val="accent1"/>
+          </a:effectRef>
+          <a:fontRef idx="minor">
+            <a:schemeClr val="tx1"/>
+          </a:fontRef>
+        </p:style>
+      </p:cxnSp>
+      <p:cxnSp>
+        <p:nvCxnSpPr>
+          <p:cNvPr id="169" name="Straight Arrow Connector 168"/>
+          <p:cNvCxnSpPr>
+            <a:stCxn id="29" idx="0"/>
+            <a:endCxn id="182" idx="2"/>
+          </p:cNvCxnSpPr>
+          <p:nvPr/>
+        </p:nvCxnSpPr>
+        <p:spPr>
+          <a:xfrm flipH="1" flipV="1">
+            <a:off x="5548602" y="2491643"/>
+            <a:ext cx="6337" cy="276338"/>
+          </a:xfrm>
+          <a:prstGeom prst="straightConnector1">
+            <a:avLst/>
+          </a:prstGeom>
+          <a:ln>
+            <a:solidFill>
+              <a:schemeClr val="tx1"/>
+            </a:solidFill>
+            <a:tailEnd type="triangle"/>
+          </a:ln>
+        </p:spPr>
+        <p:style>
+          <a:lnRef idx="1">
+            <a:schemeClr val="accent1"/>
+          </a:lnRef>
+          <a:fillRef idx="0">
+            <a:schemeClr val="accent1"/>
+          </a:fillRef>
+          <a:effectRef idx="0">
+            <a:schemeClr val="accent1"/>
+          </a:effectRef>
+          <a:fontRef idx="minor">
+            <a:schemeClr val="tx1"/>
+          </a:fontRef>
+        </p:style>
+      </p:cxnSp>
+      <p:cxnSp>
+        <p:nvCxnSpPr>
+          <p:cNvPr id="178" name="Elbow Connector 177"/>
+          <p:cNvCxnSpPr>
+            <a:stCxn id="129" idx="1"/>
+            <a:endCxn id="31" idx="1"/>
+          </p:cNvCxnSpPr>
+          <p:nvPr/>
+        </p:nvCxnSpPr>
+        <p:spPr>
+          <a:xfrm rot="10800000" flipH="1">
+            <a:off x="756214" y="2231386"/>
+            <a:ext cx="1797387" cy="3441447"/>
+          </a:xfrm>
+          <a:prstGeom prst="bentConnector3">
+            <a:avLst>
+              <a:gd name="adj1" fmla="val -12718"/>
+            </a:avLst>
+          </a:prstGeom>
+          <a:ln>
+            <a:solidFill>
+              <a:schemeClr val="tx1"/>
+            </a:solidFill>
+            <a:tailEnd type="triangle"/>
+          </a:ln>
+        </p:spPr>
+        <p:style>
+          <a:lnRef idx="1">
+            <a:schemeClr val="accent1"/>
+          </a:lnRef>
+          <a:fillRef idx="0">
+            <a:schemeClr val="accent1"/>
+          </a:fillRef>
+          <a:effectRef idx="0">
+            <a:schemeClr val="accent1"/>
+          </a:effectRef>
+          <a:fontRef idx="minor">
+            <a:schemeClr val="tx1"/>
+          </a:fontRef>
+        </p:style>
+      </p:cxnSp>
+      <p:sp>
+        <p:nvSpPr>
+          <p:cNvPr id="182" name="Folded Corner 181"/>
+          <p:cNvSpPr/>
+          <p:nvPr/>
+        </p:nvSpPr>
+        <p:spPr>
+          <a:xfrm>
+            <a:off x="4675253" y="1545525"/>
+            <a:ext cx="1746697" cy="946118"/>
+          </a:xfrm>
+          <a:prstGeom prst="foldedCorner">
+            <a:avLst>
+              <a:gd name="adj" fmla="val 13667"/>
+            </a:avLst>
+          </a:prstGeom>
+          <a:solidFill>
+            <a:schemeClr val="accent6">
+              <a:lumMod val="20000"/>
+              <a:lumOff val="80000"/>
+            </a:schemeClr>
+          </a:solidFill>
+          <a:ln>
+            <a:solidFill>
+              <a:srgbClr val="C00000"/>
+            </a:solidFill>
+          </a:ln>
+        </p:spPr>
+        <p:style>
+          <a:lnRef idx="2">
+            <a:schemeClr val="accent1">
+              <a:shade val="50000"/>
+            </a:schemeClr>
+          </a:lnRef>
+          <a:fillRef idx="1">
+            <a:schemeClr val="accent1"/>
+          </a:fillRef>
+          <a:effectRef idx="0">
+            <a:schemeClr val="accent1"/>
+          </a:effectRef>
+          <a:fontRef idx="minor">
+            <a:schemeClr val="lt1"/>
+          </a:fontRef>
+        </p:style>
+        <p:txBody>
+          <a:bodyPr rtlCol="0" anchor="t"/>
+          <a:lstStyle/>
+          <a:p>
+            <a:pPr algn="ctr"/>
+            <a:r>
+              <a:rPr lang="en-US" dirty="0">
+                <a:solidFill>
+                  <a:srgbClr val="C00000"/>
+                </a:solidFill>
+              </a:rPr>
+              <a:t>Model configuration metadata file </a:t>
+            </a:r>
+          </a:p>
+        </p:txBody>
+      </p:sp>
+      <p:cxnSp>
+        <p:nvCxnSpPr>
+          <p:cNvPr id="183" name="Elbow Connector 182"/>
+          <p:cNvCxnSpPr>
+            <a:stCxn id="196" idx="1"/>
+            <a:endCxn id="31" idx="1"/>
+          </p:cNvCxnSpPr>
+          <p:nvPr/>
+        </p:nvCxnSpPr>
+        <p:spPr>
+          <a:xfrm rot="10800000" flipH="1">
+            <a:off x="756212" y="2231386"/>
+            <a:ext cx="1797389" cy="4226269"/>
+          </a:xfrm>
+          <a:prstGeom prst="bentConnector3">
+            <a:avLst>
+              <a:gd name="adj1" fmla="val -23509"/>
+            </a:avLst>
+          </a:prstGeom>
+          <a:ln>
+            <a:solidFill>
+              <a:schemeClr val="tx1"/>
+            </a:solidFill>
+            <a:tailEnd type="triangle"/>
+          </a:ln>
+        </p:spPr>
+        <p:style>
+          <a:lnRef idx="1">
+            <a:schemeClr val="accent1"/>
+          </a:lnRef>
+          <a:fillRef idx="0">
+            <a:schemeClr val="accent1"/>
+          </a:fillRef>
+          <a:effectRef idx="0">
+            <a:schemeClr val="accent1"/>
+          </a:effectRef>
+          <a:fontRef idx="minor">
+            <a:schemeClr val="tx1"/>
+          </a:fontRef>
+        </p:style>
+      </p:cxnSp>
+      <p:sp>
+        <p:nvSpPr>
+          <p:cNvPr id="196" name="Rounded Rectangle 195"/>
+          <p:cNvSpPr/>
+          <p:nvPr/>
+        </p:nvSpPr>
+        <p:spPr>
+          <a:xfrm>
+            <a:off x="756213" y="6119781"/>
+            <a:ext cx="2754772" cy="675746"/>
+          </a:xfrm>
+          <a:prstGeom prst="roundRect">
+            <a:avLst/>
+          </a:prstGeom>
+          <a:solidFill>
+            <a:schemeClr val="accent1">
+              <a:lumMod val="20000"/>
+              <a:lumOff val="80000"/>
+            </a:schemeClr>
+          </a:solidFill>
+          <a:ln>
+            <a:solidFill>
+              <a:srgbClr val="C00000"/>
+            </a:solidFill>
+          </a:ln>
+        </p:spPr>
+        <p:style>
+          <a:lnRef idx="2">
+            <a:schemeClr val="accent1">
+              <a:shade val="50000"/>
+            </a:schemeClr>
+          </a:lnRef>
+          <a:fillRef idx="1">
+            <a:schemeClr val="accent1"/>
+          </a:fillRef>
+          <a:effectRef idx="0">
+            <a:schemeClr val="accent1"/>
+          </a:effectRef>
+          <a:fontRef idx="minor">
+            <a:schemeClr val="lt1"/>
+          </a:fontRef>
+        </p:style>
+        <p:txBody>
+          <a:bodyPr rtlCol="0" anchor="t"/>
+          <a:lstStyle/>
+          <a:p>
+            <a:pPr algn="ctr"/>
+            <a:r>
+              <a:rPr lang="en-US" dirty="0">
+                <a:solidFill>
+                  <a:srgbClr val="C00000"/>
+                </a:solidFill>
+              </a:rPr>
+              <a:t>Automated extraction of </a:t>
+            </a:r>
+            <a:r>
+              <a:rPr lang="en-US" dirty="0" smtClean="0">
+                <a:solidFill>
+                  <a:srgbClr val="C00000"/>
+                </a:solidFill>
+              </a:rPr>
+              <a:t>variables (Automates)</a:t>
+            </a:r>
+            <a:endParaRPr lang="en-US" dirty="0">
+              <a:solidFill>
+                <a:srgbClr val="C00000"/>
+              </a:solidFill>
+            </a:endParaRPr>
+          </a:p>
+        </p:txBody>
+      </p:sp>
+      <p:sp>
+        <p:nvSpPr>
+          <p:cNvPr id="2" name="Rectangle 1"/>
+          <p:cNvSpPr/>
+          <p:nvPr/>
+        </p:nvSpPr>
+        <p:spPr>
+          <a:xfrm>
+            <a:off x="2254585" y="312609"/>
+            <a:ext cx="6247200" cy="3728685"/>
+          </a:xfrm>
+          <a:prstGeom prst="rect">
+            <a:avLst/>
+          </a:prstGeom>
+          <a:noFill/>
+          <a:ln>
+            <a:solidFill>
+              <a:srgbClr val="C00000"/>
+            </a:solidFill>
+            <a:prstDash val="dash"/>
+          </a:ln>
+        </p:spPr>
+        <p:style>
+          <a:lnRef idx="2">
+            <a:schemeClr val="accent1">
+              <a:shade val="50000"/>
+            </a:schemeClr>
+          </a:lnRef>
+          <a:fillRef idx="1">
+            <a:schemeClr val="accent1"/>
+          </a:fillRef>
+          <a:effectRef idx="0">
+            <a:schemeClr val="accent1"/>
+          </a:effectRef>
+          <a:fontRef idx="minor">
+            <a:schemeClr val="lt1"/>
+          </a:fontRef>
+        </p:style>
+        <p:txBody>
+          <a:bodyPr rtlCol="0" anchor="ctr"/>
+          <a:lstStyle/>
+          <a:p>
+            <a:pPr algn="ctr"/>
+            <a:endParaRPr lang="en-US"/>
+          </a:p>
+        </p:txBody>
+      </p:sp>
+      <p:sp>
+        <p:nvSpPr>
+          <p:cNvPr id="14" name="TextBox 13"/>
+          <p:cNvSpPr txBox="1"/>
+          <p:nvPr/>
+        </p:nvSpPr>
+        <p:spPr>
+          <a:xfrm>
+            <a:off x="4738513" y="356473"/>
+            <a:ext cx="3061031" cy="369332"/>
+          </a:xfrm>
+          <a:prstGeom prst="rect">
+            <a:avLst/>
+          </a:prstGeom>
+          <a:noFill/>
+        </p:spPr>
+        <p:txBody>
+          <a:bodyPr wrap="none" rtlCol="0">
+            <a:spAutoFit/>
+          </a:bodyPr>
+          <a:lstStyle/>
+          <a:p>
+            <a:r>
+              <a:rPr lang="en-US" dirty="0" smtClean="0">
+                <a:solidFill>
+                  <a:srgbClr val="C00000"/>
+                </a:solidFill>
+              </a:rPr>
+              <a:t>Model Insertion Checker (MIC)</a:t>
+            </a:r>
+            <a:endParaRPr lang="en-US" dirty="0">
+              <a:solidFill>
+                <a:srgbClr val="C00000"/>
+              </a:solidFill>
+            </a:endParaRPr>
+          </a:p>
+        </p:txBody>
+      </p:sp>
+      <p:sp>
+        <p:nvSpPr>
+          <p:cNvPr id="76" name="Rectangle 75"/>
+          <p:cNvSpPr/>
+          <p:nvPr/>
+        </p:nvSpPr>
+        <p:spPr>
+          <a:xfrm>
+            <a:off x="10280099" y="6013741"/>
+            <a:ext cx="1703617" cy="902325"/>
+          </a:xfrm>
+          <a:prstGeom prst="rect">
+            <a:avLst/>
+          </a:prstGeom>
+          <a:solidFill>
+            <a:schemeClr val="accent6">
+              <a:lumMod val="20000"/>
+              <a:lumOff val="80000"/>
+            </a:schemeClr>
+          </a:solidFill>
+          <a:ln>
+            <a:solidFill>
+              <a:srgbClr val="C00000"/>
+            </a:solidFill>
+          </a:ln>
+        </p:spPr>
+        <p:style>
+          <a:lnRef idx="2">
+            <a:schemeClr val="accent1">
+              <a:shade val="50000"/>
+            </a:schemeClr>
+          </a:lnRef>
+          <a:fillRef idx="1">
+            <a:schemeClr val="accent1"/>
+          </a:fillRef>
+          <a:effectRef idx="0">
+            <a:schemeClr val="accent1"/>
+          </a:effectRef>
+          <a:fontRef idx="minor">
+            <a:schemeClr val="lt1"/>
+          </a:fontRef>
+        </p:style>
+        <p:txBody>
+          <a:bodyPr rtlCol="0" anchor="t"/>
+          <a:lstStyle/>
+          <a:p>
+            <a:pPr algn="ctr"/>
+            <a:r>
+              <a:rPr lang="en-US" dirty="0" smtClean="0">
+                <a:solidFill>
+                  <a:srgbClr val="C00000"/>
+                </a:solidFill>
+              </a:rPr>
+              <a:t>Run </a:t>
+            </a:r>
+            <a:r>
+              <a:rPr lang="en-US" dirty="0" smtClean="0">
+                <a:solidFill>
+                  <a:srgbClr val="C00000"/>
+                </a:solidFill>
+              </a:rPr>
+              <a:t>MINT model locally (DAME)</a:t>
+            </a:r>
+            <a:endParaRPr lang="en-US" dirty="0">
+              <a:solidFill>
+                <a:srgbClr val="C00000"/>
+              </a:solidFill>
+            </a:endParaRPr>
+          </a:p>
+        </p:txBody>
+      </p:sp>
+      <p:cxnSp>
+        <p:nvCxnSpPr>
+          <p:cNvPr id="77" name="Straight Arrow Connector 76"/>
+          <p:cNvCxnSpPr>
+            <a:stCxn id="76" idx="0"/>
+            <a:endCxn id="21" idx="2"/>
+          </p:cNvCxnSpPr>
+          <p:nvPr/>
+        </p:nvCxnSpPr>
+        <p:spPr>
+          <a:xfrm flipH="1" flipV="1">
+            <a:off x="9353594" y="5723694"/>
+            <a:ext cx="1778314" cy="290047"/>
+          </a:xfrm>
+          <a:prstGeom prst="straightConnector1">
+            <a:avLst/>
+          </a:prstGeom>
+          <a:ln>
+            <a:solidFill>
+              <a:schemeClr val="tx1"/>
+            </a:solidFill>
+            <a:tailEnd type="triangle"/>
+          </a:ln>
+        </p:spPr>
+        <p:style>
+          <a:lnRef idx="1">
+            <a:schemeClr val="accent1"/>
+          </a:lnRef>
+          <a:fillRef idx="0">
+            <a:schemeClr val="accent1"/>
+          </a:fillRef>
+          <a:effectRef idx="0">
+            <a:schemeClr val="accent1"/>
+          </a:effectRef>
+          <a:fontRef idx="minor">
+            <a:schemeClr val="tx1"/>
+          </a:fontRef>
+        </p:style>
+      </p:cxnSp>
+      <p:cxnSp>
+        <p:nvCxnSpPr>
+          <p:cNvPr id="80" name="Elbow Connector 79"/>
+          <p:cNvCxnSpPr>
+            <a:stCxn id="129" idx="3"/>
+            <a:endCxn id="76" idx="2"/>
+          </p:cNvCxnSpPr>
+          <p:nvPr/>
+        </p:nvCxnSpPr>
+        <p:spPr>
+          <a:xfrm>
+            <a:off x="3510985" y="5672832"/>
+            <a:ext cx="7620923" cy="1243234"/>
+          </a:xfrm>
+          <a:prstGeom prst="bentConnector4">
+            <a:avLst>
+              <a:gd name="adj1" fmla="val 3483"/>
+              <a:gd name="adj2" fmla="val 118388"/>
+            </a:avLst>
+          </a:prstGeom>
+          <a:ln>
+            <a:solidFill>
+              <a:schemeClr val="tx1"/>
+            </a:solidFill>
+            <a:tailEnd type="triangle"/>
+          </a:ln>
+        </p:spPr>
+        <p:style>
+          <a:lnRef idx="1">
+            <a:schemeClr val="accent1"/>
+          </a:lnRef>
+          <a:fillRef idx="0">
+            <a:schemeClr val="accent1"/>
+          </a:fillRef>
+          <a:effectRef idx="0">
+            <a:schemeClr val="accent1"/>
+          </a:effectRef>
+          <a:fontRef idx="minor">
+            <a:schemeClr val="tx1"/>
+          </a:fontRef>
+        </p:style>
+      </p:cxnSp>
+    </p:spTree>
+    <p:extLst>
+      <p:ext uri="{BB962C8B-B14F-4D97-AF65-F5344CB8AC3E}">
+        <p14:creationId xmlns:p14="http://schemas.microsoft.com/office/powerpoint/2010/main" val="1898898349"/>
       </p:ext>
     </p:extLst>
   </p:cSld>

--- a/docs/figures/ModelCatalogInsertion.pptx
+++ b/docs/figures/ModelCatalogInsertion.pptx
@@ -6438,7 +6438,7 @@
         <p:spPr>
           <a:xfrm>
             <a:off x="51524" y="0"/>
-            <a:ext cx="2872005" cy="369332"/>
+            <a:ext cx="3953455" cy="369332"/>
           </a:xfrm>
           <a:prstGeom prst="rect">
             <a:avLst/>
@@ -6453,2860 +6453,2883 @@
           <a:p>
             <a:r>
               <a:rPr lang="en-US" dirty="0" smtClean="0"/>
-              <a:t>Model insertion architecture</a:t>
+              <a:t>Model </a:t>
+            </a:r>
+            <a:r>
+              <a:rPr lang="en-US" smtClean="0"/>
+              <a:t>insertion </a:t>
+            </a:r>
+            <a:r>
+              <a:rPr lang="en-US" smtClean="0"/>
+              <a:t>architecture (UPDATED)</a:t>
             </a:r>
             <a:endParaRPr lang="en-US" dirty="0"/>
           </a:p>
         </p:txBody>
       </p:sp>
-      <p:sp>
-        <p:nvSpPr>
-          <p:cNvPr id="160" name="Rectangle 159"/>
-          <p:cNvSpPr/>
+      <p:grpSp>
+        <p:nvGrpSpPr>
+          <p:cNvPr id="37" name="Group 36"/>
+          <p:cNvGrpSpPr/>
           <p:nvPr/>
-        </p:nvSpPr>
-        <p:spPr>
+        </p:nvGrpSpPr>
+        <p:grpSpPr>
           <a:xfrm>
-            <a:off x="8652043" y="219414"/>
-            <a:ext cx="2978224" cy="1611767"/>
+            <a:off x="262984" y="219414"/>
+            <a:ext cx="11720732" cy="6696652"/>
+            <a:chOff x="262984" y="219414"/>
+            <a:chExt cx="11720732" cy="6696652"/>
           </a:xfrm>
-          <a:prstGeom prst="rect">
-            <a:avLst/>
-          </a:prstGeom>
-          <a:solidFill>
-            <a:schemeClr val="bg1">
-              <a:lumMod val="95000"/>
-            </a:schemeClr>
-          </a:solidFill>
-          <a:ln>
+        </p:grpSpPr>
+        <p:sp>
+          <p:nvSpPr>
+            <p:cNvPr id="160" name="Rectangle 159"/>
+            <p:cNvSpPr/>
+            <p:nvPr/>
+          </p:nvSpPr>
+          <p:spPr>
+            <a:xfrm>
+              <a:off x="8652043" y="219414"/>
+              <a:ext cx="2978224" cy="1611767"/>
+            </a:xfrm>
+            <a:prstGeom prst="rect">
+              <a:avLst/>
+            </a:prstGeom>
             <a:solidFill>
-              <a:srgbClr val="C00000"/>
+              <a:schemeClr val="bg1">
+                <a:lumMod val="95000"/>
+              </a:schemeClr>
             </a:solidFill>
-          </a:ln>
-        </p:spPr>
-        <p:style>
-          <a:lnRef idx="2">
-            <a:schemeClr val="accent1">
-              <a:shade val="50000"/>
-            </a:schemeClr>
-          </a:lnRef>
-          <a:fillRef idx="1">
-            <a:schemeClr val="accent1"/>
-          </a:fillRef>
-          <a:effectRef idx="0">
-            <a:schemeClr val="accent1"/>
-          </a:effectRef>
-          <a:fontRef idx="minor">
-            <a:schemeClr val="lt1"/>
-          </a:fontRef>
-        </p:style>
-        <p:txBody>
-          <a:bodyPr rtlCol="0" anchor="ctr"/>
-          <a:lstStyle/>
-          <a:p>
-            <a:pPr algn="ctr"/>
-            <a:endParaRPr lang="en-US"/>
-          </a:p>
-        </p:txBody>
-      </p:sp>
-      <p:sp>
-        <p:nvSpPr>
-          <p:cNvPr id="6" name="Rounded Rectangle 5"/>
-          <p:cNvSpPr/>
-          <p:nvPr/>
-        </p:nvSpPr>
-        <p:spPr>
-          <a:xfrm>
-            <a:off x="9040831" y="2968550"/>
-            <a:ext cx="1524000" cy="1183580"/>
-          </a:xfrm>
-          <a:prstGeom prst="roundRect">
-            <a:avLst/>
-          </a:prstGeom>
-          <a:solidFill>
-            <a:schemeClr val="accent6">
-              <a:lumMod val="20000"/>
-              <a:lumOff val="80000"/>
-            </a:schemeClr>
-          </a:solidFill>
-          <a:ln>
+            <a:ln>
+              <a:solidFill>
+                <a:srgbClr val="C00000"/>
+              </a:solidFill>
+            </a:ln>
+          </p:spPr>
+          <p:style>
+            <a:lnRef idx="2">
+              <a:schemeClr val="accent1">
+                <a:shade val="50000"/>
+              </a:schemeClr>
+            </a:lnRef>
+            <a:fillRef idx="1">
+              <a:schemeClr val="accent1"/>
+            </a:fillRef>
+            <a:effectRef idx="0">
+              <a:schemeClr val="accent1"/>
+            </a:effectRef>
+            <a:fontRef idx="minor">
+              <a:schemeClr val="lt1"/>
+            </a:fontRef>
+          </p:style>
+          <p:txBody>
+            <a:bodyPr rtlCol="0" anchor="ctr"/>
+            <a:lstStyle/>
+            <a:p>
+              <a:pPr algn="ctr"/>
+              <a:endParaRPr lang="en-US"/>
+            </a:p>
+          </p:txBody>
+        </p:sp>
+        <p:sp>
+          <p:nvSpPr>
+            <p:cNvPr id="6" name="Rounded Rectangle 5"/>
+            <p:cNvSpPr/>
+            <p:nvPr/>
+          </p:nvSpPr>
+          <p:spPr>
+            <a:xfrm>
+              <a:off x="9040831" y="2968550"/>
+              <a:ext cx="1524000" cy="1183580"/>
+            </a:xfrm>
+            <a:prstGeom prst="roundRect">
+              <a:avLst/>
+            </a:prstGeom>
             <a:solidFill>
-              <a:srgbClr val="C00000"/>
+              <a:schemeClr val="accent6">
+                <a:lumMod val="20000"/>
+                <a:lumOff val="80000"/>
+              </a:schemeClr>
             </a:solidFill>
-          </a:ln>
-        </p:spPr>
-        <p:style>
-          <a:lnRef idx="2">
-            <a:schemeClr val="accent1">
-              <a:shade val="50000"/>
-            </a:schemeClr>
-          </a:lnRef>
-          <a:fillRef idx="1">
-            <a:schemeClr val="accent1"/>
-          </a:fillRef>
-          <a:effectRef idx="0">
-            <a:schemeClr val="accent1"/>
-          </a:effectRef>
-          <a:fontRef idx="minor">
-            <a:schemeClr val="lt1"/>
-          </a:fontRef>
-        </p:style>
-        <p:txBody>
-          <a:bodyPr rtlCol="0" anchor="t"/>
-          <a:lstStyle/>
-          <a:p>
-            <a:pPr algn="ctr"/>
-            <a:r>
-              <a:rPr lang="en-US" dirty="0">
+            <a:ln>
+              <a:solidFill>
+                <a:srgbClr val="C00000"/>
+              </a:solidFill>
+            </a:ln>
+          </p:spPr>
+          <p:style>
+            <a:lnRef idx="2">
+              <a:schemeClr val="accent1">
+                <a:shade val="50000"/>
+              </a:schemeClr>
+            </a:lnRef>
+            <a:fillRef idx="1">
+              <a:schemeClr val="accent1"/>
+            </a:fillRef>
+            <a:effectRef idx="0">
+              <a:schemeClr val="accent1"/>
+            </a:effectRef>
+            <a:fontRef idx="minor">
+              <a:schemeClr val="lt1"/>
+            </a:fontRef>
+          </p:style>
+          <p:txBody>
+            <a:bodyPr rtlCol="0" anchor="t"/>
+            <a:lstStyle/>
+            <a:p>
+              <a:pPr algn="ctr"/>
+              <a:r>
+                <a:rPr lang="en-US" dirty="0">
+                  <a:solidFill>
+                    <a:srgbClr val="C00000"/>
+                  </a:solidFill>
+                </a:rPr>
+                <a:t>Knowledge Graph</a:t>
+              </a:r>
+            </a:p>
+          </p:txBody>
+        </p:sp>
+        <p:sp>
+          <p:nvSpPr>
+            <p:cNvPr id="7" name="Rectangle 6"/>
+            <p:cNvSpPr/>
+            <p:nvPr/>
+          </p:nvSpPr>
+          <p:spPr>
+            <a:xfrm>
+              <a:off x="9210322" y="3718022"/>
+              <a:ext cx="1219200" cy="323272"/>
+            </a:xfrm>
+            <a:prstGeom prst="rect">
+              <a:avLst/>
+            </a:prstGeom>
+            <a:solidFill>
+              <a:schemeClr val="accent6">
+                <a:lumMod val="20000"/>
+                <a:lumOff val="80000"/>
+              </a:schemeClr>
+            </a:solidFill>
+            <a:ln>
+              <a:solidFill>
+                <a:srgbClr val="C00000"/>
+              </a:solidFill>
+            </a:ln>
+          </p:spPr>
+          <p:style>
+            <a:lnRef idx="2">
+              <a:schemeClr val="accent1">
+                <a:shade val="50000"/>
+              </a:schemeClr>
+            </a:lnRef>
+            <a:fillRef idx="1">
+              <a:schemeClr val="accent1"/>
+            </a:fillRef>
+            <a:effectRef idx="0">
+              <a:schemeClr val="accent1"/>
+            </a:effectRef>
+            <a:fontRef idx="minor">
+              <a:schemeClr val="lt1"/>
+            </a:fontRef>
+          </p:style>
+          <p:txBody>
+            <a:bodyPr rtlCol="0" anchor="t"/>
+            <a:lstStyle/>
+            <a:p>
+              <a:pPr algn="ctr"/>
+              <a:r>
+                <a:rPr lang="en-US" dirty="0">
+                  <a:solidFill>
+                    <a:srgbClr val="C00000"/>
+                  </a:solidFill>
+                </a:rPr>
+                <a:t>Endpoint</a:t>
+              </a:r>
+            </a:p>
+          </p:txBody>
+        </p:sp>
+        <p:sp>
+          <p:nvSpPr>
+            <p:cNvPr id="8" name="Rectangle 7"/>
+            <p:cNvSpPr/>
+            <p:nvPr/>
+          </p:nvSpPr>
+          <p:spPr>
+            <a:xfrm>
+              <a:off x="9219558" y="4406129"/>
+              <a:ext cx="1219200" cy="323272"/>
+            </a:xfrm>
+            <a:prstGeom prst="rect">
+              <a:avLst/>
+            </a:prstGeom>
+            <a:solidFill>
+              <a:schemeClr val="accent6">
+                <a:lumMod val="20000"/>
+                <a:lumOff val="80000"/>
+              </a:schemeClr>
+            </a:solidFill>
+            <a:ln>
+              <a:solidFill>
+                <a:srgbClr val="C00000"/>
+              </a:solidFill>
+            </a:ln>
+          </p:spPr>
+          <p:style>
+            <a:lnRef idx="2">
+              <a:schemeClr val="accent1">
+                <a:shade val="50000"/>
+              </a:schemeClr>
+            </a:lnRef>
+            <a:fillRef idx="1">
+              <a:schemeClr val="accent1"/>
+            </a:fillRef>
+            <a:effectRef idx="0">
+              <a:schemeClr val="accent1"/>
+            </a:effectRef>
+            <a:fontRef idx="minor">
+              <a:schemeClr val="lt1"/>
+            </a:fontRef>
+          </p:style>
+          <p:txBody>
+            <a:bodyPr rtlCol="0" anchor="t"/>
+            <a:lstStyle/>
+            <a:p>
+              <a:pPr algn="ctr"/>
+              <a:r>
+                <a:rPr lang="en-US" dirty="0">
+                  <a:solidFill>
+                    <a:srgbClr val="C00000"/>
+                  </a:solidFill>
+                </a:rPr>
+                <a:t>REST API</a:t>
+              </a:r>
+            </a:p>
+          </p:txBody>
+        </p:sp>
+        <p:cxnSp>
+          <p:nvCxnSpPr>
+            <p:cNvPr id="10" name="Straight Arrow Connector 9"/>
+            <p:cNvCxnSpPr/>
+            <p:nvPr/>
+          </p:nvCxnSpPr>
+          <p:spPr>
+            <a:xfrm>
+              <a:off x="9487413" y="4065539"/>
+              <a:ext cx="0" cy="327891"/>
+            </a:xfrm>
+            <a:prstGeom prst="straightConnector1">
+              <a:avLst/>
+            </a:prstGeom>
+            <a:ln>
+              <a:solidFill>
+                <a:schemeClr val="tx1"/>
+              </a:solidFill>
+              <a:tailEnd type="triangle"/>
+            </a:ln>
+          </p:spPr>
+          <p:style>
+            <a:lnRef idx="1">
+              <a:schemeClr val="accent1"/>
+            </a:lnRef>
+            <a:fillRef idx="0">
+              <a:schemeClr val="accent1"/>
+            </a:fillRef>
+            <a:effectRef idx="0">
+              <a:schemeClr val="accent1"/>
+            </a:effectRef>
+            <a:fontRef idx="minor">
+              <a:schemeClr val="tx1"/>
+            </a:fontRef>
+          </p:style>
+        </p:cxnSp>
+        <p:cxnSp>
+          <p:nvCxnSpPr>
+            <p:cNvPr id="11" name="Straight Arrow Connector 10"/>
+            <p:cNvCxnSpPr/>
+            <p:nvPr/>
+          </p:nvCxnSpPr>
+          <p:spPr>
+            <a:xfrm flipV="1">
+              <a:off x="10229558" y="4021090"/>
+              <a:ext cx="0" cy="372341"/>
+            </a:xfrm>
+            <a:prstGeom prst="straightConnector1">
+              <a:avLst/>
+            </a:prstGeom>
+            <a:ln>
+              <a:solidFill>
+                <a:schemeClr val="tx1"/>
+              </a:solidFill>
+              <a:tailEnd type="triangle"/>
+            </a:ln>
+          </p:spPr>
+          <p:style>
+            <a:lnRef idx="1">
+              <a:schemeClr val="accent1"/>
+            </a:lnRef>
+            <a:fillRef idx="0">
+              <a:schemeClr val="accent1"/>
+            </a:fillRef>
+            <a:effectRef idx="0">
+              <a:schemeClr val="accent1"/>
+            </a:effectRef>
+            <a:fontRef idx="minor">
+              <a:schemeClr val="tx1"/>
+            </a:fontRef>
+          </p:style>
+        </p:cxnSp>
+        <p:sp>
+          <p:nvSpPr>
+            <p:cNvPr id="17" name="Folded Corner 16"/>
+            <p:cNvSpPr/>
+            <p:nvPr/>
+          </p:nvSpPr>
+          <p:spPr>
+            <a:xfrm>
+              <a:off x="10097230" y="5034004"/>
+              <a:ext cx="1248291" cy="688067"/>
+            </a:xfrm>
+            <a:prstGeom prst="foldedCorner">
+              <a:avLst/>
+            </a:prstGeom>
+            <a:solidFill>
+              <a:schemeClr val="accent6">
+                <a:lumMod val="20000"/>
+                <a:lumOff val="80000"/>
+              </a:schemeClr>
+            </a:solidFill>
+            <a:ln>
+              <a:solidFill>
+                <a:srgbClr val="C00000"/>
+              </a:solidFill>
+            </a:ln>
+          </p:spPr>
+          <p:style>
+            <a:lnRef idx="2">
+              <a:schemeClr val="accent1">
+                <a:shade val="50000"/>
+              </a:schemeClr>
+            </a:lnRef>
+            <a:fillRef idx="1">
+              <a:schemeClr val="accent1"/>
+            </a:fillRef>
+            <a:effectRef idx="0">
+              <a:schemeClr val="accent1"/>
+            </a:effectRef>
+            <a:fontRef idx="minor">
+              <a:schemeClr val="lt1"/>
+            </a:fontRef>
+          </p:style>
+          <p:txBody>
+            <a:bodyPr rtlCol="0" anchor="t"/>
+            <a:lstStyle/>
+            <a:p>
+              <a:pPr algn="ctr"/>
+              <a:r>
+                <a:rPr lang="en-US" dirty="0">
+                  <a:solidFill>
+                    <a:srgbClr val="C00000"/>
+                  </a:solidFill>
+                </a:rPr>
+                <a:t>Notebooks</a:t>
+              </a:r>
+            </a:p>
+          </p:txBody>
+        </p:sp>
+        <p:sp>
+          <p:nvSpPr>
+            <p:cNvPr id="21" name="Rectangle 20"/>
+            <p:cNvSpPr/>
+            <p:nvPr/>
+          </p:nvSpPr>
+          <p:spPr>
+            <a:xfrm>
+              <a:off x="8743994" y="5035626"/>
+              <a:ext cx="1219200" cy="688068"/>
+            </a:xfrm>
+            <a:prstGeom prst="rect">
+              <a:avLst/>
+            </a:prstGeom>
+            <a:solidFill>
+              <a:schemeClr val="accent6">
+                <a:lumMod val="20000"/>
+                <a:lumOff val="80000"/>
+              </a:schemeClr>
+            </a:solidFill>
+            <a:ln>
+              <a:solidFill>
+                <a:srgbClr val="C00000"/>
+              </a:solidFill>
+            </a:ln>
+          </p:spPr>
+          <p:style>
+            <a:lnRef idx="2">
+              <a:schemeClr val="accent1">
+                <a:shade val="50000"/>
+              </a:schemeClr>
+            </a:lnRef>
+            <a:fillRef idx="1">
+              <a:schemeClr val="accent1"/>
+            </a:fillRef>
+            <a:effectRef idx="0">
+              <a:schemeClr val="accent1"/>
+            </a:effectRef>
+            <a:fontRef idx="minor">
+              <a:schemeClr val="lt1"/>
+            </a:fontRef>
+          </p:style>
+          <p:txBody>
+            <a:bodyPr rtlCol="0" anchor="t"/>
+            <a:lstStyle/>
+            <a:p>
+              <a:pPr algn="ctr"/>
+              <a:r>
+                <a:rPr lang="en-US" dirty="0" smtClean="0">
+                  <a:solidFill>
+                    <a:srgbClr val="C00000"/>
+                  </a:solidFill>
+                </a:rPr>
+                <a:t>Python/JS </a:t>
+              </a:r>
+              <a:r>
+                <a:rPr lang="en-US" dirty="0">
+                  <a:solidFill>
+                    <a:srgbClr val="C00000"/>
+                  </a:solidFill>
+                </a:rPr>
+                <a:t>Client</a:t>
+              </a:r>
+            </a:p>
+          </p:txBody>
+        </p:sp>
+        <p:cxnSp>
+          <p:nvCxnSpPr>
+            <p:cNvPr id="22" name="Straight Arrow Connector 21"/>
+            <p:cNvCxnSpPr>
+              <a:stCxn id="21" idx="0"/>
+              <a:endCxn id="8" idx="2"/>
+            </p:cNvCxnSpPr>
+            <p:nvPr/>
+          </p:nvCxnSpPr>
+          <p:spPr>
+            <a:xfrm flipV="1">
+              <a:off x="9353594" y="4729401"/>
+              <a:ext cx="475564" cy="306225"/>
+            </a:xfrm>
+            <a:prstGeom prst="straightConnector1">
+              <a:avLst/>
+            </a:prstGeom>
+            <a:ln>
+              <a:solidFill>
+                <a:schemeClr val="tx1"/>
+              </a:solidFill>
+              <a:tailEnd type="triangle"/>
+            </a:ln>
+          </p:spPr>
+          <p:style>
+            <a:lnRef idx="1">
+              <a:schemeClr val="accent1"/>
+            </a:lnRef>
+            <a:fillRef idx="0">
+              <a:schemeClr val="accent1"/>
+            </a:fillRef>
+            <a:effectRef idx="0">
+              <a:schemeClr val="accent1"/>
+            </a:effectRef>
+            <a:fontRef idx="minor">
+              <a:schemeClr val="tx1"/>
+            </a:fontRef>
+          </p:style>
+        </p:cxnSp>
+        <p:cxnSp>
+          <p:nvCxnSpPr>
+            <p:cNvPr id="25" name="Straight Arrow Connector 24"/>
+            <p:cNvCxnSpPr>
+              <a:stCxn id="17" idx="0"/>
+              <a:endCxn id="8" idx="2"/>
+            </p:cNvCxnSpPr>
+            <p:nvPr/>
+          </p:nvCxnSpPr>
+          <p:spPr>
+            <a:xfrm flipH="1" flipV="1">
+              <a:off x="9829158" y="4729401"/>
+              <a:ext cx="892218" cy="304603"/>
+            </a:xfrm>
+            <a:prstGeom prst="straightConnector1">
+              <a:avLst/>
+            </a:prstGeom>
+            <a:ln>
+              <a:solidFill>
+                <a:schemeClr val="tx1"/>
+              </a:solidFill>
+              <a:tailEnd type="triangle"/>
+            </a:ln>
+          </p:spPr>
+          <p:style>
+            <a:lnRef idx="1">
+              <a:schemeClr val="accent1"/>
+            </a:lnRef>
+            <a:fillRef idx="0">
+              <a:schemeClr val="accent1"/>
+            </a:fillRef>
+            <a:effectRef idx="0">
+              <a:schemeClr val="accent1"/>
+            </a:effectRef>
+            <a:fontRef idx="minor">
+              <a:schemeClr val="tx1"/>
+            </a:fontRef>
+          </p:style>
+        </p:cxnSp>
+        <p:sp>
+          <p:nvSpPr>
+            <p:cNvPr id="28" name="Rounded Rectangle 27"/>
+            <p:cNvSpPr/>
+            <p:nvPr/>
+          </p:nvSpPr>
+          <p:spPr>
+            <a:xfrm>
+              <a:off x="262984" y="1561793"/>
+              <a:ext cx="1524000" cy="438427"/>
+            </a:xfrm>
+            <a:prstGeom prst="roundRect">
+              <a:avLst/>
+            </a:prstGeom>
+            <a:solidFill>
+              <a:schemeClr val="bg1">
+                <a:lumMod val="95000"/>
+              </a:schemeClr>
+            </a:solidFill>
+            <a:ln>
+              <a:solidFill>
+                <a:srgbClr val="C00000"/>
+              </a:solidFill>
+            </a:ln>
+          </p:spPr>
+          <p:style>
+            <a:lnRef idx="2">
+              <a:schemeClr val="accent1">
+                <a:shade val="50000"/>
+              </a:schemeClr>
+            </a:lnRef>
+            <a:fillRef idx="1">
+              <a:schemeClr val="accent1"/>
+            </a:fillRef>
+            <a:effectRef idx="0">
+              <a:schemeClr val="accent1"/>
+            </a:effectRef>
+            <a:fontRef idx="minor">
+              <a:schemeClr val="lt1"/>
+            </a:fontRef>
+          </p:style>
+          <p:txBody>
+            <a:bodyPr rtlCol="0" anchor="t"/>
+            <a:lstStyle/>
+            <a:p>
+              <a:pPr algn="ctr"/>
+              <a:r>
+                <a:rPr lang="en-US" dirty="0" smtClean="0">
+                  <a:solidFill>
+                    <a:srgbClr val="C00000"/>
+                  </a:solidFill>
+                </a:rPr>
+                <a:t>GitHub</a:t>
+              </a:r>
+              <a:endParaRPr lang="en-US" dirty="0">
                 <a:solidFill>
                   <a:srgbClr val="C00000"/>
                 </a:solidFill>
-              </a:rPr>
-              <a:t>Knowledge Graph</a:t>
-            </a:r>
-          </a:p>
-        </p:txBody>
-      </p:sp>
-      <p:sp>
-        <p:nvSpPr>
-          <p:cNvPr id="7" name="Rectangle 6"/>
-          <p:cNvSpPr/>
-          <p:nvPr/>
-        </p:nvSpPr>
-        <p:spPr>
-          <a:xfrm>
-            <a:off x="9210322" y="3718022"/>
-            <a:ext cx="1219200" cy="323272"/>
-          </a:xfrm>
-          <a:prstGeom prst="rect">
-            <a:avLst/>
-          </a:prstGeom>
-          <a:solidFill>
-            <a:schemeClr val="accent6">
-              <a:lumMod val="20000"/>
-              <a:lumOff val="80000"/>
-            </a:schemeClr>
-          </a:solidFill>
-          <a:ln>
+              </a:endParaRPr>
+            </a:p>
+          </p:txBody>
+        </p:sp>
+        <p:sp>
+          <p:nvSpPr>
+            <p:cNvPr id="29" name="Rectangle 28"/>
+            <p:cNvSpPr/>
+            <p:nvPr/>
+          </p:nvSpPr>
+          <p:spPr>
+            <a:xfrm>
+              <a:off x="4685257" y="2767981"/>
+              <a:ext cx="1739363" cy="891008"/>
+            </a:xfrm>
+            <a:prstGeom prst="rect">
+              <a:avLst/>
+            </a:prstGeom>
             <a:solidFill>
-              <a:srgbClr val="C00000"/>
+              <a:schemeClr val="accent6">
+                <a:lumMod val="20000"/>
+                <a:lumOff val="80000"/>
+              </a:schemeClr>
             </a:solidFill>
-          </a:ln>
-        </p:spPr>
-        <p:style>
-          <a:lnRef idx="2">
-            <a:schemeClr val="accent1">
-              <a:shade val="50000"/>
-            </a:schemeClr>
-          </a:lnRef>
-          <a:fillRef idx="1">
-            <a:schemeClr val="accent1"/>
-          </a:fillRef>
-          <a:effectRef idx="0">
-            <a:schemeClr val="accent1"/>
-          </a:effectRef>
-          <a:fontRef idx="minor">
-            <a:schemeClr val="lt1"/>
-          </a:fontRef>
-        </p:style>
-        <p:txBody>
-          <a:bodyPr rtlCol="0" anchor="t"/>
-          <a:lstStyle/>
-          <a:p>
-            <a:pPr algn="ctr"/>
-            <a:r>
-              <a:rPr lang="en-US" dirty="0">
+            <a:ln>
+              <a:solidFill>
+                <a:srgbClr val="C00000"/>
+              </a:solidFill>
+            </a:ln>
+          </p:spPr>
+          <p:style>
+            <a:lnRef idx="2">
+              <a:schemeClr val="accent1">
+                <a:shade val="50000"/>
+              </a:schemeClr>
+            </a:lnRef>
+            <a:fillRef idx="1">
+              <a:schemeClr val="accent1"/>
+            </a:fillRef>
+            <a:effectRef idx="0">
+              <a:schemeClr val="accent1"/>
+            </a:effectRef>
+            <a:fontRef idx="minor">
+              <a:schemeClr val="lt1"/>
+            </a:fontRef>
+          </p:style>
+          <p:txBody>
+            <a:bodyPr rtlCol="0" anchor="t"/>
+            <a:lstStyle/>
+            <a:p>
+              <a:pPr algn="ctr"/>
+              <a:r>
+                <a:rPr lang="en-US" dirty="0">
+                  <a:solidFill>
+                    <a:srgbClr val="C00000"/>
+                  </a:solidFill>
+                </a:rPr>
+                <a:t>Model Configuration Container</a:t>
+              </a:r>
+              <a:endParaRPr lang="en-US" dirty="0">
                 <a:solidFill>
                   <a:srgbClr val="C00000"/>
                 </a:solidFill>
-              </a:rPr>
-              <a:t>Endpoint</a:t>
-            </a:r>
-          </a:p>
-        </p:txBody>
-      </p:sp>
-      <p:sp>
-        <p:nvSpPr>
-          <p:cNvPr id="8" name="Rectangle 7"/>
-          <p:cNvSpPr/>
-          <p:nvPr/>
-        </p:nvSpPr>
-        <p:spPr>
-          <a:xfrm>
-            <a:off x="9219558" y="4406129"/>
-            <a:ext cx="1219200" cy="323272"/>
-          </a:xfrm>
-          <a:prstGeom prst="rect">
-            <a:avLst/>
-          </a:prstGeom>
-          <a:solidFill>
-            <a:schemeClr val="accent6">
-              <a:lumMod val="20000"/>
-              <a:lumOff val="80000"/>
-            </a:schemeClr>
-          </a:solidFill>
-          <a:ln>
+              </a:endParaRPr>
+            </a:p>
+          </p:txBody>
+        </p:sp>
+        <p:sp>
+          <p:nvSpPr>
+            <p:cNvPr id="31" name="Rectangle 30"/>
+            <p:cNvSpPr/>
+            <p:nvPr/>
+          </p:nvSpPr>
+          <p:spPr>
+            <a:xfrm>
+              <a:off x="2553602" y="1516308"/>
+              <a:ext cx="1598395" cy="1430153"/>
+            </a:xfrm>
+            <a:prstGeom prst="rect">
+              <a:avLst/>
+            </a:prstGeom>
             <a:solidFill>
-              <a:srgbClr val="C00000"/>
+              <a:schemeClr val="accent4">
+                <a:lumMod val="20000"/>
+                <a:lumOff val="80000"/>
+              </a:schemeClr>
             </a:solidFill>
-          </a:ln>
-        </p:spPr>
-        <p:style>
-          <a:lnRef idx="2">
-            <a:schemeClr val="accent1">
-              <a:shade val="50000"/>
-            </a:schemeClr>
-          </a:lnRef>
-          <a:fillRef idx="1">
-            <a:schemeClr val="accent1"/>
-          </a:fillRef>
-          <a:effectRef idx="0">
-            <a:schemeClr val="accent1"/>
-          </a:effectRef>
-          <a:fontRef idx="minor">
-            <a:schemeClr val="lt1"/>
-          </a:fontRef>
-        </p:style>
-        <p:txBody>
-          <a:bodyPr rtlCol="0" anchor="t"/>
-          <a:lstStyle/>
-          <a:p>
-            <a:pPr algn="ctr"/>
-            <a:r>
-              <a:rPr lang="en-US" dirty="0">
+            <a:ln>
+              <a:solidFill>
+                <a:srgbClr val="C00000"/>
+              </a:solidFill>
+            </a:ln>
+          </p:spPr>
+          <p:style>
+            <a:lnRef idx="2">
+              <a:schemeClr val="accent1">
+                <a:shade val="50000"/>
+              </a:schemeClr>
+            </a:lnRef>
+            <a:fillRef idx="1">
+              <a:schemeClr val="accent1"/>
+            </a:fillRef>
+            <a:effectRef idx="0">
+              <a:schemeClr val="accent1"/>
+            </a:effectRef>
+            <a:fontRef idx="minor">
+              <a:schemeClr val="lt1"/>
+            </a:fontRef>
+          </p:style>
+          <p:txBody>
+            <a:bodyPr rtlCol="0" anchor="t"/>
+            <a:lstStyle/>
+            <a:p>
+              <a:pPr algn="ctr"/>
+              <a:r>
+                <a:rPr lang="en-US" dirty="0">
+                  <a:solidFill>
+                    <a:srgbClr val="C00000"/>
+                  </a:solidFill>
+                </a:rPr>
+                <a:t>Guidebook for creating model </a:t>
+              </a:r>
+              <a:r>
+                <a:rPr lang="en-US" dirty="0" smtClean="0">
+                  <a:solidFill>
+                    <a:srgbClr val="C00000"/>
+                  </a:solidFill>
+                </a:rPr>
+                <a:t>configurations and setups and metadata </a:t>
+              </a:r>
+              <a:endParaRPr lang="en-US" dirty="0">
                 <a:solidFill>
                   <a:srgbClr val="C00000"/>
                 </a:solidFill>
-              </a:rPr>
-              <a:t>REST API</a:t>
-            </a:r>
-          </a:p>
-        </p:txBody>
-      </p:sp>
-      <p:cxnSp>
-        <p:nvCxnSpPr>
-          <p:cNvPr id="10" name="Straight Arrow Connector 9"/>
-          <p:cNvCxnSpPr/>
-          <p:nvPr/>
-        </p:nvCxnSpPr>
-        <p:spPr>
-          <a:xfrm>
-            <a:off x="9487413" y="4065539"/>
-            <a:ext cx="0" cy="327891"/>
-          </a:xfrm>
-          <a:prstGeom prst="straightConnector1">
-            <a:avLst/>
-          </a:prstGeom>
-          <a:ln>
+              </a:endParaRPr>
+            </a:p>
+          </p:txBody>
+        </p:sp>
+        <p:sp>
+          <p:nvSpPr>
+            <p:cNvPr id="32" name="Rectangle 31"/>
+            <p:cNvSpPr/>
+            <p:nvPr/>
+          </p:nvSpPr>
+          <p:spPr>
+            <a:xfrm>
+              <a:off x="4683275" y="4207260"/>
+              <a:ext cx="1739362" cy="715966"/>
+            </a:xfrm>
+            <a:prstGeom prst="rect">
+              <a:avLst/>
+            </a:prstGeom>
             <a:solidFill>
-              <a:schemeClr val="tx1"/>
+              <a:schemeClr val="accent6">
+                <a:lumMod val="20000"/>
+                <a:lumOff val="80000"/>
+              </a:schemeClr>
             </a:solidFill>
-            <a:tailEnd type="triangle"/>
-          </a:ln>
-        </p:spPr>
-        <p:style>
-          <a:lnRef idx="1">
-            <a:schemeClr val="accent1"/>
-          </a:lnRef>
-          <a:fillRef idx="0">
-            <a:schemeClr val="accent1"/>
-          </a:fillRef>
-          <a:effectRef idx="0">
-            <a:schemeClr val="accent1"/>
-          </a:effectRef>
-          <a:fontRef idx="minor">
-            <a:schemeClr val="tx1"/>
-          </a:fontRef>
-        </p:style>
-      </p:cxnSp>
-      <p:cxnSp>
-        <p:nvCxnSpPr>
-          <p:cNvPr id="11" name="Straight Arrow Connector 10"/>
-          <p:cNvCxnSpPr/>
-          <p:nvPr/>
-        </p:nvCxnSpPr>
-        <p:spPr>
-          <a:xfrm flipV="1">
-            <a:off x="10229558" y="4021090"/>
-            <a:ext cx="0" cy="372341"/>
-          </a:xfrm>
-          <a:prstGeom prst="straightConnector1">
-            <a:avLst/>
-          </a:prstGeom>
-          <a:ln>
-            <a:solidFill>
-              <a:schemeClr val="tx1"/>
-            </a:solidFill>
-            <a:tailEnd type="triangle"/>
-          </a:ln>
-        </p:spPr>
-        <p:style>
-          <a:lnRef idx="1">
-            <a:schemeClr val="accent1"/>
-          </a:lnRef>
-          <a:fillRef idx="0">
-            <a:schemeClr val="accent1"/>
-          </a:fillRef>
-          <a:effectRef idx="0">
-            <a:schemeClr val="accent1"/>
-          </a:effectRef>
-          <a:fontRef idx="minor">
-            <a:schemeClr val="tx1"/>
-          </a:fontRef>
-        </p:style>
-      </p:cxnSp>
-      <p:sp>
-        <p:nvSpPr>
-          <p:cNvPr id="17" name="Folded Corner 16"/>
-          <p:cNvSpPr/>
-          <p:nvPr/>
-        </p:nvSpPr>
-        <p:spPr>
-          <a:xfrm>
-            <a:off x="10097230" y="5034004"/>
-            <a:ext cx="1248291" cy="688067"/>
-          </a:xfrm>
-          <a:prstGeom prst="foldedCorner">
-            <a:avLst/>
-          </a:prstGeom>
-          <a:solidFill>
-            <a:schemeClr val="accent6">
-              <a:lumMod val="20000"/>
-              <a:lumOff val="80000"/>
-            </a:schemeClr>
-          </a:solidFill>
-          <a:ln>
-            <a:solidFill>
-              <a:srgbClr val="C00000"/>
-            </a:solidFill>
-          </a:ln>
-        </p:spPr>
-        <p:style>
-          <a:lnRef idx="2">
-            <a:schemeClr val="accent1">
-              <a:shade val="50000"/>
-            </a:schemeClr>
-          </a:lnRef>
-          <a:fillRef idx="1">
-            <a:schemeClr val="accent1"/>
-          </a:fillRef>
-          <a:effectRef idx="0">
-            <a:schemeClr val="accent1"/>
-          </a:effectRef>
-          <a:fontRef idx="minor">
-            <a:schemeClr val="lt1"/>
-          </a:fontRef>
-        </p:style>
-        <p:txBody>
-          <a:bodyPr rtlCol="0" anchor="t"/>
-          <a:lstStyle/>
-          <a:p>
-            <a:pPr algn="ctr"/>
-            <a:r>
-              <a:rPr lang="en-US" dirty="0">
+            <a:ln>
+              <a:solidFill>
+                <a:srgbClr val="C00000"/>
+              </a:solidFill>
+            </a:ln>
+          </p:spPr>
+          <p:style>
+            <a:lnRef idx="2">
+              <a:schemeClr val="accent1">
+                <a:shade val="50000"/>
+              </a:schemeClr>
+            </a:lnRef>
+            <a:fillRef idx="1">
+              <a:schemeClr val="accent1"/>
+            </a:fillRef>
+            <a:effectRef idx="0">
+              <a:schemeClr val="accent1"/>
+            </a:effectRef>
+            <a:fontRef idx="minor">
+              <a:schemeClr val="lt1"/>
+            </a:fontRef>
+          </p:style>
+          <p:txBody>
+            <a:bodyPr rtlCol="0" anchor="t"/>
+            <a:lstStyle/>
+            <a:p>
+              <a:pPr algn="ctr"/>
+              <a:r>
+                <a:rPr lang="en-US" dirty="0" smtClean="0">
+                  <a:solidFill>
+                    <a:srgbClr val="C00000"/>
+                  </a:solidFill>
+                </a:rPr>
+                <a:t>Browse and edit model metadata</a:t>
+              </a:r>
+              <a:endParaRPr lang="en-US" dirty="0">
                 <a:solidFill>
                   <a:srgbClr val="C00000"/>
                 </a:solidFill>
-              </a:rPr>
-              <a:t>Notebooks</a:t>
-            </a:r>
-          </a:p>
-        </p:txBody>
-      </p:sp>
-      <p:sp>
-        <p:nvSpPr>
-          <p:cNvPr id="21" name="Rectangle 20"/>
-          <p:cNvSpPr/>
-          <p:nvPr/>
-        </p:nvSpPr>
-        <p:spPr>
-          <a:xfrm>
-            <a:off x="8743994" y="5035626"/>
-            <a:ext cx="1219200" cy="688068"/>
-          </a:xfrm>
-          <a:prstGeom prst="rect">
-            <a:avLst/>
-          </a:prstGeom>
-          <a:solidFill>
-            <a:schemeClr val="accent6">
-              <a:lumMod val="20000"/>
-              <a:lumOff val="80000"/>
-            </a:schemeClr>
-          </a:solidFill>
-          <a:ln>
+              </a:endParaRPr>
+            </a:p>
+          </p:txBody>
+        </p:sp>
+        <p:sp>
+          <p:nvSpPr>
+            <p:cNvPr id="36" name="Rectangle 35"/>
+            <p:cNvSpPr/>
+            <p:nvPr/>
+          </p:nvSpPr>
+          <p:spPr>
+            <a:xfrm>
+              <a:off x="8501785" y="6013741"/>
+              <a:ext cx="1703617" cy="902325"/>
+            </a:xfrm>
+            <a:prstGeom prst="rect">
+              <a:avLst/>
+            </a:prstGeom>
             <a:solidFill>
-              <a:srgbClr val="C00000"/>
+              <a:schemeClr val="accent6">
+                <a:lumMod val="20000"/>
+                <a:lumOff val="80000"/>
+              </a:schemeClr>
             </a:solidFill>
-          </a:ln>
-        </p:spPr>
-        <p:style>
-          <a:lnRef idx="2">
-            <a:schemeClr val="accent1">
-              <a:shade val="50000"/>
-            </a:schemeClr>
-          </a:lnRef>
-          <a:fillRef idx="1">
-            <a:schemeClr val="accent1"/>
-          </a:fillRef>
-          <a:effectRef idx="0">
-            <a:schemeClr val="accent1"/>
-          </a:effectRef>
-          <a:fontRef idx="minor">
-            <a:schemeClr val="lt1"/>
-          </a:fontRef>
-        </p:style>
-        <p:txBody>
-          <a:bodyPr rtlCol="0" anchor="t"/>
-          <a:lstStyle/>
-          <a:p>
-            <a:pPr algn="ctr"/>
-            <a:r>
-              <a:rPr lang="en-US" dirty="0" smtClean="0">
+            <a:ln>
+              <a:solidFill>
+                <a:srgbClr val="C00000"/>
+              </a:solidFill>
+            </a:ln>
+          </p:spPr>
+          <p:style>
+            <a:lnRef idx="2">
+              <a:schemeClr val="accent1">
+                <a:shade val="50000"/>
+              </a:schemeClr>
+            </a:lnRef>
+            <a:fillRef idx="1">
+              <a:schemeClr val="accent1"/>
+            </a:fillRef>
+            <a:effectRef idx="0">
+              <a:schemeClr val="accent1"/>
+            </a:effectRef>
+            <a:fontRef idx="minor">
+              <a:schemeClr val="lt1"/>
+            </a:fontRef>
+          </p:style>
+          <p:txBody>
+            <a:bodyPr rtlCol="0" anchor="t"/>
+            <a:lstStyle/>
+            <a:p>
+              <a:pPr algn="ctr"/>
+              <a:r>
+                <a:rPr lang="en-US" dirty="0" smtClean="0">
+                  <a:solidFill>
+                    <a:srgbClr val="C00000"/>
+                  </a:solidFill>
+                </a:rPr>
+                <a:t>Run model on server (MINT Desktop App)</a:t>
+              </a:r>
+              <a:endParaRPr lang="en-US" dirty="0">
                 <a:solidFill>
                   <a:srgbClr val="C00000"/>
                 </a:solidFill>
-              </a:rPr>
-              <a:t>Python/JS </a:t>
-            </a:r>
-            <a:r>
-              <a:rPr lang="en-US" dirty="0">
+              </a:endParaRPr>
+            </a:p>
+          </p:txBody>
+        </p:sp>
+        <p:cxnSp>
+          <p:nvCxnSpPr>
+            <p:cNvPr id="39" name="Straight Arrow Connector 38"/>
+            <p:cNvCxnSpPr>
+              <a:stCxn id="32" idx="3"/>
+              <a:endCxn id="8" idx="1"/>
+            </p:cNvCxnSpPr>
+            <p:nvPr/>
+          </p:nvCxnSpPr>
+          <p:spPr>
+            <a:xfrm>
+              <a:off x="6422637" y="4565243"/>
+              <a:ext cx="2796921" cy="2522"/>
+            </a:xfrm>
+            <a:prstGeom prst="straightConnector1">
+              <a:avLst/>
+            </a:prstGeom>
+            <a:ln>
+              <a:solidFill>
+                <a:schemeClr val="tx1"/>
+              </a:solidFill>
+              <a:tailEnd type="triangle"/>
+            </a:ln>
+          </p:spPr>
+          <p:style>
+            <a:lnRef idx="1">
+              <a:schemeClr val="accent1"/>
+            </a:lnRef>
+            <a:fillRef idx="0">
+              <a:schemeClr val="accent1"/>
+            </a:fillRef>
+            <a:effectRef idx="0">
+              <a:schemeClr val="accent1"/>
+            </a:effectRef>
+            <a:fontRef idx="minor">
+              <a:schemeClr val="tx1"/>
+            </a:fontRef>
+          </p:style>
+        </p:cxnSp>
+        <p:sp>
+          <p:nvSpPr>
+            <p:cNvPr id="53" name="Rectangle 52"/>
+            <p:cNvSpPr/>
+            <p:nvPr/>
+          </p:nvSpPr>
+          <p:spPr>
+            <a:xfrm>
+              <a:off x="6755836" y="1987973"/>
+              <a:ext cx="1573544" cy="883496"/>
+            </a:xfrm>
+            <a:prstGeom prst="rect">
+              <a:avLst/>
+            </a:prstGeom>
+            <a:solidFill>
+              <a:schemeClr val="accent6">
+                <a:lumMod val="20000"/>
+                <a:lumOff val="80000"/>
+              </a:schemeClr>
+            </a:solidFill>
+            <a:ln>
+              <a:solidFill>
+                <a:srgbClr val="C00000"/>
+              </a:solidFill>
+            </a:ln>
+          </p:spPr>
+          <p:style>
+            <a:lnRef idx="2">
+              <a:schemeClr val="accent1">
+                <a:shade val="50000"/>
+              </a:schemeClr>
+            </a:lnRef>
+            <a:fillRef idx="1">
+              <a:schemeClr val="accent1"/>
+            </a:fillRef>
+            <a:effectRef idx="0">
+              <a:schemeClr val="accent1"/>
+            </a:effectRef>
+            <a:fontRef idx="minor">
+              <a:schemeClr val="lt1"/>
+            </a:fontRef>
+          </p:style>
+          <p:txBody>
+            <a:bodyPr rtlCol="0" anchor="t"/>
+            <a:lstStyle/>
+            <a:p>
+              <a:pPr algn="ctr"/>
+              <a:r>
+                <a:rPr lang="en-US" dirty="0" smtClean="0">
+                  <a:solidFill>
+                    <a:srgbClr val="C00000"/>
+                  </a:solidFill>
+                </a:rPr>
+                <a:t>Metadata validation and upload</a:t>
+              </a:r>
+              <a:endParaRPr lang="en-US" dirty="0">
                 <a:solidFill>
                   <a:srgbClr val="C00000"/>
                 </a:solidFill>
-              </a:rPr>
-              <a:t>Client</a:t>
-            </a:r>
-          </a:p>
-        </p:txBody>
-      </p:sp>
-      <p:cxnSp>
-        <p:nvCxnSpPr>
-          <p:cNvPr id="22" name="Straight Arrow Connector 21"/>
-          <p:cNvCxnSpPr>
-            <a:stCxn id="21" idx="0"/>
-            <a:endCxn id="8" idx="2"/>
-          </p:cNvCxnSpPr>
-          <p:nvPr/>
-        </p:nvCxnSpPr>
-        <p:spPr>
-          <a:xfrm flipV="1">
-            <a:off x="9353594" y="4729401"/>
-            <a:ext cx="475564" cy="306225"/>
-          </a:xfrm>
-          <a:prstGeom prst="straightConnector1">
-            <a:avLst/>
-          </a:prstGeom>
-          <a:ln>
+              </a:endParaRPr>
+            </a:p>
+          </p:txBody>
+        </p:sp>
+        <p:cxnSp>
+          <p:nvCxnSpPr>
+            <p:cNvPr id="54" name="Straight Arrow Connector 53"/>
+            <p:cNvCxnSpPr>
+              <a:stCxn id="53" idx="2"/>
+              <a:endCxn id="8" idx="1"/>
+            </p:cNvCxnSpPr>
+            <p:nvPr/>
+          </p:nvCxnSpPr>
+          <p:spPr>
+            <a:xfrm>
+              <a:off x="7542608" y="2871469"/>
+              <a:ext cx="1676950" cy="1696296"/>
+            </a:xfrm>
+            <a:prstGeom prst="straightConnector1">
+              <a:avLst/>
+            </a:prstGeom>
+            <a:ln>
+              <a:solidFill>
+                <a:schemeClr val="tx1"/>
+              </a:solidFill>
+              <a:tailEnd type="triangle"/>
+            </a:ln>
+          </p:spPr>
+          <p:style>
+            <a:lnRef idx="1">
+              <a:schemeClr val="accent1"/>
+            </a:lnRef>
+            <a:fillRef idx="0">
+              <a:schemeClr val="accent1"/>
+            </a:fillRef>
+            <a:effectRef idx="0">
+              <a:schemeClr val="accent1"/>
+            </a:effectRef>
+            <a:fontRef idx="minor">
+              <a:schemeClr val="tx1"/>
+            </a:fontRef>
+          </p:style>
+        </p:cxnSp>
+        <p:cxnSp>
+          <p:nvCxnSpPr>
+            <p:cNvPr id="58" name="Straight Arrow Connector 57"/>
+            <p:cNvCxnSpPr>
+              <a:stCxn id="28" idx="3"/>
+            </p:cNvCxnSpPr>
+            <p:nvPr/>
+          </p:nvCxnSpPr>
+          <p:spPr>
+            <a:xfrm flipV="1">
+              <a:off x="1786984" y="1778804"/>
+              <a:ext cx="766618" cy="2203"/>
+            </a:xfrm>
+            <a:prstGeom prst="straightConnector1">
+              <a:avLst/>
+            </a:prstGeom>
+            <a:ln>
+              <a:solidFill>
+                <a:schemeClr val="tx1"/>
+              </a:solidFill>
+              <a:tailEnd type="triangle"/>
+            </a:ln>
+          </p:spPr>
+          <p:style>
+            <a:lnRef idx="1">
+              <a:schemeClr val="accent1"/>
+            </a:lnRef>
+            <a:fillRef idx="0">
+              <a:schemeClr val="accent1"/>
+            </a:fillRef>
+            <a:effectRef idx="0">
+              <a:schemeClr val="accent1"/>
+            </a:effectRef>
+            <a:fontRef idx="minor">
+              <a:schemeClr val="tx1"/>
+            </a:fontRef>
+          </p:style>
+        </p:cxnSp>
+        <p:cxnSp>
+          <p:nvCxnSpPr>
+            <p:cNvPr id="59" name="Straight Arrow Connector 58"/>
+            <p:cNvCxnSpPr>
+              <a:stCxn id="31" idx="3"/>
+              <a:endCxn id="182" idx="1"/>
+            </p:cNvCxnSpPr>
+            <p:nvPr/>
+          </p:nvCxnSpPr>
+          <p:spPr>
+            <a:xfrm flipV="1">
+              <a:off x="4151997" y="2018584"/>
+              <a:ext cx="523256" cy="212801"/>
+            </a:xfrm>
+            <a:prstGeom prst="straightConnector1">
+              <a:avLst/>
+            </a:prstGeom>
+            <a:ln>
+              <a:solidFill>
+                <a:schemeClr val="tx1"/>
+              </a:solidFill>
+              <a:tailEnd type="triangle"/>
+            </a:ln>
+          </p:spPr>
+          <p:style>
+            <a:lnRef idx="1">
+              <a:schemeClr val="accent1"/>
+            </a:lnRef>
+            <a:fillRef idx="0">
+              <a:schemeClr val="accent1"/>
+            </a:fillRef>
+            <a:effectRef idx="0">
+              <a:schemeClr val="accent1"/>
+            </a:effectRef>
+            <a:fontRef idx="minor">
+              <a:schemeClr val="tx1"/>
+            </a:fontRef>
+          </p:style>
+        </p:cxnSp>
+        <p:cxnSp>
+          <p:nvCxnSpPr>
+            <p:cNvPr id="62" name="Straight Arrow Connector 61"/>
+            <p:cNvCxnSpPr>
+              <a:stCxn id="31" idx="3"/>
+            </p:cNvCxnSpPr>
+            <p:nvPr/>
+          </p:nvCxnSpPr>
+          <p:spPr>
+            <a:xfrm>
+              <a:off x="4151997" y="2231385"/>
+              <a:ext cx="531278" cy="789517"/>
+            </a:xfrm>
+            <a:prstGeom prst="straightConnector1">
+              <a:avLst/>
+            </a:prstGeom>
+            <a:ln>
+              <a:solidFill>
+                <a:schemeClr val="tx1"/>
+              </a:solidFill>
+              <a:tailEnd type="triangle"/>
+            </a:ln>
+          </p:spPr>
+          <p:style>
+            <a:lnRef idx="1">
+              <a:schemeClr val="accent1"/>
+            </a:lnRef>
+            <a:fillRef idx="0">
+              <a:schemeClr val="accent1"/>
+            </a:fillRef>
+            <a:effectRef idx="0">
+              <a:schemeClr val="accent1"/>
+            </a:effectRef>
+            <a:fontRef idx="minor">
+              <a:schemeClr val="tx1"/>
+            </a:fontRef>
+          </p:style>
+        </p:cxnSp>
+        <p:cxnSp>
+          <p:nvCxnSpPr>
+            <p:cNvPr id="65" name="Straight Arrow Connector 64"/>
+            <p:cNvCxnSpPr>
+              <a:stCxn id="182" idx="3"/>
+              <a:endCxn id="53" idx="1"/>
+            </p:cNvCxnSpPr>
+            <p:nvPr/>
+          </p:nvCxnSpPr>
+          <p:spPr>
+            <a:xfrm>
+              <a:off x="6421950" y="2018584"/>
+              <a:ext cx="333886" cy="411137"/>
+            </a:xfrm>
+            <a:prstGeom prst="straightConnector1">
+              <a:avLst/>
+            </a:prstGeom>
+            <a:ln>
+              <a:solidFill>
+                <a:schemeClr val="tx1"/>
+              </a:solidFill>
+              <a:tailEnd type="triangle"/>
+            </a:ln>
+          </p:spPr>
+          <p:style>
+            <a:lnRef idx="1">
+              <a:schemeClr val="accent1"/>
+            </a:lnRef>
+            <a:fillRef idx="0">
+              <a:schemeClr val="accent1"/>
+            </a:fillRef>
+            <a:effectRef idx="0">
+              <a:schemeClr val="accent1"/>
+            </a:effectRef>
+            <a:fontRef idx="minor">
+              <a:schemeClr val="tx1"/>
+            </a:fontRef>
+          </p:style>
+        </p:cxnSp>
+        <p:cxnSp>
+          <p:nvCxnSpPr>
+            <p:cNvPr id="68" name="Straight Arrow Connector 67"/>
+            <p:cNvCxnSpPr>
+              <a:stCxn id="119" idx="2"/>
+              <a:endCxn id="31" idx="0"/>
+            </p:cNvCxnSpPr>
+            <p:nvPr/>
+          </p:nvCxnSpPr>
+          <p:spPr>
+            <a:xfrm>
+              <a:off x="3352799" y="1328425"/>
+              <a:ext cx="1" cy="187883"/>
+            </a:xfrm>
+            <a:prstGeom prst="straightConnector1">
+              <a:avLst/>
+            </a:prstGeom>
+            <a:ln>
+              <a:solidFill>
+                <a:schemeClr val="tx1"/>
+              </a:solidFill>
+              <a:tailEnd type="triangle"/>
+            </a:ln>
+          </p:spPr>
+          <p:style>
+            <a:lnRef idx="1">
+              <a:schemeClr val="accent1"/>
+            </a:lnRef>
+            <a:fillRef idx="0">
+              <a:schemeClr val="accent1"/>
+            </a:fillRef>
+            <a:effectRef idx="0">
+              <a:schemeClr val="accent1"/>
+            </a:effectRef>
+            <a:fontRef idx="minor">
+              <a:schemeClr val="tx1"/>
+            </a:fontRef>
+          </p:style>
+        </p:cxnSp>
+        <p:cxnSp>
+          <p:nvCxnSpPr>
+            <p:cNvPr id="78" name="Straight Arrow Connector 77"/>
+            <p:cNvCxnSpPr>
+              <a:stCxn id="36" idx="0"/>
+              <a:endCxn id="21" idx="2"/>
+            </p:cNvCxnSpPr>
+            <p:nvPr/>
+          </p:nvCxnSpPr>
+          <p:spPr>
+            <a:xfrm flipV="1">
+              <a:off x="9353594" y="5723694"/>
+              <a:ext cx="0" cy="290047"/>
+            </a:xfrm>
+            <a:prstGeom prst="straightConnector1">
+              <a:avLst/>
+            </a:prstGeom>
+            <a:ln>
+              <a:solidFill>
+                <a:schemeClr val="tx1"/>
+              </a:solidFill>
+              <a:tailEnd type="triangle"/>
+            </a:ln>
+          </p:spPr>
+          <p:style>
+            <a:lnRef idx="1">
+              <a:schemeClr val="accent1"/>
+            </a:lnRef>
+            <a:fillRef idx="0">
+              <a:schemeClr val="accent1"/>
+            </a:fillRef>
+            <a:effectRef idx="0">
+              <a:schemeClr val="accent1"/>
+            </a:effectRef>
+            <a:fontRef idx="minor">
+              <a:schemeClr val="tx1"/>
+            </a:fontRef>
+          </p:style>
+        </p:cxnSp>
+        <p:sp>
+          <p:nvSpPr>
+            <p:cNvPr id="82" name="Rectangle 81"/>
+            <p:cNvSpPr/>
+            <p:nvPr/>
+          </p:nvSpPr>
+          <p:spPr>
+            <a:xfrm>
+              <a:off x="2363481" y="3249474"/>
+              <a:ext cx="1980714" cy="646834"/>
+            </a:xfrm>
+            <a:prstGeom prst="rect">
+              <a:avLst/>
+            </a:prstGeom>
             <a:solidFill>
-              <a:schemeClr val="tx1"/>
+              <a:schemeClr val="accent6">
+                <a:lumMod val="20000"/>
+                <a:lumOff val="80000"/>
+              </a:schemeClr>
             </a:solidFill>
-            <a:tailEnd type="triangle"/>
-          </a:ln>
-        </p:spPr>
-        <p:style>
-          <a:lnRef idx="1">
-            <a:schemeClr val="accent1"/>
-          </a:lnRef>
-          <a:fillRef idx="0">
-            <a:schemeClr val="accent1"/>
-          </a:fillRef>
-          <a:effectRef idx="0">
-            <a:schemeClr val="accent1"/>
-          </a:effectRef>
-          <a:fontRef idx="minor">
-            <a:schemeClr val="tx1"/>
-          </a:fontRef>
-        </p:style>
-      </p:cxnSp>
-      <p:cxnSp>
-        <p:nvCxnSpPr>
-          <p:cNvPr id="25" name="Straight Arrow Connector 24"/>
-          <p:cNvCxnSpPr>
-            <a:stCxn id="17" idx="0"/>
-            <a:endCxn id="8" idx="2"/>
-          </p:cNvCxnSpPr>
-          <p:nvPr/>
-        </p:nvCxnSpPr>
-        <p:spPr>
-          <a:xfrm flipH="1" flipV="1">
-            <a:off x="9829158" y="4729401"/>
-            <a:ext cx="892218" cy="304603"/>
-          </a:xfrm>
-          <a:prstGeom prst="straightConnector1">
-            <a:avLst/>
-          </a:prstGeom>
-          <a:ln>
-            <a:solidFill>
-              <a:schemeClr val="tx1"/>
-            </a:solidFill>
-            <a:tailEnd type="triangle"/>
-          </a:ln>
-        </p:spPr>
-        <p:style>
-          <a:lnRef idx="1">
-            <a:schemeClr val="accent1"/>
-          </a:lnRef>
-          <a:fillRef idx="0">
-            <a:schemeClr val="accent1"/>
-          </a:fillRef>
-          <a:effectRef idx="0">
-            <a:schemeClr val="accent1"/>
-          </a:effectRef>
-          <a:fontRef idx="minor">
-            <a:schemeClr val="tx1"/>
-          </a:fontRef>
-        </p:style>
-      </p:cxnSp>
-      <p:sp>
-        <p:nvSpPr>
-          <p:cNvPr id="28" name="Rounded Rectangle 27"/>
-          <p:cNvSpPr/>
-          <p:nvPr/>
-        </p:nvSpPr>
-        <p:spPr>
-          <a:xfrm>
-            <a:off x="262984" y="1561793"/>
-            <a:ext cx="1524000" cy="438427"/>
-          </a:xfrm>
-          <a:prstGeom prst="roundRect">
-            <a:avLst/>
-          </a:prstGeom>
-          <a:solidFill>
-            <a:schemeClr val="bg1">
-              <a:lumMod val="95000"/>
-            </a:schemeClr>
-          </a:solidFill>
-          <a:ln>
-            <a:solidFill>
-              <a:srgbClr val="C00000"/>
-            </a:solidFill>
-          </a:ln>
-        </p:spPr>
-        <p:style>
-          <a:lnRef idx="2">
-            <a:schemeClr val="accent1">
-              <a:shade val="50000"/>
-            </a:schemeClr>
-          </a:lnRef>
-          <a:fillRef idx="1">
-            <a:schemeClr val="accent1"/>
-          </a:fillRef>
-          <a:effectRef idx="0">
-            <a:schemeClr val="accent1"/>
-          </a:effectRef>
-          <a:fontRef idx="minor">
-            <a:schemeClr val="lt1"/>
-          </a:fontRef>
-        </p:style>
-        <p:txBody>
-          <a:bodyPr rtlCol="0" anchor="t"/>
-          <a:lstStyle/>
-          <a:p>
-            <a:pPr algn="ctr"/>
-            <a:r>
-              <a:rPr lang="en-US" dirty="0" smtClean="0">
+            <a:ln>
+              <a:solidFill>
+                <a:srgbClr val="C00000"/>
+              </a:solidFill>
+            </a:ln>
+          </p:spPr>
+          <p:style>
+            <a:lnRef idx="2">
+              <a:schemeClr val="accent1">
+                <a:shade val="50000"/>
+              </a:schemeClr>
+            </a:lnRef>
+            <a:fillRef idx="1">
+              <a:schemeClr val="accent1"/>
+            </a:fillRef>
+            <a:effectRef idx="0">
+              <a:schemeClr val="accent1"/>
+            </a:effectRef>
+            <a:fontRef idx="minor">
+              <a:schemeClr val="lt1"/>
+            </a:fontRef>
+          </p:style>
+          <p:txBody>
+            <a:bodyPr rtlCol="0" anchor="t"/>
+            <a:lstStyle/>
+            <a:p>
+              <a:pPr algn="ctr"/>
+              <a:r>
+                <a:rPr lang="en-US" dirty="0">
+                  <a:solidFill>
+                    <a:srgbClr val="C00000"/>
+                  </a:solidFill>
+                </a:rPr>
+                <a:t>Run model locally with test data</a:t>
+              </a:r>
+              <a:endParaRPr lang="en-US" dirty="0">
                 <a:solidFill>
                   <a:srgbClr val="C00000"/>
                 </a:solidFill>
-              </a:rPr>
-              <a:t>GitHub</a:t>
-            </a:r>
-            <a:endParaRPr lang="en-US" dirty="0">
+              </a:endParaRPr>
+            </a:p>
+          </p:txBody>
+        </p:sp>
+        <p:cxnSp>
+          <p:nvCxnSpPr>
+            <p:cNvPr id="83" name="Straight Arrow Connector 82"/>
+            <p:cNvCxnSpPr/>
+            <p:nvPr/>
+          </p:nvCxnSpPr>
+          <p:spPr>
+            <a:xfrm flipH="1">
+              <a:off x="3030192" y="2946363"/>
+              <a:ext cx="142" cy="303111"/>
+            </a:xfrm>
+            <a:prstGeom prst="straightConnector1">
+              <a:avLst/>
+            </a:prstGeom>
+            <a:ln>
+              <a:solidFill>
+                <a:schemeClr val="tx1"/>
+              </a:solidFill>
+              <a:tailEnd type="triangle"/>
+            </a:ln>
+          </p:spPr>
+          <p:style>
+            <a:lnRef idx="1">
+              <a:schemeClr val="accent1"/>
+            </a:lnRef>
+            <a:fillRef idx="0">
+              <a:schemeClr val="accent1"/>
+            </a:fillRef>
+            <a:effectRef idx="0">
+              <a:schemeClr val="accent1"/>
+            </a:effectRef>
+            <a:fontRef idx="minor">
+              <a:schemeClr val="tx1"/>
+            </a:fontRef>
+          </p:style>
+        </p:cxnSp>
+        <p:cxnSp>
+          <p:nvCxnSpPr>
+            <p:cNvPr id="87" name="Straight Arrow Connector 86"/>
+            <p:cNvCxnSpPr/>
+            <p:nvPr/>
+          </p:nvCxnSpPr>
+          <p:spPr>
+            <a:xfrm flipH="1" flipV="1">
+              <a:off x="3618439" y="2946363"/>
+              <a:ext cx="2138" cy="303111"/>
+            </a:xfrm>
+            <a:prstGeom prst="straightConnector1">
+              <a:avLst/>
+            </a:prstGeom>
+            <a:ln>
+              <a:solidFill>
+                <a:schemeClr val="tx1"/>
+              </a:solidFill>
+              <a:tailEnd type="triangle"/>
+            </a:ln>
+          </p:spPr>
+          <p:style>
+            <a:lnRef idx="1">
+              <a:schemeClr val="accent1"/>
+            </a:lnRef>
+            <a:fillRef idx="0">
+              <a:schemeClr val="accent1"/>
+            </a:fillRef>
+            <a:effectRef idx="0">
+              <a:schemeClr val="accent1"/>
+            </a:effectRef>
+            <a:fontRef idx="minor">
+              <a:schemeClr val="tx1"/>
+            </a:fontRef>
+          </p:style>
+        </p:cxnSp>
+        <p:sp>
+          <p:nvSpPr>
+            <p:cNvPr id="119" name="Folded Corner 118"/>
+            <p:cNvSpPr/>
+            <p:nvPr/>
+          </p:nvSpPr>
+          <p:spPr>
+            <a:xfrm>
+              <a:off x="2479450" y="382307"/>
+              <a:ext cx="1746697" cy="946118"/>
+            </a:xfrm>
+            <a:prstGeom prst="foldedCorner">
+              <a:avLst>
+                <a:gd name="adj" fmla="val 13667"/>
+              </a:avLst>
+            </a:prstGeom>
+            <a:solidFill>
+              <a:schemeClr val="accent4">
+                <a:lumMod val="20000"/>
+                <a:lumOff val="80000"/>
+              </a:schemeClr>
+            </a:solidFill>
+            <a:ln>
               <a:solidFill>
                 <a:srgbClr val="C00000"/>
               </a:solidFill>
-            </a:endParaRPr>
-          </a:p>
-        </p:txBody>
-      </p:sp>
-      <p:sp>
-        <p:nvSpPr>
-          <p:cNvPr id="29" name="Rectangle 28"/>
-          <p:cNvSpPr/>
-          <p:nvPr/>
-        </p:nvSpPr>
-        <p:spPr>
-          <a:xfrm>
-            <a:off x="4685257" y="2767981"/>
-            <a:ext cx="1739363" cy="891008"/>
-          </a:xfrm>
-          <a:prstGeom prst="rect">
-            <a:avLst/>
-          </a:prstGeom>
-          <a:solidFill>
-            <a:schemeClr val="accent6">
-              <a:lumMod val="20000"/>
-              <a:lumOff val="80000"/>
-            </a:schemeClr>
-          </a:solidFill>
-          <a:ln>
+            </a:ln>
+          </p:spPr>
+          <p:style>
+            <a:lnRef idx="2">
+              <a:schemeClr val="accent1">
+                <a:shade val="50000"/>
+              </a:schemeClr>
+            </a:lnRef>
+            <a:fillRef idx="1">
+              <a:schemeClr val="accent1"/>
+            </a:fillRef>
+            <a:effectRef idx="0">
+              <a:schemeClr val="accent1"/>
+            </a:effectRef>
+            <a:fontRef idx="minor">
+              <a:schemeClr val="lt1"/>
+            </a:fontRef>
+          </p:style>
+          <p:txBody>
+            <a:bodyPr rtlCol="0" anchor="t"/>
+            <a:lstStyle/>
+            <a:p>
+              <a:pPr algn="ctr"/>
+              <a:r>
+                <a:rPr lang="en-US" dirty="0">
+                  <a:solidFill>
+                    <a:srgbClr val="C00000"/>
+                  </a:solidFill>
+                </a:rPr>
+                <a:t>Template-based guidelines for metadata</a:t>
+              </a:r>
+            </a:p>
+          </p:txBody>
+        </p:sp>
+        <p:pic>
+          <p:nvPicPr>
+            <p:cNvPr id="121" name="Picture 120"/>
+            <p:cNvPicPr>
+              <a:picLocks noChangeAspect="1"/>
+            </p:cNvPicPr>
+            <p:nvPr/>
+          </p:nvPicPr>
+          <p:blipFill>
+            <a:blip r:embed="rId3" cstate="print">
+              <a:duotone>
+                <a:schemeClr val="accent2">
+                  <a:shade val="45000"/>
+                  <a:satMod val="135000"/>
+                </a:schemeClr>
+                <a:prstClr val="white"/>
+              </a:duotone>
+              <a:extLst>
+                <a:ext uri="{28A0092B-C50C-407E-A947-70E740481C1C}">
+                  <a14:useLocalDpi xmlns:a14="http://schemas.microsoft.com/office/drawing/2010/main" val="0"/>
+                </a:ext>
+              </a:extLst>
+            </a:blip>
+            <a:stretch>
+              <a:fillRect/>
+            </a:stretch>
+          </p:blipFill>
+          <p:spPr>
+            <a:xfrm>
+              <a:off x="3027063" y="4023831"/>
+              <a:ext cx="621803" cy="621803"/>
+            </a:xfrm>
+            <a:prstGeom prst="rect">
+              <a:avLst/>
+            </a:prstGeom>
+          </p:spPr>
+        </p:pic>
+        <p:sp>
+          <p:nvSpPr>
+            <p:cNvPr id="122" name="TextBox 121"/>
+            <p:cNvSpPr txBox="1"/>
+            <p:nvPr/>
+          </p:nvSpPr>
+          <p:spPr>
+            <a:xfrm>
+              <a:off x="1910535" y="4152130"/>
+              <a:ext cx="1053491" cy="253916"/>
+            </a:xfrm>
+            <a:prstGeom prst="rect">
+              <a:avLst/>
+            </a:prstGeom>
+            <a:noFill/>
+            <a:ln w="19050">
+              <a:solidFill>
+                <a:schemeClr val="tx1"/>
+              </a:solidFill>
+              <a:prstDash val="sysDot"/>
+            </a:ln>
+          </p:spPr>
+          <p:txBody>
+            <a:bodyPr wrap="square" rtlCol="0">
+              <a:spAutoFit/>
+            </a:bodyPr>
+            <a:lstStyle/>
+            <a:p>
+              <a:r>
+                <a:rPr lang="en-US" sz="1050" dirty="0" smtClean="0"/>
+                <a:t>Test and refine</a:t>
+              </a:r>
+              <a:endParaRPr lang="en-US" sz="1050" dirty="0"/>
+            </a:p>
+          </p:txBody>
+        </p:sp>
+        <p:sp>
+          <p:nvSpPr>
+            <p:cNvPr id="129" name="Rectangle 128"/>
+            <p:cNvSpPr/>
+            <p:nvPr/>
+          </p:nvSpPr>
+          <p:spPr>
+            <a:xfrm>
+              <a:off x="756215" y="5370455"/>
+              <a:ext cx="2754770" cy="604754"/>
+            </a:xfrm>
+            <a:prstGeom prst="rect">
+              <a:avLst/>
+            </a:prstGeom>
             <a:solidFill>
-              <a:srgbClr val="C00000"/>
+              <a:schemeClr val="accent1">
+                <a:lumMod val="20000"/>
+                <a:lumOff val="80000"/>
+              </a:schemeClr>
             </a:solidFill>
-          </a:ln>
-        </p:spPr>
-        <p:style>
-          <a:lnRef idx="2">
-            <a:schemeClr val="accent1">
-              <a:shade val="50000"/>
-            </a:schemeClr>
-          </a:lnRef>
-          <a:fillRef idx="1">
-            <a:schemeClr val="accent1"/>
-          </a:fillRef>
-          <a:effectRef idx="0">
-            <a:schemeClr val="accent1"/>
-          </a:effectRef>
-          <a:fontRef idx="minor">
-            <a:schemeClr val="lt1"/>
-          </a:fontRef>
-        </p:style>
-        <p:txBody>
-          <a:bodyPr rtlCol="0" anchor="t"/>
-          <a:lstStyle/>
-          <a:p>
-            <a:pPr algn="ctr"/>
-            <a:r>
-              <a:rPr lang="en-US" dirty="0">
+            <a:ln>
+              <a:solidFill>
+                <a:srgbClr val="C00000"/>
+              </a:solidFill>
+            </a:ln>
+          </p:spPr>
+          <p:style>
+            <a:lnRef idx="2">
+              <a:schemeClr val="accent1">
+                <a:shade val="50000"/>
+              </a:schemeClr>
+            </a:lnRef>
+            <a:fillRef idx="1">
+              <a:schemeClr val="accent1"/>
+            </a:fillRef>
+            <a:effectRef idx="0">
+              <a:schemeClr val="accent1"/>
+            </a:effectRef>
+            <a:fontRef idx="minor">
+              <a:schemeClr val="lt1"/>
+            </a:fontRef>
+          </p:style>
+          <p:txBody>
+            <a:bodyPr rtlCol="0" anchor="t"/>
+            <a:lstStyle/>
+            <a:p>
+              <a:pPr algn="ctr"/>
+              <a:r>
+                <a:rPr lang="en-US" dirty="0" smtClean="0">
+                  <a:solidFill>
+                    <a:srgbClr val="C00000"/>
+                  </a:solidFill>
+                </a:rPr>
+                <a:t>Data </a:t>
+              </a:r>
+              <a:r>
+                <a:rPr lang="en-US" dirty="0">
+                  <a:solidFill>
+                    <a:srgbClr val="C00000"/>
+                  </a:solidFill>
+                </a:rPr>
+                <a:t>t</a:t>
+              </a:r>
+              <a:r>
+                <a:rPr lang="en-US" dirty="0" smtClean="0">
+                  <a:solidFill>
+                    <a:srgbClr val="C00000"/>
+                  </a:solidFill>
+                </a:rPr>
+                <a:t>ransformation services</a:t>
+              </a:r>
+              <a:endParaRPr lang="en-US" dirty="0">
                 <a:solidFill>
                   <a:srgbClr val="C00000"/>
                 </a:solidFill>
-              </a:rPr>
-              <a:t>Model Configuration Container</a:t>
-            </a:r>
-            <a:endParaRPr lang="en-US" dirty="0">
+              </a:endParaRPr>
+            </a:p>
+          </p:txBody>
+        </p:sp>
+        <p:sp>
+          <p:nvSpPr>
+            <p:cNvPr id="145" name="TextBox 144"/>
+            <p:cNvSpPr txBox="1"/>
+            <p:nvPr/>
+          </p:nvSpPr>
+          <p:spPr>
+            <a:xfrm>
+              <a:off x="1749486" y="1518435"/>
+              <a:ext cx="572833" cy="253916"/>
+            </a:xfrm>
+            <a:prstGeom prst="rect">
+              <a:avLst/>
+            </a:prstGeom>
+            <a:noFill/>
+            <a:ln w="19050">
+              <a:noFill/>
+              <a:prstDash val="sysDot"/>
+            </a:ln>
+          </p:spPr>
+          <p:txBody>
+            <a:bodyPr wrap="square" rtlCol="0">
+              <a:spAutoFit/>
+            </a:bodyPr>
+            <a:lstStyle/>
+            <a:p>
+              <a:r>
+                <a:rPr lang="en-US" sz="1050" dirty="0" smtClean="0"/>
+                <a:t>Import</a:t>
+              </a:r>
+              <a:endParaRPr lang="en-US" sz="1050" dirty="0"/>
+            </a:p>
+          </p:txBody>
+        </p:sp>
+        <p:sp>
+          <p:nvSpPr>
+            <p:cNvPr id="151" name="Rectangle 150"/>
+            <p:cNvSpPr/>
+            <p:nvPr/>
+          </p:nvSpPr>
+          <p:spPr>
+            <a:xfrm>
+              <a:off x="8912040" y="699253"/>
+              <a:ext cx="438779" cy="217431"/>
+            </a:xfrm>
+            <a:prstGeom prst="rect">
+              <a:avLst/>
+            </a:prstGeom>
+            <a:solidFill>
+              <a:schemeClr val="accent6">
+                <a:lumMod val="20000"/>
+                <a:lumOff val="80000"/>
+              </a:schemeClr>
+            </a:solidFill>
+            <a:ln>
               <a:solidFill>
                 <a:srgbClr val="C00000"/>
               </a:solidFill>
-            </a:endParaRPr>
-          </a:p>
-        </p:txBody>
-      </p:sp>
-      <p:sp>
-        <p:nvSpPr>
-          <p:cNvPr id="31" name="Rectangle 30"/>
-          <p:cNvSpPr/>
-          <p:nvPr/>
-        </p:nvSpPr>
-        <p:spPr>
-          <a:xfrm>
-            <a:off x="2553602" y="1516308"/>
-            <a:ext cx="1598395" cy="1430153"/>
-          </a:xfrm>
-          <a:prstGeom prst="rect">
-            <a:avLst/>
-          </a:prstGeom>
-          <a:solidFill>
-            <a:schemeClr val="accent4">
-              <a:lumMod val="20000"/>
-              <a:lumOff val="80000"/>
-            </a:schemeClr>
-          </a:solidFill>
-          <a:ln>
-            <a:solidFill>
-              <a:srgbClr val="C00000"/>
-            </a:solidFill>
-          </a:ln>
-        </p:spPr>
-        <p:style>
-          <a:lnRef idx="2">
-            <a:schemeClr val="accent1">
-              <a:shade val="50000"/>
-            </a:schemeClr>
-          </a:lnRef>
-          <a:fillRef idx="1">
-            <a:schemeClr val="accent1"/>
-          </a:fillRef>
-          <a:effectRef idx="0">
-            <a:schemeClr val="accent1"/>
-          </a:effectRef>
-          <a:fontRef idx="minor">
-            <a:schemeClr val="lt1"/>
-          </a:fontRef>
-        </p:style>
-        <p:txBody>
-          <a:bodyPr rtlCol="0" anchor="t"/>
-          <a:lstStyle/>
-          <a:p>
-            <a:pPr algn="ctr"/>
-            <a:r>
-              <a:rPr lang="en-US" dirty="0">
+            </a:ln>
+          </p:spPr>
+          <p:style>
+            <a:lnRef idx="2">
+              <a:schemeClr val="accent1">
+                <a:shade val="50000"/>
+              </a:schemeClr>
+            </a:lnRef>
+            <a:fillRef idx="1">
+              <a:schemeClr val="accent1"/>
+            </a:fillRef>
+            <a:effectRef idx="0">
+              <a:schemeClr val="accent1"/>
+            </a:effectRef>
+            <a:fontRef idx="minor">
+              <a:schemeClr val="lt1"/>
+            </a:fontRef>
+          </p:style>
+          <p:txBody>
+            <a:bodyPr rtlCol="0" anchor="t"/>
+            <a:lstStyle/>
+            <a:p>
+              <a:pPr algn="ctr"/>
+              <a:endParaRPr lang="en-US" dirty="0">
                 <a:solidFill>
                   <a:srgbClr val="C00000"/>
                 </a:solidFill>
-              </a:rPr>
-              <a:t>Guidebook for creating model </a:t>
-            </a:r>
-            <a:r>
-              <a:rPr lang="en-US" dirty="0" smtClean="0">
+              </a:endParaRPr>
+            </a:p>
+          </p:txBody>
+        </p:sp>
+        <p:sp>
+          <p:nvSpPr>
+            <p:cNvPr id="152" name="TextBox 151"/>
+            <p:cNvSpPr txBox="1"/>
+            <p:nvPr/>
+          </p:nvSpPr>
+          <p:spPr>
+            <a:xfrm>
+              <a:off x="8780964" y="219414"/>
+              <a:ext cx="864019" cy="369332"/>
+            </a:xfrm>
+            <a:prstGeom prst="rect">
+              <a:avLst/>
+            </a:prstGeom>
+            <a:noFill/>
+          </p:spPr>
+          <p:txBody>
+            <a:bodyPr wrap="none" rtlCol="0">
+              <a:spAutoFit/>
+            </a:bodyPr>
+            <a:lstStyle/>
+            <a:p>
+              <a:r>
+                <a:rPr lang="en-US" dirty="0" smtClean="0"/>
+                <a:t>Legend</a:t>
+              </a:r>
+              <a:endParaRPr lang="en-US" dirty="0"/>
+            </a:p>
+          </p:txBody>
+        </p:sp>
+        <p:sp>
+          <p:nvSpPr>
+            <p:cNvPr id="153" name="Rectangle 152"/>
+            <p:cNvSpPr/>
+            <p:nvPr/>
+          </p:nvSpPr>
+          <p:spPr>
+            <a:xfrm>
+              <a:off x="8912040" y="1039162"/>
+              <a:ext cx="438779" cy="205609"/>
+            </a:xfrm>
+            <a:prstGeom prst="rect">
+              <a:avLst/>
+            </a:prstGeom>
+            <a:solidFill>
+              <a:schemeClr val="accent4">
+                <a:lumMod val="20000"/>
+                <a:lumOff val="80000"/>
+              </a:schemeClr>
+            </a:solidFill>
+            <a:ln>
+              <a:solidFill>
+                <a:srgbClr val="C00000"/>
+              </a:solidFill>
+            </a:ln>
+          </p:spPr>
+          <p:style>
+            <a:lnRef idx="2">
+              <a:schemeClr val="accent1">
+                <a:shade val="50000"/>
+              </a:schemeClr>
+            </a:lnRef>
+            <a:fillRef idx="1">
+              <a:schemeClr val="accent1"/>
+            </a:fillRef>
+            <a:effectRef idx="0">
+              <a:schemeClr val="accent1"/>
+            </a:effectRef>
+            <a:fontRef idx="minor">
+              <a:schemeClr val="lt1"/>
+            </a:fontRef>
+          </p:style>
+          <p:txBody>
+            <a:bodyPr rtlCol="0" anchor="t"/>
+            <a:lstStyle/>
+            <a:p>
+              <a:pPr algn="ctr"/>
+              <a:endParaRPr lang="en-US" dirty="0">
                 <a:solidFill>
                   <a:srgbClr val="C00000"/>
                 </a:solidFill>
-              </a:rPr>
-              <a:t>configurations and setups and metadata </a:t>
-            </a:r>
-            <a:endParaRPr lang="en-US" dirty="0">
+              </a:endParaRPr>
+            </a:p>
+          </p:txBody>
+        </p:sp>
+        <p:sp>
+          <p:nvSpPr>
+            <p:cNvPr id="154" name="Rectangle 153"/>
+            <p:cNvSpPr/>
+            <p:nvPr/>
+          </p:nvSpPr>
+          <p:spPr>
+            <a:xfrm>
+              <a:off x="8918089" y="1406407"/>
+              <a:ext cx="432730" cy="190654"/>
+            </a:xfrm>
+            <a:prstGeom prst="rect">
+              <a:avLst/>
+            </a:prstGeom>
+            <a:solidFill>
+              <a:schemeClr val="accent1">
+                <a:lumMod val="20000"/>
+                <a:lumOff val="80000"/>
+              </a:schemeClr>
+            </a:solidFill>
+            <a:ln>
               <a:solidFill>
                 <a:srgbClr val="C00000"/>
               </a:solidFill>
-            </a:endParaRPr>
-          </a:p>
-        </p:txBody>
-      </p:sp>
-      <p:sp>
-        <p:nvSpPr>
-          <p:cNvPr id="32" name="Rectangle 31"/>
-          <p:cNvSpPr/>
-          <p:nvPr/>
-        </p:nvSpPr>
-        <p:spPr>
-          <a:xfrm>
-            <a:off x="4683275" y="4207260"/>
-            <a:ext cx="1739362" cy="715966"/>
-          </a:xfrm>
-          <a:prstGeom prst="rect">
-            <a:avLst/>
-          </a:prstGeom>
-          <a:solidFill>
-            <a:schemeClr val="accent6">
-              <a:lumMod val="20000"/>
-              <a:lumOff val="80000"/>
-            </a:schemeClr>
-          </a:solidFill>
-          <a:ln>
-            <a:solidFill>
-              <a:srgbClr val="C00000"/>
-            </a:solidFill>
-          </a:ln>
-        </p:spPr>
-        <p:style>
-          <a:lnRef idx="2">
-            <a:schemeClr val="accent1">
-              <a:shade val="50000"/>
-            </a:schemeClr>
-          </a:lnRef>
-          <a:fillRef idx="1">
-            <a:schemeClr val="accent1"/>
-          </a:fillRef>
-          <a:effectRef idx="0">
-            <a:schemeClr val="accent1"/>
-          </a:effectRef>
-          <a:fontRef idx="minor">
-            <a:schemeClr val="lt1"/>
-          </a:fontRef>
-        </p:style>
-        <p:txBody>
-          <a:bodyPr rtlCol="0" anchor="t"/>
-          <a:lstStyle/>
-          <a:p>
-            <a:pPr algn="ctr"/>
-            <a:r>
-              <a:rPr lang="en-US" dirty="0" smtClean="0">
+            </a:ln>
+          </p:spPr>
+          <p:style>
+            <a:lnRef idx="2">
+              <a:schemeClr val="accent1">
+                <a:shade val="50000"/>
+              </a:schemeClr>
+            </a:lnRef>
+            <a:fillRef idx="1">
+              <a:schemeClr val="accent1"/>
+            </a:fillRef>
+            <a:effectRef idx="0">
+              <a:schemeClr val="accent1"/>
+            </a:effectRef>
+            <a:fontRef idx="minor">
+              <a:schemeClr val="lt1"/>
+            </a:fontRef>
+          </p:style>
+          <p:txBody>
+            <a:bodyPr rtlCol="0" anchor="t"/>
+            <a:lstStyle/>
+            <a:p>
+              <a:pPr algn="ctr"/>
+              <a:endParaRPr lang="en-US" dirty="0">
                 <a:solidFill>
                   <a:srgbClr val="C00000"/>
                 </a:solidFill>
-              </a:rPr>
-              <a:t>Browse and edit model metadata</a:t>
-            </a:r>
-            <a:endParaRPr lang="en-US" dirty="0">
+              </a:endParaRPr>
+            </a:p>
+          </p:txBody>
+        </p:sp>
+        <p:sp>
+          <p:nvSpPr>
+            <p:cNvPr id="156" name="TextBox 155"/>
+            <p:cNvSpPr txBox="1"/>
+            <p:nvPr/>
+          </p:nvSpPr>
+          <p:spPr>
+            <a:xfrm>
+              <a:off x="9340261" y="668788"/>
+              <a:ext cx="986489" cy="307777"/>
+            </a:xfrm>
+            <a:prstGeom prst="rect">
+              <a:avLst/>
+            </a:prstGeom>
+            <a:noFill/>
+          </p:spPr>
+          <p:txBody>
+            <a:bodyPr wrap="none" rtlCol="0">
+              <a:spAutoFit/>
+            </a:bodyPr>
+            <a:lstStyle/>
+            <a:p>
+              <a:r>
+                <a:rPr lang="en-US" sz="1400" dirty="0" smtClean="0"/>
+                <a:t>Completed</a:t>
+              </a:r>
+              <a:endParaRPr lang="en-US" sz="1400" dirty="0"/>
+            </a:p>
+          </p:txBody>
+        </p:sp>
+        <p:sp>
+          <p:nvSpPr>
+            <p:cNvPr id="157" name="TextBox 156"/>
+            <p:cNvSpPr txBox="1"/>
+            <p:nvPr/>
+          </p:nvSpPr>
+          <p:spPr>
+            <a:xfrm>
+              <a:off x="9342224" y="988122"/>
+              <a:ext cx="1417376" cy="307777"/>
+            </a:xfrm>
+            <a:prstGeom prst="rect">
+              <a:avLst/>
+            </a:prstGeom>
+            <a:noFill/>
+          </p:spPr>
+          <p:txBody>
+            <a:bodyPr wrap="none" rtlCol="0">
+              <a:spAutoFit/>
+            </a:bodyPr>
+            <a:lstStyle/>
+            <a:p>
+              <a:r>
+                <a:rPr lang="en-US" sz="1400" dirty="0" smtClean="0"/>
+                <a:t>Work in progress</a:t>
+              </a:r>
+              <a:endParaRPr lang="en-US" sz="1400" dirty="0"/>
+            </a:p>
+          </p:txBody>
+        </p:sp>
+        <p:sp>
+          <p:nvSpPr>
+            <p:cNvPr id="158" name="TextBox 157"/>
+            <p:cNvSpPr txBox="1"/>
+            <p:nvPr/>
+          </p:nvSpPr>
+          <p:spPr>
+            <a:xfrm>
+              <a:off x="9350027" y="1362998"/>
+              <a:ext cx="2280240" cy="307777"/>
+            </a:xfrm>
+            <a:prstGeom prst="rect">
+              <a:avLst/>
+            </a:prstGeom>
+            <a:noFill/>
+          </p:spPr>
+          <p:txBody>
+            <a:bodyPr wrap="none" rtlCol="0">
+              <a:spAutoFit/>
+            </a:bodyPr>
+            <a:lstStyle/>
+            <a:p>
+              <a:r>
+                <a:rPr lang="en-US" sz="1400" dirty="0" smtClean="0"/>
+                <a:t>Interaction with other teams</a:t>
+              </a:r>
+              <a:endParaRPr lang="en-US" sz="1400" dirty="0"/>
+            </a:p>
+          </p:txBody>
+        </p:sp>
+        <p:sp>
+          <p:nvSpPr>
+            <p:cNvPr id="56" name="Rounded Rectangle 55"/>
+            <p:cNvSpPr/>
+            <p:nvPr/>
+          </p:nvSpPr>
+          <p:spPr>
+            <a:xfrm>
+              <a:off x="4786601" y="5645996"/>
+              <a:ext cx="1524000" cy="438427"/>
+            </a:xfrm>
+            <a:prstGeom prst="roundRect">
+              <a:avLst/>
+            </a:prstGeom>
+            <a:solidFill>
+              <a:schemeClr val="accent1">
+                <a:lumMod val="20000"/>
+                <a:lumOff val="80000"/>
+              </a:schemeClr>
+            </a:solidFill>
+            <a:ln>
               <a:solidFill>
                 <a:srgbClr val="C00000"/>
               </a:solidFill>
-            </a:endParaRPr>
-          </a:p>
-        </p:txBody>
-      </p:sp>
-      <p:sp>
-        <p:nvSpPr>
-          <p:cNvPr id="36" name="Rectangle 35"/>
-          <p:cNvSpPr/>
-          <p:nvPr/>
-        </p:nvSpPr>
-        <p:spPr>
-          <a:xfrm>
-            <a:off x="8501785" y="6013741"/>
-            <a:ext cx="1703617" cy="902325"/>
-          </a:xfrm>
-          <a:prstGeom prst="rect">
-            <a:avLst/>
-          </a:prstGeom>
-          <a:solidFill>
-            <a:schemeClr val="accent6">
-              <a:lumMod val="20000"/>
-              <a:lumOff val="80000"/>
-            </a:schemeClr>
-          </a:solidFill>
-          <a:ln>
-            <a:solidFill>
-              <a:srgbClr val="C00000"/>
-            </a:solidFill>
-          </a:ln>
-        </p:spPr>
-        <p:style>
-          <a:lnRef idx="2">
-            <a:schemeClr val="accent1">
-              <a:shade val="50000"/>
-            </a:schemeClr>
-          </a:lnRef>
-          <a:fillRef idx="1">
-            <a:schemeClr val="accent1"/>
-          </a:fillRef>
-          <a:effectRef idx="0">
-            <a:schemeClr val="accent1"/>
-          </a:effectRef>
-          <a:fontRef idx="minor">
-            <a:schemeClr val="lt1"/>
-          </a:fontRef>
-        </p:style>
-        <p:txBody>
-          <a:bodyPr rtlCol="0" anchor="t"/>
-          <a:lstStyle/>
-          <a:p>
-            <a:pPr algn="ctr"/>
-            <a:r>
-              <a:rPr lang="en-US" dirty="0" smtClean="0">
+            </a:ln>
+          </p:spPr>
+          <p:style>
+            <a:lnRef idx="2">
+              <a:schemeClr val="accent1">
+                <a:shade val="50000"/>
+              </a:schemeClr>
+            </a:lnRef>
+            <a:fillRef idx="1">
+              <a:schemeClr val="accent1"/>
+            </a:fillRef>
+            <a:effectRef idx="0">
+              <a:schemeClr val="accent1"/>
+            </a:effectRef>
+            <a:fontRef idx="minor">
+              <a:schemeClr val="lt1"/>
+            </a:fontRef>
+          </p:style>
+          <p:txBody>
+            <a:bodyPr rtlCol="0" anchor="t"/>
+            <a:lstStyle/>
+            <a:p>
+              <a:pPr algn="ctr"/>
+              <a:r>
+                <a:rPr lang="en-US" dirty="0" err="1" smtClean="0">
+                  <a:solidFill>
+                    <a:srgbClr val="C00000"/>
+                  </a:solidFill>
+                </a:rPr>
+                <a:t>SuperMaaS</a:t>
+              </a:r>
+              <a:endParaRPr lang="en-US" dirty="0">
                 <a:solidFill>
                   <a:srgbClr val="C00000"/>
                 </a:solidFill>
-              </a:rPr>
-              <a:t>Run model on server (MINT Desktop App)</a:t>
-            </a:r>
-            <a:endParaRPr lang="en-US" dirty="0">
+              </a:endParaRPr>
+            </a:p>
+          </p:txBody>
+        </p:sp>
+        <p:cxnSp>
+          <p:nvCxnSpPr>
+            <p:cNvPr id="60" name="Straight Arrow Connector 59"/>
+            <p:cNvCxnSpPr>
+              <a:stCxn id="56" idx="3"/>
+              <a:endCxn id="21" idx="1"/>
+            </p:cNvCxnSpPr>
+            <p:nvPr/>
+          </p:nvCxnSpPr>
+          <p:spPr>
+            <a:xfrm flipV="1">
+              <a:off x="6310601" y="5379660"/>
+              <a:ext cx="2433393" cy="485550"/>
+            </a:xfrm>
+            <a:prstGeom prst="straightConnector1">
+              <a:avLst/>
+            </a:prstGeom>
+            <a:ln>
+              <a:solidFill>
+                <a:schemeClr val="tx1"/>
+              </a:solidFill>
+              <a:tailEnd type="triangle"/>
+            </a:ln>
+          </p:spPr>
+          <p:style>
+            <a:lnRef idx="1">
+              <a:schemeClr val="accent1"/>
+            </a:lnRef>
+            <a:fillRef idx="0">
+              <a:schemeClr val="accent1"/>
+            </a:fillRef>
+            <a:effectRef idx="0">
+              <a:schemeClr val="accent1"/>
+            </a:effectRef>
+            <a:fontRef idx="minor">
+              <a:schemeClr val="tx1"/>
+            </a:fontRef>
+          </p:style>
+        </p:cxnSp>
+        <p:cxnSp>
+          <p:nvCxnSpPr>
+            <p:cNvPr id="23" name="Straight Arrow Connector 22"/>
+            <p:cNvCxnSpPr>
+              <a:stCxn id="56" idx="0"/>
+              <a:endCxn id="32" idx="2"/>
+            </p:cNvCxnSpPr>
+            <p:nvPr/>
+          </p:nvCxnSpPr>
+          <p:spPr>
+            <a:xfrm flipV="1">
+              <a:off x="5548601" y="4923226"/>
+              <a:ext cx="4355" cy="722770"/>
+            </a:xfrm>
+            <a:prstGeom prst="straightConnector1">
+              <a:avLst/>
+            </a:prstGeom>
+            <a:ln>
+              <a:solidFill>
+                <a:schemeClr val="tx1"/>
+              </a:solidFill>
+              <a:tailEnd type="triangle"/>
+            </a:ln>
+          </p:spPr>
+          <p:style>
+            <a:lnRef idx="1">
+              <a:schemeClr val="accent1"/>
+            </a:lnRef>
+            <a:fillRef idx="0">
+              <a:schemeClr val="accent1"/>
+            </a:fillRef>
+            <a:effectRef idx="0">
+              <a:schemeClr val="accent1"/>
+            </a:effectRef>
+            <a:fontRef idx="minor">
+              <a:schemeClr val="tx1"/>
+            </a:fontRef>
+          </p:style>
+        </p:cxnSp>
+        <p:sp>
+          <p:nvSpPr>
+            <p:cNvPr id="73" name="TextBox 72"/>
+            <p:cNvSpPr txBox="1"/>
+            <p:nvPr/>
+          </p:nvSpPr>
+          <p:spPr>
+            <a:xfrm>
+              <a:off x="4856864" y="5267260"/>
+              <a:ext cx="1333665" cy="253916"/>
+            </a:xfrm>
+            <a:prstGeom prst="rect">
+              <a:avLst/>
+            </a:prstGeom>
+            <a:solidFill>
+              <a:schemeClr val="bg1"/>
+            </a:solidFill>
+            <a:ln w="19050">
+              <a:solidFill>
+                <a:schemeClr val="tx1"/>
+              </a:solidFill>
+              <a:prstDash val="sysDot"/>
+            </a:ln>
+          </p:spPr>
+          <p:txBody>
+            <a:bodyPr wrap="square" rtlCol="0">
+              <a:spAutoFit/>
+            </a:bodyPr>
+            <a:lstStyle/>
+            <a:p>
+              <a:r>
+                <a:rPr lang="en-US" sz="1050" dirty="0" smtClean="0"/>
+                <a:t>Documentation URLs</a:t>
+              </a:r>
+              <a:endParaRPr lang="en-US" sz="1050" dirty="0"/>
+            </a:p>
+          </p:txBody>
+        </p:sp>
+        <p:pic>
+          <p:nvPicPr>
+            <p:cNvPr id="100" name="Picture 99"/>
+            <p:cNvPicPr>
+              <a:picLocks noChangeAspect="1"/>
+            </p:cNvPicPr>
+            <p:nvPr/>
+          </p:nvPicPr>
+          <p:blipFill>
+            <a:blip r:embed="rId3" cstate="print">
+              <a:duotone>
+                <a:schemeClr val="accent2">
+                  <a:shade val="45000"/>
+                  <a:satMod val="135000"/>
+                </a:schemeClr>
+                <a:prstClr val="white"/>
+              </a:duotone>
+              <a:extLst>
+                <a:ext uri="{28A0092B-C50C-407E-A947-70E740481C1C}">
+                  <a14:useLocalDpi xmlns:a14="http://schemas.microsoft.com/office/drawing/2010/main" val="0"/>
+                </a:ext>
+              </a:extLst>
+            </a:blip>
+            <a:stretch>
+              <a:fillRect/>
+            </a:stretch>
+          </p:blipFill>
+          <p:spPr>
+            <a:xfrm>
+              <a:off x="7853095" y="5894162"/>
+              <a:ext cx="531784" cy="531784"/>
+            </a:xfrm>
+            <a:prstGeom prst="rect">
+              <a:avLst/>
+            </a:prstGeom>
+          </p:spPr>
+        </p:pic>
+        <p:sp>
+          <p:nvSpPr>
+            <p:cNvPr id="108" name="Rectangle 107"/>
+            <p:cNvSpPr/>
+            <p:nvPr/>
+          </p:nvSpPr>
+          <p:spPr>
+            <a:xfrm>
+              <a:off x="8991287" y="1984294"/>
+              <a:ext cx="1573544" cy="883496"/>
+            </a:xfrm>
+            <a:prstGeom prst="rect">
+              <a:avLst/>
+            </a:prstGeom>
+            <a:solidFill>
+              <a:schemeClr val="accent6">
+                <a:lumMod val="20000"/>
+                <a:lumOff val="80000"/>
+              </a:schemeClr>
+            </a:solidFill>
+            <a:ln>
               <a:solidFill>
                 <a:srgbClr val="C00000"/>
               </a:solidFill>
-            </a:endParaRPr>
-          </a:p>
-        </p:txBody>
-      </p:sp>
-      <p:cxnSp>
-        <p:nvCxnSpPr>
-          <p:cNvPr id="39" name="Straight Arrow Connector 38"/>
-          <p:cNvCxnSpPr>
-            <a:stCxn id="32" idx="3"/>
-            <a:endCxn id="8" idx="1"/>
-          </p:cNvCxnSpPr>
-          <p:nvPr/>
-        </p:nvCxnSpPr>
-        <p:spPr>
-          <a:xfrm>
-            <a:off x="6422637" y="4565243"/>
-            <a:ext cx="2796921" cy="2522"/>
-          </a:xfrm>
-          <a:prstGeom prst="straightConnector1">
-            <a:avLst/>
-          </a:prstGeom>
-          <a:ln>
-            <a:solidFill>
-              <a:schemeClr val="tx1"/>
-            </a:solidFill>
-            <a:tailEnd type="triangle"/>
-          </a:ln>
-        </p:spPr>
-        <p:style>
-          <a:lnRef idx="1">
-            <a:schemeClr val="accent1"/>
-          </a:lnRef>
-          <a:fillRef idx="0">
-            <a:schemeClr val="accent1"/>
-          </a:fillRef>
-          <a:effectRef idx="0">
-            <a:schemeClr val="accent1"/>
-          </a:effectRef>
-          <a:fontRef idx="minor">
-            <a:schemeClr val="tx1"/>
-          </a:fontRef>
-        </p:style>
-      </p:cxnSp>
-      <p:sp>
-        <p:nvSpPr>
-          <p:cNvPr id="53" name="Rectangle 52"/>
-          <p:cNvSpPr/>
-          <p:nvPr/>
-        </p:nvSpPr>
-        <p:spPr>
-          <a:xfrm>
-            <a:off x="6755836" y="1987973"/>
-            <a:ext cx="1573544" cy="883496"/>
-          </a:xfrm>
-          <a:prstGeom prst="rect">
-            <a:avLst/>
-          </a:prstGeom>
-          <a:solidFill>
-            <a:schemeClr val="accent6">
-              <a:lumMod val="20000"/>
-              <a:lumOff val="80000"/>
-            </a:schemeClr>
-          </a:solidFill>
-          <a:ln>
-            <a:solidFill>
-              <a:srgbClr val="C00000"/>
-            </a:solidFill>
-          </a:ln>
-        </p:spPr>
-        <p:style>
-          <a:lnRef idx="2">
-            <a:schemeClr val="accent1">
-              <a:shade val="50000"/>
-            </a:schemeClr>
-          </a:lnRef>
-          <a:fillRef idx="1">
-            <a:schemeClr val="accent1"/>
-          </a:fillRef>
-          <a:effectRef idx="0">
-            <a:schemeClr val="accent1"/>
-          </a:effectRef>
-          <a:fontRef idx="minor">
-            <a:schemeClr val="lt1"/>
-          </a:fontRef>
-        </p:style>
-        <p:txBody>
-          <a:bodyPr rtlCol="0" anchor="t"/>
-          <a:lstStyle/>
-          <a:p>
-            <a:pPr algn="ctr"/>
-            <a:r>
-              <a:rPr lang="en-US" dirty="0" smtClean="0">
+            </a:ln>
+          </p:spPr>
+          <p:style>
+            <a:lnRef idx="2">
+              <a:schemeClr val="accent1">
+                <a:shade val="50000"/>
+              </a:schemeClr>
+            </a:lnRef>
+            <a:fillRef idx="1">
+              <a:schemeClr val="accent1"/>
+            </a:fillRef>
+            <a:effectRef idx="0">
+              <a:schemeClr val="accent1"/>
+            </a:effectRef>
+            <a:fontRef idx="minor">
+              <a:schemeClr val="lt1"/>
+            </a:fontRef>
+          </p:style>
+          <p:txBody>
+            <a:bodyPr rtlCol="0" anchor="t"/>
+            <a:lstStyle/>
+            <a:p>
+              <a:pPr algn="ctr"/>
+              <a:r>
+                <a:rPr lang="en-US" dirty="0" smtClean="0">
+                  <a:solidFill>
+                    <a:srgbClr val="C00000"/>
+                  </a:solidFill>
+                </a:rPr>
+                <a:t>Metadata schema </a:t>
+              </a:r>
+              <a:br>
+                <a:rPr lang="en-US" dirty="0" smtClean="0">
+                  <a:solidFill>
+                    <a:srgbClr val="C00000"/>
+                  </a:solidFill>
+                </a:rPr>
+              </a:br>
+              <a:r>
+                <a:rPr lang="en-US" dirty="0" smtClean="0">
+                  <a:solidFill>
+                    <a:srgbClr val="C00000"/>
+                  </a:solidFill>
+                </a:rPr>
+                <a:t>(RDF, JSON)</a:t>
+              </a:r>
+              <a:endParaRPr lang="en-US" dirty="0">
                 <a:solidFill>
                   <a:srgbClr val="C00000"/>
                 </a:solidFill>
-              </a:rPr>
-              <a:t>Metadata validation and upload</a:t>
-            </a:r>
-            <a:endParaRPr lang="en-US" dirty="0">
+              </a:endParaRPr>
+            </a:p>
+          </p:txBody>
+        </p:sp>
+        <p:cxnSp>
+          <p:nvCxnSpPr>
+            <p:cNvPr id="109" name="Straight Arrow Connector 108"/>
+            <p:cNvCxnSpPr>
+              <a:stCxn id="108" idx="1"/>
+              <a:endCxn id="53" idx="3"/>
+            </p:cNvCxnSpPr>
+            <p:nvPr/>
+          </p:nvCxnSpPr>
+          <p:spPr>
+            <a:xfrm flipH="1">
+              <a:off x="8329380" y="2426042"/>
+              <a:ext cx="661907" cy="3679"/>
+            </a:xfrm>
+            <a:prstGeom prst="straightConnector1">
+              <a:avLst/>
+            </a:prstGeom>
+            <a:ln>
+              <a:solidFill>
+                <a:schemeClr val="tx1"/>
+              </a:solidFill>
+              <a:tailEnd type="triangle"/>
+            </a:ln>
+          </p:spPr>
+          <p:style>
+            <a:lnRef idx="1">
+              <a:schemeClr val="accent1"/>
+            </a:lnRef>
+            <a:fillRef idx="0">
+              <a:schemeClr val="accent1"/>
+            </a:fillRef>
+            <a:effectRef idx="0">
+              <a:schemeClr val="accent1"/>
+            </a:effectRef>
+            <a:fontRef idx="minor">
+              <a:schemeClr val="tx1"/>
+            </a:fontRef>
+          </p:style>
+        </p:cxnSp>
+        <p:cxnSp>
+          <p:nvCxnSpPr>
+            <p:cNvPr id="88" name="Elbow Connector 87"/>
+            <p:cNvCxnSpPr>
+              <a:stCxn id="108" idx="3"/>
+              <a:endCxn id="8" idx="3"/>
+            </p:cNvCxnSpPr>
+            <p:nvPr/>
+          </p:nvCxnSpPr>
+          <p:spPr>
+            <a:xfrm flipH="1">
+              <a:off x="10438758" y="2426042"/>
+              <a:ext cx="126073" cy="2141723"/>
+            </a:xfrm>
+            <a:prstGeom prst="bentConnector3">
+              <a:avLst>
+                <a:gd name="adj1" fmla="val -181324"/>
+              </a:avLst>
+            </a:prstGeom>
+            <a:ln>
+              <a:solidFill>
+                <a:schemeClr val="tx1"/>
+              </a:solidFill>
+              <a:tailEnd type="triangle"/>
+            </a:ln>
+          </p:spPr>
+          <p:style>
+            <a:lnRef idx="1">
+              <a:schemeClr val="accent1"/>
+            </a:lnRef>
+            <a:fillRef idx="0">
+              <a:schemeClr val="accent1"/>
+            </a:fillRef>
+            <a:effectRef idx="0">
+              <a:schemeClr val="accent1"/>
+            </a:effectRef>
+            <a:fontRef idx="minor">
+              <a:schemeClr val="tx1"/>
+            </a:fontRef>
+          </p:style>
+        </p:cxnSp>
+        <p:cxnSp>
+          <p:nvCxnSpPr>
+            <p:cNvPr id="116" name="Elbow Connector 115"/>
+            <p:cNvCxnSpPr>
+              <a:stCxn id="108" idx="3"/>
+              <a:endCxn id="17" idx="3"/>
+            </p:cNvCxnSpPr>
+            <p:nvPr/>
+          </p:nvCxnSpPr>
+          <p:spPr>
+            <a:xfrm>
+              <a:off x="10564831" y="2426042"/>
+              <a:ext cx="780690" cy="2951996"/>
+            </a:xfrm>
+            <a:prstGeom prst="bentConnector3">
+              <a:avLst>
+                <a:gd name="adj1" fmla="val 129282"/>
+              </a:avLst>
+            </a:prstGeom>
+            <a:ln>
+              <a:solidFill>
+                <a:schemeClr val="tx1"/>
+              </a:solidFill>
+              <a:tailEnd type="triangle"/>
+            </a:ln>
+          </p:spPr>
+          <p:style>
+            <a:lnRef idx="1">
+              <a:schemeClr val="accent1"/>
+            </a:lnRef>
+            <a:fillRef idx="0">
+              <a:schemeClr val="accent1"/>
+            </a:fillRef>
+            <a:effectRef idx="0">
+              <a:schemeClr val="accent1"/>
+            </a:effectRef>
+            <a:fontRef idx="minor">
+              <a:schemeClr val="tx1"/>
+            </a:fontRef>
+          </p:style>
+        </p:cxnSp>
+        <p:sp>
+          <p:nvSpPr>
+            <p:cNvPr id="137" name="TextBox 136"/>
+            <p:cNvSpPr txBox="1"/>
+            <p:nvPr/>
+          </p:nvSpPr>
+          <p:spPr>
+            <a:xfrm>
+              <a:off x="6624804" y="5327008"/>
+              <a:ext cx="1676199" cy="415498"/>
+            </a:xfrm>
+            <a:prstGeom prst="rect">
+              <a:avLst/>
+            </a:prstGeom>
+            <a:solidFill>
+              <a:schemeClr val="bg1"/>
+            </a:solidFill>
+            <a:ln w="19050">
+              <a:solidFill>
+                <a:schemeClr val="tx1"/>
+              </a:solidFill>
+              <a:prstDash val="sysDot"/>
+            </a:ln>
+          </p:spPr>
+          <p:txBody>
+            <a:bodyPr wrap="square" rtlCol="0">
+              <a:spAutoFit/>
+            </a:bodyPr>
+            <a:lstStyle/>
+            <a:p>
+              <a:r>
+                <a:rPr lang="en-US" sz="1050" dirty="0" smtClean="0"/>
+                <a:t>Model metadata, variables,</a:t>
+              </a:r>
+            </a:p>
+            <a:p>
+              <a:r>
+                <a:rPr lang="en-US" sz="1050" dirty="0" smtClean="0"/>
+                <a:t>documentation, etc.</a:t>
+              </a:r>
+              <a:endParaRPr lang="en-US" sz="1050" dirty="0"/>
+            </a:p>
+          </p:txBody>
+        </p:sp>
+        <p:cxnSp>
+          <p:nvCxnSpPr>
+            <p:cNvPr id="127" name="Elbow Connector 126"/>
+            <p:cNvCxnSpPr>
+              <a:stCxn id="129" idx="3"/>
+              <a:endCxn id="36" idx="1"/>
+            </p:cNvCxnSpPr>
+            <p:nvPr/>
+          </p:nvCxnSpPr>
+          <p:spPr>
+            <a:xfrm>
+              <a:off x="3510985" y="5672832"/>
+              <a:ext cx="4990800" cy="792072"/>
+            </a:xfrm>
+            <a:prstGeom prst="bentConnector3">
+              <a:avLst>
+                <a:gd name="adj1" fmla="val 5214"/>
+              </a:avLst>
+            </a:prstGeom>
+            <a:ln>
+              <a:solidFill>
+                <a:schemeClr val="tx1"/>
+              </a:solidFill>
+              <a:tailEnd type="triangle"/>
+            </a:ln>
+          </p:spPr>
+          <p:style>
+            <a:lnRef idx="1">
+              <a:schemeClr val="accent1"/>
+            </a:lnRef>
+            <a:fillRef idx="0">
+              <a:schemeClr val="accent1"/>
+            </a:fillRef>
+            <a:effectRef idx="0">
+              <a:schemeClr val="accent1"/>
+            </a:effectRef>
+            <a:fontRef idx="minor">
+              <a:schemeClr val="tx1"/>
+            </a:fontRef>
+          </p:style>
+        </p:cxnSp>
+        <p:cxnSp>
+          <p:nvCxnSpPr>
+            <p:cNvPr id="169" name="Straight Arrow Connector 168"/>
+            <p:cNvCxnSpPr>
+              <a:stCxn id="29" idx="0"/>
+              <a:endCxn id="182" idx="2"/>
+            </p:cNvCxnSpPr>
+            <p:nvPr/>
+          </p:nvCxnSpPr>
+          <p:spPr>
+            <a:xfrm flipH="1" flipV="1">
+              <a:off x="5548602" y="2491643"/>
+              <a:ext cx="6337" cy="276338"/>
+            </a:xfrm>
+            <a:prstGeom prst="straightConnector1">
+              <a:avLst/>
+            </a:prstGeom>
+            <a:ln>
+              <a:solidFill>
+                <a:schemeClr val="tx1"/>
+              </a:solidFill>
+              <a:tailEnd type="triangle"/>
+            </a:ln>
+          </p:spPr>
+          <p:style>
+            <a:lnRef idx="1">
+              <a:schemeClr val="accent1"/>
+            </a:lnRef>
+            <a:fillRef idx="0">
+              <a:schemeClr val="accent1"/>
+            </a:fillRef>
+            <a:effectRef idx="0">
+              <a:schemeClr val="accent1"/>
+            </a:effectRef>
+            <a:fontRef idx="minor">
+              <a:schemeClr val="tx1"/>
+            </a:fontRef>
+          </p:style>
+        </p:cxnSp>
+        <p:cxnSp>
+          <p:nvCxnSpPr>
+            <p:cNvPr id="178" name="Elbow Connector 177"/>
+            <p:cNvCxnSpPr>
+              <a:stCxn id="129" idx="1"/>
+              <a:endCxn id="31" idx="1"/>
+            </p:cNvCxnSpPr>
+            <p:nvPr/>
+          </p:nvCxnSpPr>
+          <p:spPr>
+            <a:xfrm rot="10800000" flipH="1">
+              <a:off x="756214" y="2231386"/>
+              <a:ext cx="1797387" cy="3441447"/>
+            </a:xfrm>
+            <a:prstGeom prst="bentConnector3">
+              <a:avLst>
+                <a:gd name="adj1" fmla="val -12718"/>
+              </a:avLst>
+            </a:prstGeom>
+            <a:ln>
+              <a:solidFill>
+                <a:schemeClr val="tx1"/>
+              </a:solidFill>
+              <a:tailEnd type="triangle"/>
+            </a:ln>
+          </p:spPr>
+          <p:style>
+            <a:lnRef idx="1">
+              <a:schemeClr val="accent1"/>
+            </a:lnRef>
+            <a:fillRef idx="0">
+              <a:schemeClr val="accent1"/>
+            </a:fillRef>
+            <a:effectRef idx="0">
+              <a:schemeClr val="accent1"/>
+            </a:effectRef>
+            <a:fontRef idx="minor">
+              <a:schemeClr val="tx1"/>
+            </a:fontRef>
+          </p:style>
+        </p:cxnSp>
+        <p:sp>
+          <p:nvSpPr>
+            <p:cNvPr id="182" name="Folded Corner 181"/>
+            <p:cNvSpPr/>
+            <p:nvPr/>
+          </p:nvSpPr>
+          <p:spPr>
+            <a:xfrm>
+              <a:off x="4675253" y="1545525"/>
+              <a:ext cx="1746697" cy="946118"/>
+            </a:xfrm>
+            <a:prstGeom prst="foldedCorner">
+              <a:avLst>
+                <a:gd name="adj" fmla="val 13667"/>
+              </a:avLst>
+            </a:prstGeom>
+            <a:solidFill>
+              <a:schemeClr val="accent6">
+                <a:lumMod val="20000"/>
+                <a:lumOff val="80000"/>
+              </a:schemeClr>
+            </a:solidFill>
+            <a:ln>
               <a:solidFill>
                 <a:srgbClr val="C00000"/>
               </a:solidFill>
-            </a:endParaRPr>
-          </a:p>
-        </p:txBody>
-      </p:sp>
-      <p:cxnSp>
-        <p:nvCxnSpPr>
-          <p:cNvPr id="54" name="Straight Arrow Connector 53"/>
-          <p:cNvCxnSpPr>
-            <a:stCxn id="53" idx="2"/>
-            <a:endCxn id="8" idx="1"/>
-          </p:cNvCxnSpPr>
-          <p:nvPr/>
-        </p:nvCxnSpPr>
-        <p:spPr>
-          <a:xfrm>
-            <a:off x="7542608" y="2871469"/>
-            <a:ext cx="1676950" cy="1696296"/>
-          </a:xfrm>
-          <a:prstGeom prst="straightConnector1">
-            <a:avLst/>
-          </a:prstGeom>
-          <a:ln>
+            </a:ln>
+          </p:spPr>
+          <p:style>
+            <a:lnRef idx="2">
+              <a:schemeClr val="accent1">
+                <a:shade val="50000"/>
+              </a:schemeClr>
+            </a:lnRef>
+            <a:fillRef idx="1">
+              <a:schemeClr val="accent1"/>
+            </a:fillRef>
+            <a:effectRef idx="0">
+              <a:schemeClr val="accent1"/>
+            </a:effectRef>
+            <a:fontRef idx="minor">
+              <a:schemeClr val="lt1"/>
+            </a:fontRef>
+          </p:style>
+          <p:txBody>
+            <a:bodyPr rtlCol="0" anchor="t"/>
+            <a:lstStyle/>
+            <a:p>
+              <a:pPr algn="ctr"/>
+              <a:r>
+                <a:rPr lang="en-US" dirty="0">
+                  <a:solidFill>
+                    <a:srgbClr val="C00000"/>
+                  </a:solidFill>
+                </a:rPr>
+                <a:t>Model configuration metadata file </a:t>
+              </a:r>
+            </a:p>
+          </p:txBody>
+        </p:sp>
+        <p:cxnSp>
+          <p:nvCxnSpPr>
+            <p:cNvPr id="183" name="Elbow Connector 182"/>
+            <p:cNvCxnSpPr>
+              <a:stCxn id="196" idx="1"/>
+              <a:endCxn id="31" idx="1"/>
+            </p:cNvCxnSpPr>
+            <p:nvPr/>
+          </p:nvCxnSpPr>
+          <p:spPr>
+            <a:xfrm rot="10800000" flipH="1">
+              <a:off x="756212" y="2231386"/>
+              <a:ext cx="1797389" cy="4226269"/>
+            </a:xfrm>
+            <a:prstGeom prst="bentConnector3">
+              <a:avLst>
+                <a:gd name="adj1" fmla="val -23509"/>
+              </a:avLst>
+            </a:prstGeom>
+            <a:ln>
+              <a:solidFill>
+                <a:schemeClr val="tx1"/>
+              </a:solidFill>
+              <a:tailEnd type="triangle"/>
+            </a:ln>
+          </p:spPr>
+          <p:style>
+            <a:lnRef idx="1">
+              <a:schemeClr val="accent1"/>
+            </a:lnRef>
+            <a:fillRef idx="0">
+              <a:schemeClr val="accent1"/>
+            </a:fillRef>
+            <a:effectRef idx="0">
+              <a:schemeClr val="accent1"/>
+            </a:effectRef>
+            <a:fontRef idx="minor">
+              <a:schemeClr val="tx1"/>
+            </a:fontRef>
+          </p:style>
+        </p:cxnSp>
+        <p:sp>
+          <p:nvSpPr>
+            <p:cNvPr id="196" name="Rounded Rectangle 195"/>
+            <p:cNvSpPr/>
+            <p:nvPr/>
+          </p:nvSpPr>
+          <p:spPr>
+            <a:xfrm>
+              <a:off x="756213" y="6119781"/>
+              <a:ext cx="2754772" cy="675746"/>
+            </a:xfrm>
+            <a:prstGeom prst="roundRect">
+              <a:avLst/>
+            </a:prstGeom>
             <a:solidFill>
-              <a:schemeClr val="tx1"/>
+              <a:schemeClr val="accent1">
+                <a:lumMod val="20000"/>
+                <a:lumOff val="80000"/>
+              </a:schemeClr>
             </a:solidFill>
-            <a:tailEnd type="triangle"/>
-          </a:ln>
-        </p:spPr>
-        <p:style>
-          <a:lnRef idx="1">
-            <a:schemeClr val="accent1"/>
-          </a:lnRef>
-          <a:fillRef idx="0">
-            <a:schemeClr val="accent1"/>
-          </a:fillRef>
-          <a:effectRef idx="0">
-            <a:schemeClr val="accent1"/>
-          </a:effectRef>
-          <a:fontRef idx="minor">
-            <a:schemeClr val="tx1"/>
-          </a:fontRef>
-        </p:style>
-      </p:cxnSp>
-      <p:cxnSp>
-        <p:nvCxnSpPr>
-          <p:cNvPr id="58" name="Straight Arrow Connector 57"/>
-          <p:cNvCxnSpPr>
-            <a:stCxn id="28" idx="3"/>
-          </p:cNvCxnSpPr>
-          <p:nvPr/>
-        </p:nvCxnSpPr>
-        <p:spPr>
-          <a:xfrm flipV="1">
-            <a:off x="1786984" y="1778804"/>
-            <a:ext cx="766618" cy="2203"/>
-          </a:xfrm>
-          <a:prstGeom prst="straightConnector1">
-            <a:avLst/>
-          </a:prstGeom>
-          <a:ln>
-            <a:solidFill>
-              <a:schemeClr val="tx1"/>
-            </a:solidFill>
-            <a:tailEnd type="triangle"/>
-          </a:ln>
-        </p:spPr>
-        <p:style>
-          <a:lnRef idx="1">
-            <a:schemeClr val="accent1"/>
-          </a:lnRef>
-          <a:fillRef idx="0">
-            <a:schemeClr val="accent1"/>
-          </a:fillRef>
-          <a:effectRef idx="0">
-            <a:schemeClr val="accent1"/>
-          </a:effectRef>
-          <a:fontRef idx="minor">
-            <a:schemeClr val="tx1"/>
-          </a:fontRef>
-        </p:style>
-      </p:cxnSp>
-      <p:cxnSp>
-        <p:nvCxnSpPr>
-          <p:cNvPr id="59" name="Straight Arrow Connector 58"/>
-          <p:cNvCxnSpPr>
-            <a:stCxn id="31" idx="3"/>
-            <a:endCxn id="182" idx="1"/>
-          </p:cNvCxnSpPr>
-          <p:nvPr/>
-        </p:nvCxnSpPr>
-        <p:spPr>
-          <a:xfrm flipV="1">
-            <a:off x="4151997" y="2018584"/>
-            <a:ext cx="523256" cy="212801"/>
-          </a:xfrm>
-          <a:prstGeom prst="straightConnector1">
-            <a:avLst/>
-          </a:prstGeom>
-          <a:ln>
-            <a:solidFill>
-              <a:schemeClr val="tx1"/>
-            </a:solidFill>
-            <a:tailEnd type="triangle"/>
-          </a:ln>
-        </p:spPr>
-        <p:style>
-          <a:lnRef idx="1">
-            <a:schemeClr val="accent1"/>
-          </a:lnRef>
-          <a:fillRef idx="0">
-            <a:schemeClr val="accent1"/>
-          </a:fillRef>
-          <a:effectRef idx="0">
-            <a:schemeClr val="accent1"/>
-          </a:effectRef>
-          <a:fontRef idx="minor">
-            <a:schemeClr val="tx1"/>
-          </a:fontRef>
-        </p:style>
-      </p:cxnSp>
-      <p:cxnSp>
-        <p:nvCxnSpPr>
-          <p:cNvPr id="62" name="Straight Arrow Connector 61"/>
-          <p:cNvCxnSpPr>
-            <a:stCxn id="31" idx="3"/>
-          </p:cNvCxnSpPr>
-          <p:nvPr/>
-        </p:nvCxnSpPr>
-        <p:spPr>
-          <a:xfrm>
-            <a:off x="4151997" y="2231385"/>
-            <a:ext cx="531278" cy="789517"/>
-          </a:xfrm>
-          <a:prstGeom prst="straightConnector1">
-            <a:avLst/>
-          </a:prstGeom>
-          <a:ln>
-            <a:solidFill>
-              <a:schemeClr val="tx1"/>
-            </a:solidFill>
-            <a:tailEnd type="triangle"/>
-          </a:ln>
-        </p:spPr>
-        <p:style>
-          <a:lnRef idx="1">
-            <a:schemeClr val="accent1"/>
-          </a:lnRef>
-          <a:fillRef idx="0">
-            <a:schemeClr val="accent1"/>
-          </a:fillRef>
-          <a:effectRef idx="0">
-            <a:schemeClr val="accent1"/>
-          </a:effectRef>
-          <a:fontRef idx="minor">
-            <a:schemeClr val="tx1"/>
-          </a:fontRef>
-        </p:style>
-      </p:cxnSp>
-      <p:cxnSp>
-        <p:nvCxnSpPr>
-          <p:cNvPr id="65" name="Straight Arrow Connector 64"/>
-          <p:cNvCxnSpPr>
-            <a:stCxn id="182" idx="3"/>
-            <a:endCxn id="53" idx="1"/>
-          </p:cNvCxnSpPr>
-          <p:nvPr/>
-        </p:nvCxnSpPr>
-        <p:spPr>
-          <a:xfrm>
-            <a:off x="6421950" y="2018584"/>
-            <a:ext cx="333886" cy="411137"/>
-          </a:xfrm>
-          <a:prstGeom prst="straightConnector1">
-            <a:avLst/>
-          </a:prstGeom>
-          <a:ln>
-            <a:solidFill>
-              <a:schemeClr val="tx1"/>
-            </a:solidFill>
-            <a:tailEnd type="triangle"/>
-          </a:ln>
-        </p:spPr>
-        <p:style>
-          <a:lnRef idx="1">
-            <a:schemeClr val="accent1"/>
-          </a:lnRef>
-          <a:fillRef idx="0">
-            <a:schemeClr val="accent1"/>
-          </a:fillRef>
-          <a:effectRef idx="0">
-            <a:schemeClr val="accent1"/>
-          </a:effectRef>
-          <a:fontRef idx="minor">
-            <a:schemeClr val="tx1"/>
-          </a:fontRef>
-        </p:style>
-      </p:cxnSp>
-      <p:cxnSp>
-        <p:nvCxnSpPr>
-          <p:cNvPr id="68" name="Straight Arrow Connector 67"/>
-          <p:cNvCxnSpPr>
-            <a:stCxn id="119" idx="2"/>
-            <a:endCxn id="31" idx="0"/>
-          </p:cNvCxnSpPr>
-          <p:nvPr/>
-        </p:nvCxnSpPr>
-        <p:spPr>
-          <a:xfrm>
-            <a:off x="3352799" y="1328425"/>
-            <a:ext cx="1" cy="187883"/>
-          </a:xfrm>
-          <a:prstGeom prst="straightConnector1">
-            <a:avLst/>
-          </a:prstGeom>
-          <a:ln>
-            <a:solidFill>
-              <a:schemeClr val="tx1"/>
-            </a:solidFill>
-            <a:tailEnd type="triangle"/>
-          </a:ln>
-        </p:spPr>
-        <p:style>
-          <a:lnRef idx="1">
-            <a:schemeClr val="accent1"/>
-          </a:lnRef>
-          <a:fillRef idx="0">
-            <a:schemeClr val="accent1"/>
-          </a:fillRef>
-          <a:effectRef idx="0">
-            <a:schemeClr val="accent1"/>
-          </a:effectRef>
-          <a:fontRef idx="minor">
-            <a:schemeClr val="tx1"/>
-          </a:fontRef>
-        </p:style>
-      </p:cxnSp>
-      <p:cxnSp>
-        <p:nvCxnSpPr>
-          <p:cNvPr id="78" name="Straight Arrow Connector 77"/>
-          <p:cNvCxnSpPr>
-            <a:stCxn id="36" idx="0"/>
-            <a:endCxn id="21" idx="2"/>
-          </p:cNvCxnSpPr>
-          <p:nvPr/>
-        </p:nvCxnSpPr>
-        <p:spPr>
-          <a:xfrm flipV="1">
-            <a:off x="9353594" y="5723694"/>
-            <a:ext cx="0" cy="290047"/>
-          </a:xfrm>
-          <a:prstGeom prst="straightConnector1">
-            <a:avLst/>
-          </a:prstGeom>
-          <a:ln>
-            <a:solidFill>
-              <a:schemeClr val="tx1"/>
-            </a:solidFill>
-            <a:tailEnd type="triangle"/>
-          </a:ln>
-        </p:spPr>
-        <p:style>
-          <a:lnRef idx="1">
-            <a:schemeClr val="accent1"/>
-          </a:lnRef>
-          <a:fillRef idx="0">
-            <a:schemeClr val="accent1"/>
-          </a:fillRef>
-          <a:effectRef idx="0">
-            <a:schemeClr val="accent1"/>
-          </a:effectRef>
-          <a:fontRef idx="minor">
-            <a:schemeClr val="tx1"/>
-          </a:fontRef>
-        </p:style>
-      </p:cxnSp>
-      <p:sp>
-        <p:nvSpPr>
-          <p:cNvPr id="82" name="Rectangle 81"/>
-          <p:cNvSpPr/>
-          <p:nvPr/>
-        </p:nvSpPr>
-        <p:spPr>
-          <a:xfrm>
-            <a:off x="2363481" y="3249474"/>
-            <a:ext cx="1980714" cy="646834"/>
-          </a:xfrm>
-          <a:prstGeom prst="rect">
-            <a:avLst/>
-          </a:prstGeom>
-          <a:solidFill>
-            <a:schemeClr val="accent6">
-              <a:lumMod val="20000"/>
-              <a:lumOff val="80000"/>
-            </a:schemeClr>
-          </a:solidFill>
-          <a:ln>
-            <a:solidFill>
-              <a:srgbClr val="C00000"/>
-            </a:solidFill>
-          </a:ln>
-        </p:spPr>
-        <p:style>
-          <a:lnRef idx="2">
-            <a:schemeClr val="accent1">
-              <a:shade val="50000"/>
-            </a:schemeClr>
-          </a:lnRef>
-          <a:fillRef idx="1">
-            <a:schemeClr val="accent1"/>
-          </a:fillRef>
-          <a:effectRef idx="0">
-            <a:schemeClr val="accent1"/>
-          </a:effectRef>
-          <a:fontRef idx="minor">
-            <a:schemeClr val="lt1"/>
-          </a:fontRef>
-        </p:style>
-        <p:txBody>
-          <a:bodyPr rtlCol="0" anchor="t"/>
-          <a:lstStyle/>
-          <a:p>
-            <a:pPr algn="ctr"/>
-            <a:r>
-              <a:rPr lang="en-US" dirty="0">
+            <a:ln>
+              <a:solidFill>
+                <a:srgbClr val="C00000"/>
+              </a:solidFill>
+            </a:ln>
+          </p:spPr>
+          <p:style>
+            <a:lnRef idx="2">
+              <a:schemeClr val="accent1">
+                <a:shade val="50000"/>
+              </a:schemeClr>
+            </a:lnRef>
+            <a:fillRef idx="1">
+              <a:schemeClr val="accent1"/>
+            </a:fillRef>
+            <a:effectRef idx="0">
+              <a:schemeClr val="accent1"/>
+            </a:effectRef>
+            <a:fontRef idx="minor">
+              <a:schemeClr val="lt1"/>
+            </a:fontRef>
+          </p:style>
+          <p:txBody>
+            <a:bodyPr rtlCol="0" anchor="t"/>
+            <a:lstStyle/>
+            <a:p>
+              <a:pPr algn="ctr"/>
+              <a:r>
+                <a:rPr lang="en-US" dirty="0">
+                  <a:solidFill>
+                    <a:srgbClr val="C00000"/>
+                  </a:solidFill>
+                </a:rPr>
+                <a:t>Automated extraction of </a:t>
+              </a:r>
+              <a:r>
+                <a:rPr lang="en-US" dirty="0" smtClean="0">
+                  <a:solidFill>
+                    <a:srgbClr val="C00000"/>
+                  </a:solidFill>
+                </a:rPr>
+                <a:t>variables (Automates)</a:t>
+              </a:r>
+              <a:endParaRPr lang="en-US" dirty="0">
                 <a:solidFill>
                   <a:srgbClr val="C00000"/>
                 </a:solidFill>
-              </a:rPr>
-              <a:t>Run model locally with test data</a:t>
-            </a:r>
-            <a:endParaRPr lang="en-US" dirty="0">
+              </a:endParaRPr>
+            </a:p>
+          </p:txBody>
+        </p:sp>
+        <p:sp>
+          <p:nvSpPr>
+            <p:cNvPr id="2" name="Rectangle 1"/>
+            <p:cNvSpPr/>
+            <p:nvPr/>
+          </p:nvSpPr>
+          <p:spPr>
+            <a:xfrm>
+              <a:off x="2254585" y="312609"/>
+              <a:ext cx="6247200" cy="3728685"/>
+            </a:xfrm>
+            <a:prstGeom prst="rect">
+              <a:avLst/>
+            </a:prstGeom>
+            <a:noFill/>
+            <a:ln>
               <a:solidFill>
                 <a:srgbClr val="C00000"/>
               </a:solidFill>
-            </a:endParaRPr>
-          </a:p>
-        </p:txBody>
-      </p:sp>
-      <p:cxnSp>
-        <p:nvCxnSpPr>
-          <p:cNvPr id="83" name="Straight Arrow Connector 82"/>
-          <p:cNvCxnSpPr/>
-          <p:nvPr/>
-        </p:nvCxnSpPr>
-        <p:spPr>
-          <a:xfrm flipH="1">
-            <a:off x="3030192" y="2946363"/>
-            <a:ext cx="142" cy="303111"/>
-          </a:xfrm>
-          <a:prstGeom prst="straightConnector1">
-            <a:avLst/>
-          </a:prstGeom>
-          <a:ln>
-            <a:solidFill>
-              <a:schemeClr val="tx1"/>
-            </a:solidFill>
-            <a:tailEnd type="triangle"/>
-          </a:ln>
-        </p:spPr>
-        <p:style>
-          <a:lnRef idx="1">
-            <a:schemeClr val="accent1"/>
-          </a:lnRef>
-          <a:fillRef idx="0">
-            <a:schemeClr val="accent1"/>
-          </a:fillRef>
-          <a:effectRef idx="0">
-            <a:schemeClr val="accent1"/>
-          </a:effectRef>
-          <a:fontRef idx="minor">
-            <a:schemeClr val="tx1"/>
-          </a:fontRef>
-        </p:style>
-      </p:cxnSp>
-      <p:cxnSp>
-        <p:nvCxnSpPr>
-          <p:cNvPr id="87" name="Straight Arrow Connector 86"/>
-          <p:cNvCxnSpPr/>
-          <p:nvPr/>
-        </p:nvCxnSpPr>
-        <p:spPr>
-          <a:xfrm flipH="1" flipV="1">
-            <a:off x="3618439" y="2946363"/>
-            <a:ext cx="2138" cy="303111"/>
-          </a:xfrm>
-          <a:prstGeom prst="straightConnector1">
-            <a:avLst/>
-          </a:prstGeom>
-          <a:ln>
-            <a:solidFill>
-              <a:schemeClr val="tx1"/>
-            </a:solidFill>
-            <a:tailEnd type="triangle"/>
-          </a:ln>
-        </p:spPr>
-        <p:style>
-          <a:lnRef idx="1">
-            <a:schemeClr val="accent1"/>
-          </a:lnRef>
-          <a:fillRef idx="0">
-            <a:schemeClr val="accent1"/>
-          </a:fillRef>
-          <a:effectRef idx="0">
-            <a:schemeClr val="accent1"/>
-          </a:effectRef>
-          <a:fontRef idx="minor">
-            <a:schemeClr val="tx1"/>
-          </a:fontRef>
-        </p:style>
-      </p:cxnSp>
-      <p:sp>
-        <p:nvSpPr>
-          <p:cNvPr id="119" name="Folded Corner 118"/>
-          <p:cNvSpPr/>
-          <p:nvPr/>
-        </p:nvSpPr>
-        <p:spPr>
-          <a:xfrm>
-            <a:off x="2479450" y="382307"/>
-            <a:ext cx="1746697" cy="946118"/>
-          </a:xfrm>
-          <a:prstGeom prst="foldedCorner">
-            <a:avLst>
-              <a:gd name="adj" fmla="val 13667"/>
-            </a:avLst>
-          </a:prstGeom>
-          <a:solidFill>
-            <a:schemeClr val="accent4">
-              <a:lumMod val="20000"/>
-              <a:lumOff val="80000"/>
-            </a:schemeClr>
-          </a:solidFill>
-          <a:ln>
-            <a:solidFill>
-              <a:srgbClr val="C00000"/>
-            </a:solidFill>
-          </a:ln>
-        </p:spPr>
-        <p:style>
-          <a:lnRef idx="2">
-            <a:schemeClr val="accent1">
-              <a:shade val="50000"/>
-            </a:schemeClr>
-          </a:lnRef>
-          <a:fillRef idx="1">
-            <a:schemeClr val="accent1"/>
-          </a:fillRef>
-          <a:effectRef idx="0">
-            <a:schemeClr val="accent1"/>
-          </a:effectRef>
-          <a:fontRef idx="minor">
-            <a:schemeClr val="lt1"/>
-          </a:fontRef>
-        </p:style>
-        <p:txBody>
-          <a:bodyPr rtlCol="0" anchor="t"/>
-          <a:lstStyle/>
-          <a:p>
-            <a:pPr algn="ctr"/>
-            <a:r>
-              <a:rPr lang="en-US" dirty="0">
+              <a:prstDash val="dash"/>
+            </a:ln>
+          </p:spPr>
+          <p:style>
+            <a:lnRef idx="2">
+              <a:schemeClr val="accent1">
+                <a:shade val="50000"/>
+              </a:schemeClr>
+            </a:lnRef>
+            <a:fillRef idx="1">
+              <a:schemeClr val="accent1"/>
+            </a:fillRef>
+            <a:effectRef idx="0">
+              <a:schemeClr val="accent1"/>
+            </a:effectRef>
+            <a:fontRef idx="minor">
+              <a:schemeClr val="lt1"/>
+            </a:fontRef>
+          </p:style>
+          <p:txBody>
+            <a:bodyPr rtlCol="0" anchor="ctr"/>
+            <a:lstStyle/>
+            <a:p>
+              <a:pPr algn="ctr"/>
+              <a:endParaRPr lang="en-US"/>
+            </a:p>
+          </p:txBody>
+        </p:sp>
+        <p:sp>
+          <p:nvSpPr>
+            <p:cNvPr id="14" name="TextBox 13"/>
+            <p:cNvSpPr txBox="1"/>
+            <p:nvPr/>
+          </p:nvSpPr>
+          <p:spPr>
+            <a:xfrm>
+              <a:off x="4738513" y="356473"/>
+              <a:ext cx="3061031" cy="369332"/>
+            </a:xfrm>
+            <a:prstGeom prst="rect">
+              <a:avLst/>
+            </a:prstGeom>
+            <a:noFill/>
+          </p:spPr>
+          <p:txBody>
+            <a:bodyPr wrap="none" rtlCol="0">
+              <a:spAutoFit/>
+            </a:bodyPr>
+            <a:lstStyle/>
+            <a:p>
+              <a:r>
+                <a:rPr lang="en-US" dirty="0" smtClean="0">
+                  <a:solidFill>
+                    <a:srgbClr val="C00000"/>
+                  </a:solidFill>
+                </a:rPr>
+                <a:t>Model Insertion Checker (MIC)</a:t>
+              </a:r>
+              <a:endParaRPr lang="en-US" dirty="0">
                 <a:solidFill>
                   <a:srgbClr val="C00000"/>
                 </a:solidFill>
-              </a:rPr>
-              <a:t>Template-based guidelines for metadata</a:t>
-            </a:r>
-          </a:p>
-        </p:txBody>
-      </p:sp>
-      <p:pic>
-        <p:nvPicPr>
-          <p:cNvPr id="121" name="Picture 120"/>
-          <p:cNvPicPr>
-            <a:picLocks noChangeAspect="1"/>
-          </p:cNvPicPr>
-          <p:nvPr/>
-        </p:nvPicPr>
-        <p:blipFill>
-          <a:blip r:embed="rId3" cstate="print">
-            <a:duotone>
-              <a:schemeClr val="accent2">
-                <a:shade val="45000"/>
-                <a:satMod val="135000"/>
-              </a:schemeClr>
-              <a:prstClr val="white"/>
-            </a:duotone>
-            <a:extLst>
-              <a:ext uri="{28A0092B-C50C-407E-A947-70E740481C1C}">
-                <a14:useLocalDpi xmlns:a14="http://schemas.microsoft.com/office/drawing/2010/main" val="0"/>
-              </a:ext>
-            </a:extLst>
-          </a:blip>
-          <a:stretch>
-            <a:fillRect/>
-          </a:stretch>
-        </p:blipFill>
-        <p:spPr>
-          <a:xfrm>
-            <a:off x="3027063" y="4023831"/>
-            <a:ext cx="621803" cy="621803"/>
-          </a:xfrm>
-          <a:prstGeom prst="rect">
-            <a:avLst/>
-          </a:prstGeom>
-        </p:spPr>
-      </p:pic>
-      <p:sp>
-        <p:nvSpPr>
-          <p:cNvPr id="122" name="TextBox 121"/>
-          <p:cNvSpPr txBox="1"/>
-          <p:nvPr/>
-        </p:nvSpPr>
-        <p:spPr>
-          <a:xfrm>
-            <a:off x="1910535" y="4152130"/>
-            <a:ext cx="1053491" cy="253916"/>
-          </a:xfrm>
-          <a:prstGeom prst="rect">
-            <a:avLst/>
-          </a:prstGeom>
-          <a:noFill/>
-          <a:ln w="19050">
+              </a:endParaRPr>
+            </a:p>
+          </p:txBody>
+        </p:sp>
+        <p:sp>
+          <p:nvSpPr>
+            <p:cNvPr id="76" name="Rectangle 75"/>
+            <p:cNvSpPr/>
+            <p:nvPr/>
+          </p:nvSpPr>
+          <p:spPr>
+            <a:xfrm>
+              <a:off x="10280099" y="6013741"/>
+              <a:ext cx="1703617" cy="902325"/>
+            </a:xfrm>
+            <a:prstGeom prst="rect">
+              <a:avLst/>
+            </a:prstGeom>
             <a:solidFill>
-              <a:schemeClr val="tx1"/>
+              <a:schemeClr val="accent6">
+                <a:lumMod val="20000"/>
+                <a:lumOff val="80000"/>
+              </a:schemeClr>
             </a:solidFill>
-            <a:prstDash val="sysDot"/>
-          </a:ln>
-        </p:spPr>
-        <p:txBody>
-          <a:bodyPr wrap="square" rtlCol="0">
-            <a:spAutoFit/>
-          </a:bodyPr>
-          <a:lstStyle/>
-          <a:p>
-            <a:r>
-              <a:rPr lang="en-US" sz="1050" dirty="0" smtClean="0"/>
-              <a:t>Test and refine</a:t>
-            </a:r>
-            <a:endParaRPr lang="en-US" sz="1050" dirty="0"/>
-          </a:p>
-        </p:txBody>
-      </p:sp>
-      <p:sp>
-        <p:nvSpPr>
-          <p:cNvPr id="129" name="Rectangle 128"/>
-          <p:cNvSpPr/>
-          <p:nvPr/>
-        </p:nvSpPr>
-        <p:spPr>
-          <a:xfrm>
-            <a:off x="756215" y="5370455"/>
-            <a:ext cx="2754770" cy="604754"/>
-          </a:xfrm>
-          <a:prstGeom prst="rect">
-            <a:avLst/>
-          </a:prstGeom>
-          <a:solidFill>
-            <a:schemeClr val="accent1">
-              <a:lumMod val="20000"/>
-              <a:lumOff val="80000"/>
-            </a:schemeClr>
-          </a:solidFill>
-          <a:ln>
-            <a:solidFill>
-              <a:srgbClr val="C00000"/>
-            </a:solidFill>
-          </a:ln>
-        </p:spPr>
-        <p:style>
-          <a:lnRef idx="2">
-            <a:schemeClr val="accent1">
-              <a:shade val="50000"/>
-            </a:schemeClr>
-          </a:lnRef>
-          <a:fillRef idx="1">
-            <a:schemeClr val="accent1"/>
-          </a:fillRef>
-          <a:effectRef idx="0">
-            <a:schemeClr val="accent1"/>
-          </a:effectRef>
-          <a:fontRef idx="minor">
-            <a:schemeClr val="lt1"/>
-          </a:fontRef>
-        </p:style>
-        <p:txBody>
-          <a:bodyPr rtlCol="0" anchor="t"/>
-          <a:lstStyle/>
-          <a:p>
-            <a:pPr algn="ctr"/>
-            <a:r>
-              <a:rPr lang="en-US" dirty="0" smtClean="0">
+            <a:ln>
+              <a:solidFill>
+                <a:srgbClr val="C00000"/>
+              </a:solidFill>
+            </a:ln>
+          </p:spPr>
+          <p:style>
+            <a:lnRef idx="2">
+              <a:schemeClr val="accent1">
+                <a:shade val="50000"/>
+              </a:schemeClr>
+            </a:lnRef>
+            <a:fillRef idx="1">
+              <a:schemeClr val="accent1"/>
+            </a:fillRef>
+            <a:effectRef idx="0">
+              <a:schemeClr val="accent1"/>
+            </a:effectRef>
+            <a:fontRef idx="minor">
+              <a:schemeClr val="lt1"/>
+            </a:fontRef>
+          </p:style>
+          <p:txBody>
+            <a:bodyPr rtlCol="0" anchor="t"/>
+            <a:lstStyle/>
+            <a:p>
+              <a:pPr algn="ctr"/>
+              <a:r>
+                <a:rPr lang="en-US" dirty="0" smtClean="0">
+                  <a:solidFill>
+                    <a:srgbClr val="C00000"/>
+                  </a:solidFill>
+                </a:rPr>
+                <a:t>Run </a:t>
+              </a:r>
+              <a:r>
+                <a:rPr lang="en-US" dirty="0" smtClean="0">
+                  <a:solidFill>
+                    <a:srgbClr val="C00000"/>
+                  </a:solidFill>
+                </a:rPr>
+                <a:t>MINT model locally (DAME)</a:t>
+              </a:r>
+              <a:endParaRPr lang="en-US" dirty="0">
                 <a:solidFill>
                   <a:srgbClr val="C00000"/>
                 </a:solidFill>
-              </a:rPr>
-              <a:t>Data </a:t>
-            </a:r>
-            <a:r>
-              <a:rPr lang="en-US" dirty="0">
-                <a:solidFill>
-                  <a:srgbClr val="C00000"/>
-                </a:solidFill>
-              </a:rPr>
-              <a:t>t</a:t>
-            </a:r>
-            <a:r>
-              <a:rPr lang="en-US" dirty="0" smtClean="0">
-                <a:solidFill>
-                  <a:srgbClr val="C00000"/>
-                </a:solidFill>
-              </a:rPr>
-              <a:t>ransformation services</a:t>
-            </a:r>
-            <a:endParaRPr lang="en-US" dirty="0">
-              <a:solidFill>
-                <a:srgbClr val="C00000"/>
-              </a:solidFill>
-            </a:endParaRPr>
-          </a:p>
-        </p:txBody>
-      </p:sp>
-      <p:sp>
-        <p:nvSpPr>
-          <p:cNvPr id="145" name="TextBox 144"/>
-          <p:cNvSpPr txBox="1"/>
-          <p:nvPr/>
-        </p:nvSpPr>
-        <p:spPr>
-          <a:xfrm>
-            <a:off x="1749486" y="1518435"/>
-            <a:ext cx="572833" cy="253916"/>
-          </a:xfrm>
-          <a:prstGeom prst="rect">
-            <a:avLst/>
-          </a:prstGeom>
-          <a:noFill/>
-          <a:ln w="19050">
-            <a:noFill/>
-            <a:prstDash val="sysDot"/>
-          </a:ln>
-        </p:spPr>
-        <p:txBody>
-          <a:bodyPr wrap="square" rtlCol="0">
-            <a:spAutoFit/>
-          </a:bodyPr>
-          <a:lstStyle/>
-          <a:p>
-            <a:r>
-              <a:rPr lang="en-US" sz="1050" dirty="0" smtClean="0"/>
-              <a:t>Import</a:t>
-            </a:r>
-            <a:endParaRPr lang="en-US" sz="1050" dirty="0"/>
-          </a:p>
-        </p:txBody>
-      </p:sp>
-      <p:sp>
-        <p:nvSpPr>
-          <p:cNvPr id="151" name="Rectangle 150"/>
-          <p:cNvSpPr/>
-          <p:nvPr/>
-        </p:nvSpPr>
-        <p:spPr>
-          <a:xfrm>
-            <a:off x="8912040" y="699253"/>
-            <a:ext cx="438779" cy="217431"/>
-          </a:xfrm>
-          <a:prstGeom prst="rect">
-            <a:avLst/>
-          </a:prstGeom>
-          <a:solidFill>
-            <a:schemeClr val="accent6">
-              <a:lumMod val="20000"/>
-              <a:lumOff val="80000"/>
-            </a:schemeClr>
-          </a:solidFill>
-          <a:ln>
-            <a:solidFill>
-              <a:srgbClr val="C00000"/>
-            </a:solidFill>
-          </a:ln>
-        </p:spPr>
-        <p:style>
-          <a:lnRef idx="2">
-            <a:schemeClr val="accent1">
-              <a:shade val="50000"/>
-            </a:schemeClr>
-          </a:lnRef>
-          <a:fillRef idx="1">
-            <a:schemeClr val="accent1"/>
-          </a:fillRef>
-          <a:effectRef idx="0">
-            <a:schemeClr val="accent1"/>
-          </a:effectRef>
-          <a:fontRef idx="minor">
-            <a:schemeClr val="lt1"/>
-          </a:fontRef>
-        </p:style>
-        <p:txBody>
-          <a:bodyPr rtlCol="0" anchor="t"/>
-          <a:lstStyle/>
-          <a:p>
-            <a:pPr algn="ctr"/>
-            <a:endParaRPr lang="en-US" dirty="0">
-              <a:solidFill>
-                <a:srgbClr val="C00000"/>
-              </a:solidFill>
-            </a:endParaRPr>
-          </a:p>
-        </p:txBody>
-      </p:sp>
-      <p:sp>
-        <p:nvSpPr>
-          <p:cNvPr id="152" name="TextBox 151"/>
-          <p:cNvSpPr txBox="1"/>
-          <p:nvPr/>
-        </p:nvSpPr>
-        <p:spPr>
-          <a:xfrm>
-            <a:off x="8780964" y="219414"/>
-            <a:ext cx="864019" cy="369332"/>
-          </a:xfrm>
-          <a:prstGeom prst="rect">
-            <a:avLst/>
-          </a:prstGeom>
-          <a:noFill/>
-        </p:spPr>
-        <p:txBody>
-          <a:bodyPr wrap="none" rtlCol="0">
-            <a:spAutoFit/>
-          </a:bodyPr>
-          <a:lstStyle/>
-          <a:p>
-            <a:r>
-              <a:rPr lang="en-US" dirty="0" smtClean="0"/>
-              <a:t>Legend</a:t>
-            </a:r>
-            <a:endParaRPr lang="en-US" dirty="0"/>
-          </a:p>
-        </p:txBody>
-      </p:sp>
-      <p:sp>
-        <p:nvSpPr>
-          <p:cNvPr id="153" name="Rectangle 152"/>
-          <p:cNvSpPr/>
-          <p:nvPr/>
-        </p:nvSpPr>
-        <p:spPr>
-          <a:xfrm>
-            <a:off x="8912040" y="1039162"/>
-            <a:ext cx="438779" cy="205609"/>
-          </a:xfrm>
-          <a:prstGeom prst="rect">
-            <a:avLst/>
-          </a:prstGeom>
-          <a:solidFill>
-            <a:schemeClr val="accent4">
-              <a:lumMod val="20000"/>
-              <a:lumOff val="80000"/>
-            </a:schemeClr>
-          </a:solidFill>
-          <a:ln>
-            <a:solidFill>
-              <a:srgbClr val="C00000"/>
-            </a:solidFill>
-          </a:ln>
-        </p:spPr>
-        <p:style>
-          <a:lnRef idx="2">
-            <a:schemeClr val="accent1">
-              <a:shade val="50000"/>
-            </a:schemeClr>
-          </a:lnRef>
-          <a:fillRef idx="1">
-            <a:schemeClr val="accent1"/>
-          </a:fillRef>
-          <a:effectRef idx="0">
-            <a:schemeClr val="accent1"/>
-          </a:effectRef>
-          <a:fontRef idx="minor">
-            <a:schemeClr val="lt1"/>
-          </a:fontRef>
-        </p:style>
-        <p:txBody>
-          <a:bodyPr rtlCol="0" anchor="t"/>
-          <a:lstStyle/>
-          <a:p>
-            <a:pPr algn="ctr"/>
-            <a:endParaRPr lang="en-US" dirty="0">
-              <a:solidFill>
-                <a:srgbClr val="C00000"/>
-              </a:solidFill>
-            </a:endParaRPr>
-          </a:p>
-        </p:txBody>
-      </p:sp>
-      <p:sp>
-        <p:nvSpPr>
-          <p:cNvPr id="154" name="Rectangle 153"/>
-          <p:cNvSpPr/>
-          <p:nvPr/>
-        </p:nvSpPr>
-        <p:spPr>
-          <a:xfrm>
-            <a:off x="8918089" y="1406407"/>
-            <a:ext cx="432730" cy="190654"/>
-          </a:xfrm>
-          <a:prstGeom prst="rect">
-            <a:avLst/>
-          </a:prstGeom>
-          <a:solidFill>
-            <a:schemeClr val="accent1">
-              <a:lumMod val="20000"/>
-              <a:lumOff val="80000"/>
-            </a:schemeClr>
-          </a:solidFill>
-          <a:ln>
-            <a:solidFill>
-              <a:srgbClr val="C00000"/>
-            </a:solidFill>
-          </a:ln>
-        </p:spPr>
-        <p:style>
-          <a:lnRef idx="2">
-            <a:schemeClr val="accent1">
-              <a:shade val="50000"/>
-            </a:schemeClr>
-          </a:lnRef>
-          <a:fillRef idx="1">
-            <a:schemeClr val="accent1"/>
-          </a:fillRef>
-          <a:effectRef idx="0">
-            <a:schemeClr val="accent1"/>
-          </a:effectRef>
-          <a:fontRef idx="minor">
-            <a:schemeClr val="lt1"/>
-          </a:fontRef>
-        </p:style>
-        <p:txBody>
-          <a:bodyPr rtlCol="0" anchor="t"/>
-          <a:lstStyle/>
-          <a:p>
-            <a:pPr algn="ctr"/>
-            <a:endParaRPr lang="en-US" dirty="0">
-              <a:solidFill>
-                <a:srgbClr val="C00000"/>
-              </a:solidFill>
-            </a:endParaRPr>
-          </a:p>
-        </p:txBody>
-      </p:sp>
-      <p:sp>
-        <p:nvSpPr>
-          <p:cNvPr id="156" name="TextBox 155"/>
-          <p:cNvSpPr txBox="1"/>
-          <p:nvPr/>
-        </p:nvSpPr>
-        <p:spPr>
-          <a:xfrm>
-            <a:off x="9340261" y="668788"/>
-            <a:ext cx="986489" cy="307777"/>
-          </a:xfrm>
-          <a:prstGeom prst="rect">
-            <a:avLst/>
-          </a:prstGeom>
-          <a:noFill/>
-        </p:spPr>
-        <p:txBody>
-          <a:bodyPr wrap="none" rtlCol="0">
-            <a:spAutoFit/>
-          </a:bodyPr>
-          <a:lstStyle/>
-          <a:p>
-            <a:r>
-              <a:rPr lang="en-US" sz="1400" dirty="0" smtClean="0"/>
-              <a:t>Completed</a:t>
-            </a:r>
-            <a:endParaRPr lang="en-US" sz="1400" dirty="0"/>
-          </a:p>
-        </p:txBody>
-      </p:sp>
-      <p:sp>
-        <p:nvSpPr>
-          <p:cNvPr id="157" name="TextBox 156"/>
-          <p:cNvSpPr txBox="1"/>
-          <p:nvPr/>
-        </p:nvSpPr>
-        <p:spPr>
-          <a:xfrm>
-            <a:off x="9342224" y="988122"/>
-            <a:ext cx="1417376" cy="307777"/>
-          </a:xfrm>
-          <a:prstGeom prst="rect">
-            <a:avLst/>
-          </a:prstGeom>
-          <a:noFill/>
-        </p:spPr>
-        <p:txBody>
-          <a:bodyPr wrap="none" rtlCol="0">
-            <a:spAutoFit/>
-          </a:bodyPr>
-          <a:lstStyle/>
-          <a:p>
-            <a:r>
-              <a:rPr lang="en-US" sz="1400" dirty="0" smtClean="0"/>
-              <a:t>Work in progress</a:t>
-            </a:r>
-            <a:endParaRPr lang="en-US" sz="1400" dirty="0"/>
-          </a:p>
-        </p:txBody>
-      </p:sp>
-      <p:sp>
-        <p:nvSpPr>
-          <p:cNvPr id="158" name="TextBox 157"/>
-          <p:cNvSpPr txBox="1"/>
-          <p:nvPr/>
-        </p:nvSpPr>
-        <p:spPr>
-          <a:xfrm>
-            <a:off x="9350027" y="1362998"/>
-            <a:ext cx="2280240" cy="307777"/>
-          </a:xfrm>
-          <a:prstGeom prst="rect">
-            <a:avLst/>
-          </a:prstGeom>
-          <a:noFill/>
-        </p:spPr>
-        <p:txBody>
-          <a:bodyPr wrap="none" rtlCol="0">
-            <a:spAutoFit/>
-          </a:bodyPr>
-          <a:lstStyle/>
-          <a:p>
-            <a:r>
-              <a:rPr lang="en-US" sz="1400" dirty="0" smtClean="0"/>
-              <a:t>Interaction with other teams</a:t>
-            </a:r>
-            <a:endParaRPr lang="en-US" sz="1400" dirty="0"/>
-          </a:p>
-        </p:txBody>
-      </p:sp>
-      <p:sp>
-        <p:nvSpPr>
-          <p:cNvPr id="56" name="Rounded Rectangle 55"/>
-          <p:cNvSpPr/>
-          <p:nvPr/>
-        </p:nvSpPr>
-        <p:spPr>
-          <a:xfrm>
-            <a:off x="4786601" y="5645996"/>
-            <a:ext cx="1524000" cy="438427"/>
-          </a:xfrm>
-          <a:prstGeom prst="roundRect">
-            <a:avLst/>
-          </a:prstGeom>
-          <a:solidFill>
-            <a:schemeClr val="accent1">
-              <a:lumMod val="20000"/>
-              <a:lumOff val="80000"/>
-            </a:schemeClr>
-          </a:solidFill>
-          <a:ln>
-            <a:solidFill>
-              <a:srgbClr val="C00000"/>
-            </a:solidFill>
-          </a:ln>
-        </p:spPr>
-        <p:style>
-          <a:lnRef idx="2">
-            <a:schemeClr val="accent1">
-              <a:shade val="50000"/>
-            </a:schemeClr>
-          </a:lnRef>
-          <a:fillRef idx="1">
-            <a:schemeClr val="accent1"/>
-          </a:fillRef>
-          <a:effectRef idx="0">
-            <a:schemeClr val="accent1"/>
-          </a:effectRef>
-          <a:fontRef idx="minor">
-            <a:schemeClr val="lt1"/>
-          </a:fontRef>
-        </p:style>
-        <p:txBody>
-          <a:bodyPr rtlCol="0" anchor="t"/>
-          <a:lstStyle/>
-          <a:p>
-            <a:pPr algn="ctr"/>
-            <a:r>
-              <a:rPr lang="en-US" dirty="0" err="1" smtClean="0">
-                <a:solidFill>
-                  <a:srgbClr val="C00000"/>
-                </a:solidFill>
-              </a:rPr>
-              <a:t>SuperMaaS</a:t>
-            </a:r>
-            <a:endParaRPr lang="en-US" dirty="0">
-              <a:solidFill>
-                <a:srgbClr val="C00000"/>
-              </a:solidFill>
-            </a:endParaRPr>
-          </a:p>
-        </p:txBody>
-      </p:sp>
-      <p:cxnSp>
-        <p:nvCxnSpPr>
-          <p:cNvPr id="60" name="Straight Arrow Connector 59"/>
-          <p:cNvCxnSpPr>
-            <a:stCxn id="56" idx="3"/>
-            <a:endCxn id="21" idx="1"/>
-          </p:cNvCxnSpPr>
-          <p:nvPr/>
-        </p:nvCxnSpPr>
-        <p:spPr>
-          <a:xfrm flipV="1">
-            <a:off x="6310601" y="5379660"/>
-            <a:ext cx="2433393" cy="485550"/>
-          </a:xfrm>
-          <a:prstGeom prst="straightConnector1">
-            <a:avLst/>
-          </a:prstGeom>
-          <a:ln>
-            <a:solidFill>
+              </a:endParaRPr>
+            </a:p>
+          </p:txBody>
+        </p:sp>
+        <p:cxnSp>
+          <p:nvCxnSpPr>
+            <p:cNvPr id="77" name="Straight Arrow Connector 76"/>
+            <p:cNvCxnSpPr>
+              <a:stCxn id="76" idx="0"/>
+              <a:endCxn id="21" idx="2"/>
+            </p:cNvCxnSpPr>
+            <p:nvPr/>
+          </p:nvCxnSpPr>
+          <p:spPr>
+            <a:xfrm flipH="1" flipV="1">
+              <a:off x="9353594" y="5723694"/>
+              <a:ext cx="1778314" cy="290047"/>
+            </a:xfrm>
+            <a:prstGeom prst="straightConnector1">
+              <a:avLst/>
+            </a:prstGeom>
+            <a:ln>
+              <a:solidFill>
+                <a:schemeClr val="tx1"/>
+              </a:solidFill>
+              <a:tailEnd type="triangle"/>
+            </a:ln>
+          </p:spPr>
+          <p:style>
+            <a:lnRef idx="1">
+              <a:schemeClr val="accent1"/>
+            </a:lnRef>
+            <a:fillRef idx="0">
+              <a:schemeClr val="accent1"/>
+            </a:fillRef>
+            <a:effectRef idx="0">
+              <a:schemeClr val="accent1"/>
+            </a:effectRef>
+            <a:fontRef idx="minor">
               <a:schemeClr val="tx1"/>
-            </a:solidFill>
-            <a:tailEnd type="triangle"/>
-          </a:ln>
-        </p:spPr>
-        <p:style>
-          <a:lnRef idx="1">
-            <a:schemeClr val="accent1"/>
-          </a:lnRef>
-          <a:fillRef idx="0">
-            <a:schemeClr val="accent1"/>
-          </a:fillRef>
-          <a:effectRef idx="0">
-            <a:schemeClr val="accent1"/>
-          </a:effectRef>
-          <a:fontRef idx="minor">
-            <a:schemeClr val="tx1"/>
-          </a:fontRef>
-        </p:style>
-      </p:cxnSp>
-      <p:cxnSp>
-        <p:nvCxnSpPr>
-          <p:cNvPr id="23" name="Straight Arrow Connector 22"/>
-          <p:cNvCxnSpPr>
-            <a:stCxn id="56" idx="0"/>
-            <a:endCxn id="32" idx="2"/>
-          </p:cNvCxnSpPr>
-          <p:nvPr/>
-        </p:nvCxnSpPr>
-        <p:spPr>
-          <a:xfrm flipV="1">
-            <a:off x="5548601" y="4923226"/>
-            <a:ext cx="4355" cy="722770"/>
-          </a:xfrm>
-          <a:prstGeom prst="straightConnector1">
-            <a:avLst/>
-          </a:prstGeom>
-          <a:ln>
-            <a:solidFill>
+            </a:fontRef>
+          </p:style>
+        </p:cxnSp>
+        <p:cxnSp>
+          <p:nvCxnSpPr>
+            <p:cNvPr id="80" name="Elbow Connector 79"/>
+            <p:cNvCxnSpPr>
+              <a:stCxn id="129" idx="3"/>
+              <a:endCxn id="76" idx="2"/>
+            </p:cNvCxnSpPr>
+            <p:nvPr/>
+          </p:nvCxnSpPr>
+          <p:spPr>
+            <a:xfrm>
+              <a:off x="3510985" y="5672832"/>
+              <a:ext cx="7620923" cy="1243234"/>
+            </a:xfrm>
+            <a:prstGeom prst="bentConnector4">
+              <a:avLst>
+                <a:gd name="adj1" fmla="val 3483"/>
+                <a:gd name="adj2" fmla="val 118388"/>
+              </a:avLst>
+            </a:prstGeom>
+            <a:ln>
+              <a:solidFill>
+                <a:schemeClr val="tx1"/>
+              </a:solidFill>
+              <a:tailEnd type="triangle"/>
+            </a:ln>
+          </p:spPr>
+          <p:style>
+            <a:lnRef idx="1">
+              <a:schemeClr val="accent1"/>
+            </a:lnRef>
+            <a:fillRef idx="0">
+              <a:schemeClr val="accent1"/>
+            </a:fillRef>
+            <a:effectRef idx="0">
+              <a:schemeClr val="accent1"/>
+            </a:effectRef>
+            <a:fontRef idx="minor">
               <a:schemeClr val="tx1"/>
-            </a:solidFill>
-            <a:tailEnd type="triangle"/>
-          </a:ln>
-        </p:spPr>
-        <p:style>
-          <a:lnRef idx="1">
-            <a:schemeClr val="accent1"/>
-          </a:lnRef>
-          <a:fillRef idx="0">
-            <a:schemeClr val="accent1"/>
-          </a:fillRef>
-          <a:effectRef idx="0">
-            <a:schemeClr val="accent1"/>
-          </a:effectRef>
-          <a:fontRef idx="minor">
-            <a:schemeClr val="tx1"/>
-          </a:fontRef>
-        </p:style>
-      </p:cxnSp>
-      <p:sp>
-        <p:nvSpPr>
-          <p:cNvPr id="73" name="TextBox 72"/>
-          <p:cNvSpPr txBox="1"/>
-          <p:nvPr/>
-        </p:nvSpPr>
-        <p:spPr>
-          <a:xfrm>
-            <a:off x="4856864" y="5267260"/>
-            <a:ext cx="1333665" cy="253916"/>
-          </a:xfrm>
-          <a:prstGeom prst="rect">
-            <a:avLst/>
-          </a:prstGeom>
-          <a:solidFill>
-            <a:schemeClr val="bg1"/>
-          </a:solidFill>
-          <a:ln w="19050">
-            <a:solidFill>
-              <a:schemeClr val="tx1"/>
-            </a:solidFill>
-            <a:prstDash val="sysDot"/>
-          </a:ln>
-        </p:spPr>
-        <p:txBody>
-          <a:bodyPr wrap="square" rtlCol="0">
-            <a:spAutoFit/>
-          </a:bodyPr>
-          <a:lstStyle/>
-          <a:p>
-            <a:r>
-              <a:rPr lang="en-US" sz="1050" dirty="0" smtClean="0"/>
-              <a:t>Documentation URLs</a:t>
-            </a:r>
-            <a:endParaRPr lang="en-US" sz="1050" dirty="0"/>
-          </a:p>
-        </p:txBody>
-      </p:sp>
-      <p:pic>
-        <p:nvPicPr>
-          <p:cNvPr id="100" name="Picture 99"/>
-          <p:cNvPicPr>
-            <a:picLocks noChangeAspect="1"/>
-          </p:cNvPicPr>
-          <p:nvPr/>
-        </p:nvPicPr>
-        <p:blipFill>
-          <a:blip r:embed="rId3" cstate="print">
-            <a:duotone>
-              <a:schemeClr val="accent2">
-                <a:shade val="45000"/>
-                <a:satMod val="135000"/>
-              </a:schemeClr>
-              <a:prstClr val="white"/>
-            </a:duotone>
-            <a:extLst>
-              <a:ext uri="{28A0092B-C50C-407E-A947-70E740481C1C}">
-                <a14:useLocalDpi xmlns:a14="http://schemas.microsoft.com/office/drawing/2010/main" val="0"/>
-              </a:ext>
-            </a:extLst>
-          </a:blip>
-          <a:stretch>
-            <a:fillRect/>
-          </a:stretch>
-        </p:blipFill>
-        <p:spPr>
-          <a:xfrm>
-            <a:off x="7853095" y="5894162"/>
-            <a:ext cx="531784" cy="531784"/>
-          </a:xfrm>
-          <a:prstGeom prst="rect">
-            <a:avLst/>
-          </a:prstGeom>
-        </p:spPr>
-      </p:pic>
-      <p:sp>
-        <p:nvSpPr>
-          <p:cNvPr id="108" name="Rectangle 107"/>
-          <p:cNvSpPr/>
-          <p:nvPr/>
-        </p:nvSpPr>
-        <p:spPr>
-          <a:xfrm>
-            <a:off x="8991287" y="1984294"/>
-            <a:ext cx="1573544" cy="883496"/>
-          </a:xfrm>
-          <a:prstGeom prst="rect">
-            <a:avLst/>
-          </a:prstGeom>
-          <a:solidFill>
-            <a:schemeClr val="accent6">
-              <a:lumMod val="20000"/>
-              <a:lumOff val="80000"/>
-            </a:schemeClr>
-          </a:solidFill>
-          <a:ln>
-            <a:solidFill>
-              <a:srgbClr val="C00000"/>
-            </a:solidFill>
-          </a:ln>
-        </p:spPr>
-        <p:style>
-          <a:lnRef idx="2">
-            <a:schemeClr val="accent1">
-              <a:shade val="50000"/>
-            </a:schemeClr>
-          </a:lnRef>
-          <a:fillRef idx="1">
-            <a:schemeClr val="accent1"/>
-          </a:fillRef>
-          <a:effectRef idx="0">
-            <a:schemeClr val="accent1"/>
-          </a:effectRef>
-          <a:fontRef idx="minor">
-            <a:schemeClr val="lt1"/>
-          </a:fontRef>
-        </p:style>
-        <p:txBody>
-          <a:bodyPr rtlCol="0" anchor="t"/>
-          <a:lstStyle/>
-          <a:p>
-            <a:pPr algn="ctr"/>
-            <a:r>
-              <a:rPr lang="en-US" dirty="0" smtClean="0">
-                <a:solidFill>
-                  <a:srgbClr val="C00000"/>
-                </a:solidFill>
-              </a:rPr>
-              <a:t>Metadata schema </a:t>
-            </a:r>
-            <a:br>
-              <a:rPr lang="en-US" dirty="0" smtClean="0">
-                <a:solidFill>
-                  <a:srgbClr val="C00000"/>
-                </a:solidFill>
-              </a:rPr>
-            </a:br>
-            <a:r>
-              <a:rPr lang="en-US" dirty="0" smtClean="0">
-                <a:solidFill>
-                  <a:srgbClr val="C00000"/>
-                </a:solidFill>
-              </a:rPr>
-              <a:t>(RDF, JSON)</a:t>
-            </a:r>
-            <a:endParaRPr lang="en-US" dirty="0">
-              <a:solidFill>
-                <a:srgbClr val="C00000"/>
-              </a:solidFill>
-            </a:endParaRPr>
-          </a:p>
-        </p:txBody>
-      </p:sp>
-      <p:cxnSp>
-        <p:nvCxnSpPr>
-          <p:cNvPr id="109" name="Straight Arrow Connector 108"/>
-          <p:cNvCxnSpPr>
-            <a:stCxn id="108" idx="1"/>
-            <a:endCxn id="53" idx="3"/>
-          </p:cNvCxnSpPr>
-          <p:nvPr/>
-        </p:nvCxnSpPr>
-        <p:spPr>
-          <a:xfrm flipH="1">
-            <a:off x="8329380" y="2426042"/>
-            <a:ext cx="661907" cy="3679"/>
-          </a:xfrm>
-          <a:prstGeom prst="straightConnector1">
-            <a:avLst/>
-          </a:prstGeom>
-          <a:ln>
-            <a:solidFill>
-              <a:schemeClr val="tx1"/>
-            </a:solidFill>
-            <a:tailEnd type="triangle"/>
-          </a:ln>
-        </p:spPr>
-        <p:style>
-          <a:lnRef idx="1">
-            <a:schemeClr val="accent1"/>
-          </a:lnRef>
-          <a:fillRef idx="0">
-            <a:schemeClr val="accent1"/>
-          </a:fillRef>
-          <a:effectRef idx="0">
-            <a:schemeClr val="accent1"/>
-          </a:effectRef>
-          <a:fontRef idx="minor">
-            <a:schemeClr val="tx1"/>
-          </a:fontRef>
-        </p:style>
-      </p:cxnSp>
-      <p:cxnSp>
-        <p:nvCxnSpPr>
-          <p:cNvPr id="88" name="Elbow Connector 87"/>
-          <p:cNvCxnSpPr>
-            <a:stCxn id="108" idx="3"/>
-            <a:endCxn id="8" idx="3"/>
-          </p:cNvCxnSpPr>
-          <p:nvPr/>
-        </p:nvCxnSpPr>
-        <p:spPr>
-          <a:xfrm flipH="1">
-            <a:off x="10438758" y="2426042"/>
-            <a:ext cx="126073" cy="2141723"/>
-          </a:xfrm>
-          <a:prstGeom prst="bentConnector3">
-            <a:avLst>
-              <a:gd name="adj1" fmla="val -181324"/>
-            </a:avLst>
-          </a:prstGeom>
-          <a:ln>
-            <a:solidFill>
-              <a:schemeClr val="tx1"/>
-            </a:solidFill>
-            <a:tailEnd type="triangle"/>
-          </a:ln>
-        </p:spPr>
-        <p:style>
-          <a:lnRef idx="1">
-            <a:schemeClr val="accent1"/>
-          </a:lnRef>
-          <a:fillRef idx="0">
-            <a:schemeClr val="accent1"/>
-          </a:fillRef>
-          <a:effectRef idx="0">
-            <a:schemeClr val="accent1"/>
-          </a:effectRef>
-          <a:fontRef idx="minor">
-            <a:schemeClr val="tx1"/>
-          </a:fontRef>
-        </p:style>
-      </p:cxnSp>
-      <p:cxnSp>
-        <p:nvCxnSpPr>
-          <p:cNvPr id="116" name="Elbow Connector 115"/>
-          <p:cNvCxnSpPr>
-            <a:stCxn id="108" idx="3"/>
-            <a:endCxn id="17" idx="3"/>
-          </p:cNvCxnSpPr>
-          <p:nvPr/>
-        </p:nvCxnSpPr>
-        <p:spPr>
-          <a:xfrm>
-            <a:off x="10564831" y="2426042"/>
-            <a:ext cx="780690" cy="2951996"/>
-          </a:xfrm>
-          <a:prstGeom prst="bentConnector3">
-            <a:avLst>
-              <a:gd name="adj1" fmla="val 129282"/>
-            </a:avLst>
-          </a:prstGeom>
-          <a:ln>
-            <a:solidFill>
-              <a:schemeClr val="tx1"/>
-            </a:solidFill>
-            <a:tailEnd type="triangle"/>
-          </a:ln>
-        </p:spPr>
-        <p:style>
-          <a:lnRef idx="1">
-            <a:schemeClr val="accent1"/>
-          </a:lnRef>
-          <a:fillRef idx="0">
-            <a:schemeClr val="accent1"/>
-          </a:fillRef>
-          <a:effectRef idx="0">
-            <a:schemeClr val="accent1"/>
-          </a:effectRef>
-          <a:fontRef idx="minor">
-            <a:schemeClr val="tx1"/>
-          </a:fontRef>
-        </p:style>
-      </p:cxnSp>
-      <p:sp>
-        <p:nvSpPr>
-          <p:cNvPr id="137" name="TextBox 136"/>
-          <p:cNvSpPr txBox="1"/>
-          <p:nvPr/>
-        </p:nvSpPr>
-        <p:spPr>
-          <a:xfrm>
-            <a:off x="6624804" y="5327008"/>
-            <a:ext cx="1676199" cy="415498"/>
-          </a:xfrm>
-          <a:prstGeom prst="rect">
-            <a:avLst/>
-          </a:prstGeom>
-          <a:solidFill>
-            <a:schemeClr val="bg1"/>
-          </a:solidFill>
-          <a:ln w="19050">
-            <a:solidFill>
-              <a:schemeClr val="tx1"/>
-            </a:solidFill>
-            <a:prstDash val="sysDot"/>
-          </a:ln>
-        </p:spPr>
-        <p:txBody>
-          <a:bodyPr wrap="square" rtlCol="0">
-            <a:spAutoFit/>
-          </a:bodyPr>
-          <a:lstStyle/>
-          <a:p>
-            <a:r>
-              <a:rPr lang="en-US" sz="1050" dirty="0" smtClean="0"/>
-              <a:t>Model metadata, variables,</a:t>
-            </a:r>
-          </a:p>
-          <a:p>
-            <a:r>
-              <a:rPr lang="en-US" sz="1050" dirty="0" smtClean="0"/>
-              <a:t>documentation, etc.</a:t>
-            </a:r>
-            <a:endParaRPr lang="en-US" sz="1050" dirty="0"/>
-          </a:p>
-        </p:txBody>
-      </p:sp>
-      <p:cxnSp>
-        <p:nvCxnSpPr>
-          <p:cNvPr id="127" name="Elbow Connector 126"/>
-          <p:cNvCxnSpPr>
-            <a:stCxn id="129" idx="3"/>
-            <a:endCxn id="36" idx="1"/>
-          </p:cNvCxnSpPr>
-          <p:nvPr/>
-        </p:nvCxnSpPr>
-        <p:spPr>
-          <a:xfrm>
-            <a:off x="3510985" y="5672832"/>
-            <a:ext cx="4990800" cy="792072"/>
-          </a:xfrm>
-          <a:prstGeom prst="bentConnector3">
-            <a:avLst>
-              <a:gd name="adj1" fmla="val 5214"/>
-            </a:avLst>
-          </a:prstGeom>
-          <a:ln>
-            <a:solidFill>
-              <a:schemeClr val="tx1"/>
-            </a:solidFill>
-            <a:tailEnd type="triangle"/>
-          </a:ln>
-        </p:spPr>
-        <p:style>
-          <a:lnRef idx="1">
-            <a:schemeClr val="accent1"/>
-          </a:lnRef>
-          <a:fillRef idx="0">
-            <a:schemeClr val="accent1"/>
-          </a:fillRef>
-          <a:effectRef idx="0">
-            <a:schemeClr val="accent1"/>
-          </a:effectRef>
-          <a:fontRef idx="minor">
-            <a:schemeClr val="tx1"/>
-          </a:fontRef>
-        </p:style>
-      </p:cxnSp>
-      <p:cxnSp>
-        <p:nvCxnSpPr>
-          <p:cNvPr id="169" name="Straight Arrow Connector 168"/>
-          <p:cNvCxnSpPr>
-            <a:stCxn id="29" idx="0"/>
-            <a:endCxn id="182" idx="2"/>
-          </p:cNvCxnSpPr>
-          <p:nvPr/>
-        </p:nvCxnSpPr>
-        <p:spPr>
-          <a:xfrm flipH="1" flipV="1">
-            <a:off x="5548602" y="2491643"/>
-            <a:ext cx="6337" cy="276338"/>
-          </a:xfrm>
-          <a:prstGeom prst="straightConnector1">
-            <a:avLst/>
-          </a:prstGeom>
-          <a:ln>
-            <a:solidFill>
-              <a:schemeClr val="tx1"/>
-            </a:solidFill>
-            <a:tailEnd type="triangle"/>
-          </a:ln>
-        </p:spPr>
-        <p:style>
-          <a:lnRef idx="1">
-            <a:schemeClr val="accent1"/>
-          </a:lnRef>
-          <a:fillRef idx="0">
-            <a:schemeClr val="accent1"/>
-          </a:fillRef>
-          <a:effectRef idx="0">
-            <a:schemeClr val="accent1"/>
-          </a:effectRef>
-          <a:fontRef idx="minor">
-            <a:schemeClr val="tx1"/>
-          </a:fontRef>
-        </p:style>
-      </p:cxnSp>
-      <p:cxnSp>
-        <p:nvCxnSpPr>
-          <p:cNvPr id="178" name="Elbow Connector 177"/>
-          <p:cNvCxnSpPr>
-            <a:stCxn id="129" idx="1"/>
-            <a:endCxn id="31" idx="1"/>
-          </p:cNvCxnSpPr>
-          <p:nvPr/>
-        </p:nvCxnSpPr>
-        <p:spPr>
-          <a:xfrm rot="10800000" flipH="1">
-            <a:off x="756214" y="2231386"/>
-            <a:ext cx="1797387" cy="3441447"/>
-          </a:xfrm>
-          <a:prstGeom prst="bentConnector3">
-            <a:avLst>
-              <a:gd name="adj1" fmla="val -12718"/>
-            </a:avLst>
-          </a:prstGeom>
-          <a:ln>
-            <a:solidFill>
-              <a:schemeClr val="tx1"/>
-            </a:solidFill>
-            <a:tailEnd type="triangle"/>
-          </a:ln>
-        </p:spPr>
-        <p:style>
-          <a:lnRef idx="1">
-            <a:schemeClr val="accent1"/>
-          </a:lnRef>
-          <a:fillRef idx="0">
-            <a:schemeClr val="accent1"/>
-          </a:fillRef>
-          <a:effectRef idx="0">
-            <a:schemeClr val="accent1"/>
-          </a:effectRef>
-          <a:fontRef idx="minor">
-            <a:schemeClr val="tx1"/>
-          </a:fontRef>
-        </p:style>
-      </p:cxnSp>
-      <p:sp>
-        <p:nvSpPr>
-          <p:cNvPr id="182" name="Folded Corner 181"/>
-          <p:cNvSpPr/>
-          <p:nvPr/>
-        </p:nvSpPr>
-        <p:spPr>
-          <a:xfrm>
-            <a:off x="4675253" y="1545525"/>
-            <a:ext cx="1746697" cy="946118"/>
-          </a:xfrm>
-          <a:prstGeom prst="foldedCorner">
-            <a:avLst>
-              <a:gd name="adj" fmla="val 13667"/>
-            </a:avLst>
-          </a:prstGeom>
-          <a:solidFill>
-            <a:schemeClr val="accent6">
-              <a:lumMod val="20000"/>
-              <a:lumOff val="80000"/>
-            </a:schemeClr>
-          </a:solidFill>
-          <a:ln>
-            <a:solidFill>
-              <a:srgbClr val="C00000"/>
-            </a:solidFill>
-          </a:ln>
-        </p:spPr>
-        <p:style>
-          <a:lnRef idx="2">
-            <a:schemeClr val="accent1">
-              <a:shade val="50000"/>
-            </a:schemeClr>
-          </a:lnRef>
-          <a:fillRef idx="1">
-            <a:schemeClr val="accent1"/>
-          </a:fillRef>
-          <a:effectRef idx="0">
-            <a:schemeClr val="accent1"/>
-          </a:effectRef>
-          <a:fontRef idx="minor">
-            <a:schemeClr val="lt1"/>
-          </a:fontRef>
-        </p:style>
-        <p:txBody>
-          <a:bodyPr rtlCol="0" anchor="t"/>
-          <a:lstStyle/>
-          <a:p>
-            <a:pPr algn="ctr"/>
-            <a:r>
-              <a:rPr lang="en-US" dirty="0">
-                <a:solidFill>
-                  <a:srgbClr val="C00000"/>
-                </a:solidFill>
-              </a:rPr>
-              <a:t>Model configuration metadata file </a:t>
-            </a:r>
-          </a:p>
-        </p:txBody>
-      </p:sp>
-      <p:cxnSp>
-        <p:nvCxnSpPr>
-          <p:cNvPr id="183" name="Elbow Connector 182"/>
-          <p:cNvCxnSpPr>
-            <a:stCxn id="196" idx="1"/>
-            <a:endCxn id="31" idx="1"/>
-          </p:cNvCxnSpPr>
-          <p:nvPr/>
-        </p:nvCxnSpPr>
-        <p:spPr>
-          <a:xfrm rot="10800000" flipH="1">
-            <a:off x="756212" y="2231386"/>
-            <a:ext cx="1797389" cy="4226269"/>
-          </a:xfrm>
-          <a:prstGeom prst="bentConnector3">
-            <a:avLst>
-              <a:gd name="adj1" fmla="val -23509"/>
-            </a:avLst>
-          </a:prstGeom>
-          <a:ln>
-            <a:solidFill>
-              <a:schemeClr val="tx1"/>
-            </a:solidFill>
-            <a:tailEnd type="triangle"/>
-          </a:ln>
-        </p:spPr>
-        <p:style>
-          <a:lnRef idx="1">
-            <a:schemeClr val="accent1"/>
-          </a:lnRef>
-          <a:fillRef idx="0">
-            <a:schemeClr val="accent1"/>
-          </a:fillRef>
-          <a:effectRef idx="0">
-            <a:schemeClr val="accent1"/>
-          </a:effectRef>
-          <a:fontRef idx="minor">
-            <a:schemeClr val="tx1"/>
-          </a:fontRef>
-        </p:style>
-      </p:cxnSp>
-      <p:sp>
-        <p:nvSpPr>
-          <p:cNvPr id="196" name="Rounded Rectangle 195"/>
-          <p:cNvSpPr/>
-          <p:nvPr/>
-        </p:nvSpPr>
-        <p:spPr>
-          <a:xfrm>
-            <a:off x="756213" y="6119781"/>
-            <a:ext cx="2754772" cy="675746"/>
-          </a:xfrm>
-          <a:prstGeom prst="roundRect">
-            <a:avLst/>
-          </a:prstGeom>
-          <a:solidFill>
-            <a:schemeClr val="accent1">
-              <a:lumMod val="20000"/>
-              <a:lumOff val="80000"/>
-            </a:schemeClr>
-          </a:solidFill>
-          <a:ln>
-            <a:solidFill>
-              <a:srgbClr val="C00000"/>
-            </a:solidFill>
-          </a:ln>
-        </p:spPr>
-        <p:style>
-          <a:lnRef idx="2">
-            <a:schemeClr val="accent1">
-              <a:shade val="50000"/>
-            </a:schemeClr>
-          </a:lnRef>
-          <a:fillRef idx="1">
-            <a:schemeClr val="accent1"/>
-          </a:fillRef>
-          <a:effectRef idx="0">
-            <a:schemeClr val="accent1"/>
-          </a:effectRef>
-          <a:fontRef idx="minor">
-            <a:schemeClr val="lt1"/>
-          </a:fontRef>
-        </p:style>
-        <p:txBody>
-          <a:bodyPr rtlCol="0" anchor="t"/>
-          <a:lstStyle/>
-          <a:p>
-            <a:pPr algn="ctr"/>
-            <a:r>
-              <a:rPr lang="en-US" dirty="0">
-                <a:solidFill>
-                  <a:srgbClr val="C00000"/>
-                </a:solidFill>
-              </a:rPr>
-              <a:t>Automated extraction of </a:t>
-            </a:r>
-            <a:r>
-              <a:rPr lang="en-US" dirty="0" smtClean="0">
-                <a:solidFill>
-                  <a:srgbClr val="C00000"/>
-                </a:solidFill>
-              </a:rPr>
-              <a:t>variables (Automates)</a:t>
-            </a:r>
-            <a:endParaRPr lang="en-US" dirty="0">
-              <a:solidFill>
-                <a:srgbClr val="C00000"/>
-              </a:solidFill>
-            </a:endParaRPr>
-          </a:p>
-        </p:txBody>
-      </p:sp>
-      <p:sp>
-        <p:nvSpPr>
-          <p:cNvPr id="2" name="Rectangle 1"/>
-          <p:cNvSpPr/>
-          <p:nvPr/>
-        </p:nvSpPr>
-        <p:spPr>
-          <a:xfrm>
-            <a:off x="2254585" y="312609"/>
-            <a:ext cx="6247200" cy="3728685"/>
-          </a:xfrm>
-          <a:prstGeom prst="rect">
-            <a:avLst/>
-          </a:prstGeom>
-          <a:noFill/>
-          <a:ln>
-            <a:solidFill>
-              <a:srgbClr val="C00000"/>
-            </a:solidFill>
-            <a:prstDash val="dash"/>
-          </a:ln>
-        </p:spPr>
-        <p:style>
-          <a:lnRef idx="2">
-            <a:schemeClr val="accent1">
-              <a:shade val="50000"/>
-            </a:schemeClr>
-          </a:lnRef>
-          <a:fillRef idx="1">
-            <a:schemeClr val="accent1"/>
-          </a:fillRef>
-          <a:effectRef idx="0">
-            <a:schemeClr val="accent1"/>
-          </a:effectRef>
-          <a:fontRef idx="minor">
-            <a:schemeClr val="lt1"/>
-          </a:fontRef>
-        </p:style>
-        <p:txBody>
-          <a:bodyPr rtlCol="0" anchor="ctr"/>
-          <a:lstStyle/>
-          <a:p>
-            <a:pPr algn="ctr"/>
-            <a:endParaRPr lang="en-US"/>
-          </a:p>
-        </p:txBody>
-      </p:sp>
-      <p:sp>
-        <p:nvSpPr>
-          <p:cNvPr id="14" name="TextBox 13"/>
-          <p:cNvSpPr txBox="1"/>
-          <p:nvPr/>
-        </p:nvSpPr>
-        <p:spPr>
-          <a:xfrm>
-            <a:off x="4738513" y="356473"/>
-            <a:ext cx="3061031" cy="369332"/>
-          </a:xfrm>
-          <a:prstGeom prst="rect">
-            <a:avLst/>
-          </a:prstGeom>
-          <a:noFill/>
-        </p:spPr>
-        <p:txBody>
-          <a:bodyPr wrap="none" rtlCol="0">
-            <a:spAutoFit/>
-          </a:bodyPr>
-          <a:lstStyle/>
-          <a:p>
-            <a:r>
-              <a:rPr lang="en-US" dirty="0" smtClean="0">
-                <a:solidFill>
-                  <a:srgbClr val="C00000"/>
-                </a:solidFill>
-              </a:rPr>
-              <a:t>Model Insertion Checker (MIC)</a:t>
-            </a:r>
-            <a:endParaRPr lang="en-US" dirty="0">
-              <a:solidFill>
-                <a:srgbClr val="C00000"/>
-              </a:solidFill>
-            </a:endParaRPr>
-          </a:p>
-        </p:txBody>
-      </p:sp>
-      <p:sp>
-        <p:nvSpPr>
-          <p:cNvPr id="76" name="Rectangle 75"/>
-          <p:cNvSpPr/>
-          <p:nvPr/>
-        </p:nvSpPr>
-        <p:spPr>
-          <a:xfrm>
-            <a:off x="10280099" y="6013741"/>
-            <a:ext cx="1703617" cy="902325"/>
-          </a:xfrm>
-          <a:prstGeom prst="rect">
-            <a:avLst/>
-          </a:prstGeom>
-          <a:solidFill>
-            <a:schemeClr val="accent6">
-              <a:lumMod val="20000"/>
-              <a:lumOff val="80000"/>
-            </a:schemeClr>
-          </a:solidFill>
-          <a:ln>
-            <a:solidFill>
-              <a:srgbClr val="C00000"/>
-            </a:solidFill>
-          </a:ln>
-        </p:spPr>
-        <p:style>
-          <a:lnRef idx="2">
-            <a:schemeClr val="accent1">
-              <a:shade val="50000"/>
-            </a:schemeClr>
-          </a:lnRef>
-          <a:fillRef idx="1">
-            <a:schemeClr val="accent1"/>
-          </a:fillRef>
-          <a:effectRef idx="0">
-            <a:schemeClr val="accent1"/>
-          </a:effectRef>
-          <a:fontRef idx="minor">
-            <a:schemeClr val="lt1"/>
-          </a:fontRef>
-        </p:style>
-        <p:txBody>
-          <a:bodyPr rtlCol="0" anchor="t"/>
-          <a:lstStyle/>
-          <a:p>
-            <a:pPr algn="ctr"/>
-            <a:r>
-              <a:rPr lang="en-US" dirty="0" smtClean="0">
-                <a:solidFill>
-                  <a:srgbClr val="C00000"/>
-                </a:solidFill>
-              </a:rPr>
-              <a:t>Run </a:t>
-            </a:r>
-            <a:r>
-              <a:rPr lang="en-US" dirty="0" smtClean="0">
-                <a:solidFill>
-                  <a:srgbClr val="C00000"/>
-                </a:solidFill>
-              </a:rPr>
-              <a:t>MINT model locally (DAME)</a:t>
-            </a:r>
-            <a:endParaRPr lang="en-US" dirty="0">
-              <a:solidFill>
-                <a:srgbClr val="C00000"/>
-              </a:solidFill>
-            </a:endParaRPr>
-          </a:p>
-        </p:txBody>
-      </p:sp>
-      <p:cxnSp>
-        <p:nvCxnSpPr>
-          <p:cNvPr id="77" name="Straight Arrow Connector 76"/>
-          <p:cNvCxnSpPr>
-            <a:stCxn id="76" idx="0"/>
-            <a:endCxn id="21" idx="2"/>
-          </p:cNvCxnSpPr>
-          <p:nvPr/>
-        </p:nvCxnSpPr>
-        <p:spPr>
-          <a:xfrm flipH="1" flipV="1">
-            <a:off x="9353594" y="5723694"/>
-            <a:ext cx="1778314" cy="290047"/>
-          </a:xfrm>
-          <a:prstGeom prst="straightConnector1">
-            <a:avLst/>
-          </a:prstGeom>
-          <a:ln>
-            <a:solidFill>
-              <a:schemeClr val="tx1"/>
-            </a:solidFill>
-            <a:tailEnd type="triangle"/>
-          </a:ln>
-        </p:spPr>
-        <p:style>
-          <a:lnRef idx="1">
-            <a:schemeClr val="accent1"/>
-          </a:lnRef>
-          <a:fillRef idx="0">
-            <a:schemeClr val="accent1"/>
-          </a:fillRef>
-          <a:effectRef idx="0">
-            <a:schemeClr val="accent1"/>
-          </a:effectRef>
-          <a:fontRef idx="minor">
-            <a:schemeClr val="tx1"/>
-          </a:fontRef>
-        </p:style>
-      </p:cxnSp>
-      <p:cxnSp>
-        <p:nvCxnSpPr>
-          <p:cNvPr id="80" name="Elbow Connector 79"/>
-          <p:cNvCxnSpPr>
-            <a:stCxn id="129" idx="3"/>
-            <a:endCxn id="76" idx="2"/>
-          </p:cNvCxnSpPr>
-          <p:nvPr/>
-        </p:nvCxnSpPr>
-        <p:spPr>
-          <a:xfrm>
-            <a:off x="3510985" y="5672832"/>
-            <a:ext cx="7620923" cy="1243234"/>
-          </a:xfrm>
-          <a:prstGeom prst="bentConnector4">
-            <a:avLst>
-              <a:gd name="adj1" fmla="val 3483"/>
-              <a:gd name="adj2" fmla="val 118388"/>
-            </a:avLst>
-          </a:prstGeom>
-          <a:ln>
-            <a:solidFill>
-              <a:schemeClr val="tx1"/>
-            </a:solidFill>
-            <a:tailEnd type="triangle"/>
-          </a:ln>
-        </p:spPr>
-        <p:style>
-          <a:lnRef idx="1">
-            <a:schemeClr val="accent1"/>
-          </a:lnRef>
-          <a:fillRef idx="0">
-            <a:schemeClr val="accent1"/>
-          </a:fillRef>
-          <a:effectRef idx="0">
-            <a:schemeClr val="accent1"/>
-          </a:effectRef>
-          <a:fontRef idx="minor">
-            <a:schemeClr val="tx1"/>
-          </a:fontRef>
-        </p:style>
-      </p:cxnSp>
+            </a:fontRef>
+          </p:style>
+        </p:cxnSp>
+      </p:grpSp>
     </p:spTree>
     <p:extLst>
       <p:ext uri="{BB962C8B-B14F-4D97-AF65-F5344CB8AC3E}">
